--- a/Results/Figures/figure_03.pptx
+++ b/Results/Figures/figure_03.pptx
@@ -123,14 +123,6 @@
 </p:presentation>
 </file>
 
-<file path=ppt/revisionInfo.xml><?xml version="1.0" encoding="utf-8"?>
-<p1510:revInfo xmlns:a="http://schemas.openxmlformats.org/drawingml/2006/main" xmlns:r="http://schemas.openxmlformats.org/officeDocument/2006/relationships" xmlns:p1510="http://schemas.microsoft.com/office/powerpoint/2015/10/main">
-  <p1510:revLst>
-    <p1510:client id="{9561989A-6F4B-49C8-AB3D-2F38768059CC}" v="103" dt="2024-11-20T21:06:15.564"/>
-  </p1510:revLst>
-</p1510:revInfo>
-</file>
-
 <file path=ppt/changesInfos/changesInfo1.xml><?xml version="1.0" encoding="utf-8"?>
 <pc:chgInfo xmlns:a="http://schemas.openxmlformats.org/drawingml/2006/main" xmlns:r="http://schemas.openxmlformats.org/officeDocument/2006/relationships" xmlns:ac="http://schemas.microsoft.com/office/drawing/2013/main/command" xmlns:pc="http://schemas.microsoft.com/office/powerpoint/2013/main/command">
   <pc:docChgLst>
@@ -162,30 +154,6 @@
             <ac:spMk id="45" creationId="{3C2ABE41-10A5-70FD-8685-6D280AD1D057}"/>
           </ac:spMkLst>
         </pc:spChg>
-        <pc:spChg chg="mod">
-          <ac:chgData name="Gilbert, Neil" userId="37be9f5c-8f28-415b-96d6-624acf93bb3f" providerId="ADAL" clId="{9561989A-6F4B-49C8-AB3D-2F38768059CC}" dt="2024-11-20T15:44:10.456" v="78" actId="478"/>
-          <ac:spMkLst>
-            <pc:docMk/>
-            <pc:sldMk cId="268507922" sldId="256"/>
-            <ac:spMk id="62" creationId="{133F10ED-44CE-B5CD-46F0-631A8C237167}"/>
-          </ac:spMkLst>
-        </pc:spChg>
-        <pc:spChg chg="mod">
-          <ac:chgData name="Gilbert, Neil" userId="37be9f5c-8f28-415b-96d6-624acf93bb3f" providerId="ADAL" clId="{9561989A-6F4B-49C8-AB3D-2F38768059CC}" dt="2024-11-20T20:35:06.056" v="206" actId="1076"/>
-          <ac:spMkLst>
-            <pc:docMk/>
-            <pc:sldMk cId="268507922" sldId="256"/>
-            <ac:spMk id="63" creationId="{3C2ABE41-10A5-70FD-8685-6D280AD1D057}"/>
-          </ac:spMkLst>
-        </pc:spChg>
-        <pc:grpChg chg="add del mod">
-          <ac:chgData name="Gilbert, Neil" userId="37be9f5c-8f28-415b-96d6-624acf93bb3f" providerId="ADAL" clId="{9561989A-6F4B-49C8-AB3D-2F38768059CC}" dt="2024-11-20T20:39:03.312" v="225" actId="21"/>
-          <ac:grpSpMkLst>
-            <pc:docMk/>
-            <pc:sldMk cId="268507922" sldId="256"/>
-            <ac:grpSpMk id="33" creationId="{A4C7BBD9-C2A6-B388-60CB-AD1C5070D4BE}"/>
-          </ac:grpSpMkLst>
-        </pc:grpChg>
         <pc:grpChg chg="add mod">
           <ac:chgData name="Gilbert, Neil" userId="37be9f5c-8f28-415b-96d6-624acf93bb3f" providerId="ADAL" clId="{9561989A-6F4B-49C8-AB3D-2F38768059CC}" dt="2024-11-20T20:39:16.894" v="226"/>
           <ac:grpSpMkLst>
@@ -202,204 +170,12 @@
             <ac:grpSpMk id="37" creationId="{562DC42B-5422-8577-CD41-8D6CEDF2E8CC}"/>
           </ac:grpSpMkLst>
         </pc:grpChg>
-        <pc:grpChg chg="add del mod">
-          <ac:chgData name="Gilbert, Neil" userId="37be9f5c-8f28-415b-96d6-624acf93bb3f" providerId="ADAL" clId="{9561989A-6F4B-49C8-AB3D-2F38768059CC}" dt="2024-11-20T20:36:52.555" v="224" actId="164"/>
-          <ac:grpSpMkLst>
-            <pc:docMk/>
-            <pc:sldMk cId="268507922" sldId="256"/>
-            <ac:grpSpMk id="60" creationId="{562DC42B-5422-8577-CD41-8D6CEDF2E8CC}"/>
-          </ac:grpSpMkLst>
-        </pc:grpChg>
-        <pc:grpChg chg="del mod">
-          <ac:chgData name="Gilbert, Neil" userId="37be9f5c-8f28-415b-96d6-624acf93bb3f" providerId="ADAL" clId="{9561989A-6F4B-49C8-AB3D-2F38768059CC}" dt="2024-11-20T15:44:10.456" v="78" actId="478"/>
-          <ac:grpSpMkLst>
-            <pc:docMk/>
-            <pc:sldMk cId="268507922" sldId="256"/>
-            <ac:grpSpMk id="61" creationId="{1D031098-2056-772E-F1E0-AA1341525C8C}"/>
-          </ac:grpSpMkLst>
-        </pc:grpChg>
-        <pc:grpChg chg="del mod">
-          <ac:chgData name="Gilbert, Neil" userId="37be9f5c-8f28-415b-96d6-624acf93bb3f" providerId="ADAL" clId="{9561989A-6F4B-49C8-AB3D-2F38768059CC}" dt="2024-11-20T15:44:06.040" v="74" actId="478"/>
-          <ac:grpSpMkLst>
-            <pc:docMk/>
-            <pc:sldMk cId="268507922" sldId="256"/>
-            <ac:grpSpMk id="1025" creationId="{4A70BDE3-9296-8FFD-ADA3-7DA0BA0C32E7}"/>
-          </ac:grpSpMkLst>
-        </pc:grpChg>
-        <pc:grpChg chg="del mod">
-          <ac:chgData name="Gilbert, Neil" userId="37be9f5c-8f28-415b-96d6-624acf93bb3f" providerId="ADAL" clId="{9561989A-6F4B-49C8-AB3D-2F38768059CC}" dt="2024-11-20T15:44:09.386" v="77" actId="478"/>
-          <ac:grpSpMkLst>
-            <pc:docMk/>
-            <pc:sldMk cId="268507922" sldId="256"/>
-            <ac:grpSpMk id="1029" creationId="{8B9CC6C8-921A-8566-0464-FADB53374467}"/>
-          </ac:grpSpMkLst>
-        </pc:grpChg>
-        <pc:picChg chg="add del mod ord modCrop">
-          <ac:chgData name="Gilbert, Neil" userId="37be9f5c-8f28-415b-96d6-624acf93bb3f" providerId="ADAL" clId="{9561989A-6F4B-49C8-AB3D-2F38768059CC}" dt="2024-11-20T16:35:59.219" v="133" actId="478"/>
-          <ac:picMkLst>
-            <pc:docMk/>
-            <pc:sldMk cId="268507922" sldId="256"/>
-            <ac:picMk id="3" creationId="{29FF11E1-B737-01C1-9B91-F41530AB31EC}"/>
-          </ac:picMkLst>
-        </pc:picChg>
-        <pc:picChg chg="add del mod">
-          <ac:chgData name="Gilbert, Neil" userId="37be9f5c-8f28-415b-96d6-624acf93bb3f" providerId="ADAL" clId="{9561989A-6F4B-49C8-AB3D-2F38768059CC}" dt="2024-11-20T15:44:11.271" v="79" actId="478"/>
-          <ac:picMkLst>
-            <pc:docMk/>
-            <pc:sldMk cId="268507922" sldId="256"/>
-            <ac:picMk id="4" creationId="{73837819-AEEE-9DFE-DED9-A4E95A3380EA}"/>
-          </ac:picMkLst>
-        </pc:picChg>
-        <pc:picChg chg="add mod">
-          <ac:chgData name="Gilbert, Neil" userId="37be9f5c-8f28-415b-96d6-624acf93bb3f" providerId="ADAL" clId="{9561989A-6F4B-49C8-AB3D-2F38768059CC}" dt="2024-11-20T20:36:52.555" v="224" actId="164"/>
-          <ac:picMkLst>
-            <pc:docMk/>
-            <pc:sldMk cId="268507922" sldId="256"/>
-            <ac:picMk id="5" creationId="{87EBA3DF-FF8E-5AAC-DBB1-E166D7CDA0AC}"/>
-          </ac:picMkLst>
-        </pc:picChg>
-        <pc:picChg chg="add del mod">
-          <ac:chgData name="Gilbert, Neil" userId="37be9f5c-8f28-415b-96d6-624acf93bb3f" providerId="ADAL" clId="{9561989A-6F4B-49C8-AB3D-2F38768059CC}" dt="2024-11-20T15:45:48.575" v="105" actId="478"/>
-          <ac:picMkLst>
-            <pc:docMk/>
-            <pc:sldMk cId="268507922" sldId="256"/>
-            <ac:picMk id="6" creationId="{AE0A68D5-4D1F-9D47-06D6-AB528E828AB6}"/>
-          </ac:picMkLst>
-        </pc:picChg>
-        <pc:picChg chg="add mod">
-          <ac:chgData name="Gilbert, Neil" userId="37be9f5c-8f28-415b-96d6-624acf93bb3f" providerId="ADAL" clId="{9561989A-6F4B-49C8-AB3D-2F38768059CC}" dt="2024-11-20T20:36:52.555" v="224" actId="164"/>
-          <ac:picMkLst>
-            <pc:docMk/>
-            <pc:sldMk cId="268507922" sldId="256"/>
-            <ac:picMk id="8" creationId="{51ED987C-0937-D95D-F8E1-2A4F8EF9F3D7}"/>
-          </ac:picMkLst>
-        </pc:picChg>
-        <pc:picChg chg="add del mod">
-          <ac:chgData name="Gilbert, Neil" userId="37be9f5c-8f28-415b-96d6-624acf93bb3f" providerId="ADAL" clId="{9561989A-6F4B-49C8-AB3D-2F38768059CC}" dt="2024-11-20T15:46:11.948" v="110" actId="478"/>
-          <ac:picMkLst>
-            <pc:docMk/>
-            <pc:sldMk cId="268507922" sldId="256"/>
-            <ac:picMk id="9" creationId="{AE3C2A4A-207D-9B3D-E2A5-B5640CA4BC8C}"/>
-          </ac:picMkLst>
-        </pc:picChg>
-        <pc:picChg chg="add mod">
-          <ac:chgData name="Gilbert, Neil" userId="37be9f5c-8f28-415b-96d6-624acf93bb3f" providerId="ADAL" clId="{9561989A-6F4B-49C8-AB3D-2F38768059CC}" dt="2024-11-20T20:36:52.555" v="224" actId="164"/>
-          <ac:picMkLst>
-            <pc:docMk/>
-            <pc:sldMk cId="268507922" sldId="256"/>
-            <ac:picMk id="11" creationId="{16FF750D-4091-51D2-6013-A6DDC5CB6B71}"/>
-          </ac:picMkLst>
-        </pc:picChg>
-        <pc:picChg chg="add mod">
-          <ac:chgData name="Gilbert, Neil" userId="37be9f5c-8f28-415b-96d6-624acf93bb3f" providerId="ADAL" clId="{9561989A-6F4B-49C8-AB3D-2F38768059CC}" dt="2024-11-20T20:36:52.555" v="224" actId="164"/>
-          <ac:picMkLst>
-            <pc:docMk/>
-            <pc:sldMk cId="268507922" sldId="256"/>
-            <ac:picMk id="12" creationId="{6F5AFEBD-68A4-D22A-9A1F-56DCDA88B0B2}"/>
-          </ac:picMkLst>
-        </pc:picChg>
-        <pc:picChg chg="add mod">
-          <ac:chgData name="Gilbert, Neil" userId="37be9f5c-8f28-415b-96d6-624acf93bb3f" providerId="ADAL" clId="{9561989A-6F4B-49C8-AB3D-2F38768059CC}" dt="2024-11-20T20:36:52.555" v="224" actId="164"/>
-          <ac:picMkLst>
-            <pc:docMk/>
-            <pc:sldMk cId="268507922" sldId="256"/>
-            <ac:picMk id="13" creationId="{362DF697-E4BF-B744-F31F-3E1FE661F785}"/>
-          </ac:picMkLst>
-        </pc:picChg>
-        <pc:picChg chg="add mod">
-          <ac:chgData name="Gilbert, Neil" userId="37be9f5c-8f28-415b-96d6-624acf93bb3f" providerId="ADAL" clId="{9561989A-6F4B-49C8-AB3D-2F38768059CC}" dt="2024-11-20T20:36:52.555" v="224" actId="164"/>
-          <ac:picMkLst>
-            <pc:docMk/>
-            <pc:sldMk cId="268507922" sldId="256"/>
-            <ac:picMk id="14" creationId="{DEF1755A-474F-B06D-264A-B8A9348E1DF7}"/>
-          </ac:picMkLst>
-        </pc:picChg>
-        <pc:picChg chg="add mod">
-          <ac:chgData name="Gilbert, Neil" userId="37be9f5c-8f28-415b-96d6-624acf93bb3f" providerId="ADAL" clId="{9561989A-6F4B-49C8-AB3D-2F38768059CC}" dt="2024-11-20T16:00:36.618" v="125"/>
-          <ac:picMkLst>
-            <pc:docMk/>
-            <pc:sldMk cId="268507922" sldId="256"/>
-            <ac:picMk id="16" creationId="{451CB7C5-B168-4522-ADF6-C534FB5E4BE9}"/>
-          </ac:picMkLst>
-        </pc:picChg>
-        <pc:picChg chg="add del mod ord">
-          <ac:chgData name="Gilbert, Neil" userId="37be9f5c-8f28-415b-96d6-624acf93bb3f" providerId="ADAL" clId="{9561989A-6F4B-49C8-AB3D-2F38768059CC}" dt="2024-11-20T20:34:34.105" v="194" actId="478"/>
-          <ac:picMkLst>
-            <pc:docMk/>
-            <pc:sldMk cId="268507922" sldId="256"/>
-            <ac:picMk id="18" creationId="{D62C9E56-33C6-7733-E1A6-24ACEF763372}"/>
-          </ac:picMkLst>
-        </pc:picChg>
-        <pc:picChg chg="add del mod ord">
-          <ac:chgData name="Gilbert, Neil" userId="37be9f5c-8f28-415b-96d6-624acf93bb3f" providerId="ADAL" clId="{9561989A-6F4B-49C8-AB3D-2F38768059CC}" dt="2024-11-20T16:36:23.665" v="140" actId="478"/>
-          <ac:picMkLst>
-            <pc:docMk/>
-            <pc:sldMk cId="268507922" sldId="256"/>
-            <ac:picMk id="20" creationId="{F22B8011-2FFE-060F-FBE1-6C70AD86389A}"/>
-          </ac:picMkLst>
-        </pc:picChg>
-        <pc:picChg chg="add del mod ord">
-          <ac:chgData name="Gilbert, Neil" userId="37be9f5c-8f28-415b-96d6-624acf93bb3f" providerId="ADAL" clId="{9561989A-6F4B-49C8-AB3D-2F38768059CC}" dt="2024-11-20T16:43:31.142" v="150" actId="478"/>
-          <ac:picMkLst>
-            <pc:docMk/>
-            <pc:sldMk cId="268507922" sldId="256"/>
-            <ac:picMk id="22" creationId="{FAB29666-FA3B-67EB-2B65-4CB22C7DEB80}"/>
-          </ac:picMkLst>
-        </pc:picChg>
-        <pc:picChg chg="add del mod ord modCrop">
-          <ac:chgData name="Gilbert, Neil" userId="37be9f5c-8f28-415b-96d6-624acf93bb3f" providerId="ADAL" clId="{9561989A-6F4B-49C8-AB3D-2F38768059CC}" dt="2024-11-20T16:52:11.544" v="161" actId="478"/>
-          <ac:picMkLst>
-            <pc:docMk/>
-            <pc:sldMk cId="268507922" sldId="256"/>
-            <ac:picMk id="24" creationId="{48E0C5BD-C6AE-A23F-5A32-6E7B3DE20CE6}"/>
-          </ac:picMkLst>
-        </pc:picChg>
-        <pc:picChg chg="add del mod ord">
-          <ac:chgData name="Gilbert, Neil" userId="37be9f5c-8f28-415b-96d6-624acf93bb3f" providerId="ADAL" clId="{9561989A-6F4B-49C8-AB3D-2F38768059CC}" dt="2024-11-20T16:53:35.827" v="174" actId="478"/>
-          <ac:picMkLst>
-            <pc:docMk/>
-            <pc:sldMk cId="268507922" sldId="256"/>
-            <ac:picMk id="26" creationId="{754ED612-96B4-0198-F7C9-EF906DECB6F3}"/>
-          </ac:picMkLst>
-        </pc:picChg>
-        <pc:picChg chg="add del mod ord modCrop">
-          <ac:chgData name="Gilbert, Neil" userId="37be9f5c-8f28-415b-96d6-624acf93bb3f" providerId="ADAL" clId="{9561989A-6F4B-49C8-AB3D-2F38768059CC}" dt="2024-11-20T16:54:21.870" v="186" actId="478"/>
-          <ac:picMkLst>
-            <pc:docMk/>
-            <pc:sldMk cId="268507922" sldId="256"/>
-            <ac:picMk id="28" creationId="{6AC2E5E2-A513-7F3A-C938-23976B13F7D1}"/>
-          </ac:picMkLst>
-        </pc:picChg>
-        <pc:picChg chg="add mod ord">
-          <ac:chgData name="Gilbert, Neil" userId="37be9f5c-8f28-415b-96d6-624acf93bb3f" providerId="ADAL" clId="{9561989A-6F4B-49C8-AB3D-2F38768059CC}" dt="2024-11-20T20:36:52.555" v="224" actId="164"/>
-          <ac:picMkLst>
-            <pc:docMk/>
-            <pc:sldMk cId="268507922" sldId="256"/>
-            <ac:picMk id="30" creationId="{47E2A885-0C8B-A266-6142-127E956029E3}"/>
-          </ac:picMkLst>
-        </pc:picChg>
-        <pc:picChg chg="add mod ord">
-          <ac:chgData name="Gilbert, Neil" userId="37be9f5c-8f28-415b-96d6-624acf93bb3f" providerId="ADAL" clId="{9561989A-6F4B-49C8-AB3D-2F38768059CC}" dt="2024-11-20T20:36:52.555" v="224" actId="164"/>
-          <ac:picMkLst>
-            <pc:docMk/>
-            <pc:sldMk cId="268507922" sldId="256"/>
-            <ac:picMk id="32" creationId="{F44BB6CA-6E35-B19D-40D0-141E4DF5792E}"/>
-          </ac:picMkLst>
-        </pc:picChg>
         <pc:picChg chg="mod">
           <ac:chgData name="Gilbert, Neil" userId="37be9f5c-8f28-415b-96d6-624acf93bb3f" providerId="ADAL" clId="{9561989A-6F4B-49C8-AB3D-2F38768059CC}" dt="2024-11-20T20:39:16.894" v="226"/>
           <ac:picMkLst>
             <pc:docMk/>
             <pc:sldMk cId="268507922" sldId="256"/>
             <ac:picMk id="35" creationId="{47E2A885-0C8B-A266-6142-127E956029E3}"/>
-          </ac:picMkLst>
-        </pc:picChg>
-        <pc:picChg chg="del mod">
-          <ac:chgData name="Gilbert, Neil" userId="37be9f5c-8f28-415b-96d6-624acf93bb3f" providerId="ADAL" clId="{9561989A-6F4B-49C8-AB3D-2F38768059CC}" dt="2024-11-20T21:06:09.585" v="227" actId="478"/>
-          <ac:picMkLst>
-            <pc:docMk/>
-            <pc:sldMk cId="268507922" sldId="256"/>
-            <ac:picMk id="36" creationId="{F44BB6CA-6E35-B19D-40D0-141E4DF5792E}"/>
           </ac:picMkLst>
         </pc:picChg>
         <pc:picChg chg="mod">
@@ -458,86 +234,38 @@
             <ac:picMk id="47" creationId="{5CA18B89-C216-9E0D-81D0-24D7A704F942}"/>
           </ac:picMkLst>
         </pc:picChg>
-        <pc:picChg chg="del">
-          <ac:chgData name="Gilbert, Neil" userId="37be9f5c-8f28-415b-96d6-624acf93bb3f" providerId="ADAL" clId="{9561989A-6F4B-49C8-AB3D-2F38768059CC}" dt="2024-11-11T16:12:24.092" v="0" actId="478"/>
-          <ac:picMkLst>
+      </pc:sldChg>
+    </pc:docChg>
+  </pc:docChgLst>
+  <pc:docChgLst>
+    <pc:chgData name="Gilbert, Neil" userId="37be9f5c-8f28-415b-96d6-624acf93bb3f" providerId="ADAL" clId="{E47290D8-570C-4370-B6F6-1AF3FEE279C2}"/>
+    <pc:docChg chg="modSld">
+      <pc:chgData name="Gilbert, Neil" userId="37be9f5c-8f28-415b-96d6-624acf93bb3f" providerId="ADAL" clId="{E47290D8-570C-4370-B6F6-1AF3FEE279C2}" dt="2024-12-09T18:06:26.019" v="3" actId="20577"/>
+      <pc:docMkLst>
+        <pc:docMk/>
+      </pc:docMkLst>
+      <pc:sldChg chg="modSp mod">
+        <pc:chgData name="Gilbert, Neil" userId="37be9f5c-8f28-415b-96d6-624acf93bb3f" providerId="ADAL" clId="{E47290D8-570C-4370-B6F6-1AF3FEE279C2}" dt="2024-12-09T18:06:26.019" v="3" actId="20577"/>
+        <pc:sldMkLst>
+          <pc:docMk/>
+          <pc:sldMk cId="268507922" sldId="256"/>
+        </pc:sldMkLst>
+        <pc:spChg chg="mod">
+          <ac:chgData name="Gilbert, Neil" userId="37be9f5c-8f28-415b-96d6-624acf93bb3f" providerId="ADAL" clId="{E47290D8-570C-4370-B6F6-1AF3FEE279C2}" dt="2024-12-09T18:06:23.551" v="1" actId="20577"/>
+          <ac:spMkLst>
             <pc:docMk/>
             <pc:sldMk cId="268507922" sldId="256"/>
-            <ac:picMk id="1024" creationId="{932986F5-4457-C306-066F-4BAA3FB5326D}"/>
-          </ac:picMkLst>
-        </pc:picChg>
-        <pc:picChg chg="add mod">
-          <ac:chgData name="Gilbert, Neil" userId="37be9f5c-8f28-415b-96d6-624acf93bb3f" providerId="ADAL" clId="{9561989A-6F4B-49C8-AB3D-2F38768059CC}" dt="2024-11-11T16:15:28.775" v="52" actId="732"/>
-          <ac:picMkLst>
+            <ac:spMk id="44" creationId="{133F10ED-44CE-B5CD-46F0-631A8C237167}"/>
+          </ac:spMkLst>
+        </pc:spChg>
+        <pc:spChg chg="mod">
+          <ac:chgData name="Gilbert, Neil" userId="37be9f5c-8f28-415b-96d6-624acf93bb3f" providerId="ADAL" clId="{E47290D8-570C-4370-B6F6-1AF3FEE279C2}" dt="2024-12-09T18:06:26.019" v="3" actId="20577"/>
+          <ac:spMkLst>
             <pc:docMk/>
             <pc:sldMk cId="268507922" sldId="256"/>
-            <ac:picMk id="1026" creationId="{4EDCB04E-4F1B-AA1B-6754-6A9FA2007BF4}"/>
-          </ac:picMkLst>
-        </pc:picChg>
-        <pc:picChg chg="del mod">
-          <ac:chgData name="Gilbert, Neil" userId="37be9f5c-8f28-415b-96d6-624acf93bb3f" providerId="ADAL" clId="{9561989A-6F4B-49C8-AB3D-2F38768059CC}" dt="2024-11-20T16:00:39.254" v="127" actId="478"/>
-          <ac:picMkLst>
-            <pc:docMk/>
-            <pc:sldMk cId="268507922" sldId="256"/>
-            <ac:picMk id="1027" creationId="{F06224F9-3643-2D7A-B2B8-B48D44578F02}"/>
-          </ac:picMkLst>
-        </pc:picChg>
-        <pc:picChg chg="add del mod">
-          <ac:chgData name="Gilbert, Neil" userId="37be9f5c-8f28-415b-96d6-624acf93bb3f" providerId="ADAL" clId="{9561989A-6F4B-49C8-AB3D-2F38768059CC}" dt="2024-11-20T15:44:07.891" v="76" actId="478"/>
-          <ac:picMkLst>
-            <pc:docMk/>
-            <pc:sldMk cId="268507922" sldId="256"/>
-            <ac:picMk id="1028" creationId="{E8DA3D06-2430-DE6A-27BF-AF14CF272D28}"/>
-          </ac:picMkLst>
-        </pc:picChg>
-        <pc:picChg chg="del mod">
-          <ac:chgData name="Gilbert, Neil" userId="37be9f5c-8f28-415b-96d6-624acf93bb3f" providerId="ADAL" clId="{9561989A-6F4B-49C8-AB3D-2F38768059CC}" dt="2024-11-20T15:44:09.386" v="77" actId="478"/>
-          <ac:picMkLst>
-            <pc:docMk/>
-            <pc:sldMk cId="268507922" sldId="256"/>
-            <ac:picMk id="1030" creationId="{5CBBDF78-6694-9CD2-4044-C5D5325D8351}"/>
-          </ac:picMkLst>
-        </pc:picChg>
-        <pc:picChg chg="del mod">
-          <ac:chgData name="Gilbert, Neil" userId="37be9f5c-8f28-415b-96d6-624acf93bb3f" providerId="ADAL" clId="{9561989A-6F4B-49C8-AB3D-2F38768059CC}" dt="2024-11-20T15:44:10.456" v="78" actId="478"/>
-          <ac:picMkLst>
-            <pc:docMk/>
-            <pc:sldMk cId="268507922" sldId="256"/>
-            <ac:picMk id="1031" creationId="{AABEB834-A9BD-3314-9181-8800E60D172B}"/>
-          </ac:picMkLst>
-        </pc:picChg>
-        <pc:picChg chg="del mod">
-          <ac:chgData name="Gilbert, Neil" userId="37be9f5c-8f28-415b-96d6-624acf93bb3f" providerId="ADAL" clId="{9561989A-6F4B-49C8-AB3D-2F38768059CC}" dt="2024-11-11T16:16:42.841" v="71" actId="478"/>
-          <ac:picMkLst>
-            <pc:docMk/>
-            <pc:sldMk cId="268507922" sldId="256"/>
-            <ac:picMk id="1032" creationId="{1A33441B-D278-17F6-CA04-D633E2D12AF0}"/>
-          </ac:picMkLst>
-        </pc:picChg>
-        <pc:picChg chg="del mod">
-          <ac:chgData name="Gilbert, Neil" userId="37be9f5c-8f28-415b-96d6-624acf93bb3f" providerId="ADAL" clId="{9561989A-6F4B-49C8-AB3D-2F38768059CC}" dt="2024-11-20T15:44:06.040" v="74" actId="478"/>
-          <ac:picMkLst>
-            <pc:docMk/>
-            <pc:sldMk cId="268507922" sldId="256"/>
-            <ac:picMk id="1033" creationId="{C5C4C95C-60D7-A17E-1721-3D0424FBBE6B}"/>
-          </ac:picMkLst>
-        </pc:picChg>
-        <pc:picChg chg="del mod">
-          <ac:chgData name="Gilbert, Neil" userId="37be9f5c-8f28-415b-96d6-624acf93bb3f" providerId="ADAL" clId="{9561989A-6F4B-49C8-AB3D-2F38768059CC}" dt="2024-11-20T15:44:07.096" v="75" actId="478"/>
-          <ac:picMkLst>
-            <pc:docMk/>
-            <pc:sldMk cId="268507922" sldId="256"/>
-            <ac:picMk id="1034" creationId="{23F1F054-4E3E-5218-3510-1C1F1D2ACFEC}"/>
-          </ac:picMkLst>
-        </pc:picChg>
-        <pc:picChg chg="del mod">
-          <ac:chgData name="Gilbert, Neil" userId="37be9f5c-8f28-415b-96d6-624acf93bb3f" providerId="ADAL" clId="{9561989A-6F4B-49C8-AB3D-2F38768059CC}" dt="2024-11-11T16:16:33.210" v="66" actId="478"/>
-          <ac:picMkLst>
-            <pc:docMk/>
-            <pc:sldMk cId="268507922" sldId="256"/>
-            <ac:picMk id="1035" creationId="{066A2B18-A35A-2BA4-79C1-5F6BD2C7DAB1}"/>
-          </ac:picMkLst>
-        </pc:picChg>
+            <ac:spMk id="45" creationId="{3C2ABE41-10A5-70FD-8685-6D280AD1D057}"/>
+          </ac:spMkLst>
+        </pc:spChg>
       </pc:sldChg>
     </pc:docChg>
   </pc:docChgLst>
@@ -675,7 +403,7 @@
           <a:p>
             <a:fld id="{2F68B2EA-A892-46A1-BEA1-475FA51A3827}" type="datetimeFigureOut">
               <a:rPr lang="en-US" smtClean="0"/>
-              <a:t>11/20/2024</a:t>
+              <a:t>12/9/2024</a:t>
             </a:fld>
             <a:endParaRPr lang="en-US"/>
           </a:p>
@@ -845,7 +573,7 @@
           <a:p>
             <a:fld id="{2F68B2EA-A892-46A1-BEA1-475FA51A3827}" type="datetimeFigureOut">
               <a:rPr lang="en-US" smtClean="0"/>
-              <a:t>11/20/2024</a:t>
+              <a:t>12/9/2024</a:t>
             </a:fld>
             <a:endParaRPr lang="en-US"/>
           </a:p>
@@ -1025,7 +753,7 @@
           <a:p>
             <a:fld id="{2F68B2EA-A892-46A1-BEA1-475FA51A3827}" type="datetimeFigureOut">
               <a:rPr lang="en-US" smtClean="0"/>
-              <a:t>11/20/2024</a:t>
+              <a:t>12/9/2024</a:t>
             </a:fld>
             <a:endParaRPr lang="en-US"/>
           </a:p>
@@ -1195,7 +923,7 @@
           <a:p>
             <a:fld id="{2F68B2EA-A892-46A1-BEA1-475FA51A3827}" type="datetimeFigureOut">
               <a:rPr lang="en-US" smtClean="0"/>
-              <a:t>11/20/2024</a:t>
+              <a:t>12/9/2024</a:t>
             </a:fld>
             <a:endParaRPr lang="en-US"/>
           </a:p>
@@ -1441,7 +1169,7 @@
           <a:p>
             <a:fld id="{2F68B2EA-A892-46A1-BEA1-475FA51A3827}" type="datetimeFigureOut">
               <a:rPr lang="en-US" smtClean="0"/>
-              <a:t>11/20/2024</a:t>
+              <a:t>12/9/2024</a:t>
             </a:fld>
             <a:endParaRPr lang="en-US"/>
           </a:p>
@@ -1673,7 +1401,7 @@
           <a:p>
             <a:fld id="{2F68B2EA-A892-46A1-BEA1-475FA51A3827}" type="datetimeFigureOut">
               <a:rPr lang="en-US" smtClean="0"/>
-              <a:t>11/20/2024</a:t>
+              <a:t>12/9/2024</a:t>
             </a:fld>
             <a:endParaRPr lang="en-US"/>
           </a:p>
@@ -2040,7 +1768,7 @@
           <a:p>
             <a:fld id="{2F68B2EA-A892-46A1-BEA1-475FA51A3827}" type="datetimeFigureOut">
               <a:rPr lang="en-US" smtClean="0"/>
-              <a:t>11/20/2024</a:t>
+              <a:t>12/9/2024</a:t>
             </a:fld>
             <a:endParaRPr lang="en-US"/>
           </a:p>
@@ -2158,7 +1886,7 @@
           <a:p>
             <a:fld id="{2F68B2EA-A892-46A1-BEA1-475FA51A3827}" type="datetimeFigureOut">
               <a:rPr lang="en-US" smtClean="0"/>
-              <a:t>11/20/2024</a:t>
+              <a:t>12/9/2024</a:t>
             </a:fld>
             <a:endParaRPr lang="en-US"/>
           </a:p>
@@ -2253,7 +1981,7 @@
           <a:p>
             <a:fld id="{2F68B2EA-A892-46A1-BEA1-475FA51A3827}" type="datetimeFigureOut">
               <a:rPr lang="en-US" smtClean="0"/>
-              <a:t>11/20/2024</a:t>
+              <a:t>12/9/2024</a:t>
             </a:fld>
             <a:endParaRPr lang="en-US"/>
           </a:p>
@@ -2530,7 +2258,7 @@
           <a:p>
             <a:fld id="{2F68B2EA-A892-46A1-BEA1-475FA51A3827}" type="datetimeFigureOut">
               <a:rPr lang="en-US" smtClean="0"/>
-              <a:t>11/20/2024</a:t>
+              <a:t>12/9/2024</a:t>
             </a:fld>
             <a:endParaRPr lang="en-US"/>
           </a:p>
@@ -2787,7 +2515,7 @@
           <a:p>
             <a:fld id="{2F68B2EA-A892-46A1-BEA1-475FA51A3827}" type="datetimeFigureOut">
               <a:rPr lang="en-US" smtClean="0"/>
-              <a:t>11/20/2024</a:t>
+              <a:t>12/9/2024</a:t>
             </a:fld>
             <a:endParaRPr lang="en-US"/>
           </a:p>
@@ -3000,7 +2728,7 @@
           <a:p>
             <a:fld id="{2F68B2EA-A892-46A1-BEA1-475FA51A3827}" type="datetimeFigureOut">
               <a:rPr lang="en-US" smtClean="0"/>
-              <a:t>11/20/2024</a:t>
+              <a:t>12/9/2024</a:t>
             </a:fld>
             <a:endParaRPr lang="en-US"/>
           </a:p>
@@ -3569,7 +3297,7 @@
                       <a:schemeClr val="tx1"/>
                     </a:solidFill>
                   </a:rPr>
-                  <a:t>(a)</a:t>
+                  <a:t>(A)</a:t>
                 </a:r>
               </a:p>
             </p:txBody>
@@ -3621,13 +3349,18 @@
               <a:p>
                 <a:pPr algn="ctr"/>
                 <a:r>
-                  <a:rPr lang="en-US" sz="1000" b="1" dirty="0">
+                  <a:rPr lang="en-US" sz="1000" b="1">
                     <a:solidFill>
                       <a:schemeClr val="tx1"/>
                     </a:solidFill>
                   </a:rPr>
-                  <a:t>(b)</a:t>
+                  <a:t>(B)</a:t>
                 </a:r>
+                <a:endParaRPr lang="en-US" sz="1000" b="1" dirty="0">
+                  <a:solidFill>
+                    <a:schemeClr val="tx1"/>
+                  </a:solidFill>
+                </a:endParaRPr>
               </a:p>
             </p:txBody>
           </p:sp>

--- a/Results/Figures/figure_03.pptx
+++ b/Results/Figures/figure_03.pptx
@@ -123,6 +123,14 @@
 </p:presentation>
 </file>
 
+<file path=ppt/revisionInfo.xml><?xml version="1.0" encoding="utf-8"?>
+<p1510:revInfo xmlns:a="http://schemas.openxmlformats.org/drawingml/2006/main" xmlns:r="http://schemas.openxmlformats.org/officeDocument/2006/relationships" xmlns:p1510="http://schemas.microsoft.com/office/powerpoint/2015/10/main">
+  <p1510:revLst>
+    <p1510:client id="{E47290D8-570C-4370-B6F6-1AF3FEE279C2}" v="24" dt="2024-12-11T16:00:25.620"/>
+  </p1510:revLst>
+</p1510:revInfo>
+</file>
+
 <file path=ppt/changesInfos/changesInfo1.xml><?xml version="1.0" encoding="utf-8"?>
 <pc:chgInfo xmlns:a="http://schemas.openxmlformats.org/drawingml/2006/main" xmlns:r="http://schemas.openxmlformats.org/officeDocument/2006/relationships" xmlns:ac="http://schemas.microsoft.com/office/drawing/2013/main/command" xmlns:pc="http://schemas.microsoft.com/office/powerpoint/2013/main/command">
   <pc:docChgLst>
@@ -138,46 +146,6 @@
           <pc:docMk/>
           <pc:sldMk cId="268507922" sldId="256"/>
         </pc:sldMkLst>
-        <pc:spChg chg="mod">
-          <ac:chgData name="Gilbert, Neil" userId="37be9f5c-8f28-415b-96d6-624acf93bb3f" providerId="ADAL" clId="{9561989A-6F4B-49C8-AB3D-2F38768059CC}" dt="2024-11-20T20:39:16.894" v="226"/>
-          <ac:spMkLst>
-            <pc:docMk/>
-            <pc:sldMk cId="268507922" sldId="256"/>
-            <ac:spMk id="44" creationId="{133F10ED-44CE-B5CD-46F0-631A8C237167}"/>
-          </ac:spMkLst>
-        </pc:spChg>
-        <pc:spChg chg="mod">
-          <ac:chgData name="Gilbert, Neil" userId="37be9f5c-8f28-415b-96d6-624acf93bb3f" providerId="ADAL" clId="{9561989A-6F4B-49C8-AB3D-2F38768059CC}" dt="2024-11-20T20:39:16.894" v="226"/>
-          <ac:spMkLst>
-            <pc:docMk/>
-            <pc:sldMk cId="268507922" sldId="256"/>
-            <ac:spMk id="45" creationId="{3C2ABE41-10A5-70FD-8685-6D280AD1D057}"/>
-          </ac:spMkLst>
-        </pc:spChg>
-        <pc:grpChg chg="add mod">
-          <ac:chgData name="Gilbert, Neil" userId="37be9f5c-8f28-415b-96d6-624acf93bb3f" providerId="ADAL" clId="{9561989A-6F4B-49C8-AB3D-2F38768059CC}" dt="2024-11-20T20:39:16.894" v="226"/>
-          <ac:grpSpMkLst>
-            <pc:docMk/>
-            <pc:sldMk cId="268507922" sldId="256"/>
-            <ac:grpSpMk id="34" creationId="{A4C7BBD9-C2A6-B388-60CB-AD1C5070D4BE}"/>
-          </ac:grpSpMkLst>
-        </pc:grpChg>
-        <pc:grpChg chg="mod">
-          <ac:chgData name="Gilbert, Neil" userId="37be9f5c-8f28-415b-96d6-624acf93bb3f" providerId="ADAL" clId="{9561989A-6F4B-49C8-AB3D-2F38768059CC}" dt="2024-11-20T20:39:16.894" v="226"/>
-          <ac:grpSpMkLst>
-            <pc:docMk/>
-            <pc:sldMk cId="268507922" sldId="256"/>
-            <ac:grpSpMk id="37" creationId="{562DC42B-5422-8577-CD41-8D6CEDF2E8CC}"/>
-          </ac:grpSpMkLst>
-        </pc:grpChg>
-        <pc:picChg chg="mod">
-          <ac:chgData name="Gilbert, Neil" userId="37be9f5c-8f28-415b-96d6-624acf93bb3f" providerId="ADAL" clId="{9561989A-6F4B-49C8-AB3D-2F38768059CC}" dt="2024-11-20T20:39:16.894" v="226"/>
-          <ac:picMkLst>
-            <pc:docMk/>
-            <pc:sldMk cId="268507922" sldId="256"/>
-            <ac:picMk id="35" creationId="{47E2A885-0C8B-A266-6142-127E956029E3}"/>
-          </ac:picMkLst>
-        </pc:picChg>
         <pc:picChg chg="mod">
           <ac:chgData name="Gilbert, Neil" userId="37be9f5c-8f28-415b-96d6-624acf93bb3f" providerId="ADAL" clId="{9561989A-6F4B-49C8-AB3D-2F38768059CC}" dt="2024-11-20T20:39:16.894" v="226"/>
           <ac:picMkLst>
@@ -226,46 +194,278 @@
             <ac:picMk id="43" creationId="{DEF1755A-474F-B06D-264A-B8A9348E1DF7}"/>
           </ac:picMkLst>
         </pc:picChg>
+      </pc:sldChg>
+    </pc:docChg>
+  </pc:docChgLst>
+  <pc:docChgLst>
+    <pc:chgData name="Gilbert, Neil" userId="37be9f5c-8f28-415b-96d6-624acf93bb3f" providerId="ADAL" clId="{E47290D8-570C-4370-B6F6-1AF3FEE279C2}"/>
+    <pc:docChg chg="undo custSel modSld">
+      <pc:chgData name="Gilbert, Neil" userId="37be9f5c-8f28-415b-96d6-624acf93bb3f" providerId="ADAL" clId="{E47290D8-570C-4370-B6F6-1AF3FEE279C2}" dt="2024-12-11T16:00:31.114" v="620" actId="167"/>
+      <pc:docMkLst>
+        <pc:docMk/>
+      </pc:docMkLst>
+      <pc:sldChg chg="addSp delSp modSp mod">
+        <pc:chgData name="Gilbert, Neil" userId="37be9f5c-8f28-415b-96d6-624acf93bb3f" providerId="ADAL" clId="{E47290D8-570C-4370-B6F6-1AF3FEE279C2}" dt="2024-12-11T16:00:31.114" v="620" actId="167"/>
+        <pc:sldMkLst>
+          <pc:docMk/>
+          <pc:sldMk cId="268507922" sldId="256"/>
+        </pc:sldMkLst>
+        <pc:spChg chg="add del mod">
+          <ac:chgData name="Gilbert, Neil" userId="37be9f5c-8f28-415b-96d6-624acf93bb3f" providerId="ADAL" clId="{E47290D8-570C-4370-B6F6-1AF3FEE279C2}" dt="2024-12-11T15:29:34.090" v="108" actId="478"/>
+          <ac:spMkLst>
+            <pc:docMk/>
+            <pc:sldMk cId="268507922" sldId="256"/>
+            <ac:spMk id="2" creationId="{127413B6-F84C-BF1B-D901-37021C9EA60E}"/>
+          </ac:spMkLst>
+        </pc:spChg>
+        <pc:spChg chg="add mod">
+          <ac:chgData name="Gilbert, Neil" userId="37be9f5c-8f28-415b-96d6-624acf93bb3f" providerId="ADAL" clId="{E47290D8-570C-4370-B6F6-1AF3FEE279C2}" dt="2024-12-11T16:00:25.620" v="619" actId="165"/>
+          <ac:spMkLst>
+            <pc:docMk/>
+            <pc:sldMk cId="268507922" sldId="256"/>
+            <ac:spMk id="3" creationId="{AAA16069-2F61-B03F-36D0-0E1EAD4144B9}"/>
+          </ac:spMkLst>
+        </pc:spChg>
+        <pc:spChg chg="add mod">
+          <ac:chgData name="Gilbert, Neil" userId="37be9f5c-8f28-415b-96d6-624acf93bb3f" providerId="ADAL" clId="{E47290D8-570C-4370-B6F6-1AF3FEE279C2}" dt="2024-12-11T16:00:25.620" v="619" actId="165"/>
+          <ac:spMkLst>
+            <pc:docMk/>
+            <pc:sldMk cId="268507922" sldId="256"/>
+            <ac:spMk id="9" creationId="{639B4EDD-BD19-DB73-15C1-C51318E99990}"/>
+          </ac:spMkLst>
+        </pc:spChg>
+        <pc:spChg chg="add del mod">
+          <ac:chgData name="Gilbert, Neil" userId="37be9f5c-8f28-415b-96d6-624acf93bb3f" providerId="ADAL" clId="{E47290D8-570C-4370-B6F6-1AF3FEE279C2}" dt="2024-12-11T15:50:23.145" v="342" actId="478"/>
+          <ac:spMkLst>
+            <pc:docMk/>
+            <pc:sldMk cId="268507922" sldId="256"/>
+            <ac:spMk id="17" creationId="{F62E8D4B-715F-540E-5714-74B0DE37EB1F}"/>
+          </ac:spMkLst>
+        </pc:spChg>
+        <pc:spChg chg="add mod topLvl">
+          <ac:chgData name="Gilbert, Neil" userId="37be9f5c-8f28-415b-96d6-624acf93bb3f" providerId="ADAL" clId="{E47290D8-570C-4370-B6F6-1AF3FEE279C2}" dt="2024-12-11T16:00:25.620" v="619" actId="165"/>
+          <ac:spMkLst>
+            <pc:docMk/>
+            <pc:sldMk cId="268507922" sldId="256"/>
+            <ac:spMk id="18" creationId="{1A30C909-7538-5A95-5442-35E8E6A23015}"/>
+          </ac:spMkLst>
+        </pc:spChg>
+        <pc:spChg chg="add mod topLvl">
+          <ac:chgData name="Gilbert, Neil" userId="37be9f5c-8f28-415b-96d6-624acf93bb3f" providerId="ADAL" clId="{E47290D8-570C-4370-B6F6-1AF3FEE279C2}" dt="2024-12-11T16:00:25.620" v="619" actId="165"/>
+          <ac:spMkLst>
+            <pc:docMk/>
+            <pc:sldMk cId="268507922" sldId="256"/>
+            <ac:spMk id="19" creationId="{1A19C248-609D-90C9-3C35-C389250510B4}"/>
+          </ac:spMkLst>
+        </pc:spChg>
+        <pc:spChg chg="del mod topLvl">
+          <ac:chgData name="Gilbert, Neil" userId="37be9f5c-8f28-415b-96d6-624acf93bb3f" providerId="ADAL" clId="{E47290D8-570C-4370-B6F6-1AF3FEE279C2}" dt="2024-12-11T15:41:05.846" v="314" actId="478"/>
+          <ac:spMkLst>
+            <pc:docMk/>
+            <pc:sldMk cId="268507922" sldId="256"/>
+            <ac:spMk id="44" creationId="{133F10ED-44CE-B5CD-46F0-631A8C237167}"/>
+          </ac:spMkLst>
+        </pc:spChg>
+        <pc:spChg chg="del mod topLvl">
+          <ac:chgData name="Gilbert, Neil" userId="37be9f5c-8f28-415b-96d6-624acf93bb3f" providerId="ADAL" clId="{E47290D8-570C-4370-B6F6-1AF3FEE279C2}" dt="2024-12-11T15:49:55.220" v="336" actId="478"/>
+          <ac:spMkLst>
+            <pc:docMk/>
+            <pc:sldMk cId="268507922" sldId="256"/>
+            <ac:spMk id="45" creationId="{3C2ABE41-10A5-70FD-8685-6D280AD1D057}"/>
+          </ac:spMkLst>
+        </pc:spChg>
+        <pc:grpChg chg="add mod topLvl">
+          <ac:chgData name="Gilbert, Neil" userId="37be9f5c-8f28-415b-96d6-624acf93bb3f" providerId="ADAL" clId="{E47290D8-570C-4370-B6F6-1AF3FEE279C2}" dt="2024-12-11T16:00:25.620" v="619" actId="165"/>
+          <ac:grpSpMkLst>
+            <pc:docMk/>
+            <pc:sldMk cId="268507922" sldId="256"/>
+            <ac:grpSpMk id="12" creationId="{C87824AF-F2D8-78A5-04FE-DF7715F9E3F3}"/>
+          </ac:grpSpMkLst>
+        </pc:grpChg>
+        <pc:grpChg chg="add mod topLvl">
+          <ac:chgData name="Gilbert, Neil" userId="37be9f5c-8f28-415b-96d6-624acf93bb3f" providerId="ADAL" clId="{E47290D8-570C-4370-B6F6-1AF3FEE279C2}" dt="2024-12-11T16:00:25.620" v="619" actId="165"/>
+          <ac:grpSpMkLst>
+            <pc:docMk/>
+            <pc:sldMk cId="268507922" sldId="256"/>
+            <ac:grpSpMk id="13" creationId="{BE2FEA2B-B9F6-2AF9-FC66-3B3ECF67B85F}"/>
+          </ac:grpSpMkLst>
+        </pc:grpChg>
+        <pc:grpChg chg="add del mod">
+          <ac:chgData name="Gilbert, Neil" userId="37be9f5c-8f28-415b-96d6-624acf93bb3f" providerId="ADAL" clId="{E47290D8-570C-4370-B6F6-1AF3FEE279C2}" dt="2024-12-11T15:51:05.743" v="347" actId="165"/>
+          <ac:grpSpMkLst>
+            <pc:docMk/>
+            <pc:sldMk cId="268507922" sldId="256"/>
+            <ac:grpSpMk id="20" creationId="{A6F944A0-1F92-F7A5-11E3-230D4D8E52FF}"/>
+          </ac:grpSpMkLst>
+        </pc:grpChg>
+        <pc:grpChg chg="add del mod">
+          <ac:chgData name="Gilbert, Neil" userId="37be9f5c-8f28-415b-96d6-624acf93bb3f" providerId="ADAL" clId="{E47290D8-570C-4370-B6F6-1AF3FEE279C2}" dt="2024-12-11T16:00:25.620" v="619" actId="165"/>
+          <ac:grpSpMkLst>
+            <pc:docMk/>
+            <pc:sldMk cId="268507922" sldId="256"/>
+            <ac:grpSpMk id="32" creationId="{2DCFEB99-09B7-82FF-5D23-021251D4DC5C}"/>
+          </ac:grpSpMkLst>
+        </pc:grpChg>
+        <pc:grpChg chg="del mod">
+          <ac:chgData name="Gilbert, Neil" userId="37be9f5c-8f28-415b-96d6-624acf93bb3f" providerId="ADAL" clId="{E47290D8-570C-4370-B6F6-1AF3FEE279C2}" dt="2024-12-11T15:34:24.373" v="148" actId="165"/>
+          <ac:grpSpMkLst>
+            <pc:docMk/>
+            <pc:sldMk cId="268507922" sldId="256"/>
+            <ac:grpSpMk id="34" creationId="{A4C7BBD9-C2A6-B388-60CB-AD1C5070D4BE}"/>
+          </ac:grpSpMkLst>
+        </pc:grpChg>
+        <pc:grpChg chg="del mod topLvl">
+          <ac:chgData name="Gilbert, Neil" userId="37be9f5c-8f28-415b-96d6-624acf93bb3f" providerId="ADAL" clId="{E47290D8-570C-4370-B6F6-1AF3FEE279C2}" dt="2024-12-11T15:41:05.846" v="314" actId="478"/>
+          <ac:grpSpMkLst>
+            <pc:docMk/>
+            <pc:sldMk cId="268507922" sldId="256"/>
+            <ac:grpSpMk id="37" creationId="{562DC42B-5422-8577-CD41-8D6CEDF2E8CC}"/>
+          </ac:grpSpMkLst>
+        </pc:grpChg>
+        <pc:picChg chg="add del mod ord">
+          <ac:chgData name="Gilbert, Neil" userId="37be9f5c-8f28-415b-96d6-624acf93bb3f" providerId="ADAL" clId="{E47290D8-570C-4370-B6F6-1AF3FEE279C2}" dt="2024-12-11T15:59:41.133" v="610" actId="478"/>
+          <ac:picMkLst>
+            <pc:docMk/>
+            <pc:sldMk cId="268507922" sldId="256"/>
+            <ac:picMk id="22" creationId="{217AECC4-4336-5177-EE1A-F83F4BAD1230}"/>
+          </ac:picMkLst>
+        </pc:picChg>
+        <pc:picChg chg="add del mod ord modCrop">
+          <ac:chgData name="Gilbert, Neil" userId="37be9f5c-8f28-415b-96d6-624acf93bb3f" providerId="ADAL" clId="{E47290D8-570C-4370-B6F6-1AF3FEE279C2}" dt="2024-12-11T15:53:01.943" v="428" actId="478"/>
+          <ac:picMkLst>
+            <pc:docMk/>
+            <pc:sldMk cId="268507922" sldId="256"/>
+            <ac:picMk id="24" creationId="{28BB2F59-DC59-1135-EE0F-5ACCCCE10688}"/>
+          </ac:picMkLst>
+        </pc:picChg>
+        <pc:picChg chg="add del mod ord">
+          <ac:chgData name="Gilbert, Neil" userId="37be9f5c-8f28-415b-96d6-624acf93bb3f" providerId="ADAL" clId="{E47290D8-570C-4370-B6F6-1AF3FEE279C2}" dt="2024-12-11T15:54:32.671" v="478" actId="478"/>
+          <ac:picMkLst>
+            <pc:docMk/>
+            <pc:sldMk cId="268507922" sldId="256"/>
+            <ac:picMk id="26" creationId="{3B6968D5-E126-8619-F214-DE9AD4B36CCF}"/>
+          </ac:picMkLst>
+        </pc:picChg>
+        <pc:picChg chg="add del mod ord">
+          <ac:chgData name="Gilbert, Neil" userId="37be9f5c-8f28-415b-96d6-624acf93bb3f" providerId="ADAL" clId="{E47290D8-570C-4370-B6F6-1AF3FEE279C2}" dt="2024-12-11T15:55:24.386" v="485" actId="478"/>
+          <ac:picMkLst>
+            <pc:docMk/>
+            <pc:sldMk cId="268507922" sldId="256"/>
+            <ac:picMk id="28" creationId="{4717CA23-1D64-2F92-38D5-7A5A1306A9C7}"/>
+          </ac:picMkLst>
+        </pc:picChg>
+        <pc:picChg chg="add del mod ord modCrop">
+          <ac:chgData name="Gilbert, Neil" userId="37be9f5c-8f28-415b-96d6-624acf93bb3f" providerId="ADAL" clId="{E47290D8-570C-4370-B6F6-1AF3FEE279C2}" dt="2024-12-11T15:56:07.399" v="519" actId="21"/>
+          <ac:picMkLst>
+            <pc:docMk/>
+            <pc:sldMk cId="268507922" sldId="256"/>
+            <ac:picMk id="30" creationId="{E718996A-2393-985D-5035-124DAB536EFB}"/>
+          </ac:picMkLst>
+        </pc:picChg>
+        <pc:picChg chg="add mod ord topLvl modCrop">
+          <ac:chgData name="Gilbert, Neil" userId="37be9f5c-8f28-415b-96d6-624acf93bb3f" providerId="ADAL" clId="{E47290D8-570C-4370-B6F6-1AF3FEE279C2}" dt="2024-12-11T16:00:31.114" v="620" actId="167"/>
+          <ac:picMkLst>
+            <pc:docMk/>
+            <pc:sldMk cId="268507922" sldId="256"/>
+            <ac:picMk id="31" creationId="{E718996A-2393-985D-5035-124DAB536EFB}"/>
+          </ac:picMkLst>
+        </pc:picChg>
+        <pc:picChg chg="del mod topLvl modCrop">
+          <ac:chgData name="Gilbert, Neil" userId="37be9f5c-8f28-415b-96d6-624acf93bb3f" providerId="ADAL" clId="{E47290D8-570C-4370-B6F6-1AF3FEE279C2}" dt="2024-12-11T15:49:50.642" v="335" actId="478"/>
+          <ac:picMkLst>
+            <pc:docMk/>
+            <pc:sldMk cId="268507922" sldId="256"/>
+            <ac:picMk id="35" creationId="{47E2A885-0C8B-A266-6142-127E956029E3}"/>
+          </ac:picMkLst>
+        </pc:picChg>
         <pc:picChg chg="add mod ord">
-          <ac:chgData name="Gilbert, Neil" userId="37be9f5c-8f28-415b-96d6-624acf93bb3f" providerId="ADAL" clId="{9561989A-6F4B-49C8-AB3D-2F38768059CC}" dt="2024-11-20T21:06:27.726" v="233" actId="1076"/>
+          <ac:chgData name="Gilbert, Neil" userId="37be9f5c-8f28-415b-96d6-624acf93bb3f" providerId="ADAL" clId="{E47290D8-570C-4370-B6F6-1AF3FEE279C2}" dt="2024-12-11T16:00:10.049" v="616" actId="167"/>
+          <ac:picMkLst>
+            <pc:docMk/>
+            <pc:sldMk cId="268507922" sldId="256"/>
+            <ac:picMk id="36" creationId="{62E34BFF-2B76-3D36-FBD3-0EE7558D9C58}"/>
+          </ac:picMkLst>
+        </pc:picChg>
+        <pc:picChg chg="mod topLvl">
+          <ac:chgData name="Gilbert, Neil" userId="37be9f5c-8f28-415b-96d6-624acf93bb3f" providerId="ADAL" clId="{E47290D8-570C-4370-B6F6-1AF3FEE279C2}" dt="2024-12-11T16:00:25.620" v="619" actId="165"/>
+          <ac:picMkLst>
+            <pc:docMk/>
+            <pc:sldMk cId="268507922" sldId="256"/>
+            <ac:picMk id="38" creationId="{87EBA3DF-FF8E-5AAC-DBB1-E166D7CDA0AC}"/>
+          </ac:picMkLst>
+        </pc:picChg>
+        <pc:picChg chg="mod topLvl">
+          <ac:chgData name="Gilbert, Neil" userId="37be9f5c-8f28-415b-96d6-624acf93bb3f" providerId="ADAL" clId="{E47290D8-570C-4370-B6F6-1AF3FEE279C2}" dt="2024-12-11T16:00:25.620" v="619" actId="165"/>
+          <ac:picMkLst>
+            <pc:docMk/>
+            <pc:sldMk cId="268507922" sldId="256"/>
+            <ac:picMk id="39" creationId="{51ED987C-0937-D95D-F8E1-2A4F8EF9F3D7}"/>
+          </ac:picMkLst>
+        </pc:picChg>
+        <pc:picChg chg="mod topLvl">
+          <ac:chgData name="Gilbert, Neil" userId="37be9f5c-8f28-415b-96d6-624acf93bb3f" providerId="ADAL" clId="{E47290D8-570C-4370-B6F6-1AF3FEE279C2}" dt="2024-12-11T16:00:25.620" v="619" actId="165"/>
+          <ac:picMkLst>
+            <pc:docMk/>
+            <pc:sldMk cId="268507922" sldId="256"/>
+            <ac:picMk id="40" creationId="{16FF750D-4091-51D2-6013-A6DDC5CB6B71}"/>
+          </ac:picMkLst>
+        </pc:picChg>
+        <pc:picChg chg="mod topLvl">
+          <ac:chgData name="Gilbert, Neil" userId="37be9f5c-8f28-415b-96d6-624acf93bb3f" providerId="ADAL" clId="{E47290D8-570C-4370-B6F6-1AF3FEE279C2}" dt="2024-12-11T16:00:25.620" v="619" actId="165"/>
+          <ac:picMkLst>
+            <pc:docMk/>
+            <pc:sldMk cId="268507922" sldId="256"/>
+            <ac:picMk id="41" creationId="{6F5AFEBD-68A4-D22A-9A1F-56DCDA88B0B2}"/>
+          </ac:picMkLst>
+        </pc:picChg>
+        <pc:picChg chg="mod topLvl">
+          <ac:chgData name="Gilbert, Neil" userId="37be9f5c-8f28-415b-96d6-624acf93bb3f" providerId="ADAL" clId="{E47290D8-570C-4370-B6F6-1AF3FEE279C2}" dt="2024-12-11T16:00:25.620" v="619" actId="165"/>
+          <ac:picMkLst>
+            <pc:docMk/>
+            <pc:sldMk cId="268507922" sldId="256"/>
+            <ac:picMk id="42" creationId="{362DF697-E4BF-B744-F31F-3E1FE661F785}"/>
+          </ac:picMkLst>
+        </pc:picChg>
+        <pc:picChg chg="mod topLvl">
+          <ac:chgData name="Gilbert, Neil" userId="37be9f5c-8f28-415b-96d6-624acf93bb3f" providerId="ADAL" clId="{E47290D8-570C-4370-B6F6-1AF3FEE279C2}" dt="2024-12-11T16:00:25.620" v="619" actId="165"/>
+          <ac:picMkLst>
+            <pc:docMk/>
+            <pc:sldMk cId="268507922" sldId="256"/>
+            <ac:picMk id="43" creationId="{DEF1755A-474F-B06D-264A-B8A9348E1DF7}"/>
+          </ac:picMkLst>
+        </pc:picChg>
+        <pc:picChg chg="del mod">
+          <ac:chgData name="Gilbert, Neil" userId="37be9f5c-8f28-415b-96d6-624acf93bb3f" providerId="ADAL" clId="{E47290D8-570C-4370-B6F6-1AF3FEE279C2}" dt="2024-12-11T15:44:57.377" v="327" actId="478"/>
           <ac:picMkLst>
             <pc:docMk/>
             <pc:sldMk cId="268507922" sldId="256"/>
             <ac:picMk id="47" creationId="{5CA18B89-C216-9E0D-81D0-24D7A704F942}"/>
           </ac:picMkLst>
         </pc:picChg>
-      </pc:sldChg>
-    </pc:docChg>
-  </pc:docChgLst>
-  <pc:docChgLst>
-    <pc:chgData name="Gilbert, Neil" userId="37be9f5c-8f28-415b-96d6-624acf93bb3f" providerId="ADAL" clId="{E47290D8-570C-4370-B6F6-1AF3FEE279C2}"/>
-    <pc:docChg chg="modSld">
-      <pc:chgData name="Gilbert, Neil" userId="37be9f5c-8f28-415b-96d6-624acf93bb3f" providerId="ADAL" clId="{E47290D8-570C-4370-B6F6-1AF3FEE279C2}" dt="2024-12-09T18:06:26.019" v="3" actId="20577"/>
-      <pc:docMkLst>
-        <pc:docMk/>
-      </pc:docMkLst>
-      <pc:sldChg chg="modSp mod">
-        <pc:chgData name="Gilbert, Neil" userId="37be9f5c-8f28-415b-96d6-624acf93bb3f" providerId="ADAL" clId="{E47290D8-570C-4370-B6F6-1AF3FEE279C2}" dt="2024-12-09T18:06:26.019" v="3" actId="20577"/>
-        <pc:sldMkLst>
-          <pc:docMk/>
-          <pc:sldMk cId="268507922" sldId="256"/>
-        </pc:sldMkLst>
-        <pc:spChg chg="mod">
-          <ac:chgData name="Gilbert, Neil" userId="37be9f5c-8f28-415b-96d6-624acf93bb3f" providerId="ADAL" clId="{E47290D8-570C-4370-B6F6-1AF3FEE279C2}" dt="2024-12-09T18:06:23.551" v="1" actId="20577"/>
-          <ac:spMkLst>
+        <pc:cxnChg chg="add mod">
+          <ac:chgData name="Gilbert, Neil" userId="37be9f5c-8f28-415b-96d6-624acf93bb3f" providerId="ADAL" clId="{E47290D8-570C-4370-B6F6-1AF3FEE279C2}" dt="2024-12-11T16:00:25.620" v="619" actId="165"/>
+          <ac:cxnSpMkLst>
             <pc:docMk/>
             <pc:sldMk cId="268507922" sldId="256"/>
-            <ac:spMk id="44" creationId="{133F10ED-44CE-B5CD-46F0-631A8C237167}"/>
-          </ac:spMkLst>
-        </pc:spChg>
-        <pc:spChg chg="mod">
-          <ac:chgData name="Gilbert, Neil" userId="37be9f5c-8f28-415b-96d6-624acf93bb3f" providerId="ADAL" clId="{E47290D8-570C-4370-B6F6-1AF3FEE279C2}" dt="2024-12-09T18:06:26.019" v="3" actId="20577"/>
-          <ac:spMkLst>
+            <ac:cxnSpMk id="5" creationId="{FE870867-0638-D790-B95C-4E55730DC1C6}"/>
+          </ac:cxnSpMkLst>
+        </pc:cxnChg>
+        <pc:cxnChg chg="add mod">
+          <ac:chgData name="Gilbert, Neil" userId="37be9f5c-8f28-415b-96d6-624acf93bb3f" providerId="ADAL" clId="{E47290D8-570C-4370-B6F6-1AF3FEE279C2}" dt="2024-12-11T16:00:25.620" v="619" actId="165"/>
+          <ac:cxnSpMkLst>
             <pc:docMk/>
             <pc:sldMk cId="268507922" sldId="256"/>
-            <ac:spMk id="45" creationId="{3C2ABE41-10A5-70FD-8685-6D280AD1D057}"/>
-          </ac:spMkLst>
-        </pc:spChg>
+            <ac:cxnSpMk id="7" creationId="{2970EB5C-D6BC-6116-67B7-1FD6E6368C40}"/>
+          </ac:cxnSpMkLst>
+        </pc:cxnChg>
+        <pc:cxnChg chg="add mod">
+          <ac:chgData name="Gilbert, Neil" userId="37be9f5c-8f28-415b-96d6-624acf93bb3f" providerId="ADAL" clId="{E47290D8-570C-4370-B6F6-1AF3FEE279C2}" dt="2024-12-11T16:00:25.620" v="619" actId="165"/>
+          <ac:cxnSpMkLst>
+            <pc:docMk/>
+            <pc:sldMk cId="268507922" sldId="256"/>
+            <ac:cxnSpMk id="10" creationId="{F91C67C8-9674-0551-1511-03CFC21B3B1B}"/>
+          </ac:cxnSpMkLst>
+        </pc:cxnChg>
       </pc:sldChg>
     </pc:docChg>
   </pc:docChgLst>
@@ -403,7 +603,7 @@
           <a:p>
             <a:fld id="{2F68B2EA-A892-46A1-BEA1-475FA51A3827}" type="datetimeFigureOut">
               <a:rPr lang="en-US" smtClean="0"/>
-              <a:t>12/9/2024</a:t>
+              <a:t>12/11/2024</a:t>
             </a:fld>
             <a:endParaRPr lang="en-US"/>
           </a:p>
@@ -573,7 +773,7 @@
           <a:p>
             <a:fld id="{2F68B2EA-A892-46A1-BEA1-475FA51A3827}" type="datetimeFigureOut">
               <a:rPr lang="en-US" smtClean="0"/>
-              <a:t>12/9/2024</a:t>
+              <a:t>12/11/2024</a:t>
             </a:fld>
             <a:endParaRPr lang="en-US"/>
           </a:p>
@@ -753,7 +953,7 @@
           <a:p>
             <a:fld id="{2F68B2EA-A892-46A1-BEA1-475FA51A3827}" type="datetimeFigureOut">
               <a:rPr lang="en-US" smtClean="0"/>
-              <a:t>12/9/2024</a:t>
+              <a:t>12/11/2024</a:t>
             </a:fld>
             <a:endParaRPr lang="en-US"/>
           </a:p>
@@ -923,7 +1123,7 @@
           <a:p>
             <a:fld id="{2F68B2EA-A892-46A1-BEA1-475FA51A3827}" type="datetimeFigureOut">
               <a:rPr lang="en-US" smtClean="0"/>
-              <a:t>12/9/2024</a:t>
+              <a:t>12/11/2024</a:t>
             </a:fld>
             <a:endParaRPr lang="en-US"/>
           </a:p>
@@ -1169,7 +1369,7 @@
           <a:p>
             <a:fld id="{2F68B2EA-A892-46A1-BEA1-475FA51A3827}" type="datetimeFigureOut">
               <a:rPr lang="en-US" smtClean="0"/>
-              <a:t>12/9/2024</a:t>
+              <a:t>12/11/2024</a:t>
             </a:fld>
             <a:endParaRPr lang="en-US"/>
           </a:p>
@@ -1401,7 +1601,7 @@
           <a:p>
             <a:fld id="{2F68B2EA-A892-46A1-BEA1-475FA51A3827}" type="datetimeFigureOut">
               <a:rPr lang="en-US" smtClean="0"/>
-              <a:t>12/9/2024</a:t>
+              <a:t>12/11/2024</a:t>
             </a:fld>
             <a:endParaRPr lang="en-US"/>
           </a:p>
@@ -1768,7 +1968,7 @@
           <a:p>
             <a:fld id="{2F68B2EA-A892-46A1-BEA1-475FA51A3827}" type="datetimeFigureOut">
               <a:rPr lang="en-US" smtClean="0"/>
-              <a:t>12/9/2024</a:t>
+              <a:t>12/11/2024</a:t>
             </a:fld>
             <a:endParaRPr lang="en-US"/>
           </a:p>
@@ -1886,7 +2086,7 @@
           <a:p>
             <a:fld id="{2F68B2EA-A892-46A1-BEA1-475FA51A3827}" type="datetimeFigureOut">
               <a:rPr lang="en-US" smtClean="0"/>
-              <a:t>12/9/2024</a:t>
+              <a:t>12/11/2024</a:t>
             </a:fld>
             <a:endParaRPr lang="en-US"/>
           </a:p>
@@ -1981,7 +2181,7 @@
           <a:p>
             <a:fld id="{2F68B2EA-A892-46A1-BEA1-475FA51A3827}" type="datetimeFigureOut">
               <a:rPr lang="en-US" smtClean="0"/>
-              <a:t>12/9/2024</a:t>
+              <a:t>12/11/2024</a:t>
             </a:fld>
             <a:endParaRPr lang="en-US"/>
           </a:p>
@@ -2258,7 +2458,7 @@
           <a:p>
             <a:fld id="{2F68B2EA-A892-46A1-BEA1-475FA51A3827}" type="datetimeFigureOut">
               <a:rPr lang="en-US" smtClean="0"/>
-              <a:t>12/9/2024</a:t>
+              <a:t>12/11/2024</a:t>
             </a:fld>
             <a:endParaRPr lang="en-US"/>
           </a:p>
@@ -2515,7 +2715,7 @@
           <a:p>
             <a:fld id="{2F68B2EA-A892-46A1-BEA1-475FA51A3827}" type="datetimeFigureOut">
               <a:rPr lang="en-US" smtClean="0"/>
-              <a:t>12/9/2024</a:t>
+              <a:t>12/11/2024</a:t>
             </a:fld>
             <a:endParaRPr lang="en-US"/>
           </a:p>
@@ -2728,7 +2928,7 @@
           <a:p>
             <a:fld id="{2F68B2EA-A892-46A1-BEA1-475FA51A3827}" type="datetimeFigureOut">
               <a:rPr lang="en-US" smtClean="0"/>
-              <a:t>12/9/2024</a:t>
+              <a:t>12/11/2024</a:t>
             </a:fld>
             <a:endParaRPr lang="en-US"/>
           </a:p>
@@ -3135,10 +3335,10 @@
       </p:grpSpPr>
       <p:pic>
         <p:nvPicPr>
-          <p:cNvPr id="47" name="Picture 46" descr="A screen shot of a graph&#10;&#10;Description automatically generated">
+          <p:cNvPr id="31" name="Picture 30" descr="A screenshot of a cell phone&#10;&#10;Description automatically generated">
             <a:extLst>
               <a:ext uri="{FF2B5EF4-FFF2-40B4-BE49-F238E27FC236}">
-                <a16:creationId xmlns:a16="http://schemas.microsoft.com/office/drawing/2014/main" id="{5CA18B89-C216-9E0D-81D0-24D7A704F942}"/>
+                <a16:creationId xmlns:a16="http://schemas.microsoft.com/office/drawing/2014/main" id="{E718996A-2393-985D-5035-124DAB536EFB}"/>
               </a:ext>
             </a:extLst>
           </p:cNvPr>
@@ -3155,13 +3355,48 @@
               </a:ext>
             </a:extLst>
           </a:blip>
+          <a:srcRect r="3757"/>
+          <a:stretch/>
+        </p:blipFill>
+        <p:spPr>
+          <a:xfrm>
+            <a:off x="1254670" y="0"/>
+            <a:ext cx="2860130" cy="3429000"/>
+          </a:xfrm>
+          <a:prstGeom prst="rect">
+            <a:avLst/>
+          </a:prstGeom>
+        </p:spPr>
+      </p:pic>
+      <p:pic>
+        <p:nvPicPr>
+          <p:cNvPr id="36" name="Picture 35" descr="A screen shot of a graph&#10;&#10;Description automatically generated">
+            <a:extLst>
+              <a:ext uri="{FF2B5EF4-FFF2-40B4-BE49-F238E27FC236}">
+                <a16:creationId xmlns:a16="http://schemas.microsoft.com/office/drawing/2014/main" id="{62E34BFF-2B76-3D36-FBD3-0EE7558D9C58}"/>
+              </a:ext>
+            </a:extLst>
+          </p:cNvPr>
+          <p:cNvPicPr>
+            <a:picLocks noChangeAspect="1"/>
+          </p:cNvPicPr>
+          <p:nvPr/>
+        </p:nvPicPr>
+        <p:blipFill>
+          <a:blip r:embed="rId3">
+            <a:extLst>
+              <a:ext uri="{28A0092B-C50C-407E-A947-70E740481C1C}">
+                <a14:useLocalDpi xmlns:a14="http://schemas.microsoft.com/office/drawing/2010/main" val="0"/>
+              </a:ext>
+            </a:extLst>
+          </a:blip>
           <a:stretch>
             <a:fillRect/>
           </a:stretch>
         </p:blipFill>
         <p:spPr>
           <a:xfrm>
-            <a:off x="42617" y="0"/>
+            <a:off x="0" y="11225"/>
             <a:ext cx="1371600" cy="3429000"/>
           </a:xfrm>
           <a:prstGeom prst="rect">
@@ -3171,10 +3406,10 @@
       </p:pic>
       <p:grpSp>
         <p:nvGrpSpPr>
-          <p:cNvPr id="34" name="Group 33">
+          <p:cNvPr id="12" name="Group 11">
             <a:extLst>
               <a:ext uri="{FF2B5EF4-FFF2-40B4-BE49-F238E27FC236}">
-                <a16:creationId xmlns:a16="http://schemas.microsoft.com/office/drawing/2014/main" id="{A4C7BBD9-C2A6-B388-60CB-AD1C5070D4BE}"/>
+                <a16:creationId xmlns:a16="http://schemas.microsoft.com/office/drawing/2014/main" id="{C87824AF-F2D8-78A5-04FE-DF7715F9E3F3}"/>
               </a:ext>
             </a:extLst>
           </p:cNvPr>
@@ -3183,188 +3418,12 @@
         </p:nvGrpSpPr>
         <p:grpSpPr>
           <a:xfrm>
-            <a:off x="93732" y="0"/>
-            <a:ext cx="4021077" cy="3429007"/>
-            <a:chOff x="93732" y="0"/>
-            <a:chExt cx="4021077" cy="3429007"/>
+            <a:off x="1591235" y="199228"/>
+            <a:ext cx="2348684" cy="3013193"/>
+            <a:chOff x="1591235" y="251621"/>
+            <a:chExt cx="2348684" cy="3013193"/>
           </a:xfrm>
         </p:grpSpPr>
-        <p:pic>
-          <p:nvPicPr>
-            <p:cNvPr id="35" name="Picture 34" descr="A screenshot of a cell phone&#10;&#10;Description automatically generated">
-              <a:extLst>
-                <a:ext uri="{FF2B5EF4-FFF2-40B4-BE49-F238E27FC236}">
-                  <a16:creationId xmlns:a16="http://schemas.microsoft.com/office/drawing/2014/main" id="{47E2A885-0C8B-A266-6142-127E956029E3}"/>
-                </a:ext>
-              </a:extLst>
-            </p:cNvPr>
-            <p:cNvPicPr>
-              <a:picLocks noChangeAspect="1"/>
-            </p:cNvPicPr>
-            <p:nvPr/>
-          </p:nvPicPr>
-          <p:blipFill>
-            <a:blip r:embed="rId3">
-              <a:extLst>
-                <a:ext uri="{28A0092B-C50C-407E-A947-70E740481C1C}">
-                  <a14:useLocalDpi xmlns:a14="http://schemas.microsoft.com/office/drawing/2010/main" val="0"/>
-                </a:ext>
-              </a:extLst>
-            </a:blip>
-            <a:stretch>
-              <a:fillRect/>
-            </a:stretch>
-          </p:blipFill>
-          <p:spPr>
-            <a:xfrm>
-              <a:off x="1371603" y="0"/>
-              <a:ext cx="2743206" cy="3429007"/>
-            </a:xfrm>
-            <a:prstGeom prst="rect">
-              <a:avLst/>
-            </a:prstGeom>
-          </p:spPr>
-        </p:pic>
-        <p:grpSp>
-          <p:nvGrpSpPr>
-            <p:cNvPr id="37" name="Group 36">
-              <a:extLst>
-                <a:ext uri="{FF2B5EF4-FFF2-40B4-BE49-F238E27FC236}">
-                  <a16:creationId xmlns:a16="http://schemas.microsoft.com/office/drawing/2014/main" id="{562DC42B-5422-8577-CD41-8D6CEDF2E8CC}"/>
-                </a:ext>
-              </a:extLst>
-            </p:cNvPr>
-            <p:cNvGrpSpPr/>
-            <p:nvPr/>
-          </p:nvGrpSpPr>
-          <p:grpSpPr>
-            <a:xfrm>
-              <a:off x="93732" y="92392"/>
-              <a:ext cx="1543510" cy="217994"/>
-              <a:chOff x="48012" y="45720"/>
-              <a:chExt cx="1543510" cy="217994"/>
-            </a:xfrm>
-          </p:grpSpPr>
-          <p:sp>
-            <p:nvSpPr>
-              <p:cNvPr id="44" name="Rectangle 43">
-                <a:extLst>
-                  <a:ext uri="{FF2B5EF4-FFF2-40B4-BE49-F238E27FC236}">
-                    <a16:creationId xmlns:a16="http://schemas.microsoft.com/office/drawing/2014/main" id="{133F10ED-44CE-B5CD-46F0-631A8C237167}"/>
-                  </a:ext>
-                </a:extLst>
-              </p:cNvPr>
-              <p:cNvSpPr/>
-              <p:nvPr/>
-            </p:nvSpPr>
-            <p:spPr>
-              <a:xfrm>
-                <a:off x="48012" y="45720"/>
-                <a:ext cx="373866" cy="217994"/>
-              </a:xfrm>
-              <a:prstGeom prst="rect">
-                <a:avLst/>
-              </a:prstGeom>
-              <a:noFill/>
-              <a:ln>
-                <a:noFill/>
-              </a:ln>
-            </p:spPr>
-            <p:style>
-              <a:lnRef idx="2">
-                <a:schemeClr val="accent1">
-                  <a:shade val="15000"/>
-                </a:schemeClr>
-              </a:lnRef>
-              <a:fillRef idx="1">
-                <a:schemeClr val="accent1"/>
-              </a:fillRef>
-              <a:effectRef idx="0">
-                <a:schemeClr val="accent1"/>
-              </a:effectRef>
-              <a:fontRef idx="minor">
-                <a:schemeClr val="lt1"/>
-              </a:fontRef>
-            </p:style>
-            <p:txBody>
-              <a:bodyPr rtlCol="0" anchor="ctr"/>
-              <a:lstStyle/>
-              <a:p>
-                <a:pPr algn="ctr"/>
-                <a:r>
-                  <a:rPr lang="en-US" sz="1000" b="1" dirty="0">
-                    <a:solidFill>
-                      <a:schemeClr val="tx1"/>
-                    </a:solidFill>
-                  </a:rPr>
-                  <a:t>(A)</a:t>
-                </a:r>
-              </a:p>
-            </p:txBody>
-          </p:sp>
-          <p:sp>
-            <p:nvSpPr>
-              <p:cNvPr id="45" name="Rectangle 44">
-                <a:extLst>
-                  <a:ext uri="{FF2B5EF4-FFF2-40B4-BE49-F238E27FC236}">
-                    <a16:creationId xmlns:a16="http://schemas.microsoft.com/office/drawing/2014/main" id="{3C2ABE41-10A5-70FD-8685-6D280AD1D057}"/>
-                  </a:ext>
-                </a:extLst>
-              </p:cNvPr>
-              <p:cNvSpPr/>
-              <p:nvPr/>
-            </p:nvSpPr>
-            <p:spPr>
-              <a:xfrm>
-                <a:off x="1217656" y="45720"/>
-                <a:ext cx="373866" cy="217994"/>
-              </a:xfrm>
-              <a:prstGeom prst="rect">
-                <a:avLst/>
-              </a:prstGeom>
-              <a:noFill/>
-              <a:ln>
-                <a:noFill/>
-              </a:ln>
-            </p:spPr>
-            <p:style>
-              <a:lnRef idx="2">
-                <a:schemeClr val="accent1">
-                  <a:shade val="15000"/>
-                </a:schemeClr>
-              </a:lnRef>
-              <a:fillRef idx="1">
-                <a:schemeClr val="accent1"/>
-              </a:fillRef>
-              <a:effectRef idx="0">
-                <a:schemeClr val="accent1"/>
-              </a:effectRef>
-              <a:fontRef idx="minor">
-                <a:schemeClr val="lt1"/>
-              </a:fontRef>
-            </p:style>
-            <p:txBody>
-              <a:bodyPr rtlCol="0" anchor="ctr"/>
-              <a:lstStyle/>
-              <a:p>
-                <a:pPr algn="ctr"/>
-                <a:r>
-                  <a:rPr lang="en-US" sz="1000" b="1">
-                    <a:solidFill>
-                      <a:schemeClr val="tx1"/>
-                    </a:solidFill>
-                  </a:rPr>
-                  <a:t>(B)</a:t>
-                </a:r>
-                <a:endParaRPr lang="en-US" sz="1000" b="1" dirty="0">
-                  <a:solidFill>
-                    <a:schemeClr val="tx1"/>
-                  </a:solidFill>
-                </a:endParaRPr>
-              </a:p>
-            </p:txBody>
-          </p:sp>
-        </p:grpSp>
         <p:pic>
           <p:nvPicPr>
             <p:cNvPr id="38" name="Picture 37" descr="A close up of a bird&#10;&#10;Description automatically generated">
@@ -3393,7 +3452,7 @@
           </p:blipFill>
           <p:spPr>
             <a:xfrm>
-              <a:off x="1656321" y="127506"/>
+              <a:off x="1591235" y="251621"/>
               <a:ext cx="365760" cy="365760"/>
             </a:xfrm>
             <a:prstGeom prst="rect">
@@ -3429,7 +3488,7 @@
           </p:blipFill>
           <p:spPr>
             <a:xfrm>
-              <a:off x="2885565" y="425664"/>
+              <a:off x="2894048" y="449083"/>
               <a:ext cx="365760" cy="365760"/>
             </a:xfrm>
             <a:prstGeom prst="rect">
@@ -3465,7 +3524,7 @@
           </p:blipFill>
           <p:spPr>
             <a:xfrm>
-              <a:off x="3693888" y="636698"/>
+              <a:off x="3574159" y="1498062"/>
               <a:ext cx="365760" cy="365760"/>
             </a:xfrm>
             <a:prstGeom prst="rect">
@@ -3501,7 +3560,7 @@
           </p:blipFill>
           <p:spPr>
             <a:xfrm>
-              <a:off x="1660372" y="1644112"/>
+              <a:off x="1591235" y="1656198"/>
               <a:ext cx="365760" cy="365760"/>
             </a:xfrm>
             <a:prstGeom prst="rect">
@@ -3537,7 +3596,7 @@
           </p:blipFill>
           <p:spPr>
             <a:xfrm>
-              <a:off x="2887590" y="1948607"/>
+              <a:off x="2894048" y="1809046"/>
               <a:ext cx="365760" cy="365760"/>
             </a:xfrm>
             <a:prstGeom prst="rect">
@@ -3573,7 +3632,7 @@
           </p:blipFill>
           <p:spPr>
             <a:xfrm>
-              <a:off x="3693888" y="2240915"/>
+              <a:off x="3566160" y="2899054"/>
               <a:ext cx="365760" cy="365760"/>
             </a:xfrm>
             <a:prstGeom prst="rect">
@@ -3582,6 +3641,407 @@
           </p:spPr>
         </p:pic>
       </p:grpSp>
+      <p:grpSp>
+        <p:nvGrpSpPr>
+          <p:cNvPr id="13" name="Group 12">
+            <a:extLst>
+              <a:ext uri="{FF2B5EF4-FFF2-40B4-BE49-F238E27FC236}">
+                <a16:creationId xmlns:a16="http://schemas.microsoft.com/office/drawing/2014/main" id="{BE2FEA2B-B9F6-2AF9-FC66-3B3ECF67B85F}"/>
+              </a:ext>
+            </a:extLst>
+          </p:cNvPr>
+          <p:cNvGrpSpPr/>
+          <p:nvPr/>
+        </p:nvGrpSpPr>
+        <p:grpSpPr>
+          <a:xfrm>
+            <a:off x="2294404" y="3212421"/>
+            <a:ext cx="906518" cy="182880"/>
+            <a:chOff x="2299170" y="3291840"/>
+            <a:chExt cx="906518" cy="182880"/>
+          </a:xfrm>
+        </p:grpSpPr>
+        <p:sp>
+          <p:nvSpPr>
+            <p:cNvPr id="3" name="Rectangle 2">
+              <a:extLst>
+                <a:ext uri="{FF2B5EF4-FFF2-40B4-BE49-F238E27FC236}">
+                  <a16:creationId xmlns:a16="http://schemas.microsoft.com/office/drawing/2014/main" id="{AAA16069-2F61-B03F-36D0-0E1EAD4144B9}"/>
+                </a:ext>
+              </a:extLst>
+            </p:cNvPr>
+            <p:cNvSpPr/>
+            <p:nvPr/>
+          </p:nvSpPr>
+          <p:spPr>
+            <a:xfrm>
+              <a:off x="2852094" y="3291840"/>
+              <a:ext cx="353594" cy="182880"/>
+            </a:xfrm>
+            <a:prstGeom prst="rect">
+              <a:avLst/>
+            </a:prstGeom>
+            <a:noFill/>
+            <a:ln>
+              <a:noFill/>
+            </a:ln>
+          </p:spPr>
+          <p:style>
+            <a:lnRef idx="2">
+              <a:schemeClr val="accent1">
+                <a:shade val="15000"/>
+              </a:schemeClr>
+            </a:lnRef>
+            <a:fillRef idx="1">
+              <a:schemeClr val="accent1"/>
+            </a:fillRef>
+            <a:effectRef idx="0">
+              <a:schemeClr val="accent1"/>
+            </a:effectRef>
+            <a:fontRef idx="minor">
+              <a:schemeClr val="lt1"/>
+            </a:fontRef>
+          </p:style>
+          <p:txBody>
+            <a:bodyPr lIns="0" rIns="0" rtlCol="0" anchor="ctr"/>
+            <a:lstStyle/>
+            <a:p>
+              <a:pPr algn="ctr"/>
+              <a:r>
+                <a:rPr lang="en-US" sz="800" i="1" dirty="0">
+                  <a:solidFill>
+                    <a:schemeClr val="tx1"/>
+                  </a:solidFill>
+                  <a:latin typeface="Arial" panose="020B0604020202020204" pitchFamily="34" charset="0"/>
+                  <a:cs typeface="Arial" panose="020B0604020202020204" pitchFamily="34" charset="0"/>
+                </a:rPr>
+                <a:t>delay</a:t>
+              </a:r>
+            </a:p>
+          </p:txBody>
+        </p:sp>
+        <p:cxnSp>
+          <p:nvCxnSpPr>
+            <p:cNvPr id="5" name="Straight Connector 4">
+              <a:extLst>
+                <a:ext uri="{FF2B5EF4-FFF2-40B4-BE49-F238E27FC236}">
+                  <a16:creationId xmlns:a16="http://schemas.microsoft.com/office/drawing/2014/main" id="{FE870867-0638-D790-B95C-4E55730DC1C6}"/>
+                </a:ext>
+              </a:extLst>
+            </p:cNvPr>
+            <p:cNvCxnSpPr>
+              <a:cxnSpLocks/>
+            </p:cNvCxnSpPr>
+            <p:nvPr/>
+          </p:nvCxnSpPr>
+          <p:spPr>
+            <a:xfrm>
+              <a:off x="2852094" y="3340889"/>
+              <a:ext cx="0" cy="130969"/>
+            </a:xfrm>
+            <a:prstGeom prst="line">
+              <a:avLst/>
+            </a:prstGeom>
+            <a:ln w="6350">
+              <a:solidFill>
+                <a:schemeClr val="tx1"/>
+              </a:solidFill>
+            </a:ln>
+          </p:spPr>
+          <p:style>
+            <a:lnRef idx="2">
+              <a:schemeClr val="accent1"/>
+            </a:lnRef>
+            <a:fillRef idx="0">
+              <a:schemeClr val="accent1"/>
+            </a:fillRef>
+            <a:effectRef idx="1">
+              <a:schemeClr val="accent1"/>
+            </a:effectRef>
+            <a:fontRef idx="minor">
+              <a:schemeClr val="tx1"/>
+            </a:fontRef>
+          </p:style>
+        </p:cxnSp>
+        <p:cxnSp>
+          <p:nvCxnSpPr>
+            <p:cNvPr id="7" name="Straight Connector 6">
+              <a:extLst>
+                <a:ext uri="{FF2B5EF4-FFF2-40B4-BE49-F238E27FC236}">
+                  <a16:creationId xmlns:a16="http://schemas.microsoft.com/office/drawing/2014/main" id="{2970EB5C-D6BC-6116-67B7-1FD6E6368C40}"/>
+                </a:ext>
+              </a:extLst>
+            </p:cNvPr>
+            <p:cNvCxnSpPr>
+              <a:cxnSpLocks/>
+            </p:cNvCxnSpPr>
+            <p:nvPr/>
+          </p:nvCxnSpPr>
+          <p:spPr>
+            <a:xfrm flipH="1">
+              <a:off x="2931200" y="3473126"/>
+              <a:ext cx="274488" cy="0"/>
+            </a:xfrm>
+            <a:prstGeom prst="line">
+              <a:avLst/>
+            </a:prstGeom>
+            <a:ln w="6350">
+              <a:solidFill>
+                <a:schemeClr val="bg1">
+                  <a:lumMod val="65000"/>
+                </a:schemeClr>
+              </a:solidFill>
+              <a:headEnd type="triangle" w="sm" len="sm"/>
+              <a:tailEnd type="none"/>
+            </a:ln>
+          </p:spPr>
+          <p:style>
+            <a:lnRef idx="2">
+              <a:schemeClr val="accent1"/>
+            </a:lnRef>
+            <a:fillRef idx="0">
+              <a:schemeClr val="accent1"/>
+            </a:fillRef>
+            <a:effectRef idx="1">
+              <a:schemeClr val="accent1"/>
+            </a:effectRef>
+            <a:fontRef idx="minor">
+              <a:schemeClr val="tx1"/>
+            </a:fontRef>
+          </p:style>
+        </p:cxnSp>
+        <p:sp>
+          <p:nvSpPr>
+            <p:cNvPr id="9" name="Rectangle 8">
+              <a:extLst>
+                <a:ext uri="{FF2B5EF4-FFF2-40B4-BE49-F238E27FC236}">
+                  <a16:creationId xmlns:a16="http://schemas.microsoft.com/office/drawing/2014/main" id="{639B4EDD-BD19-DB73-15C1-C51318E99990}"/>
+                </a:ext>
+              </a:extLst>
+            </p:cNvPr>
+            <p:cNvSpPr/>
+            <p:nvPr/>
+          </p:nvSpPr>
+          <p:spPr>
+            <a:xfrm>
+              <a:off x="2318222" y="3291840"/>
+              <a:ext cx="533872" cy="182880"/>
+            </a:xfrm>
+            <a:prstGeom prst="rect">
+              <a:avLst/>
+            </a:prstGeom>
+            <a:noFill/>
+            <a:ln>
+              <a:noFill/>
+            </a:ln>
+          </p:spPr>
+          <p:style>
+            <a:lnRef idx="2">
+              <a:schemeClr val="accent1">
+                <a:shade val="15000"/>
+              </a:schemeClr>
+            </a:lnRef>
+            <a:fillRef idx="1">
+              <a:schemeClr val="accent1"/>
+            </a:fillRef>
+            <a:effectRef idx="0">
+              <a:schemeClr val="accent1"/>
+            </a:effectRef>
+            <a:fontRef idx="minor">
+              <a:schemeClr val="lt1"/>
+            </a:fontRef>
+          </p:style>
+          <p:txBody>
+            <a:bodyPr lIns="0" rIns="0" rtlCol="0" anchor="ctr"/>
+            <a:lstStyle/>
+            <a:p>
+              <a:pPr algn="ctr"/>
+              <a:r>
+                <a:rPr lang="en-US" sz="800" i="1" dirty="0">
+                  <a:solidFill>
+                    <a:schemeClr val="tx1"/>
+                  </a:solidFill>
+                  <a:latin typeface="Arial" panose="020B0604020202020204" pitchFamily="34" charset="0"/>
+                  <a:cs typeface="Arial" panose="020B0604020202020204" pitchFamily="34" charset="0"/>
+                </a:rPr>
+                <a:t>advance</a:t>
+              </a:r>
+              <a:endParaRPr lang="en-US" sz="850" i="1" dirty="0">
+                <a:solidFill>
+                  <a:schemeClr val="tx1"/>
+                </a:solidFill>
+                <a:latin typeface="Arial" panose="020B0604020202020204" pitchFamily="34" charset="0"/>
+                <a:cs typeface="Arial" panose="020B0604020202020204" pitchFamily="34" charset="0"/>
+              </a:endParaRPr>
+            </a:p>
+          </p:txBody>
+        </p:sp>
+        <p:cxnSp>
+          <p:nvCxnSpPr>
+            <p:cNvPr id="10" name="Straight Connector 9">
+              <a:extLst>
+                <a:ext uri="{FF2B5EF4-FFF2-40B4-BE49-F238E27FC236}">
+                  <a16:creationId xmlns:a16="http://schemas.microsoft.com/office/drawing/2014/main" id="{F91C67C8-9674-0551-1511-03CFC21B3B1B}"/>
+                </a:ext>
+              </a:extLst>
+            </p:cNvPr>
+            <p:cNvCxnSpPr>
+              <a:cxnSpLocks/>
+            </p:cNvCxnSpPr>
+            <p:nvPr/>
+          </p:nvCxnSpPr>
+          <p:spPr>
+            <a:xfrm>
+              <a:off x="2299170" y="3473126"/>
+              <a:ext cx="502920" cy="0"/>
+            </a:xfrm>
+            <a:prstGeom prst="line">
+              <a:avLst/>
+            </a:prstGeom>
+            <a:ln w="6350">
+              <a:solidFill>
+                <a:schemeClr val="bg1">
+                  <a:lumMod val="65000"/>
+                </a:schemeClr>
+              </a:solidFill>
+              <a:headEnd type="triangle" w="sm" len="sm"/>
+              <a:tailEnd type="none"/>
+            </a:ln>
+          </p:spPr>
+          <p:style>
+            <a:lnRef idx="2">
+              <a:schemeClr val="accent1"/>
+            </a:lnRef>
+            <a:fillRef idx="0">
+              <a:schemeClr val="accent1"/>
+            </a:fillRef>
+            <a:effectRef idx="1">
+              <a:schemeClr val="accent1"/>
+            </a:effectRef>
+            <a:fontRef idx="minor">
+              <a:schemeClr val="tx1"/>
+            </a:fontRef>
+          </p:style>
+        </p:cxnSp>
+      </p:grpSp>
+      <p:sp>
+        <p:nvSpPr>
+          <p:cNvPr id="18" name="Rectangle 17">
+            <a:extLst>
+              <a:ext uri="{FF2B5EF4-FFF2-40B4-BE49-F238E27FC236}">
+                <a16:creationId xmlns:a16="http://schemas.microsoft.com/office/drawing/2014/main" id="{1A30C909-7538-5A95-5442-35E8E6A23015}"/>
+              </a:ext>
+            </a:extLst>
+          </p:cNvPr>
+          <p:cNvSpPr/>
+          <p:nvPr/>
+        </p:nvSpPr>
+        <p:spPr>
+          <a:xfrm>
+            <a:off x="1337222" y="73152"/>
+            <a:ext cx="182877" cy="126076"/>
+          </a:xfrm>
+          <a:prstGeom prst="rect">
+            <a:avLst/>
+          </a:prstGeom>
+          <a:noFill/>
+          <a:ln>
+            <a:noFill/>
+          </a:ln>
+        </p:spPr>
+        <p:style>
+          <a:lnRef idx="2">
+            <a:schemeClr val="accent1">
+              <a:shade val="15000"/>
+            </a:schemeClr>
+          </a:lnRef>
+          <a:fillRef idx="1">
+            <a:schemeClr val="accent1"/>
+          </a:fillRef>
+          <a:effectRef idx="0">
+            <a:schemeClr val="accent1"/>
+          </a:effectRef>
+          <a:fontRef idx="minor">
+            <a:schemeClr val="lt1"/>
+          </a:fontRef>
+        </p:style>
+        <p:txBody>
+          <a:bodyPr lIns="0" rIns="0" rtlCol="0" anchor="ctr"/>
+          <a:lstStyle/>
+          <a:p>
+            <a:pPr algn="ctr"/>
+            <a:r>
+              <a:rPr lang="en-US" sz="1000" b="1" dirty="0">
+                <a:solidFill>
+                  <a:schemeClr val="tx1"/>
+                </a:solidFill>
+                <a:latin typeface="Arial" panose="020B0604020202020204" pitchFamily="34" charset="0"/>
+                <a:cs typeface="Arial" panose="020B0604020202020204" pitchFamily="34" charset="0"/>
+              </a:rPr>
+              <a:t>(B)</a:t>
+            </a:r>
+          </a:p>
+        </p:txBody>
+      </p:sp>
+      <p:sp>
+        <p:nvSpPr>
+          <p:cNvPr id="19" name="Rectangle 18">
+            <a:extLst>
+              <a:ext uri="{FF2B5EF4-FFF2-40B4-BE49-F238E27FC236}">
+                <a16:creationId xmlns:a16="http://schemas.microsoft.com/office/drawing/2014/main" id="{1A19C248-609D-90C9-3C35-C389250510B4}"/>
+              </a:ext>
+            </a:extLst>
+          </p:cNvPr>
+          <p:cNvSpPr/>
+          <p:nvPr/>
+        </p:nvSpPr>
+        <p:spPr>
+          <a:xfrm>
+            <a:off x="194026" y="73152"/>
+            <a:ext cx="182877" cy="126076"/>
+          </a:xfrm>
+          <a:prstGeom prst="rect">
+            <a:avLst/>
+          </a:prstGeom>
+          <a:noFill/>
+          <a:ln>
+            <a:noFill/>
+          </a:ln>
+        </p:spPr>
+        <p:style>
+          <a:lnRef idx="2">
+            <a:schemeClr val="accent1">
+              <a:shade val="15000"/>
+            </a:schemeClr>
+          </a:lnRef>
+          <a:fillRef idx="1">
+            <a:schemeClr val="accent1"/>
+          </a:fillRef>
+          <a:effectRef idx="0">
+            <a:schemeClr val="accent1"/>
+          </a:effectRef>
+          <a:fontRef idx="minor">
+            <a:schemeClr val="lt1"/>
+          </a:fontRef>
+        </p:style>
+        <p:txBody>
+          <a:bodyPr lIns="0" rIns="0" rtlCol="0" anchor="ctr"/>
+          <a:lstStyle/>
+          <a:p>
+            <a:pPr algn="ctr"/>
+            <a:r>
+              <a:rPr lang="en-US" sz="1000" b="1" dirty="0">
+                <a:solidFill>
+                  <a:schemeClr val="tx1"/>
+                </a:solidFill>
+                <a:latin typeface="Arial" panose="020B0604020202020204" pitchFamily="34" charset="0"/>
+                <a:cs typeface="Arial" panose="020B0604020202020204" pitchFamily="34" charset="0"/>
+              </a:rPr>
+              <a:t>(A)</a:t>
+            </a:r>
+          </a:p>
+        </p:txBody>
+      </p:sp>
     </p:spTree>
     <p:extLst>
       <p:ext uri="{BB962C8B-B14F-4D97-AF65-F5344CB8AC3E}">

--- a/Results/Figures/figure_03.pptx
+++ b/Results/Figures/figure_03.pptx
@@ -2,12 +2,12 @@
 <file path=ppt/presentation.xml><?xml version="1.0" encoding="utf-8"?>
 <p:presentation xmlns:a="http://schemas.openxmlformats.org/drawingml/2006/main" xmlns:r="http://schemas.openxmlformats.org/officeDocument/2006/relationships" xmlns:p="http://schemas.openxmlformats.org/presentationml/2006/main" saveSubsetFonts="1">
   <p:sldMasterIdLst>
-    <p:sldMasterId id="2147483696" r:id="rId1"/>
+    <p:sldMasterId id="2147483660" r:id="rId1"/>
   </p:sldMasterIdLst>
   <p:sldIdLst>
     <p:sldId id="256" r:id="rId2"/>
   </p:sldIdLst>
-  <p:sldSz cx="4114800" cy="3429000"/>
+  <p:sldSz cx="5807075" cy="6629400"/>
   <p:notesSz cx="6858000" cy="9144000"/>
   <p:defaultTextStyle>
     <a:defPPr>
@@ -104,372 +104,7 @@
       </a:defRPr>
     </a:lvl9pPr>
   </p:defaultTextStyle>
-  <p:extLst>
-    <p:ext uri="{EFAFB233-063F-42B5-8137-9DF3F51BA10A}">
-      <p15:sldGuideLst xmlns:p15="http://schemas.microsoft.com/office/powerpoint/2012/main">
-        <p15:guide id="1" orient="horz" pos="1080" userDrawn="1">
-          <p15:clr>
-            <a:srgbClr val="A4A3A4"/>
-          </p15:clr>
-        </p15:guide>
-        <p15:guide id="2" pos="1296" userDrawn="1">
-          <p15:clr>
-            <a:srgbClr val="A4A3A4"/>
-          </p15:clr>
-        </p15:guide>
-      </p15:sldGuideLst>
-    </p:ext>
-  </p:extLst>
 </p:presentation>
-</file>
-
-<file path=ppt/revisionInfo.xml><?xml version="1.0" encoding="utf-8"?>
-<p1510:revInfo xmlns:a="http://schemas.openxmlformats.org/drawingml/2006/main" xmlns:r="http://schemas.openxmlformats.org/officeDocument/2006/relationships" xmlns:p1510="http://schemas.microsoft.com/office/powerpoint/2015/10/main">
-  <p1510:revLst>
-    <p1510:client id="{E47290D8-570C-4370-B6F6-1AF3FEE279C2}" v="24" dt="2024-12-11T16:00:25.620"/>
-  </p1510:revLst>
-</p1510:revInfo>
-</file>
-
-<file path=ppt/changesInfos/changesInfo1.xml><?xml version="1.0" encoding="utf-8"?>
-<pc:chgInfo xmlns:a="http://schemas.openxmlformats.org/drawingml/2006/main" xmlns:r="http://schemas.openxmlformats.org/officeDocument/2006/relationships" xmlns:ac="http://schemas.microsoft.com/office/drawing/2013/main/command" xmlns:pc="http://schemas.microsoft.com/office/powerpoint/2013/main/command">
-  <pc:docChgLst>
-    <pc:chgData name="Gilbert, Neil" userId="37be9f5c-8f28-415b-96d6-624acf93bb3f" providerId="ADAL" clId="{9561989A-6F4B-49C8-AB3D-2F38768059CC}"/>
-    <pc:docChg chg="undo custSel modSld">
-      <pc:chgData name="Gilbert, Neil" userId="37be9f5c-8f28-415b-96d6-624acf93bb3f" providerId="ADAL" clId="{9561989A-6F4B-49C8-AB3D-2F38768059CC}" dt="2024-11-20T21:06:27.726" v="233" actId="1076"/>
-      <pc:docMkLst>
-        <pc:docMk/>
-      </pc:docMkLst>
-      <pc:sldChg chg="addSp delSp modSp mod">
-        <pc:chgData name="Gilbert, Neil" userId="37be9f5c-8f28-415b-96d6-624acf93bb3f" providerId="ADAL" clId="{9561989A-6F4B-49C8-AB3D-2F38768059CC}" dt="2024-11-20T21:06:27.726" v="233" actId="1076"/>
-        <pc:sldMkLst>
-          <pc:docMk/>
-          <pc:sldMk cId="268507922" sldId="256"/>
-        </pc:sldMkLst>
-        <pc:picChg chg="mod">
-          <ac:chgData name="Gilbert, Neil" userId="37be9f5c-8f28-415b-96d6-624acf93bb3f" providerId="ADAL" clId="{9561989A-6F4B-49C8-AB3D-2F38768059CC}" dt="2024-11-20T20:39:16.894" v="226"/>
-          <ac:picMkLst>
-            <pc:docMk/>
-            <pc:sldMk cId="268507922" sldId="256"/>
-            <ac:picMk id="38" creationId="{87EBA3DF-FF8E-5AAC-DBB1-E166D7CDA0AC}"/>
-          </ac:picMkLst>
-        </pc:picChg>
-        <pc:picChg chg="mod">
-          <ac:chgData name="Gilbert, Neil" userId="37be9f5c-8f28-415b-96d6-624acf93bb3f" providerId="ADAL" clId="{9561989A-6F4B-49C8-AB3D-2F38768059CC}" dt="2024-11-20T20:39:16.894" v="226"/>
-          <ac:picMkLst>
-            <pc:docMk/>
-            <pc:sldMk cId="268507922" sldId="256"/>
-            <ac:picMk id="39" creationId="{51ED987C-0937-D95D-F8E1-2A4F8EF9F3D7}"/>
-          </ac:picMkLst>
-        </pc:picChg>
-        <pc:picChg chg="mod">
-          <ac:chgData name="Gilbert, Neil" userId="37be9f5c-8f28-415b-96d6-624acf93bb3f" providerId="ADAL" clId="{9561989A-6F4B-49C8-AB3D-2F38768059CC}" dt="2024-11-20T20:39:16.894" v="226"/>
-          <ac:picMkLst>
-            <pc:docMk/>
-            <pc:sldMk cId="268507922" sldId="256"/>
-            <ac:picMk id="40" creationId="{16FF750D-4091-51D2-6013-A6DDC5CB6B71}"/>
-          </ac:picMkLst>
-        </pc:picChg>
-        <pc:picChg chg="mod">
-          <ac:chgData name="Gilbert, Neil" userId="37be9f5c-8f28-415b-96d6-624acf93bb3f" providerId="ADAL" clId="{9561989A-6F4B-49C8-AB3D-2F38768059CC}" dt="2024-11-20T20:39:16.894" v="226"/>
-          <ac:picMkLst>
-            <pc:docMk/>
-            <pc:sldMk cId="268507922" sldId="256"/>
-            <ac:picMk id="41" creationId="{6F5AFEBD-68A4-D22A-9A1F-56DCDA88B0B2}"/>
-          </ac:picMkLst>
-        </pc:picChg>
-        <pc:picChg chg="mod">
-          <ac:chgData name="Gilbert, Neil" userId="37be9f5c-8f28-415b-96d6-624acf93bb3f" providerId="ADAL" clId="{9561989A-6F4B-49C8-AB3D-2F38768059CC}" dt="2024-11-20T20:39:16.894" v="226"/>
-          <ac:picMkLst>
-            <pc:docMk/>
-            <pc:sldMk cId="268507922" sldId="256"/>
-            <ac:picMk id="42" creationId="{362DF697-E4BF-B744-F31F-3E1FE661F785}"/>
-          </ac:picMkLst>
-        </pc:picChg>
-        <pc:picChg chg="mod">
-          <ac:chgData name="Gilbert, Neil" userId="37be9f5c-8f28-415b-96d6-624acf93bb3f" providerId="ADAL" clId="{9561989A-6F4B-49C8-AB3D-2F38768059CC}" dt="2024-11-20T20:39:16.894" v="226"/>
-          <ac:picMkLst>
-            <pc:docMk/>
-            <pc:sldMk cId="268507922" sldId="256"/>
-            <ac:picMk id="43" creationId="{DEF1755A-474F-B06D-264A-B8A9348E1DF7}"/>
-          </ac:picMkLst>
-        </pc:picChg>
-      </pc:sldChg>
-    </pc:docChg>
-  </pc:docChgLst>
-  <pc:docChgLst>
-    <pc:chgData name="Gilbert, Neil" userId="37be9f5c-8f28-415b-96d6-624acf93bb3f" providerId="ADAL" clId="{E47290D8-570C-4370-B6F6-1AF3FEE279C2}"/>
-    <pc:docChg chg="undo custSel modSld">
-      <pc:chgData name="Gilbert, Neil" userId="37be9f5c-8f28-415b-96d6-624acf93bb3f" providerId="ADAL" clId="{E47290D8-570C-4370-B6F6-1AF3FEE279C2}" dt="2024-12-11T16:00:31.114" v="620" actId="167"/>
-      <pc:docMkLst>
-        <pc:docMk/>
-      </pc:docMkLst>
-      <pc:sldChg chg="addSp delSp modSp mod">
-        <pc:chgData name="Gilbert, Neil" userId="37be9f5c-8f28-415b-96d6-624acf93bb3f" providerId="ADAL" clId="{E47290D8-570C-4370-B6F6-1AF3FEE279C2}" dt="2024-12-11T16:00:31.114" v="620" actId="167"/>
-        <pc:sldMkLst>
-          <pc:docMk/>
-          <pc:sldMk cId="268507922" sldId="256"/>
-        </pc:sldMkLst>
-        <pc:spChg chg="add del mod">
-          <ac:chgData name="Gilbert, Neil" userId="37be9f5c-8f28-415b-96d6-624acf93bb3f" providerId="ADAL" clId="{E47290D8-570C-4370-B6F6-1AF3FEE279C2}" dt="2024-12-11T15:29:34.090" v="108" actId="478"/>
-          <ac:spMkLst>
-            <pc:docMk/>
-            <pc:sldMk cId="268507922" sldId="256"/>
-            <ac:spMk id="2" creationId="{127413B6-F84C-BF1B-D901-37021C9EA60E}"/>
-          </ac:spMkLst>
-        </pc:spChg>
-        <pc:spChg chg="add mod">
-          <ac:chgData name="Gilbert, Neil" userId="37be9f5c-8f28-415b-96d6-624acf93bb3f" providerId="ADAL" clId="{E47290D8-570C-4370-B6F6-1AF3FEE279C2}" dt="2024-12-11T16:00:25.620" v="619" actId="165"/>
-          <ac:spMkLst>
-            <pc:docMk/>
-            <pc:sldMk cId="268507922" sldId="256"/>
-            <ac:spMk id="3" creationId="{AAA16069-2F61-B03F-36D0-0E1EAD4144B9}"/>
-          </ac:spMkLst>
-        </pc:spChg>
-        <pc:spChg chg="add mod">
-          <ac:chgData name="Gilbert, Neil" userId="37be9f5c-8f28-415b-96d6-624acf93bb3f" providerId="ADAL" clId="{E47290D8-570C-4370-B6F6-1AF3FEE279C2}" dt="2024-12-11T16:00:25.620" v="619" actId="165"/>
-          <ac:spMkLst>
-            <pc:docMk/>
-            <pc:sldMk cId="268507922" sldId="256"/>
-            <ac:spMk id="9" creationId="{639B4EDD-BD19-DB73-15C1-C51318E99990}"/>
-          </ac:spMkLst>
-        </pc:spChg>
-        <pc:spChg chg="add del mod">
-          <ac:chgData name="Gilbert, Neil" userId="37be9f5c-8f28-415b-96d6-624acf93bb3f" providerId="ADAL" clId="{E47290D8-570C-4370-B6F6-1AF3FEE279C2}" dt="2024-12-11T15:50:23.145" v="342" actId="478"/>
-          <ac:spMkLst>
-            <pc:docMk/>
-            <pc:sldMk cId="268507922" sldId="256"/>
-            <ac:spMk id="17" creationId="{F62E8D4B-715F-540E-5714-74B0DE37EB1F}"/>
-          </ac:spMkLst>
-        </pc:spChg>
-        <pc:spChg chg="add mod topLvl">
-          <ac:chgData name="Gilbert, Neil" userId="37be9f5c-8f28-415b-96d6-624acf93bb3f" providerId="ADAL" clId="{E47290D8-570C-4370-B6F6-1AF3FEE279C2}" dt="2024-12-11T16:00:25.620" v="619" actId="165"/>
-          <ac:spMkLst>
-            <pc:docMk/>
-            <pc:sldMk cId="268507922" sldId="256"/>
-            <ac:spMk id="18" creationId="{1A30C909-7538-5A95-5442-35E8E6A23015}"/>
-          </ac:spMkLst>
-        </pc:spChg>
-        <pc:spChg chg="add mod topLvl">
-          <ac:chgData name="Gilbert, Neil" userId="37be9f5c-8f28-415b-96d6-624acf93bb3f" providerId="ADAL" clId="{E47290D8-570C-4370-B6F6-1AF3FEE279C2}" dt="2024-12-11T16:00:25.620" v="619" actId="165"/>
-          <ac:spMkLst>
-            <pc:docMk/>
-            <pc:sldMk cId="268507922" sldId="256"/>
-            <ac:spMk id="19" creationId="{1A19C248-609D-90C9-3C35-C389250510B4}"/>
-          </ac:spMkLst>
-        </pc:spChg>
-        <pc:spChg chg="del mod topLvl">
-          <ac:chgData name="Gilbert, Neil" userId="37be9f5c-8f28-415b-96d6-624acf93bb3f" providerId="ADAL" clId="{E47290D8-570C-4370-B6F6-1AF3FEE279C2}" dt="2024-12-11T15:41:05.846" v="314" actId="478"/>
-          <ac:spMkLst>
-            <pc:docMk/>
-            <pc:sldMk cId="268507922" sldId="256"/>
-            <ac:spMk id="44" creationId="{133F10ED-44CE-B5CD-46F0-631A8C237167}"/>
-          </ac:spMkLst>
-        </pc:spChg>
-        <pc:spChg chg="del mod topLvl">
-          <ac:chgData name="Gilbert, Neil" userId="37be9f5c-8f28-415b-96d6-624acf93bb3f" providerId="ADAL" clId="{E47290D8-570C-4370-B6F6-1AF3FEE279C2}" dt="2024-12-11T15:49:55.220" v="336" actId="478"/>
-          <ac:spMkLst>
-            <pc:docMk/>
-            <pc:sldMk cId="268507922" sldId="256"/>
-            <ac:spMk id="45" creationId="{3C2ABE41-10A5-70FD-8685-6D280AD1D057}"/>
-          </ac:spMkLst>
-        </pc:spChg>
-        <pc:grpChg chg="add mod topLvl">
-          <ac:chgData name="Gilbert, Neil" userId="37be9f5c-8f28-415b-96d6-624acf93bb3f" providerId="ADAL" clId="{E47290D8-570C-4370-B6F6-1AF3FEE279C2}" dt="2024-12-11T16:00:25.620" v="619" actId="165"/>
-          <ac:grpSpMkLst>
-            <pc:docMk/>
-            <pc:sldMk cId="268507922" sldId="256"/>
-            <ac:grpSpMk id="12" creationId="{C87824AF-F2D8-78A5-04FE-DF7715F9E3F3}"/>
-          </ac:grpSpMkLst>
-        </pc:grpChg>
-        <pc:grpChg chg="add mod topLvl">
-          <ac:chgData name="Gilbert, Neil" userId="37be9f5c-8f28-415b-96d6-624acf93bb3f" providerId="ADAL" clId="{E47290D8-570C-4370-B6F6-1AF3FEE279C2}" dt="2024-12-11T16:00:25.620" v="619" actId="165"/>
-          <ac:grpSpMkLst>
-            <pc:docMk/>
-            <pc:sldMk cId="268507922" sldId="256"/>
-            <ac:grpSpMk id="13" creationId="{BE2FEA2B-B9F6-2AF9-FC66-3B3ECF67B85F}"/>
-          </ac:grpSpMkLst>
-        </pc:grpChg>
-        <pc:grpChg chg="add del mod">
-          <ac:chgData name="Gilbert, Neil" userId="37be9f5c-8f28-415b-96d6-624acf93bb3f" providerId="ADAL" clId="{E47290D8-570C-4370-B6F6-1AF3FEE279C2}" dt="2024-12-11T15:51:05.743" v="347" actId="165"/>
-          <ac:grpSpMkLst>
-            <pc:docMk/>
-            <pc:sldMk cId="268507922" sldId="256"/>
-            <ac:grpSpMk id="20" creationId="{A6F944A0-1F92-F7A5-11E3-230D4D8E52FF}"/>
-          </ac:grpSpMkLst>
-        </pc:grpChg>
-        <pc:grpChg chg="add del mod">
-          <ac:chgData name="Gilbert, Neil" userId="37be9f5c-8f28-415b-96d6-624acf93bb3f" providerId="ADAL" clId="{E47290D8-570C-4370-B6F6-1AF3FEE279C2}" dt="2024-12-11T16:00:25.620" v="619" actId="165"/>
-          <ac:grpSpMkLst>
-            <pc:docMk/>
-            <pc:sldMk cId="268507922" sldId="256"/>
-            <ac:grpSpMk id="32" creationId="{2DCFEB99-09B7-82FF-5D23-021251D4DC5C}"/>
-          </ac:grpSpMkLst>
-        </pc:grpChg>
-        <pc:grpChg chg="del mod">
-          <ac:chgData name="Gilbert, Neil" userId="37be9f5c-8f28-415b-96d6-624acf93bb3f" providerId="ADAL" clId="{E47290D8-570C-4370-B6F6-1AF3FEE279C2}" dt="2024-12-11T15:34:24.373" v="148" actId="165"/>
-          <ac:grpSpMkLst>
-            <pc:docMk/>
-            <pc:sldMk cId="268507922" sldId="256"/>
-            <ac:grpSpMk id="34" creationId="{A4C7BBD9-C2A6-B388-60CB-AD1C5070D4BE}"/>
-          </ac:grpSpMkLst>
-        </pc:grpChg>
-        <pc:grpChg chg="del mod topLvl">
-          <ac:chgData name="Gilbert, Neil" userId="37be9f5c-8f28-415b-96d6-624acf93bb3f" providerId="ADAL" clId="{E47290D8-570C-4370-B6F6-1AF3FEE279C2}" dt="2024-12-11T15:41:05.846" v="314" actId="478"/>
-          <ac:grpSpMkLst>
-            <pc:docMk/>
-            <pc:sldMk cId="268507922" sldId="256"/>
-            <ac:grpSpMk id="37" creationId="{562DC42B-5422-8577-CD41-8D6CEDF2E8CC}"/>
-          </ac:grpSpMkLst>
-        </pc:grpChg>
-        <pc:picChg chg="add del mod ord">
-          <ac:chgData name="Gilbert, Neil" userId="37be9f5c-8f28-415b-96d6-624acf93bb3f" providerId="ADAL" clId="{E47290D8-570C-4370-B6F6-1AF3FEE279C2}" dt="2024-12-11T15:59:41.133" v="610" actId="478"/>
-          <ac:picMkLst>
-            <pc:docMk/>
-            <pc:sldMk cId="268507922" sldId="256"/>
-            <ac:picMk id="22" creationId="{217AECC4-4336-5177-EE1A-F83F4BAD1230}"/>
-          </ac:picMkLst>
-        </pc:picChg>
-        <pc:picChg chg="add del mod ord modCrop">
-          <ac:chgData name="Gilbert, Neil" userId="37be9f5c-8f28-415b-96d6-624acf93bb3f" providerId="ADAL" clId="{E47290D8-570C-4370-B6F6-1AF3FEE279C2}" dt="2024-12-11T15:53:01.943" v="428" actId="478"/>
-          <ac:picMkLst>
-            <pc:docMk/>
-            <pc:sldMk cId="268507922" sldId="256"/>
-            <ac:picMk id="24" creationId="{28BB2F59-DC59-1135-EE0F-5ACCCCE10688}"/>
-          </ac:picMkLst>
-        </pc:picChg>
-        <pc:picChg chg="add del mod ord">
-          <ac:chgData name="Gilbert, Neil" userId="37be9f5c-8f28-415b-96d6-624acf93bb3f" providerId="ADAL" clId="{E47290D8-570C-4370-B6F6-1AF3FEE279C2}" dt="2024-12-11T15:54:32.671" v="478" actId="478"/>
-          <ac:picMkLst>
-            <pc:docMk/>
-            <pc:sldMk cId="268507922" sldId="256"/>
-            <ac:picMk id="26" creationId="{3B6968D5-E126-8619-F214-DE9AD4B36CCF}"/>
-          </ac:picMkLst>
-        </pc:picChg>
-        <pc:picChg chg="add del mod ord">
-          <ac:chgData name="Gilbert, Neil" userId="37be9f5c-8f28-415b-96d6-624acf93bb3f" providerId="ADAL" clId="{E47290D8-570C-4370-B6F6-1AF3FEE279C2}" dt="2024-12-11T15:55:24.386" v="485" actId="478"/>
-          <ac:picMkLst>
-            <pc:docMk/>
-            <pc:sldMk cId="268507922" sldId="256"/>
-            <ac:picMk id="28" creationId="{4717CA23-1D64-2F92-38D5-7A5A1306A9C7}"/>
-          </ac:picMkLst>
-        </pc:picChg>
-        <pc:picChg chg="add del mod ord modCrop">
-          <ac:chgData name="Gilbert, Neil" userId="37be9f5c-8f28-415b-96d6-624acf93bb3f" providerId="ADAL" clId="{E47290D8-570C-4370-B6F6-1AF3FEE279C2}" dt="2024-12-11T15:56:07.399" v="519" actId="21"/>
-          <ac:picMkLst>
-            <pc:docMk/>
-            <pc:sldMk cId="268507922" sldId="256"/>
-            <ac:picMk id="30" creationId="{E718996A-2393-985D-5035-124DAB536EFB}"/>
-          </ac:picMkLst>
-        </pc:picChg>
-        <pc:picChg chg="add mod ord topLvl modCrop">
-          <ac:chgData name="Gilbert, Neil" userId="37be9f5c-8f28-415b-96d6-624acf93bb3f" providerId="ADAL" clId="{E47290D8-570C-4370-B6F6-1AF3FEE279C2}" dt="2024-12-11T16:00:31.114" v="620" actId="167"/>
-          <ac:picMkLst>
-            <pc:docMk/>
-            <pc:sldMk cId="268507922" sldId="256"/>
-            <ac:picMk id="31" creationId="{E718996A-2393-985D-5035-124DAB536EFB}"/>
-          </ac:picMkLst>
-        </pc:picChg>
-        <pc:picChg chg="del mod topLvl modCrop">
-          <ac:chgData name="Gilbert, Neil" userId="37be9f5c-8f28-415b-96d6-624acf93bb3f" providerId="ADAL" clId="{E47290D8-570C-4370-B6F6-1AF3FEE279C2}" dt="2024-12-11T15:49:50.642" v="335" actId="478"/>
-          <ac:picMkLst>
-            <pc:docMk/>
-            <pc:sldMk cId="268507922" sldId="256"/>
-            <ac:picMk id="35" creationId="{47E2A885-0C8B-A266-6142-127E956029E3}"/>
-          </ac:picMkLst>
-        </pc:picChg>
-        <pc:picChg chg="add mod ord">
-          <ac:chgData name="Gilbert, Neil" userId="37be9f5c-8f28-415b-96d6-624acf93bb3f" providerId="ADAL" clId="{E47290D8-570C-4370-B6F6-1AF3FEE279C2}" dt="2024-12-11T16:00:10.049" v="616" actId="167"/>
-          <ac:picMkLst>
-            <pc:docMk/>
-            <pc:sldMk cId="268507922" sldId="256"/>
-            <ac:picMk id="36" creationId="{62E34BFF-2B76-3D36-FBD3-0EE7558D9C58}"/>
-          </ac:picMkLst>
-        </pc:picChg>
-        <pc:picChg chg="mod topLvl">
-          <ac:chgData name="Gilbert, Neil" userId="37be9f5c-8f28-415b-96d6-624acf93bb3f" providerId="ADAL" clId="{E47290D8-570C-4370-B6F6-1AF3FEE279C2}" dt="2024-12-11T16:00:25.620" v="619" actId="165"/>
-          <ac:picMkLst>
-            <pc:docMk/>
-            <pc:sldMk cId="268507922" sldId="256"/>
-            <ac:picMk id="38" creationId="{87EBA3DF-FF8E-5AAC-DBB1-E166D7CDA0AC}"/>
-          </ac:picMkLst>
-        </pc:picChg>
-        <pc:picChg chg="mod topLvl">
-          <ac:chgData name="Gilbert, Neil" userId="37be9f5c-8f28-415b-96d6-624acf93bb3f" providerId="ADAL" clId="{E47290D8-570C-4370-B6F6-1AF3FEE279C2}" dt="2024-12-11T16:00:25.620" v="619" actId="165"/>
-          <ac:picMkLst>
-            <pc:docMk/>
-            <pc:sldMk cId="268507922" sldId="256"/>
-            <ac:picMk id="39" creationId="{51ED987C-0937-D95D-F8E1-2A4F8EF9F3D7}"/>
-          </ac:picMkLst>
-        </pc:picChg>
-        <pc:picChg chg="mod topLvl">
-          <ac:chgData name="Gilbert, Neil" userId="37be9f5c-8f28-415b-96d6-624acf93bb3f" providerId="ADAL" clId="{E47290D8-570C-4370-B6F6-1AF3FEE279C2}" dt="2024-12-11T16:00:25.620" v="619" actId="165"/>
-          <ac:picMkLst>
-            <pc:docMk/>
-            <pc:sldMk cId="268507922" sldId="256"/>
-            <ac:picMk id="40" creationId="{16FF750D-4091-51D2-6013-A6DDC5CB6B71}"/>
-          </ac:picMkLst>
-        </pc:picChg>
-        <pc:picChg chg="mod topLvl">
-          <ac:chgData name="Gilbert, Neil" userId="37be9f5c-8f28-415b-96d6-624acf93bb3f" providerId="ADAL" clId="{E47290D8-570C-4370-B6F6-1AF3FEE279C2}" dt="2024-12-11T16:00:25.620" v="619" actId="165"/>
-          <ac:picMkLst>
-            <pc:docMk/>
-            <pc:sldMk cId="268507922" sldId="256"/>
-            <ac:picMk id="41" creationId="{6F5AFEBD-68A4-D22A-9A1F-56DCDA88B0B2}"/>
-          </ac:picMkLst>
-        </pc:picChg>
-        <pc:picChg chg="mod topLvl">
-          <ac:chgData name="Gilbert, Neil" userId="37be9f5c-8f28-415b-96d6-624acf93bb3f" providerId="ADAL" clId="{E47290D8-570C-4370-B6F6-1AF3FEE279C2}" dt="2024-12-11T16:00:25.620" v="619" actId="165"/>
-          <ac:picMkLst>
-            <pc:docMk/>
-            <pc:sldMk cId="268507922" sldId="256"/>
-            <ac:picMk id="42" creationId="{362DF697-E4BF-B744-F31F-3E1FE661F785}"/>
-          </ac:picMkLst>
-        </pc:picChg>
-        <pc:picChg chg="mod topLvl">
-          <ac:chgData name="Gilbert, Neil" userId="37be9f5c-8f28-415b-96d6-624acf93bb3f" providerId="ADAL" clId="{E47290D8-570C-4370-B6F6-1AF3FEE279C2}" dt="2024-12-11T16:00:25.620" v="619" actId="165"/>
-          <ac:picMkLst>
-            <pc:docMk/>
-            <pc:sldMk cId="268507922" sldId="256"/>
-            <ac:picMk id="43" creationId="{DEF1755A-474F-B06D-264A-B8A9348E1DF7}"/>
-          </ac:picMkLst>
-        </pc:picChg>
-        <pc:picChg chg="del mod">
-          <ac:chgData name="Gilbert, Neil" userId="37be9f5c-8f28-415b-96d6-624acf93bb3f" providerId="ADAL" clId="{E47290D8-570C-4370-B6F6-1AF3FEE279C2}" dt="2024-12-11T15:44:57.377" v="327" actId="478"/>
-          <ac:picMkLst>
-            <pc:docMk/>
-            <pc:sldMk cId="268507922" sldId="256"/>
-            <ac:picMk id="47" creationId="{5CA18B89-C216-9E0D-81D0-24D7A704F942}"/>
-          </ac:picMkLst>
-        </pc:picChg>
-        <pc:cxnChg chg="add mod">
-          <ac:chgData name="Gilbert, Neil" userId="37be9f5c-8f28-415b-96d6-624acf93bb3f" providerId="ADAL" clId="{E47290D8-570C-4370-B6F6-1AF3FEE279C2}" dt="2024-12-11T16:00:25.620" v="619" actId="165"/>
-          <ac:cxnSpMkLst>
-            <pc:docMk/>
-            <pc:sldMk cId="268507922" sldId="256"/>
-            <ac:cxnSpMk id="5" creationId="{FE870867-0638-D790-B95C-4E55730DC1C6}"/>
-          </ac:cxnSpMkLst>
-        </pc:cxnChg>
-        <pc:cxnChg chg="add mod">
-          <ac:chgData name="Gilbert, Neil" userId="37be9f5c-8f28-415b-96d6-624acf93bb3f" providerId="ADAL" clId="{E47290D8-570C-4370-B6F6-1AF3FEE279C2}" dt="2024-12-11T16:00:25.620" v="619" actId="165"/>
-          <ac:cxnSpMkLst>
-            <pc:docMk/>
-            <pc:sldMk cId="268507922" sldId="256"/>
-            <ac:cxnSpMk id="7" creationId="{2970EB5C-D6BC-6116-67B7-1FD6E6368C40}"/>
-          </ac:cxnSpMkLst>
-        </pc:cxnChg>
-        <pc:cxnChg chg="add mod">
-          <ac:chgData name="Gilbert, Neil" userId="37be9f5c-8f28-415b-96d6-624acf93bb3f" providerId="ADAL" clId="{E47290D8-570C-4370-B6F6-1AF3FEE279C2}" dt="2024-12-11T16:00:25.620" v="619" actId="165"/>
-          <ac:cxnSpMkLst>
-            <pc:docMk/>
-            <pc:sldMk cId="268507922" sldId="256"/>
-            <ac:cxnSpMk id="10" creationId="{F91C67C8-9674-0551-1511-03CFC21B3B1B}"/>
-          </ac:cxnSpMkLst>
-        </pc:cxnChg>
-      </pc:sldChg>
-    </pc:docChg>
-  </pc:docChgLst>
-</pc:chgInfo>
 </file>
 
 <file path=ppt/slideLayouts/slideLayout1.xml><?xml version="1.0" encoding="utf-8"?>
@@ -501,15 +136,15 @@
         </p:nvSpPr>
         <p:spPr>
           <a:xfrm>
-            <a:off x="308610" y="561182"/>
-            <a:ext cx="3497580" cy="1193800"/>
+            <a:off x="435531" y="1084951"/>
+            <a:ext cx="4936014" cy="2308013"/>
           </a:xfrm>
         </p:spPr>
         <p:txBody>
           <a:bodyPr anchor="b"/>
           <a:lstStyle>
             <a:lvl1pPr algn="ctr">
-              <a:defRPr sz="2700"/>
+              <a:defRPr sz="3811"/>
             </a:lvl1pPr>
           </a:lstStyle>
           <a:p>
@@ -533,8 +168,8 @@
         </p:nvSpPr>
         <p:spPr>
           <a:xfrm>
-            <a:off x="514350" y="1801019"/>
-            <a:ext cx="3086100" cy="827881"/>
+            <a:off x="725885" y="3481970"/>
+            <a:ext cx="4355306" cy="1600570"/>
           </a:xfrm>
         </p:spPr>
         <p:txBody>
@@ -542,39 +177,39 @@
           <a:lstStyle>
             <a:lvl1pPr marL="0" indent="0" algn="ctr">
               <a:buNone/>
-              <a:defRPr sz="1080"/>
+              <a:defRPr sz="1524"/>
             </a:lvl1pPr>
-            <a:lvl2pPr marL="205740" indent="0" algn="ctr">
-              <a:buNone/>
-              <a:defRPr sz="900"/>
+            <a:lvl2pPr marL="290368" indent="0" algn="ctr">
+              <a:buNone/>
+              <a:defRPr sz="1270"/>
             </a:lvl2pPr>
-            <a:lvl3pPr marL="411480" indent="0" algn="ctr">
-              <a:buNone/>
-              <a:defRPr sz="810"/>
+            <a:lvl3pPr marL="580735" indent="0" algn="ctr">
+              <a:buNone/>
+              <a:defRPr sz="1143"/>
             </a:lvl3pPr>
-            <a:lvl4pPr marL="617220" indent="0" algn="ctr">
-              <a:buNone/>
-              <a:defRPr sz="720"/>
+            <a:lvl4pPr marL="871103" indent="0" algn="ctr">
+              <a:buNone/>
+              <a:defRPr sz="1016"/>
             </a:lvl4pPr>
-            <a:lvl5pPr marL="822960" indent="0" algn="ctr">
-              <a:buNone/>
-              <a:defRPr sz="720"/>
+            <a:lvl5pPr marL="1161471" indent="0" algn="ctr">
+              <a:buNone/>
+              <a:defRPr sz="1016"/>
             </a:lvl5pPr>
-            <a:lvl6pPr marL="1028700" indent="0" algn="ctr">
-              <a:buNone/>
-              <a:defRPr sz="720"/>
+            <a:lvl6pPr marL="1451839" indent="0" algn="ctr">
+              <a:buNone/>
+              <a:defRPr sz="1016"/>
             </a:lvl6pPr>
-            <a:lvl7pPr marL="1234440" indent="0" algn="ctr">
-              <a:buNone/>
-              <a:defRPr sz="720"/>
+            <a:lvl7pPr marL="1742206" indent="0" algn="ctr">
+              <a:buNone/>
+              <a:defRPr sz="1016"/>
             </a:lvl7pPr>
-            <a:lvl8pPr marL="1440180" indent="0" algn="ctr">
-              <a:buNone/>
-              <a:defRPr sz="720"/>
+            <a:lvl8pPr marL="2032574" indent="0" algn="ctr">
+              <a:buNone/>
+              <a:defRPr sz="1016"/>
             </a:lvl8pPr>
-            <a:lvl9pPr marL="1645920" indent="0" algn="ctr">
-              <a:buNone/>
-              <a:defRPr sz="720"/>
+            <a:lvl9pPr marL="2322942" indent="0" algn="ctr">
+              <a:buNone/>
+              <a:defRPr sz="1016"/>
             </a:lvl9pPr>
           </a:lstStyle>
           <a:p>
@@ -601,9 +236,9 @@
           <a:bodyPr/>
           <a:lstStyle/>
           <a:p>
-            <a:fld id="{2F68B2EA-A892-46A1-BEA1-475FA51A3827}" type="datetimeFigureOut">
+            <a:fld id="{78A29697-F165-478E-A0C1-5FA4ECF85D1F}" type="datetimeFigureOut">
               <a:rPr lang="en-US" smtClean="0"/>
-              <a:t>12/11/2024</a:t>
+              <a:t>3/25/2025</a:t>
             </a:fld>
             <a:endParaRPr lang="en-US"/>
           </a:p>
@@ -643,7 +278,7 @@
           <a:bodyPr/>
           <a:lstStyle/>
           <a:p>
-            <a:fld id="{2A28BFE2-CB1D-463F-B270-B73A55D9BF53}" type="slidenum">
+            <a:fld id="{96F11812-3046-4B5D-8BE9-10793532E127}" type="slidenum">
               <a:rPr lang="en-US" smtClean="0"/>
               <a:t>‹#›</a:t>
             </a:fld>
@@ -654,7 +289,7 @@
     </p:spTree>
     <p:extLst>
       <p:ext uri="{BB962C8B-B14F-4D97-AF65-F5344CB8AC3E}">
-        <p14:creationId xmlns:p14="http://schemas.microsoft.com/office/powerpoint/2010/main" val="329801283"/>
+        <p14:creationId xmlns:p14="http://schemas.microsoft.com/office/powerpoint/2010/main" val="1083105408"/>
       </p:ext>
     </p:extLst>
   </p:cSld>
@@ -771,9 +406,9 @@
           <a:bodyPr/>
           <a:lstStyle/>
           <a:p>
-            <a:fld id="{2F68B2EA-A892-46A1-BEA1-475FA51A3827}" type="datetimeFigureOut">
+            <a:fld id="{78A29697-F165-478E-A0C1-5FA4ECF85D1F}" type="datetimeFigureOut">
               <a:rPr lang="en-US" smtClean="0"/>
-              <a:t>12/11/2024</a:t>
+              <a:t>3/25/2025</a:t>
             </a:fld>
             <a:endParaRPr lang="en-US"/>
           </a:p>
@@ -813,7 +448,7 @@
           <a:bodyPr/>
           <a:lstStyle/>
           <a:p>
-            <a:fld id="{2A28BFE2-CB1D-463F-B270-B73A55D9BF53}" type="slidenum">
+            <a:fld id="{96F11812-3046-4B5D-8BE9-10793532E127}" type="slidenum">
               <a:rPr lang="en-US" smtClean="0"/>
               <a:t>‹#›</a:t>
             </a:fld>
@@ -824,7 +459,7 @@
     </p:spTree>
     <p:extLst>
       <p:ext uri="{BB962C8B-B14F-4D97-AF65-F5344CB8AC3E}">
-        <p14:creationId xmlns:p14="http://schemas.microsoft.com/office/powerpoint/2010/main" val="2398559470"/>
+        <p14:creationId xmlns:p14="http://schemas.microsoft.com/office/powerpoint/2010/main" val="3291490212"/>
       </p:ext>
     </p:extLst>
   </p:cSld>
@@ -863,8 +498,8 @@
         </p:nvSpPr>
         <p:spPr>
           <a:xfrm>
-            <a:off x="2944654" y="182563"/>
-            <a:ext cx="887254" cy="2905919"/>
+            <a:off x="4155688" y="352954"/>
+            <a:ext cx="1252151" cy="5618110"/>
           </a:xfrm>
         </p:spPr>
         <p:txBody>
@@ -891,8 +526,8 @@
         </p:nvSpPr>
         <p:spPr>
           <a:xfrm>
-            <a:off x="282893" y="182563"/>
-            <a:ext cx="2610326" cy="2905919"/>
+            <a:off x="399237" y="352954"/>
+            <a:ext cx="3683863" cy="5618110"/>
           </a:xfrm>
         </p:spPr>
         <p:txBody>
@@ -951,9 +586,9 @@
           <a:bodyPr/>
           <a:lstStyle/>
           <a:p>
-            <a:fld id="{2F68B2EA-A892-46A1-BEA1-475FA51A3827}" type="datetimeFigureOut">
+            <a:fld id="{78A29697-F165-478E-A0C1-5FA4ECF85D1F}" type="datetimeFigureOut">
               <a:rPr lang="en-US" smtClean="0"/>
-              <a:t>12/11/2024</a:t>
+              <a:t>3/25/2025</a:t>
             </a:fld>
             <a:endParaRPr lang="en-US"/>
           </a:p>
@@ -993,7 +628,7 @@
           <a:bodyPr/>
           <a:lstStyle/>
           <a:p>
-            <a:fld id="{2A28BFE2-CB1D-463F-B270-B73A55D9BF53}" type="slidenum">
+            <a:fld id="{96F11812-3046-4B5D-8BE9-10793532E127}" type="slidenum">
               <a:rPr lang="en-US" smtClean="0"/>
               <a:t>‹#›</a:t>
             </a:fld>
@@ -1004,7 +639,7 @@
     </p:spTree>
     <p:extLst>
       <p:ext uri="{BB962C8B-B14F-4D97-AF65-F5344CB8AC3E}">
-        <p14:creationId xmlns:p14="http://schemas.microsoft.com/office/powerpoint/2010/main" val="427329554"/>
+        <p14:creationId xmlns:p14="http://schemas.microsoft.com/office/powerpoint/2010/main" val="1771679800"/>
       </p:ext>
     </p:extLst>
   </p:cSld>
@@ -1121,9 +756,9 @@
           <a:bodyPr/>
           <a:lstStyle/>
           <a:p>
-            <a:fld id="{2F68B2EA-A892-46A1-BEA1-475FA51A3827}" type="datetimeFigureOut">
+            <a:fld id="{78A29697-F165-478E-A0C1-5FA4ECF85D1F}" type="datetimeFigureOut">
               <a:rPr lang="en-US" smtClean="0"/>
-              <a:t>12/11/2024</a:t>
+              <a:t>3/25/2025</a:t>
             </a:fld>
             <a:endParaRPr lang="en-US"/>
           </a:p>
@@ -1163,7 +798,7 @@
           <a:bodyPr/>
           <a:lstStyle/>
           <a:p>
-            <a:fld id="{2A28BFE2-CB1D-463F-B270-B73A55D9BF53}" type="slidenum">
+            <a:fld id="{96F11812-3046-4B5D-8BE9-10793532E127}" type="slidenum">
               <a:rPr lang="en-US" smtClean="0"/>
               <a:t>‹#›</a:t>
             </a:fld>
@@ -1174,7 +809,7 @@
     </p:spTree>
     <p:extLst>
       <p:ext uri="{BB962C8B-B14F-4D97-AF65-F5344CB8AC3E}">
-        <p14:creationId xmlns:p14="http://schemas.microsoft.com/office/powerpoint/2010/main" val="4075357187"/>
+        <p14:creationId xmlns:p14="http://schemas.microsoft.com/office/powerpoint/2010/main" val="1084291472"/>
       </p:ext>
     </p:extLst>
   </p:cSld>
@@ -1213,15 +848,15 @@
         </p:nvSpPr>
         <p:spPr>
           <a:xfrm>
-            <a:off x="280750" y="854870"/>
-            <a:ext cx="3549015" cy="1426369"/>
+            <a:off x="396212" y="1652748"/>
+            <a:ext cx="5008602" cy="2757646"/>
           </a:xfrm>
         </p:spPr>
         <p:txBody>
           <a:bodyPr anchor="b"/>
           <a:lstStyle>
             <a:lvl1pPr>
-              <a:defRPr sz="2700"/>
+              <a:defRPr sz="3811"/>
             </a:lvl1pPr>
           </a:lstStyle>
           <a:p>
@@ -1245,8 +880,8 @@
         </p:nvSpPr>
         <p:spPr>
           <a:xfrm>
-            <a:off x="280750" y="2294732"/>
-            <a:ext cx="3549015" cy="750094"/>
+            <a:off x="396212" y="4436482"/>
+            <a:ext cx="5008602" cy="1450181"/>
           </a:xfrm>
         </p:spPr>
         <p:txBody>
@@ -1254,7 +889,7 @@
           <a:lstStyle>
             <a:lvl1pPr marL="0" indent="0">
               <a:buNone/>
-              <a:defRPr sz="1080">
+              <a:defRPr sz="1524">
                 <a:solidFill>
                   <a:schemeClr val="tx1">
                     <a:tint val="82000"/>
@@ -1262,9 +897,9 @@
                 </a:solidFill>
               </a:defRPr>
             </a:lvl1pPr>
-            <a:lvl2pPr marL="205740" indent="0">
-              <a:buNone/>
-              <a:defRPr sz="900">
+            <a:lvl2pPr marL="290368" indent="0">
+              <a:buNone/>
+              <a:defRPr sz="1270">
                 <a:solidFill>
                   <a:schemeClr val="tx1">
                     <a:tint val="82000"/>
@@ -1272,9 +907,9 @@
                 </a:solidFill>
               </a:defRPr>
             </a:lvl2pPr>
-            <a:lvl3pPr marL="411480" indent="0">
-              <a:buNone/>
-              <a:defRPr sz="810">
+            <a:lvl3pPr marL="580735" indent="0">
+              <a:buNone/>
+              <a:defRPr sz="1143">
                 <a:solidFill>
                   <a:schemeClr val="tx1">
                     <a:tint val="82000"/>
@@ -1282,9 +917,9 @@
                 </a:solidFill>
               </a:defRPr>
             </a:lvl3pPr>
-            <a:lvl4pPr marL="617220" indent="0">
-              <a:buNone/>
-              <a:defRPr sz="720">
+            <a:lvl4pPr marL="871103" indent="0">
+              <a:buNone/>
+              <a:defRPr sz="1016">
                 <a:solidFill>
                   <a:schemeClr val="tx1">
                     <a:tint val="82000"/>
@@ -1292,9 +927,9 @@
                 </a:solidFill>
               </a:defRPr>
             </a:lvl4pPr>
-            <a:lvl5pPr marL="822960" indent="0">
-              <a:buNone/>
-              <a:defRPr sz="720">
+            <a:lvl5pPr marL="1161471" indent="0">
+              <a:buNone/>
+              <a:defRPr sz="1016">
                 <a:solidFill>
                   <a:schemeClr val="tx1">
                     <a:tint val="82000"/>
@@ -1302,9 +937,9 @@
                 </a:solidFill>
               </a:defRPr>
             </a:lvl5pPr>
-            <a:lvl6pPr marL="1028700" indent="0">
-              <a:buNone/>
-              <a:defRPr sz="720">
+            <a:lvl6pPr marL="1451839" indent="0">
+              <a:buNone/>
+              <a:defRPr sz="1016">
                 <a:solidFill>
                   <a:schemeClr val="tx1">
                     <a:tint val="82000"/>
@@ -1312,9 +947,9 @@
                 </a:solidFill>
               </a:defRPr>
             </a:lvl6pPr>
-            <a:lvl7pPr marL="1234440" indent="0">
-              <a:buNone/>
-              <a:defRPr sz="720">
+            <a:lvl7pPr marL="1742206" indent="0">
+              <a:buNone/>
+              <a:defRPr sz="1016">
                 <a:solidFill>
                   <a:schemeClr val="tx1">
                     <a:tint val="82000"/>
@@ -1322,9 +957,9 @@
                 </a:solidFill>
               </a:defRPr>
             </a:lvl7pPr>
-            <a:lvl8pPr marL="1440180" indent="0">
-              <a:buNone/>
-              <a:defRPr sz="720">
+            <a:lvl8pPr marL="2032574" indent="0">
+              <a:buNone/>
+              <a:defRPr sz="1016">
                 <a:solidFill>
                   <a:schemeClr val="tx1">
                     <a:tint val="82000"/>
@@ -1332,9 +967,9 @@
                 </a:solidFill>
               </a:defRPr>
             </a:lvl8pPr>
-            <a:lvl9pPr marL="1645920" indent="0">
-              <a:buNone/>
-              <a:defRPr sz="720">
+            <a:lvl9pPr marL="2322942" indent="0">
+              <a:buNone/>
+              <a:defRPr sz="1016">
                 <a:solidFill>
                   <a:schemeClr val="tx1">
                     <a:tint val="82000"/>
@@ -1367,9 +1002,9 @@
           <a:bodyPr/>
           <a:lstStyle/>
           <a:p>
-            <a:fld id="{2F68B2EA-A892-46A1-BEA1-475FA51A3827}" type="datetimeFigureOut">
+            <a:fld id="{78A29697-F165-478E-A0C1-5FA4ECF85D1F}" type="datetimeFigureOut">
               <a:rPr lang="en-US" smtClean="0"/>
-              <a:t>12/11/2024</a:t>
+              <a:t>3/25/2025</a:t>
             </a:fld>
             <a:endParaRPr lang="en-US"/>
           </a:p>
@@ -1409,7 +1044,7 @@
           <a:bodyPr/>
           <a:lstStyle/>
           <a:p>
-            <a:fld id="{2A28BFE2-CB1D-463F-B270-B73A55D9BF53}" type="slidenum">
+            <a:fld id="{96F11812-3046-4B5D-8BE9-10793532E127}" type="slidenum">
               <a:rPr lang="en-US" smtClean="0"/>
               <a:t>‹#›</a:t>
             </a:fld>
@@ -1420,7 +1055,7 @@
     </p:spTree>
     <p:extLst>
       <p:ext uri="{BB962C8B-B14F-4D97-AF65-F5344CB8AC3E}">
-        <p14:creationId xmlns:p14="http://schemas.microsoft.com/office/powerpoint/2010/main" val="3612317825"/>
+        <p14:creationId xmlns:p14="http://schemas.microsoft.com/office/powerpoint/2010/main" val="1984333142"/>
       </p:ext>
     </p:extLst>
   </p:cSld>
@@ -1482,8 +1117,8 @@
         </p:nvSpPr>
         <p:spPr>
           <a:xfrm>
-            <a:off x="282893" y="912812"/>
-            <a:ext cx="1748790" cy="2175669"/>
+            <a:off x="399236" y="1764771"/>
+            <a:ext cx="2468007" cy="4206293"/>
           </a:xfrm>
         </p:spPr>
         <p:txBody>
@@ -1539,8 +1174,8 @@
         </p:nvSpPr>
         <p:spPr>
           <a:xfrm>
-            <a:off x="2083118" y="912812"/>
-            <a:ext cx="1748790" cy="2175669"/>
+            <a:off x="2939832" y="1764771"/>
+            <a:ext cx="2468007" cy="4206293"/>
           </a:xfrm>
         </p:spPr>
         <p:txBody>
@@ -1599,9 +1234,9 @@
           <a:bodyPr/>
           <a:lstStyle/>
           <a:p>
-            <a:fld id="{2F68B2EA-A892-46A1-BEA1-475FA51A3827}" type="datetimeFigureOut">
+            <a:fld id="{78A29697-F165-478E-A0C1-5FA4ECF85D1F}" type="datetimeFigureOut">
               <a:rPr lang="en-US" smtClean="0"/>
-              <a:t>12/11/2024</a:t>
+              <a:t>3/25/2025</a:t>
             </a:fld>
             <a:endParaRPr lang="en-US"/>
           </a:p>
@@ -1641,7 +1276,7 @@
           <a:bodyPr/>
           <a:lstStyle/>
           <a:p>
-            <a:fld id="{2A28BFE2-CB1D-463F-B270-B73A55D9BF53}" type="slidenum">
+            <a:fld id="{96F11812-3046-4B5D-8BE9-10793532E127}" type="slidenum">
               <a:rPr lang="en-US" smtClean="0"/>
               <a:t>‹#›</a:t>
             </a:fld>
@@ -1652,7 +1287,7 @@
     </p:spTree>
     <p:extLst>
       <p:ext uri="{BB962C8B-B14F-4D97-AF65-F5344CB8AC3E}">
-        <p14:creationId xmlns:p14="http://schemas.microsoft.com/office/powerpoint/2010/main" val="2983246552"/>
+        <p14:creationId xmlns:p14="http://schemas.microsoft.com/office/powerpoint/2010/main" val="2031719249"/>
       </p:ext>
     </p:extLst>
   </p:cSld>
@@ -1691,8 +1326,8 @@
         </p:nvSpPr>
         <p:spPr>
           <a:xfrm>
-            <a:off x="283428" y="182563"/>
-            <a:ext cx="3549015" cy="662782"/>
+            <a:off x="399993" y="352955"/>
+            <a:ext cx="5008602" cy="1281378"/>
           </a:xfrm>
         </p:spPr>
         <p:txBody>
@@ -1719,8 +1354,8 @@
         </p:nvSpPr>
         <p:spPr>
           <a:xfrm>
-            <a:off x="283429" y="840582"/>
-            <a:ext cx="1740753" cy="411956"/>
+            <a:off x="399993" y="1625124"/>
+            <a:ext cx="2456665" cy="796448"/>
           </a:xfrm>
         </p:spPr>
         <p:txBody>
@@ -1728,39 +1363,39 @@
           <a:lstStyle>
             <a:lvl1pPr marL="0" indent="0">
               <a:buNone/>
-              <a:defRPr sz="1080" b="1"/>
+              <a:defRPr sz="1524" b="1"/>
             </a:lvl1pPr>
-            <a:lvl2pPr marL="205740" indent="0">
-              <a:buNone/>
-              <a:defRPr sz="900" b="1"/>
+            <a:lvl2pPr marL="290368" indent="0">
+              <a:buNone/>
+              <a:defRPr sz="1270" b="1"/>
             </a:lvl2pPr>
-            <a:lvl3pPr marL="411480" indent="0">
-              <a:buNone/>
-              <a:defRPr sz="810" b="1"/>
+            <a:lvl3pPr marL="580735" indent="0">
+              <a:buNone/>
+              <a:defRPr sz="1143" b="1"/>
             </a:lvl3pPr>
-            <a:lvl4pPr marL="617220" indent="0">
-              <a:buNone/>
-              <a:defRPr sz="720" b="1"/>
+            <a:lvl4pPr marL="871103" indent="0">
+              <a:buNone/>
+              <a:defRPr sz="1016" b="1"/>
             </a:lvl4pPr>
-            <a:lvl5pPr marL="822960" indent="0">
-              <a:buNone/>
-              <a:defRPr sz="720" b="1"/>
+            <a:lvl5pPr marL="1161471" indent="0">
+              <a:buNone/>
+              <a:defRPr sz="1016" b="1"/>
             </a:lvl5pPr>
-            <a:lvl6pPr marL="1028700" indent="0">
-              <a:buNone/>
-              <a:defRPr sz="720" b="1"/>
+            <a:lvl6pPr marL="1451839" indent="0">
+              <a:buNone/>
+              <a:defRPr sz="1016" b="1"/>
             </a:lvl6pPr>
-            <a:lvl7pPr marL="1234440" indent="0">
-              <a:buNone/>
-              <a:defRPr sz="720" b="1"/>
+            <a:lvl7pPr marL="1742206" indent="0">
+              <a:buNone/>
+              <a:defRPr sz="1016" b="1"/>
             </a:lvl7pPr>
-            <a:lvl8pPr marL="1440180" indent="0">
-              <a:buNone/>
-              <a:defRPr sz="720" b="1"/>
+            <a:lvl8pPr marL="2032574" indent="0">
+              <a:buNone/>
+              <a:defRPr sz="1016" b="1"/>
             </a:lvl8pPr>
-            <a:lvl9pPr marL="1645920" indent="0">
-              <a:buNone/>
-              <a:defRPr sz="720" b="1"/>
+            <a:lvl9pPr marL="2322942" indent="0">
+              <a:buNone/>
+              <a:defRPr sz="1016" b="1"/>
             </a:lvl9pPr>
           </a:lstStyle>
           <a:p>
@@ -1784,8 +1419,8 @@
         </p:nvSpPr>
         <p:spPr>
           <a:xfrm>
-            <a:off x="283429" y="1252538"/>
-            <a:ext cx="1740753" cy="1842294"/>
+            <a:off x="399993" y="2421573"/>
+            <a:ext cx="2456665" cy="3561768"/>
           </a:xfrm>
         </p:spPr>
         <p:txBody>
@@ -1841,8 +1476,8 @@
         </p:nvSpPr>
         <p:spPr>
           <a:xfrm>
-            <a:off x="2083118" y="840582"/>
-            <a:ext cx="1749326" cy="411956"/>
+            <a:off x="2939832" y="1625124"/>
+            <a:ext cx="2468763" cy="796448"/>
           </a:xfrm>
         </p:spPr>
         <p:txBody>
@@ -1850,39 +1485,39 @@
           <a:lstStyle>
             <a:lvl1pPr marL="0" indent="0">
               <a:buNone/>
-              <a:defRPr sz="1080" b="1"/>
+              <a:defRPr sz="1524" b="1"/>
             </a:lvl1pPr>
-            <a:lvl2pPr marL="205740" indent="0">
-              <a:buNone/>
-              <a:defRPr sz="900" b="1"/>
+            <a:lvl2pPr marL="290368" indent="0">
+              <a:buNone/>
+              <a:defRPr sz="1270" b="1"/>
             </a:lvl2pPr>
-            <a:lvl3pPr marL="411480" indent="0">
-              <a:buNone/>
-              <a:defRPr sz="810" b="1"/>
+            <a:lvl3pPr marL="580735" indent="0">
+              <a:buNone/>
+              <a:defRPr sz="1143" b="1"/>
             </a:lvl3pPr>
-            <a:lvl4pPr marL="617220" indent="0">
-              <a:buNone/>
-              <a:defRPr sz="720" b="1"/>
+            <a:lvl4pPr marL="871103" indent="0">
+              <a:buNone/>
+              <a:defRPr sz="1016" b="1"/>
             </a:lvl4pPr>
-            <a:lvl5pPr marL="822960" indent="0">
-              <a:buNone/>
-              <a:defRPr sz="720" b="1"/>
+            <a:lvl5pPr marL="1161471" indent="0">
+              <a:buNone/>
+              <a:defRPr sz="1016" b="1"/>
             </a:lvl5pPr>
-            <a:lvl6pPr marL="1028700" indent="0">
-              <a:buNone/>
-              <a:defRPr sz="720" b="1"/>
+            <a:lvl6pPr marL="1451839" indent="0">
+              <a:buNone/>
+              <a:defRPr sz="1016" b="1"/>
             </a:lvl6pPr>
-            <a:lvl7pPr marL="1234440" indent="0">
-              <a:buNone/>
-              <a:defRPr sz="720" b="1"/>
+            <a:lvl7pPr marL="1742206" indent="0">
+              <a:buNone/>
+              <a:defRPr sz="1016" b="1"/>
             </a:lvl7pPr>
-            <a:lvl8pPr marL="1440180" indent="0">
-              <a:buNone/>
-              <a:defRPr sz="720" b="1"/>
+            <a:lvl8pPr marL="2032574" indent="0">
+              <a:buNone/>
+              <a:defRPr sz="1016" b="1"/>
             </a:lvl8pPr>
-            <a:lvl9pPr marL="1645920" indent="0">
-              <a:buNone/>
-              <a:defRPr sz="720" b="1"/>
+            <a:lvl9pPr marL="2322942" indent="0">
+              <a:buNone/>
+              <a:defRPr sz="1016" b="1"/>
             </a:lvl9pPr>
           </a:lstStyle>
           <a:p>
@@ -1906,8 +1541,8 @@
         </p:nvSpPr>
         <p:spPr>
           <a:xfrm>
-            <a:off x="2083118" y="1252538"/>
-            <a:ext cx="1749326" cy="1842294"/>
+            <a:off x="2939832" y="2421573"/>
+            <a:ext cx="2468763" cy="3561768"/>
           </a:xfrm>
         </p:spPr>
         <p:txBody>
@@ -1966,9 +1601,9 @@
           <a:bodyPr/>
           <a:lstStyle/>
           <a:p>
-            <a:fld id="{2F68B2EA-A892-46A1-BEA1-475FA51A3827}" type="datetimeFigureOut">
+            <a:fld id="{78A29697-F165-478E-A0C1-5FA4ECF85D1F}" type="datetimeFigureOut">
               <a:rPr lang="en-US" smtClean="0"/>
-              <a:t>12/11/2024</a:t>
+              <a:t>3/25/2025</a:t>
             </a:fld>
             <a:endParaRPr lang="en-US"/>
           </a:p>
@@ -2008,7 +1643,7 @@
           <a:bodyPr/>
           <a:lstStyle/>
           <a:p>
-            <a:fld id="{2A28BFE2-CB1D-463F-B270-B73A55D9BF53}" type="slidenum">
+            <a:fld id="{96F11812-3046-4B5D-8BE9-10793532E127}" type="slidenum">
               <a:rPr lang="en-US" smtClean="0"/>
               <a:t>‹#›</a:t>
             </a:fld>
@@ -2019,7 +1654,7 @@
     </p:spTree>
     <p:extLst>
       <p:ext uri="{BB962C8B-B14F-4D97-AF65-F5344CB8AC3E}">
-        <p14:creationId xmlns:p14="http://schemas.microsoft.com/office/powerpoint/2010/main" val="3365082973"/>
+        <p14:creationId xmlns:p14="http://schemas.microsoft.com/office/powerpoint/2010/main" val="1981964932"/>
       </p:ext>
     </p:extLst>
   </p:cSld>
@@ -2084,9 +1719,9 @@
           <a:bodyPr/>
           <a:lstStyle/>
           <a:p>
-            <a:fld id="{2F68B2EA-A892-46A1-BEA1-475FA51A3827}" type="datetimeFigureOut">
+            <a:fld id="{78A29697-F165-478E-A0C1-5FA4ECF85D1F}" type="datetimeFigureOut">
               <a:rPr lang="en-US" smtClean="0"/>
-              <a:t>12/11/2024</a:t>
+              <a:t>3/25/2025</a:t>
             </a:fld>
             <a:endParaRPr lang="en-US"/>
           </a:p>
@@ -2126,7 +1761,7 @@
           <a:bodyPr/>
           <a:lstStyle/>
           <a:p>
-            <a:fld id="{2A28BFE2-CB1D-463F-B270-B73A55D9BF53}" type="slidenum">
+            <a:fld id="{96F11812-3046-4B5D-8BE9-10793532E127}" type="slidenum">
               <a:rPr lang="en-US" smtClean="0"/>
               <a:t>‹#›</a:t>
             </a:fld>
@@ -2137,7 +1772,7 @@
     </p:spTree>
     <p:extLst>
       <p:ext uri="{BB962C8B-B14F-4D97-AF65-F5344CB8AC3E}">
-        <p14:creationId xmlns:p14="http://schemas.microsoft.com/office/powerpoint/2010/main" val="111389072"/>
+        <p14:creationId xmlns:p14="http://schemas.microsoft.com/office/powerpoint/2010/main" val="1069001591"/>
       </p:ext>
     </p:extLst>
   </p:cSld>
@@ -2179,9 +1814,9 @@
           <a:bodyPr/>
           <a:lstStyle/>
           <a:p>
-            <a:fld id="{2F68B2EA-A892-46A1-BEA1-475FA51A3827}" type="datetimeFigureOut">
+            <a:fld id="{78A29697-F165-478E-A0C1-5FA4ECF85D1F}" type="datetimeFigureOut">
               <a:rPr lang="en-US" smtClean="0"/>
-              <a:t>12/11/2024</a:t>
+              <a:t>3/25/2025</a:t>
             </a:fld>
             <a:endParaRPr lang="en-US"/>
           </a:p>
@@ -2221,7 +1856,7 @@
           <a:bodyPr/>
           <a:lstStyle/>
           <a:p>
-            <a:fld id="{2A28BFE2-CB1D-463F-B270-B73A55D9BF53}" type="slidenum">
+            <a:fld id="{96F11812-3046-4B5D-8BE9-10793532E127}" type="slidenum">
               <a:rPr lang="en-US" smtClean="0"/>
               <a:t>‹#›</a:t>
             </a:fld>
@@ -2232,7 +1867,7 @@
     </p:spTree>
     <p:extLst>
       <p:ext uri="{BB962C8B-B14F-4D97-AF65-F5344CB8AC3E}">
-        <p14:creationId xmlns:p14="http://schemas.microsoft.com/office/powerpoint/2010/main" val="2850081463"/>
+        <p14:creationId xmlns:p14="http://schemas.microsoft.com/office/powerpoint/2010/main" val="1978280465"/>
       </p:ext>
     </p:extLst>
   </p:cSld>
@@ -2271,15 +1906,15 @@
         </p:nvSpPr>
         <p:spPr>
           <a:xfrm>
-            <a:off x="283429" y="228600"/>
-            <a:ext cx="1327130" cy="800100"/>
+            <a:off x="399993" y="441960"/>
+            <a:ext cx="1872933" cy="1546860"/>
           </a:xfrm>
         </p:spPr>
         <p:txBody>
           <a:bodyPr anchor="b"/>
           <a:lstStyle>
             <a:lvl1pPr>
-              <a:defRPr sz="1440"/>
+              <a:defRPr sz="2032"/>
             </a:lvl1pPr>
           </a:lstStyle>
           <a:p>
@@ -2303,39 +1938,39 @@
         </p:nvSpPr>
         <p:spPr>
           <a:xfrm>
-            <a:off x="1749326" y="493713"/>
-            <a:ext cx="2083118" cy="2436813"/>
+            <a:off x="2468763" y="954512"/>
+            <a:ext cx="2939832" cy="4711171"/>
           </a:xfrm>
         </p:spPr>
         <p:txBody>
           <a:bodyPr/>
           <a:lstStyle>
             <a:lvl1pPr>
-              <a:defRPr sz="1440"/>
+              <a:defRPr sz="2032"/>
             </a:lvl1pPr>
             <a:lvl2pPr>
-              <a:defRPr sz="1260"/>
+              <a:defRPr sz="1778"/>
             </a:lvl2pPr>
             <a:lvl3pPr>
-              <a:defRPr sz="1080"/>
+              <a:defRPr sz="1524"/>
             </a:lvl3pPr>
             <a:lvl4pPr>
-              <a:defRPr sz="900"/>
+              <a:defRPr sz="1270"/>
             </a:lvl4pPr>
             <a:lvl5pPr>
-              <a:defRPr sz="900"/>
+              <a:defRPr sz="1270"/>
             </a:lvl5pPr>
             <a:lvl6pPr>
-              <a:defRPr sz="900"/>
+              <a:defRPr sz="1270"/>
             </a:lvl6pPr>
             <a:lvl7pPr>
-              <a:defRPr sz="900"/>
+              <a:defRPr sz="1270"/>
             </a:lvl7pPr>
             <a:lvl8pPr>
-              <a:defRPr sz="900"/>
+              <a:defRPr sz="1270"/>
             </a:lvl8pPr>
             <a:lvl9pPr>
-              <a:defRPr sz="900"/>
+              <a:defRPr sz="1270"/>
             </a:lvl9pPr>
           </a:lstStyle>
           <a:p>
@@ -2388,8 +2023,8 @@
         </p:nvSpPr>
         <p:spPr>
           <a:xfrm>
-            <a:off x="283429" y="1028700"/>
-            <a:ext cx="1327130" cy="1905794"/>
+            <a:off x="399993" y="1988820"/>
+            <a:ext cx="1872933" cy="3684535"/>
           </a:xfrm>
         </p:spPr>
         <p:txBody>
@@ -2397,39 +2032,39 @@
           <a:lstStyle>
             <a:lvl1pPr marL="0" indent="0">
               <a:buNone/>
-              <a:defRPr sz="720"/>
+              <a:defRPr sz="1016"/>
             </a:lvl1pPr>
-            <a:lvl2pPr marL="205740" indent="0">
-              <a:buNone/>
-              <a:defRPr sz="630"/>
+            <a:lvl2pPr marL="290368" indent="0">
+              <a:buNone/>
+              <a:defRPr sz="889"/>
             </a:lvl2pPr>
-            <a:lvl3pPr marL="411480" indent="0">
-              <a:buNone/>
-              <a:defRPr sz="540"/>
+            <a:lvl3pPr marL="580735" indent="0">
+              <a:buNone/>
+              <a:defRPr sz="762"/>
             </a:lvl3pPr>
-            <a:lvl4pPr marL="617220" indent="0">
-              <a:buNone/>
-              <a:defRPr sz="450"/>
+            <a:lvl4pPr marL="871103" indent="0">
+              <a:buNone/>
+              <a:defRPr sz="635"/>
             </a:lvl4pPr>
-            <a:lvl5pPr marL="822960" indent="0">
-              <a:buNone/>
-              <a:defRPr sz="450"/>
+            <a:lvl5pPr marL="1161471" indent="0">
+              <a:buNone/>
+              <a:defRPr sz="635"/>
             </a:lvl5pPr>
-            <a:lvl6pPr marL="1028700" indent="0">
-              <a:buNone/>
-              <a:defRPr sz="450"/>
+            <a:lvl6pPr marL="1451839" indent="0">
+              <a:buNone/>
+              <a:defRPr sz="635"/>
             </a:lvl6pPr>
-            <a:lvl7pPr marL="1234440" indent="0">
-              <a:buNone/>
-              <a:defRPr sz="450"/>
+            <a:lvl7pPr marL="1742206" indent="0">
+              <a:buNone/>
+              <a:defRPr sz="635"/>
             </a:lvl7pPr>
-            <a:lvl8pPr marL="1440180" indent="0">
-              <a:buNone/>
-              <a:defRPr sz="450"/>
+            <a:lvl8pPr marL="2032574" indent="0">
+              <a:buNone/>
+              <a:defRPr sz="635"/>
             </a:lvl8pPr>
-            <a:lvl9pPr marL="1645920" indent="0">
-              <a:buNone/>
-              <a:defRPr sz="450"/>
+            <a:lvl9pPr marL="2322942" indent="0">
+              <a:buNone/>
+              <a:defRPr sz="635"/>
             </a:lvl9pPr>
           </a:lstStyle>
           <a:p>
@@ -2456,9 +2091,9 @@
           <a:bodyPr/>
           <a:lstStyle/>
           <a:p>
-            <a:fld id="{2F68B2EA-A892-46A1-BEA1-475FA51A3827}" type="datetimeFigureOut">
+            <a:fld id="{78A29697-F165-478E-A0C1-5FA4ECF85D1F}" type="datetimeFigureOut">
               <a:rPr lang="en-US" smtClean="0"/>
-              <a:t>12/11/2024</a:t>
+              <a:t>3/25/2025</a:t>
             </a:fld>
             <a:endParaRPr lang="en-US"/>
           </a:p>
@@ -2498,7 +2133,7 @@
           <a:bodyPr/>
           <a:lstStyle/>
           <a:p>
-            <a:fld id="{2A28BFE2-CB1D-463F-B270-B73A55D9BF53}" type="slidenum">
+            <a:fld id="{96F11812-3046-4B5D-8BE9-10793532E127}" type="slidenum">
               <a:rPr lang="en-US" smtClean="0"/>
               <a:t>‹#›</a:t>
             </a:fld>
@@ -2509,7 +2144,7 @@
     </p:spTree>
     <p:extLst>
       <p:ext uri="{BB962C8B-B14F-4D97-AF65-F5344CB8AC3E}">
-        <p14:creationId xmlns:p14="http://schemas.microsoft.com/office/powerpoint/2010/main" val="820045549"/>
+        <p14:creationId xmlns:p14="http://schemas.microsoft.com/office/powerpoint/2010/main" val="2263092064"/>
       </p:ext>
     </p:extLst>
   </p:cSld>
@@ -2548,15 +2183,15 @@
         </p:nvSpPr>
         <p:spPr>
           <a:xfrm>
-            <a:off x="283429" y="228600"/>
-            <a:ext cx="1327130" cy="800100"/>
+            <a:off x="399993" y="441960"/>
+            <a:ext cx="1872933" cy="1546860"/>
           </a:xfrm>
         </p:spPr>
         <p:txBody>
           <a:bodyPr anchor="b"/>
           <a:lstStyle>
             <a:lvl1pPr>
-              <a:defRPr sz="1440"/>
+              <a:defRPr sz="2032"/>
             </a:lvl1pPr>
           </a:lstStyle>
           <a:p>
@@ -2580,8 +2215,8 @@
         </p:nvSpPr>
         <p:spPr>
           <a:xfrm>
-            <a:off x="1749326" y="493713"/>
-            <a:ext cx="2083118" cy="2436813"/>
+            <a:off x="2468763" y="954512"/>
+            <a:ext cx="2939832" cy="4711171"/>
           </a:xfrm>
         </p:spPr>
         <p:txBody>
@@ -2589,39 +2224,39 @@
           <a:lstStyle>
             <a:lvl1pPr marL="0" indent="0">
               <a:buNone/>
-              <a:defRPr sz="1440"/>
+              <a:defRPr sz="2032"/>
             </a:lvl1pPr>
-            <a:lvl2pPr marL="205740" indent="0">
-              <a:buNone/>
-              <a:defRPr sz="1260"/>
+            <a:lvl2pPr marL="290368" indent="0">
+              <a:buNone/>
+              <a:defRPr sz="1778"/>
             </a:lvl2pPr>
-            <a:lvl3pPr marL="411480" indent="0">
-              <a:buNone/>
-              <a:defRPr sz="1080"/>
+            <a:lvl3pPr marL="580735" indent="0">
+              <a:buNone/>
+              <a:defRPr sz="1524"/>
             </a:lvl3pPr>
-            <a:lvl4pPr marL="617220" indent="0">
-              <a:buNone/>
-              <a:defRPr sz="900"/>
+            <a:lvl4pPr marL="871103" indent="0">
+              <a:buNone/>
+              <a:defRPr sz="1270"/>
             </a:lvl4pPr>
-            <a:lvl5pPr marL="822960" indent="0">
-              <a:buNone/>
-              <a:defRPr sz="900"/>
+            <a:lvl5pPr marL="1161471" indent="0">
+              <a:buNone/>
+              <a:defRPr sz="1270"/>
             </a:lvl5pPr>
-            <a:lvl6pPr marL="1028700" indent="0">
-              <a:buNone/>
-              <a:defRPr sz="900"/>
+            <a:lvl6pPr marL="1451839" indent="0">
+              <a:buNone/>
+              <a:defRPr sz="1270"/>
             </a:lvl6pPr>
-            <a:lvl7pPr marL="1234440" indent="0">
-              <a:buNone/>
-              <a:defRPr sz="900"/>
+            <a:lvl7pPr marL="1742206" indent="0">
+              <a:buNone/>
+              <a:defRPr sz="1270"/>
             </a:lvl7pPr>
-            <a:lvl8pPr marL="1440180" indent="0">
-              <a:buNone/>
-              <a:defRPr sz="900"/>
+            <a:lvl8pPr marL="2032574" indent="0">
+              <a:buNone/>
+              <a:defRPr sz="1270"/>
             </a:lvl8pPr>
-            <a:lvl9pPr marL="1645920" indent="0">
-              <a:buNone/>
-              <a:defRPr sz="900"/>
+            <a:lvl9pPr marL="2322942" indent="0">
+              <a:buNone/>
+              <a:defRPr sz="1270"/>
             </a:lvl9pPr>
           </a:lstStyle>
           <a:p>
@@ -2645,8 +2280,8 @@
         </p:nvSpPr>
         <p:spPr>
           <a:xfrm>
-            <a:off x="283429" y="1028700"/>
-            <a:ext cx="1327130" cy="1905794"/>
+            <a:off x="399993" y="1988820"/>
+            <a:ext cx="1872933" cy="3684535"/>
           </a:xfrm>
         </p:spPr>
         <p:txBody>
@@ -2654,39 +2289,39 @@
           <a:lstStyle>
             <a:lvl1pPr marL="0" indent="0">
               <a:buNone/>
-              <a:defRPr sz="720"/>
+              <a:defRPr sz="1016"/>
             </a:lvl1pPr>
-            <a:lvl2pPr marL="205740" indent="0">
-              <a:buNone/>
-              <a:defRPr sz="630"/>
+            <a:lvl2pPr marL="290368" indent="0">
+              <a:buNone/>
+              <a:defRPr sz="889"/>
             </a:lvl2pPr>
-            <a:lvl3pPr marL="411480" indent="0">
-              <a:buNone/>
-              <a:defRPr sz="540"/>
+            <a:lvl3pPr marL="580735" indent="0">
+              <a:buNone/>
+              <a:defRPr sz="762"/>
             </a:lvl3pPr>
-            <a:lvl4pPr marL="617220" indent="0">
-              <a:buNone/>
-              <a:defRPr sz="450"/>
+            <a:lvl4pPr marL="871103" indent="0">
+              <a:buNone/>
+              <a:defRPr sz="635"/>
             </a:lvl4pPr>
-            <a:lvl5pPr marL="822960" indent="0">
-              <a:buNone/>
-              <a:defRPr sz="450"/>
+            <a:lvl5pPr marL="1161471" indent="0">
+              <a:buNone/>
+              <a:defRPr sz="635"/>
             </a:lvl5pPr>
-            <a:lvl6pPr marL="1028700" indent="0">
-              <a:buNone/>
-              <a:defRPr sz="450"/>
+            <a:lvl6pPr marL="1451839" indent="0">
+              <a:buNone/>
+              <a:defRPr sz="635"/>
             </a:lvl6pPr>
-            <a:lvl7pPr marL="1234440" indent="0">
-              <a:buNone/>
-              <a:defRPr sz="450"/>
+            <a:lvl7pPr marL="1742206" indent="0">
+              <a:buNone/>
+              <a:defRPr sz="635"/>
             </a:lvl7pPr>
-            <a:lvl8pPr marL="1440180" indent="0">
-              <a:buNone/>
-              <a:defRPr sz="450"/>
+            <a:lvl8pPr marL="2032574" indent="0">
+              <a:buNone/>
+              <a:defRPr sz="635"/>
             </a:lvl8pPr>
-            <a:lvl9pPr marL="1645920" indent="0">
-              <a:buNone/>
-              <a:defRPr sz="450"/>
+            <a:lvl9pPr marL="2322942" indent="0">
+              <a:buNone/>
+              <a:defRPr sz="635"/>
             </a:lvl9pPr>
           </a:lstStyle>
           <a:p>
@@ -2713,9 +2348,9 @@
           <a:bodyPr/>
           <a:lstStyle/>
           <a:p>
-            <a:fld id="{2F68B2EA-A892-46A1-BEA1-475FA51A3827}" type="datetimeFigureOut">
+            <a:fld id="{78A29697-F165-478E-A0C1-5FA4ECF85D1F}" type="datetimeFigureOut">
               <a:rPr lang="en-US" smtClean="0"/>
-              <a:t>12/11/2024</a:t>
+              <a:t>3/25/2025</a:t>
             </a:fld>
             <a:endParaRPr lang="en-US"/>
           </a:p>
@@ -2755,7 +2390,7 @@
           <a:bodyPr/>
           <a:lstStyle/>
           <a:p>
-            <a:fld id="{2A28BFE2-CB1D-463F-B270-B73A55D9BF53}" type="slidenum">
+            <a:fld id="{96F11812-3046-4B5D-8BE9-10793532E127}" type="slidenum">
               <a:rPr lang="en-US" smtClean="0"/>
               <a:t>‹#›</a:t>
             </a:fld>
@@ -2766,7 +2401,7 @@
     </p:spTree>
     <p:extLst>
       <p:ext uri="{BB962C8B-B14F-4D97-AF65-F5344CB8AC3E}">
-        <p14:creationId xmlns:p14="http://schemas.microsoft.com/office/powerpoint/2010/main" val="1610813559"/>
+        <p14:creationId xmlns:p14="http://schemas.microsoft.com/office/powerpoint/2010/main" val="702667075"/>
       </p:ext>
     </p:extLst>
   </p:cSld>
@@ -2810,8 +2445,8 @@
         </p:nvSpPr>
         <p:spPr>
           <a:xfrm>
-            <a:off x="282893" y="182563"/>
-            <a:ext cx="3549015" cy="662782"/>
+            <a:off x="399237" y="352955"/>
+            <a:ext cx="5008602" cy="1281378"/>
           </a:xfrm>
           <a:prstGeom prst="rect">
             <a:avLst/>
@@ -2843,8 +2478,8 @@
         </p:nvSpPr>
         <p:spPr>
           <a:xfrm>
-            <a:off x="282893" y="912812"/>
-            <a:ext cx="3549015" cy="2175669"/>
+            <a:off x="399237" y="1764771"/>
+            <a:ext cx="5008602" cy="4206293"/>
           </a:xfrm>
           <a:prstGeom prst="rect">
             <a:avLst/>
@@ -2905,8 +2540,8 @@
         </p:nvSpPr>
         <p:spPr>
           <a:xfrm>
-            <a:off x="282893" y="3178176"/>
-            <a:ext cx="925830" cy="182563"/>
+            <a:off x="399236" y="6144473"/>
+            <a:ext cx="1306592" cy="352954"/>
           </a:xfrm>
           <a:prstGeom prst="rect">
             <a:avLst/>
@@ -2916,7 +2551,7 @@
           <a:bodyPr vert="horz" lIns="91440" tIns="45720" rIns="91440" bIns="45720" rtlCol="0" anchor="ctr"/>
           <a:lstStyle>
             <a:lvl1pPr algn="l">
-              <a:defRPr sz="540">
+              <a:defRPr sz="762">
                 <a:solidFill>
                   <a:schemeClr val="tx1">
                     <a:tint val="82000"/>
@@ -2926,9 +2561,9 @@
             </a:lvl1pPr>
           </a:lstStyle>
           <a:p>
-            <a:fld id="{2F68B2EA-A892-46A1-BEA1-475FA51A3827}" type="datetimeFigureOut">
+            <a:fld id="{78A29697-F165-478E-A0C1-5FA4ECF85D1F}" type="datetimeFigureOut">
               <a:rPr lang="en-US" smtClean="0"/>
-              <a:t>12/11/2024</a:t>
+              <a:t>3/25/2025</a:t>
             </a:fld>
             <a:endParaRPr lang="en-US"/>
           </a:p>
@@ -2946,8 +2581,8 @@
         </p:nvSpPr>
         <p:spPr>
           <a:xfrm>
-            <a:off x="1363028" y="3178176"/>
-            <a:ext cx="1388745" cy="182563"/>
+            <a:off x="1923594" y="6144473"/>
+            <a:ext cx="1959888" cy="352954"/>
           </a:xfrm>
           <a:prstGeom prst="rect">
             <a:avLst/>
@@ -2957,7 +2592,7 @@
           <a:bodyPr vert="horz" lIns="91440" tIns="45720" rIns="91440" bIns="45720" rtlCol="0" anchor="ctr"/>
           <a:lstStyle>
             <a:lvl1pPr algn="ctr">
-              <a:defRPr sz="540">
+              <a:defRPr sz="762">
                 <a:solidFill>
                   <a:schemeClr val="tx1">
                     <a:tint val="82000"/>
@@ -2983,8 +2618,8 @@
         </p:nvSpPr>
         <p:spPr>
           <a:xfrm>
-            <a:off x="2906078" y="3178176"/>
-            <a:ext cx="925830" cy="182563"/>
+            <a:off x="4101247" y="6144473"/>
+            <a:ext cx="1306592" cy="352954"/>
           </a:xfrm>
           <a:prstGeom prst="rect">
             <a:avLst/>
@@ -2994,7 +2629,7 @@
           <a:bodyPr vert="horz" lIns="91440" tIns="45720" rIns="91440" bIns="45720" rtlCol="0" anchor="ctr"/>
           <a:lstStyle>
             <a:lvl1pPr algn="r">
-              <a:defRPr sz="540">
+              <a:defRPr sz="762">
                 <a:solidFill>
                   <a:schemeClr val="tx1">
                     <a:tint val="82000"/>
@@ -3004,7 +2639,7 @@
             </a:lvl1pPr>
           </a:lstStyle>
           <a:p>
-            <a:fld id="{2A28BFE2-CB1D-463F-B270-B73A55D9BF53}" type="slidenum">
+            <a:fld id="{96F11812-3046-4B5D-8BE9-10793532E127}" type="slidenum">
               <a:rPr lang="en-US" smtClean="0"/>
               <a:t>‹#›</a:t>
             </a:fld>
@@ -3015,27 +2650,27 @@
     </p:spTree>
     <p:extLst>
       <p:ext uri="{BB962C8B-B14F-4D97-AF65-F5344CB8AC3E}">
-        <p14:creationId xmlns:p14="http://schemas.microsoft.com/office/powerpoint/2010/main" val="3231120994"/>
+        <p14:creationId xmlns:p14="http://schemas.microsoft.com/office/powerpoint/2010/main" val="3056023435"/>
       </p:ext>
     </p:extLst>
   </p:cSld>
   <p:clrMap bg1="lt1" tx1="dk1" bg2="lt2" tx2="dk2" accent1="accent1" accent2="accent2" accent3="accent3" accent4="accent4" accent5="accent5" accent6="accent6" hlink="hlink" folHlink="folHlink"/>
   <p:sldLayoutIdLst>
-    <p:sldLayoutId id="2147483697" r:id="rId1"/>
-    <p:sldLayoutId id="2147483698" r:id="rId2"/>
-    <p:sldLayoutId id="2147483699" r:id="rId3"/>
-    <p:sldLayoutId id="2147483700" r:id="rId4"/>
-    <p:sldLayoutId id="2147483701" r:id="rId5"/>
-    <p:sldLayoutId id="2147483702" r:id="rId6"/>
-    <p:sldLayoutId id="2147483703" r:id="rId7"/>
-    <p:sldLayoutId id="2147483704" r:id="rId8"/>
-    <p:sldLayoutId id="2147483705" r:id="rId9"/>
-    <p:sldLayoutId id="2147483706" r:id="rId10"/>
-    <p:sldLayoutId id="2147483707" r:id="rId11"/>
+    <p:sldLayoutId id="2147483661" r:id="rId1"/>
+    <p:sldLayoutId id="2147483662" r:id="rId2"/>
+    <p:sldLayoutId id="2147483663" r:id="rId3"/>
+    <p:sldLayoutId id="2147483664" r:id="rId4"/>
+    <p:sldLayoutId id="2147483665" r:id="rId5"/>
+    <p:sldLayoutId id="2147483666" r:id="rId6"/>
+    <p:sldLayoutId id="2147483667" r:id="rId7"/>
+    <p:sldLayoutId id="2147483668" r:id="rId8"/>
+    <p:sldLayoutId id="2147483669" r:id="rId9"/>
+    <p:sldLayoutId id="2147483670" r:id="rId10"/>
+    <p:sldLayoutId id="2147483671" r:id="rId11"/>
   </p:sldLayoutIdLst>
   <p:txStyles>
     <p:titleStyle>
-      <a:lvl1pPr algn="l" defTabSz="411480" rtl="0" eaLnBrk="1" latinLnBrk="0" hangingPunct="1">
+      <a:lvl1pPr algn="l" defTabSz="580735" rtl="0" eaLnBrk="1" latinLnBrk="0" hangingPunct="1">
         <a:lnSpc>
           <a:spcPct val="90000"/>
         </a:lnSpc>
@@ -3043,7 +2678,7 @@
           <a:spcPct val="0"/>
         </a:spcBef>
         <a:buNone/>
-        <a:defRPr sz="1980" kern="1200">
+        <a:defRPr sz="2794" kern="1200">
           <a:solidFill>
             <a:schemeClr val="tx1"/>
           </a:solidFill>
@@ -3054,16 +2689,16 @@
       </a:lvl1pPr>
     </p:titleStyle>
     <p:bodyStyle>
-      <a:lvl1pPr marL="102870" indent="-102870" algn="l" defTabSz="411480" rtl="0" eaLnBrk="1" latinLnBrk="0" hangingPunct="1">
+      <a:lvl1pPr marL="145184" indent="-145184" algn="l" defTabSz="580735" rtl="0" eaLnBrk="1" latinLnBrk="0" hangingPunct="1">
         <a:lnSpc>
           <a:spcPct val="90000"/>
         </a:lnSpc>
         <a:spcBef>
-          <a:spcPts val="450"/>
+          <a:spcPts val="635"/>
         </a:spcBef>
         <a:buFont typeface="Arial" panose="020B0604020202020204" pitchFamily="34" charset="0"/>
         <a:buChar char="•"/>
-        <a:defRPr sz="1260" kern="1200">
+        <a:defRPr sz="1778" kern="1200">
           <a:solidFill>
             <a:schemeClr val="tx1"/>
           </a:solidFill>
@@ -3072,16 +2707,16 @@
           <a:cs typeface="+mn-cs"/>
         </a:defRPr>
       </a:lvl1pPr>
-      <a:lvl2pPr marL="308610" indent="-102870" algn="l" defTabSz="411480" rtl="0" eaLnBrk="1" latinLnBrk="0" hangingPunct="1">
+      <a:lvl2pPr marL="435552" indent="-145184" algn="l" defTabSz="580735" rtl="0" eaLnBrk="1" latinLnBrk="0" hangingPunct="1">
         <a:lnSpc>
           <a:spcPct val="90000"/>
         </a:lnSpc>
         <a:spcBef>
-          <a:spcPts val="225"/>
+          <a:spcPts val="318"/>
         </a:spcBef>
         <a:buFont typeface="Arial" panose="020B0604020202020204" pitchFamily="34" charset="0"/>
         <a:buChar char="•"/>
-        <a:defRPr sz="1080" kern="1200">
+        <a:defRPr sz="1524" kern="1200">
           <a:solidFill>
             <a:schemeClr val="tx1"/>
           </a:solidFill>
@@ -3090,16 +2725,16 @@
           <a:cs typeface="+mn-cs"/>
         </a:defRPr>
       </a:lvl2pPr>
-      <a:lvl3pPr marL="514350" indent="-102870" algn="l" defTabSz="411480" rtl="0" eaLnBrk="1" latinLnBrk="0" hangingPunct="1">
+      <a:lvl3pPr marL="725919" indent="-145184" algn="l" defTabSz="580735" rtl="0" eaLnBrk="1" latinLnBrk="0" hangingPunct="1">
         <a:lnSpc>
           <a:spcPct val="90000"/>
         </a:lnSpc>
         <a:spcBef>
-          <a:spcPts val="225"/>
+          <a:spcPts val="318"/>
         </a:spcBef>
         <a:buFont typeface="Arial" panose="020B0604020202020204" pitchFamily="34" charset="0"/>
         <a:buChar char="•"/>
-        <a:defRPr sz="900" kern="1200">
+        <a:defRPr sz="1270" kern="1200">
           <a:solidFill>
             <a:schemeClr val="tx1"/>
           </a:solidFill>
@@ -3108,16 +2743,16 @@
           <a:cs typeface="+mn-cs"/>
         </a:defRPr>
       </a:lvl3pPr>
-      <a:lvl4pPr marL="720090" indent="-102870" algn="l" defTabSz="411480" rtl="0" eaLnBrk="1" latinLnBrk="0" hangingPunct="1">
+      <a:lvl4pPr marL="1016287" indent="-145184" algn="l" defTabSz="580735" rtl="0" eaLnBrk="1" latinLnBrk="0" hangingPunct="1">
         <a:lnSpc>
           <a:spcPct val="90000"/>
         </a:lnSpc>
         <a:spcBef>
-          <a:spcPts val="225"/>
+          <a:spcPts val="318"/>
         </a:spcBef>
         <a:buFont typeface="Arial" panose="020B0604020202020204" pitchFamily="34" charset="0"/>
         <a:buChar char="•"/>
-        <a:defRPr sz="810" kern="1200">
+        <a:defRPr sz="1143" kern="1200">
           <a:solidFill>
             <a:schemeClr val="tx1"/>
           </a:solidFill>
@@ -3126,16 +2761,16 @@
           <a:cs typeface="+mn-cs"/>
         </a:defRPr>
       </a:lvl4pPr>
-      <a:lvl5pPr marL="925830" indent="-102870" algn="l" defTabSz="411480" rtl="0" eaLnBrk="1" latinLnBrk="0" hangingPunct="1">
+      <a:lvl5pPr marL="1306655" indent="-145184" algn="l" defTabSz="580735" rtl="0" eaLnBrk="1" latinLnBrk="0" hangingPunct="1">
         <a:lnSpc>
           <a:spcPct val="90000"/>
         </a:lnSpc>
         <a:spcBef>
-          <a:spcPts val="225"/>
+          <a:spcPts val="318"/>
         </a:spcBef>
         <a:buFont typeface="Arial" panose="020B0604020202020204" pitchFamily="34" charset="0"/>
         <a:buChar char="•"/>
-        <a:defRPr sz="810" kern="1200">
+        <a:defRPr sz="1143" kern="1200">
           <a:solidFill>
             <a:schemeClr val="tx1"/>
           </a:solidFill>
@@ -3144,16 +2779,16 @@
           <a:cs typeface="+mn-cs"/>
         </a:defRPr>
       </a:lvl5pPr>
-      <a:lvl6pPr marL="1131570" indent="-102870" algn="l" defTabSz="411480" rtl="0" eaLnBrk="1" latinLnBrk="0" hangingPunct="1">
+      <a:lvl6pPr marL="1597022" indent="-145184" algn="l" defTabSz="580735" rtl="0" eaLnBrk="1" latinLnBrk="0" hangingPunct="1">
         <a:lnSpc>
           <a:spcPct val="90000"/>
         </a:lnSpc>
         <a:spcBef>
-          <a:spcPts val="225"/>
+          <a:spcPts val="318"/>
         </a:spcBef>
         <a:buFont typeface="Arial" panose="020B0604020202020204" pitchFamily="34" charset="0"/>
         <a:buChar char="•"/>
-        <a:defRPr sz="810" kern="1200">
+        <a:defRPr sz="1143" kern="1200">
           <a:solidFill>
             <a:schemeClr val="tx1"/>
           </a:solidFill>
@@ -3162,16 +2797,16 @@
           <a:cs typeface="+mn-cs"/>
         </a:defRPr>
       </a:lvl6pPr>
-      <a:lvl7pPr marL="1337310" indent="-102870" algn="l" defTabSz="411480" rtl="0" eaLnBrk="1" latinLnBrk="0" hangingPunct="1">
+      <a:lvl7pPr marL="1887390" indent="-145184" algn="l" defTabSz="580735" rtl="0" eaLnBrk="1" latinLnBrk="0" hangingPunct="1">
         <a:lnSpc>
           <a:spcPct val="90000"/>
         </a:lnSpc>
         <a:spcBef>
-          <a:spcPts val="225"/>
+          <a:spcPts val="318"/>
         </a:spcBef>
         <a:buFont typeface="Arial" panose="020B0604020202020204" pitchFamily="34" charset="0"/>
         <a:buChar char="•"/>
-        <a:defRPr sz="810" kern="1200">
+        <a:defRPr sz="1143" kern="1200">
           <a:solidFill>
             <a:schemeClr val="tx1"/>
           </a:solidFill>
@@ -3180,16 +2815,16 @@
           <a:cs typeface="+mn-cs"/>
         </a:defRPr>
       </a:lvl7pPr>
-      <a:lvl8pPr marL="1543050" indent="-102870" algn="l" defTabSz="411480" rtl="0" eaLnBrk="1" latinLnBrk="0" hangingPunct="1">
+      <a:lvl8pPr marL="2177758" indent="-145184" algn="l" defTabSz="580735" rtl="0" eaLnBrk="1" latinLnBrk="0" hangingPunct="1">
         <a:lnSpc>
           <a:spcPct val="90000"/>
         </a:lnSpc>
         <a:spcBef>
-          <a:spcPts val="225"/>
+          <a:spcPts val="318"/>
         </a:spcBef>
         <a:buFont typeface="Arial" panose="020B0604020202020204" pitchFamily="34" charset="0"/>
         <a:buChar char="•"/>
-        <a:defRPr sz="810" kern="1200">
+        <a:defRPr sz="1143" kern="1200">
           <a:solidFill>
             <a:schemeClr val="tx1"/>
           </a:solidFill>
@@ -3198,16 +2833,16 @@
           <a:cs typeface="+mn-cs"/>
         </a:defRPr>
       </a:lvl8pPr>
-      <a:lvl9pPr marL="1748790" indent="-102870" algn="l" defTabSz="411480" rtl="0" eaLnBrk="1" latinLnBrk="0" hangingPunct="1">
+      <a:lvl9pPr marL="2468126" indent="-145184" algn="l" defTabSz="580735" rtl="0" eaLnBrk="1" latinLnBrk="0" hangingPunct="1">
         <a:lnSpc>
           <a:spcPct val="90000"/>
         </a:lnSpc>
         <a:spcBef>
-          <a:spcPts val="225"/>
+          <a:spcPts val="318"/>
         </a:spcBef>
         <a:buFont typeface="Arial" panose="020B0604020202020204" pitchFamily="34" charset="0"/>
         <a:buChar char="•"/>
-        <a:defRPr sz="810" kern="1200">
+        <a:defRPr sz="1143" kern="1200">
           <a:solidFill>
             <a:schemeClr val="tx1"/>
           </a:solidFill>
@@ -3221,8 +2856,8 @@
       <a:defPPr>
         <a:defRPr lang="en-US"/>
       </a:defPPr>
-      <a:lvl1pPr marL="0" algn="l" defTabSz="411480" rtl="0" eaLnBrk="1" latinLnBrk="0" hangingPunct="1">
-        <a:defRPr sz="810" kern="1200">
+      <a:lvl1pPr marL="0" algn="l" defTabSz="580735" rtl="0" eaLnBrk="1" latinLnBrk="0" hangingPunct="1">
+        <a:defRPr sz="1143" kern="1200">
           <a:solidFill>
             <a:schemeClr val="tx1"/>
           </a:solidFill>
@@ -3231,8 +2866,8 @@
           <a:cs typeface="+mn-cs"/>
         </a:defRPr>
       </a:lvl1pPr>
-      <a:lvl2pPr marL="205740" algn="l" defTabSz="411480" rtl="0" eaLnBrk="1" latinLnBrk="0" hangingPunct="1">
-        <a:defRPr sz="810" kern="1200">
+      <a:lvl2pPr marL="290368" algn="l" defTabSz="580735" rtl="0" eaLnBrk="1" latinLnBrk="0" hangingPunct="1">
+        <a:defRPr sz="1143" kern="1200">
           <a:solidFill>
             <a:schemeClr val="tx1"/>
           </a:solidFill>
@@ -3241,8 +2876,8 @@
           <a:cs typeface="+mn-cs"/>
         </a:defRPr>
       </a:lvl2pPr>
-      <a:lvl3pPr marL="411480" algn="l" defTabSz="411480" rtl="0" eaLnBrk="1" latinLnBrk="0" hangingPunct="1">
-        <a:defRPr sz="810" kern="1200">
+      <a:lvl3pPr marL="580735" algn="l" defTabSz="580735" rtl="0" eaLnBrk="1" latinLnBrk="0" hangingPunct="1">
+        <a:defRPr sz="1143" kern="1200">
           <a:solidFill>
             <a:schemeClr val="tx1"/>
           </a:solidFill>
@@ -3251,8 +2886,8 @@
           <a:cs typeface="+mn-cs"/>
         </a:defRPr>
       </a:lvl3pPr>
-      <a:lvl4pPr marL="617220" algn="l" defTabSz="411480" rtl="0" eaLnBrk="1" latinLnBrk="0" hangingPunct="1">
-        <a:defRPr sz="810" kern="1200">
+      <a:lvl4pPr marL="871103" algn="l" defTabSz="580735" rtl="0" eaLnBrk="1" latinLnBrk="0" hangingPunct="1">
+        <a:defRPr sz="1143" kern="1200">
           <a:solidFill>
             <a:schemeClr val="tx1"/>
           </a:solidFill>
@@ -3261,8 +2896,8 @@
           <a:cs typeface="+mn-cs"/>
         </a:defRPr>
       </a:lvl4pPr>
-      <a:lvl5pPr marL="822960" algn="l" defTabSz="411480" rtl="0" eaLnBrk="1" latinLnBrk="0" hangingPunct="1">
-        <a:defRPr sz="810" kern="1200">
+      <a:lvl5pPr marL="1161471" algn="l" defTabSz="580735" rtl="0" eaLnBrk="1" latinLnBrk="0" hangingPunct="1">
+        <a:defRPr sz="1143" kern="1200">
           <a:solidFill>
             <a:schemeClr val="tx1"/>
           </a:solidFill>
@@ -3271,8 +2906,8 @@
           <a:cs typeface="+mn-cs"/>
         </a:defRPr>
       </a:lvl5pPr>
-      <a:lvl6pPr marL="1028700" algn="l" defTabSz="411480" rtl="0" eaLnBrk="1" latinLnBrk="0" hangingPunct="1">
-        <a:defRPr sz="810" kern="1200">
+      <a:lvl6pPr marL="1451839" algn="l" defTabSz="580735" rtl="0" eaLnBrk="1" latinLnBrk="0" hangingPunct="1">
+        <a:defRPr sz="1143" kern="1200">
           <a:solidFill>
             <a:schemeClr val="tx1"/>
           </a:solidFill>
@@ -3281,8 +2916,8 @@
           <a:cs typeface="+mn-cs"/>
         </a:defRPr>
       </a:lvl6pPr>
-      <a:lvl7pPr marL="1234440" algn="l" defTabSz="411480" rtl="0" eaLnBrk="1" latinLnBrk="0" hangingPunct="1">
-        <a:defRPr sz="810" kern="1200">
+      <a:lvl7pPr marL="1742206" algn="l" defTabSz="580735" rtl="0" eaLnBrk="1" latinLnBrk="0" hangingPunct="1">
+        <a:defRPr sz="1143" kern="1200">
           <a:solidFill>
             <a:schemeClr val="tx1"/>
           </a:solidFill>
@@ -3291,8 +2926,8 @@
           <a:cs typeface="+mn-cs"/>
         </a:defRPr>
       </a:lvl7pPr>
-      <a:lvl8pPr marL="1440180" algn="l" defTabSz="411480" rtl="0" eaLnBrk="1" latinLnBrk="0" hangingPunct="1">
-        <a:defRPr sz="810" kern="1200">
+      <a:lvl8pPr marL="2032574" algn="l" defTabSz="580735" rtl="0" eaLnBrk="1" latinLnBrk="0" hangingPunct="1">
+        <a:defRPr sz="1143" kern="1200">
           <a:solidFill>
             <a:schemeClr val="tx1"/>
           </a:solidFill>
@@ -3301,8 +2936,8 @@
           <a:cs typeface="+mn-cs"/>
         </a:defRPr>
       </a:lvl8pPr>
-      <a:lvl9pPr marL="1645920" algn="l" defTabSz="411480" rtl="0" eaLnBrk="1" latinLnBrk="0" hangingPunct="1">
-        <a:defRPr sz="810" kern="1200">
+      <a:lvl9pPr marL="2322942" algn="l" defTabSz="580735" rtl="0" eaLnBrk="1" latinLnBrk="0" hangingPunct="1">
+        <a:defRPr sz="1143" kern="1200">
           <a:solidFill>
             <a:schemeClr val="tx1"/>
           </a:solidFill>
@@ -3333,83 +2968,12 @@
           <a:chExt cx="0" cy="0"/>
         </a:xfrm>
       </p:grpSpPr>
-      <p:pic>
-        <p:nvPicPr>
-          <p:cNvPr id="31" name="Picture 30" descr="A screenshot of a cell phone&#10;&#10;Description automatically generated">
+      <p:grpSp>
+        <p:nvGrpSpPr>
+          <p:cNvPr id="4" name="Group 3">
             <a:extLst>
               <a:ext uri="{FF2B5EF4-FFF2-40B4-BE49-F238E27FC236}">
-                <a16:creationId xmlns:a16="http://schemas.microsoft.com/office/drawing/2014/main" id="{E718996A-2393-985D-5035-124DAB536EFB}"/>
-              </a:ext>
-            </a:extLst>
-          </p:cNvPr>
-          <p:cNvPicPr>
-            <a:picLocks noChangeAspect="1"/>
-          </p:cNvPicPr>
-          <p:nvPr/>
-        </p:nvPicPr>
-        <p:blipFill>
-          <a:blip r:embed="rId2">
-            <a:extLst>
-              <a:ext uri="{28A0092B-C50C-407E-A947-70E740481C1C}">
-                <a14:useLocalDpi xmlns:a14="http://schemas.microsoft.com/office/drawing/2010/main" val="0"/>
-              </a:ext>
-            </a:extLst>
-          </a:blip>
-          <a:srcRect r="3757"/>
-          <a:stretch/>
-        </p:blipFill>
-        <p:spPr>
-          <a:xfrm>
-            <a:off x="1254670" y="0"/>
-            <a:ext cx="2860130" cy="3429000"/>
-          </a:xfrm>
-          <a:prstGeom prst="rect">
-            <a:avLst/>
-          </a:prstGeom>
-        </p:spPr>
-      </p:pic>
-      <p:pic>
-        <p:nvPicPr>
-          <p:cNvPr id="36" name="Picture 35" descr="A screen shot of a graph&#10;&#10;Description automatically generated">
-            <a:extLst>
-              <a:ext uri="{FF2B5EF4-FFF2-40B4-BE49-F238E27FC236}">
-                <a16:creationId xmlns:a16="http://schemas.microsoft.com/office/drawing/2014/main" id="{62E34BFF-2B76-3D36-FBD3-0EE7558D9C58}"/>
-              </a:ext>
-            </a:extLst>
-          </p:cNvPr>
-          <p:cNvPicPr>
-            <a:picLocks noChangeAspect="1"/>
-          </p:cNvPicPr>
-          <p:nvPr/>
-        </p:nvPicPr>
-        <p:blipFill>
-          <a:blip r:embed="rId3">
-            <a:extLst>
-              <a:ext uri="{28A0092B-C50C-407E-A947-70E740481C1C}">
-                <a14:useLocalDpi xmlns:a14="http://schemas.microsoft.com/office/drawing/2010/main" val="0"/>
-              </a:ext>
-            </a:extLst>
-          </a:blip>
-          <a:stretch>
-            <a:fillRect/>
-          </a:stretch>
-        </p:blipFill>
-        <p:spPr>
-          <a:xfrm>
-            <a:off x="0" y="11225"/>
-            <a:ext cx="1371600" cy="3429000"/>
-          </a:xfrm>
-          <a:prstGeom prst="rect">
-            <a:avLst/>
-          </a:prstGeom>
-        </p:spPr>
-      </p:pic>
-      <p:grpSp>
-        <p:nvGrpSpPr>
-          <p:cNvPr id="12" name="Group 11">
-            <a:extLst>
-              <a:ext uri="{FF2B5EF4-FFF2-40B4-BE49-F238E27FC236}">
-                <a16:creationId xmlns:a16="http://schemas.microsoft.com/office/drawing/2014/main" id="{C87824AF-F2D8-78A5-04FE-DF7715F9E3F3}"/>
+                <a16:creationId xmlns:a16="http://schemas.microsoft.com/office/drawing/2014/main" id="{B5CA1810-0B3C-DBA4-917A-4FFFE33BB852}"/>
               </a:ext>
             </a:extLst>
           </p:cNvPr>
@@ -3418,18 +2982,854 @@
         </p:nvGrpSpPr>
         <p:grpSpPr>
           <a:xfrm>
-            <a:off x="1591235" y="199228"/>
-            <a:ext cx="2348684" cy="3013193"/>
-            <a:chOff x="1591235" y="251621"/>
-            <a:chExt cx="2348684" cy="3013193"/>
+            <a:off x="0" y="-68058"/>
+            <a:ext cx="5804235" cy="6651421"/>
+            <a:chOff x="0" y="-68058"/>
+            <a:chExt cx="5804235" cy="6651421"/>
           </a:xfrm>
         </p:grpSpPr>
+        <p:grpSp>
+          <p:nvGrpSpPr>
+            <p:cNvPr id="5" name="Group 4">
+              <a:extLst>
+                <a:ext uri="{FF2B5EF4-FFF2-40B4-BE49-F238E27FC236}">
+                  <a16:creationId xmlns:a16="http://schemas.microsoft.com/office/drawing/2014/main" id="{FF80ADB5-75ED-2AED-2767-AD598DDB7C52}"/>
+                </a:ext>
+              </a:extLst>
+            </p:cNvPr>
+            <p:cNvGrpSpPr/>
+            <p:nvPr/>
+          </p:nvGrpSpPr>
+          <p:grpSpPr>
+            <a:xfrm>
+              <a:off x="2092472" y="-68058"/>
+              <a:ext cx="3711763" cy="6651421"/>
+              <a:chOff x="2153436" y="-68058"/>
+              <a:chExt cx="3711763" cy="6651421"/>
+            </a:xfrm>
+          </p:grpSpPr>
+          <p:pic>
+            <p:nvPicPr>
+              <p:cNvPr id="38" name="Picture 37" descr="A diagram of a tree&#10;&#10;AI-generated content may be incorrect.">
+                <a:extLst>
+                  <a:ext uri="{FF2B5EF4-FFF2-40B4-BE49-F238E27FC236}">
+                    <a16:creationId xmlns:a16="http://schemas.microsoft.com/office/drawing/2014/main" id="{1EB3E57D-ACA9-E038-3A2F-26FD15C3F48B}"/>
+                  </a:ext>
+                </a:extLst>
+              </p:cNvPr>
+              <p:cNvPicPr>
+                <a:picLocks noChangeAspect="1"/>
+              </p:cNvPicPr>
+              <p:nvPr/>
+            </p:nvPicPr>
+            <p:blipFill>
+              <a:blip r:embed="rId2">
+                <a:extLst>
+                  <a:ext uri="{28A0092B-C50C-407E-A947-70E740481C1C}">
+                    <a14:useLocalDpi xmlns:a14="http://schemas.microsoft.com/office/drawing/2010/main" val="0"/>
+                  </a:ext>
+                </a:extLst>
+              </a:blip>
+              <a:srcRect r="3157"/>
+              <a:stretch/>
+            </p:blipFill>
+            <p:spPr>
+              <a:xfrm>
+                <a:off x="2153436" y="0"/>
+                <a:ext cx="3711763" cy="6583363"/>
+              </a:xfrm>
+              <a:prstGeom prst="rect">
+                <a:avLst/>
+              </a:prstGeom>
+            </p:spPr>
+          </p:pic>
+          <p:sp>
+            <p:nvSpPr>
+              <p:cNvPr id="39" name="Rectangle 38">
+                <a:extLst>
+                  <a:ext uri="{FF2B5EF4-FFF2-40B4-BE49-F238E27FC236}">
+                    <a16:creationId xmlns:a16="http://schemas.microsoft.com/office/drawing/2014/main" id="{9C794AD9-C890-D91D-2BB3-AD1983AD50A9}"/>
+                  </a:ext>
+                </a:extLst>
+              </p:cNvPr>
+              <p:cNvSpPr/>
+              <p:nvPr/>
+            </p:nvSpPr>
+            <p:spPr>
+              <a:xfrm>
+                <a:off x="2192422" y="56598"/>
+                <a:ext cx="455804" cy="216838"/>
+              </a:xfrm>
+              <a:prstGeom prst="rect">
+                <a:avLst/>
+              </a:prstGeom>
+              <a:solidFill>
+                <a:schemeClr val="bg1"/>
+              </a:solidFill>
+              <a:ln>
+                <a:noFill/>
+              </a:ln>
+            </p:spPr>
+            <p:style>
+              <a:lnRef idx="2">
+                <a:schemeClr val="accent1">
+                  <a:shade val="15000"/>
+                </a:schemeClr>
+              </a:lnRef>
+              <a:fillRef idx="1">
+                <a:schemeClr val="accent1"/>
+              </a:fillRef>
+              <a:effectRef idx="0">
+                <a:schemeClr val="accent1"/>
+              </a:effectRef>
+              <a:fontRef idx="minor">
+                <a:schemeClr val="lt1"/>
+              </a:fontRef>
+            </p:style>
+            <p:txBody>
+              <a:bodyPr rtlCol="0" anchor="ctr"/>
+              <a:lstStyle/>
+              <a:p>
+                <a:pPr algn="ctr"/>
+                <a:r>
+                  <a:rPr lang="en-US" sz="1000" b="1" dirty="0">
+                    <a:solidFill>
+                      <a:schemeClr val="tx1"/>
+                    </a:solidFill>
+                    <a:latin typeface="Arial" panose="020B0604020202020204" pitchFamily="34" charset="0"/>
+                    <a:cs typeface="Arial" panose="020B0604020202020204" pitchFamily="34" charset="0"/>
+                  </a:rPr>
+                  <a:t>(B)</a:t>
+                </a:r>
+              </a:p>
+            </p:txBody>
+          </p:sp>
+          <p:sp>
+            <p:nvSpPr>
+              <p:cNvPr id="40" name="Rectangle 39">
+                <a:extLst>
+                  <a:ext uri="{FF2B5EF4-FFF2-40B4-BE49-F238E27FC236}">
+                    <a16:creationId xmlns:a16="http://schemas.microsoft.com/office/drawing/2014/main" id="{E707A12E-5634-23A1-8DCB-F335F38D1841}"/>
+                  </a:ext>
+                </a:extLst>
+              </p:cNvPr>
+              <p:cNvSpPr/>
+              <p:nvPr/>
+            </p:nvSpPr>
+            <p:spPr>
+              <a:xfrm>
+                <a:off x="2618076" y="2277082"/>
+                <a:ext cx="1187807" cy="449604"/>
+              </a:xfrm>
+              <a:prstGeom prst="rect">
+                <a:avLst/>
+              </a:prstGeom>
+              <a:solidFill>
+                <a:schemeClr val="bg1"/>
+              </a:solidFill>
+              <a:ln>
+                <a:noFill/>
+              </a:ln>
+            </p:spPr>
+            <p:style>
+              <a:lnRef idx="2">
+                <a:schemeClr val="accent1">
+                  <a:shade val="15000"/>
+                </a:schemeClr>
+              </a:lnRef>
+              <a:fillRef idx="1">
+                <a:schemeClr val="accent1"/>
+              </a:fillRef>
+              <a:effectRef idx="0">
+                <a:schemeClr val="accent1"/>
+              </a:effectRef>
+              <a:fontRef idx="minor">
+                <a:schemeClr val="lt1"/>
+              </a:fontRef>
+            </p:style>
+            <p:txBody>
+              <a:bodyPr rtlCol="0" anchor="ctr"/>
+              <a:lstStyle/>
+              <a:p>
+                <a:pPr algn="ctr"/>
+                <a:r>
+                  <a:rPr lang="en-US" sz="900" b="1" i="1" dirty="0">
+                    <a:solidFill>
+                      <a:schemeClr val="tx1"/>
+                    </a:solidFill>
+                    <a:latin typeface="Arial" panose="020B0604020202020204" pitchFamily="34" charset="0"/>
+                    <a:cs typeface="Arial" panose="020B0604020202020204" pitchFamily="34" charset="0"/>
+                  </a:rPr>
+                  <a:t>Baseline vocalization time</a:t>
+                </a:r>
+              </a:p>
+            </p:txBody>
+          </p:sp>
+          <p:cxnSp>
+            <p:nvCxnSpPr>
+              <p:cNvPr id="41" name="Straight Connector 40">
+                <a:extLst>
+                  <a:ext uri="{FF2B5EF4-FFF2-40B4-BE49-F238E27FC236}">
+                    <a16:creationId xmlns:a16="http://schemas.microsoft.com/office/drawing/2014/main" id="{D0D8C748-2512-C864-2DE4-98F3861DC344}"/>
+                  </a:ext>
+                </a:extLst>
+              </p:cNvPr>
+              <p:cNvCxnSpPr>
+                <a:cxnSpLocks/>
+              </p:cNvCxnSpPr>
+              <p:nvPr/>
+            </p:nvCxnSpPr>
+            <p:spPr>
+              <a:xfrm flipH="1">
+                <a:off x="2636035" y="1391193"/>
+                <a:ext cx="1196974" cy="0"/>
+              </a:xfrm>
+              <a:prstGeom prst="line">
+                <a:avLst/>
+              </a:prstGeom>
+              <a:ln w="6350">
+                <a:solidFill>
+                  <a:schemeClr val="tx1"/>
+                </a:solidFill>
+              </a:ln>
+            </p:spPr>
+            <p:style>
+              <a:lnRef idx="2">
+                <a:schemeClr val="accent1"/>
+              </a:lnRef>
+              <a:fillRef idx="0">
+                <a:schemeClr val="accent1"/>
+              </a:fillRef>
+              <a:effectRef idx="1">
+                <a:schemeClr val="accent1"/>
+              </a:effectRef>
+              <a:fontRef idx="minor">
+                <a:schemeClr val="tx1"/>
+              </a:fontRef>
+            </p:style>
+          </p:cxnSp>
+          <p:sp>
+            <p:nvSpPr>
+              <p:cNvPr id="42" name="Rectangle 41">
+                <a:extLst>
+                  <a:ext uri="{FF2B5EF4-FFF2-40B4-BE49-F238E27FC236}">
+                    <a16:creationId xmlns:a16="http://schemas.microsoft.com/office/drawing/2014/main" id="{02F4A9C0-EA17-2DB0-7DF9-171C11062FD2}"/>
+                  </a:ext>
+                </a:extLst>
+              </p:cNvPr>
+              <p:cNvSpPr/>
+              <p:nvPr/>
+            </p:nvSpPr>
+            <p:spPr>
+              <a:xfrm rot="16200000">
+                <a:off x="2217444" y="982603"/>
+                <a:ext cx="654711" cy="278282"/>
+              </a:xfrm>
+              <a:prstGeom prst="rect">
+                <a:avLst/>
+              </a:prstGeom>
+              <a:solidFill>
+                <a:schemeClr val="bg1"/>
+              </a:solidFill>
+              <a:ln>
+                <a:noFill/>
+              </a:ln>
+            </p:spPr>
+            <p:style>
+              <a:lnRef idx="2">
+                <a:schemeClr val="accent1">
+                  <a:shade val="15000"/>
+                </a:schemeClr>
+              </a:lnRef>
+              <a:fillRef idx="1">
+                <a:schemeClr val="accent1"/>
+              </a:fillRef>
+              <a:effectRef idx="0">
+                <a:schemeClr val="accent1"/>
+              </a:effectRef>
+              <a:fontRef idx="minor">
+                <a:schemeClr val="lt1"/>
+              </a:fontRef>
+            </p:style>
+            <p:txBody>
+              <a:bodyPr lIns="0" rIns="0" rtlCol="0" anchor="ctr"/>
+              <a:lstStyle/>
+              <a:p>
+                <a:pPr algn="ctr"/>
+                <a:r>
+                  <a:rPr lang="en-US" sz="700" i="1" dirty="0">
+                    <a:solidFill>
+                      <a:schemeClr val="tx1"/>
+                    </a:solidFill>
+                    <a:latin typeface="Arial" panose="020B0604020202020204" pitchFamily="34" charset="0"/>
+                    <a:cs typeface="Arial" panose="020B0604020202020204" pitchFamily="34" charset="0"/>
+                  </a:rPr>
+                  <a:t>shorten</a:t>
+                </a:r>
+              </a:p>
+            </p:txBody>
+          </p:sp>
+          <p:grpSp>
+            <p:nvGrpSpPr>
+              <p:cNvPr id="43" name="Group 42">
+                <a:extLst>
+                  <a:ext uri="{FF2B5EF4-FFF2-40B4-BE49-F238E27FC236}">
+                    <a16:creationId xmlns:a16="http://schemas.microsoft.com/office/drawing/2014/main" id="{26E28507-AC52-B0D0-B954-A605105D47DC}"/>
+                  </a:ext>
+                </a:extLst>
+              </p:cNvPr>
+              <p:cNvGrpSpPr/>
+              <p:nvPr/>
+            </p:nvGrpSpPr>
+            <p:grpSpPr>
+              <a:xfrm>
+                <a:off x="3157784" y="-68058"/>
+                <a:ext cx="428065" cy="756200"/>
+                <a:chOff x="674747" y="-116120"/>
+                <a:chExt cx="428065" cy="756200"/>
+              </a:xfrm>
+            </p:grpSpPr>
+            <p:sp>
+              <p:nvSpPr>
+                <p:cNvPr id="49" name="Oval 48">
+                  <a:extLst>
+                    <a:ext uri="{FF2B5EF4-FFF2-40B4-BE49-F238E27FC236}">
+                      <a16:creationId xmlns:a16="http://schemas.microsoft.com/office/drawing/2014/main" id="{ED1B9792-0AD2-498A-6B01-05FD6E078C35}"/>
+                    </a:ext>
+                  </a:extLst>
+                </p:cNvPr>
+                <p:cNvSpPr/>
+                <p:nvPr/>
+              </p:nvSpPr>
+              <p:spPr>
+                <a:xfrm>
+                  <a:off x="694368" y="548640"/>
+                  <a:ext cx="91440" cy="91440"/>
+                </a:xfrm>
+                <a:prstGeom prst="ellipse">
+                  <a:avLst/>
+                </a:prstGeom>
+                <a:solidFill>
+                  <a:schemeClr val="tx1"/>
+                </a:solidFill>
+                <a:ln>
+                  <a:noFill/>
+                </a:ln>
+              </p:spPr>
+              <p:style>
+                <a:lnRef idx="2">
+                  <a:schemeClr val="accent1">
+                    <a:shade val="15000"/>
+                  </a:schemeClr>
+                </a:lnRef>
+                <a:fillRef idx="1">
+                  <a:schemeClr val="accent1"/>
+                </a:fillRef>
+                <a:effectRef idx="0">
+                  <a:schemeClr val="accent1"/>
+                </a:effectRef>
+                <a:fontRef idx="minor">
+                  <a:schemeClr val="lt1"/>
+                </a:fontRef>
+              </p:style>
+              <p:txBody>
+                <a:bodyPr rtlCol="0" anchor="ctr"/>
+                <a:lstStyle/>
+                <a:p>
+                  <a:pPr algn="ctr"/>
+                  <a:endParaRPr lang="en-US"/>
+                </a:p>
+              </p:txBody>
+            </p:sp>
+            <p:sp>
+              <p:nvSpPr>
+                <p:cNvPr id="50" name="Oval 49">
+                  <a:extLst>
+                    <a:ext uri="{FF2B5EF4-FFF2-40B4-BE49-F238E27FC236}">
+                      <a16:creationId xmlns:a16="http://schemas.microsoft.com/office/drawing/2014/main" id="{FBC4CF2F-64CB-EB2F-1D1D-CE15D5F44CE3}"/>
+                    </a:ext>
+                  </a:extLst>
+                </p:cNvPr>
+                <p:cNvSpPr/>
+                <p:nvPr/>
+              </p:nvSpPr>
+              <p:spPr>
+                <a:xfrm>
+                  <a:off x="850039" y="548640"/>
+                  <a:ext cx="91440" cy="91440"/>
+                </a:xfrm>
+                <a:prstGeom prst="ellipse">
+                  <a:avLst/>
+                </a:prstGeom>
+                <a:solidFill>
+                  <a:schemeClr val="tx1"/>
+                </a:solidFill>
+                <a:ln>
+                  <a:noFill/>
+                </a:ln>
+              </p:spPr>
+              <p:style>
+                <a:lnRef idx="2">
+                  <a:schemeClr val="accent1">
+                    <a:shade val="15000"/>
+                  </a:schemeClr>
+                </a:lnRef>
+                <a:fillRef idx="1">
+                  <a:schemeClr val="accent1"/>
+                </a:fillRef>
+                <a:effectRef idx="0">
+                  <a:schemeClr val="accent1"/>
+                </a:effectRef>
+                <a:fontRef idx="minor">
+                  <a:schemeClr val="lt1"/>
+                </a:fontRef>
+              </p:style>
+              <p:txBody>
+                <a:bodyPr rtlCol="0" anchor="ctr"/>
+                <a:lstStyle/>
+                <a:p>
+                  <a:pPr algn="ctr"/>
+                  <a:endParaRPr lang="en-US"/>
+                </a:p>
+              </p:txBody>
+            </p:sp>
+            <p:sp>
+              <p:nvSpPr>
+                <p:cNvPr id="51" name="Rectangle 50">
+                  <a:extLst>
+                    <a:ext uri="{FF2B5EF4-FFF2-40B4-BE49-F238E27FC236}">
+                      <a16:creationId xmlns:a16="http://schemas.microsoft.com/office/drawing/2014/main" id="{FFD56065-72FD-0159-E4EF-C5FAC4C6E784}"/>
+                    </a:ext>
+                  </a:extLst>
+                </p:cNvPr>
+                <p:cNvSpPr/>
+                <p:nvPr/>
+              </p:nvSpPr>
+              <p:spPr>
+                <a:xfrm rot="17334247">
+                  <a:off x="537730" y="245710"/>
+                  <a:ext cx="508984" cy="234949"/>
+                </a:xfrm>
+                <a:prstGeom prst="rect">
+                  <a:avLst/>
+                </a:prstGeom>
+                <a:noFill/>
+                <a:ln>
+                  <a:noFill/>
+                </a:ln>
+              </p:spPr>
+              <p:style>
+                <a:lnRef idx="2">
+                  <a:schemeClr val="accent1">
+                    <a:shade val="15000"/>
+                  </a:schemeClr>
+                </a:lnRef>
+                <a:fillRef idx="1">
+                  <a:schemeClr val="accent1"/>
+                </a:fillRef>
+                <a:effectRef idx="0">
+                  <a:schemeClr val="accent1"/>
+                </a:effectRef>
+                <a:fontRef idx="minor">
+                  <a:schemeClr val="lt1"/>
+                </a:fontRef>
+              </p:style>
+              <p:txBody>
+                <a:bodyPr rtlCol="0" anchor="ctr"/>
+                <a:lstStyle/>
+                <a:p>
+                  <a:r>
+                    <a:rPr lang="en-US" sz="900" i="1" dirty="0">
+                      <a:solidFill>
+                        <a:schemeClr val="tx1"/>
+                      </a:solidFill>
+                      <a:latin typeface="Arial" panose="020B0604020202020204" pitchFamily="34" charset="0"/>
+                      <a:cs typeface="Arial" panose="020B0604020202020204" pitchFamily="34" charset="0"/>
+                    </a:rPr>
+                    <a:t>Onset</a:t>
+                  </a:r>
+                </a:p>
+              </p:txBody>
+            </p:sp>
+            <p:sp>
+              <p:nvSpPr>
+                <p:cNvPr id="52" name="Rectangle 51">
+                  <a:extLst>
+                    <a:ext uri="{FF2B5EF4-FFF2-40B4-BE49-F238E27FC236}">
+                      <a16:creationId xmlns:a16="http://schemas.microsoft.com/office/drawing/2014/main" id="{2C94DEA9-41C4-DA2E-AE29-AA53D786E569}"/>
+                    </a:ext>
+                  </a:extLst>
+                </p:cNvPr>
+                <p:cNvSpPr/>
+                <p:nvPr/>
+              </p:nvSpPr>
+              <p:spPr>
+                <a:xfrm rot="17334247">
+                  <a:off x="615324" y="136419"/>
+                  <a:ext cx="740027" cy="234949"/>
+                </a:xfrm>
+                <a:prstGeom prst="rect">
+                  <a:avLst/>
+                </a:prstGeom>
+                <a:noFill/>
+                <a:ln>
+                  <a:noFill/>
+                </a:ln>
+              </p:spPr>
+              <p:style>
+                <a:lnRef idx="2">
+                  <a:schemeClr val="accent1">
+                    <a:shade val="15000"/>
+                  </a:schemeClr>
+                </a:lnRef>
+                <a:fillRef idx="1">
+                  <a:schemeClr val="accent1"/>
+                </a:fillRef>
+                <a:effectRef idx="0">
+                  <a:schemeClr val="accent1"/>
+                </a:effectRef>
+                <a:fontRef idx="minor">
+                  <a:schemeClr val="lt1"/>
+                </a:fontRef>
+              </p:style>
+              <p:txBody>
+                <a:bodyPr rtlCol="0" anchor="ctr"/>
+                <a:lstStyle/>
+                <a:p>
+                  <a:r>
+                    <a:rPr lang="en-US" sz="900" i="1" dirty="0">
+                      <a:solidFill>
+                        <a:schemeClr val="tx1"/>
+                      </a:solidFill>
+                      <a:latin typeface="Arial" panose="020B0604020202020204" pitchFamily="34" charset="0"/>
+                      <a:cs typeface="Arial" panose="020B0604020202020204" pitchFamily="34" charset="0"/>
+                    </a:rPr>
+                    <a:t>Cessation</a:t>
+                  </a:r>
+                </a:p>
+              </p:txBody>
+            </p:sp>
+          </p:grpSp>
+          <p:sp>
+            <p:nvSpPr>
+              <p:cNvPr id="44" name="Rectangle 43">
+                <a:extLst>
+                  <a:ext uri="{FF2B5EF4-FFF2-40B4-BE49-F238E27FC236}">
+                    <a16:creationId xmlns:a16="http://schemas.microsoft.com/office/drawing/2014/main" id="{55A0E196-CDD0-BA09-8036-812DF77A0C88}"/>
+                  </a:ext>
+                </a:extLst>
+              </p:cNvPr>
+              <p:cNvSpPr/>
+              <p:nvPr/>
+            </p:nvSpPr>
+            <p:spPr>
+              <a:xfrm rot="16200000">
+                <a:off x="2215984" y="1552902"/>
+                <a:ext cx="654711" cy="278282"/>
+              </a:xfrm>
+              <a:prstGeom prst="rect">
+                <a:avLst/>
+              </a:prstGeom>
+              <a:solidFill>
+                <a:schemeClr val="bg1"/>
+              </a:solidFill>
+              <a:ln>
+                <a:noFill/>
+              </a:ln>
+            </p:spPr>
+            <p:style>
+              <a:lnRef idx="2">
+                <a:schemeClr val="accent1">
+                  <a:shade val="15000"/>
+                </a:schemeClr>
+              </a:lnRef>
+              <a:fillRef idx="1">
+                <a:schemeClr val="accent1"/>
+              </a:fillRef>
+              <a:effectRef idx="0">
+                <a:schemeClr val="accent1"/>
+              </a:effectRef>
+              <a:fontRef idx="minor">
+                <a:schemeClr val="lt1"/>
+              </a:fontRef>
+            </p:style>
+            <p:txBody>
+              <a:bodyPr lIns="0" rIns="0" rtlCol="0" anchor="ctr"/>
+              <a:lstStyle/>
+              <a:p>
+                <a:pPr algn="ctr"/>
+                <a:r>
+                  <a:rPr lang="en-US" sz="700" i="1" dirty="0">
+                    <a:solidFill>
+                      <a:schemeClr val="tx1"/>
+                    </a:solidFill>
+                    <a:latin typeface="Arial" panose="020B0604020202020204" pitchFamily="34" charset="0"/>
+                    <a:cs typeface="Arial" panose="020B0604020202020204" pitchFamily="34" charset="0"/>
+                  </a:rPr>
+                  <a:t>prolong</a:t>
+                </a:r>
+              </a:p>
+            </p:txBody>
+          </p:sp>
+          <p:sp>
+            <p:nvSpPr>
+              <p:cNvPr id="45" name="Rectangle 44">
+                <a:extLst>
+                  <a:ext uri="{FF2B5EF4-FFF2-40B4-BE49-F238E27FC236}">
+                    <a16:creationId xmlns:a16="http://schemas.microsoft.com/office/drawing/2014/main" id="{1CB01B5E-2052-50D1-D594-392D751E4CB0}"/>
+                  </a:ext>
+                </a:extLst>
+              </p:cNvPr>
+              <p:cNvSpPr/>
+              <p:nvPr/>
+            </p:nvSpPr>
+            <p:spPr>
+              <a:xfrm rot="16200000">
+                <a:off x="1677762" y="1258402"/>
+                <a:ext cx="1370967" cy="278282"/>
+              </a:xfrm>
+              <a:prstGeom prst="rect">
+                <a:avLst/>
+              </a:prstGeom>
+              <a:solidFill>
+                <a:schemeClr val="bg1"/>
+              </a:solidFill>
+              <a:ln>
+                <a:noFill/>
+              </a:ln>
+            </p:spPr>
+            <p:style>
+              <a:lnRef idx="2">
+                <a:schemeClr val="accent1">
+                  <a:shade val="15000"/>
+                </a:schemeClr>
+              </a:lnRef>
+              <a:fillRef idx="1">
+                <a:schemeClr val="accent1"/>
+              </a:fillRef>
+              <a:effectRef idx="0">
+                <a:schemeClr val="accent1"/>
+              </a:effectRef>
+              <a:fontRef idx="minor">
+                <a:schemeClr val="lt1"/>
+              </a:fontRef>
+            </p:style>
+            <p:txBody>
+              <a:bodyPr rtlCol="0" anchor="ctr"/>
+              <a:lstStyle/>
+              <a:p>
+                <a:pPr algn="ctr"/>
+                <a:r>
+                  <a:rPr lang="en-US" sz="900" b="1" i="1" dirty="0">
+                    <a:solidFill>
+                      <a:schemeClr val="tx1"/>
+                    </a:solidFill>
+                    <a:latin typeface="Arial" panose="020B0604020202020204" pitchFamily="34" charset="0"/>
+                    <a:cs typeface="Arial" panose="020B0604020202020204" pitchFamily="34" charset="0"/>
+                  </a:rPr>
+                  <a:t>Light pollution effect</a:t>
+                </a:r>
+              </a:p>
+            </p:txBody>
+          </p:sp>
+          <p:sp>
+            <p:nvSpPr>
+              <p:cNvPr id="46" name="Rectangle 45">
+                <a:extLst>
+                  <a:ext uri="{FF2B5EF4-FFF2-40B4-BE49-F238E27FC236}">
+                    <a16:creationId xmlns:a16="http://schemas.microsoft.com/office/drawing/2014/main" id="{0B00ECF3-E24B-1467-FAB0-E4938865A9F6}"/>
+                  </a:ext>
+                </a:extLst>
+              </p:cNvPr>
+              <p:cNvSpPr/>
+              <p:nvPr/>
+            </p:nvSpPr>
+            <p:spPr>
+              <a:xfrm>
+                <a:off x="2583629" y="2026746"/>
+                <a:ext cx="712021" cy="278282"/>
+              </a:xfrm>
+              <a:prstGeom prst="rect">
+                <a:avLst/>
+              </a:prstGeom>
+              <a:solidFill>
+                <a:schemeClr val="bg1"/>
+              </a:solidFill>
+              <a:ln>
+                <a:noFill/>
+              </a:ln>
+            </p:spPr>
+            <p:style>
+              <a:lnRef idx="2">
+                <a:schemeClr val="accent1">
+                  <a:shade val="15000"/>
+                </a:schemeClr>
+              </a:lnRef>
+              <a:fillRef idx="1">
+                <a:schemeClr val="accent1"/>
+              </a:fillRef>
+              <a:effectRef idx="0">
+                <a:schemeClr val="accent1"/>
+              </a:effectRef>
+              <a:fontRef idx="minor">
+                <a:schemeClr val="lt1"/>
+              </a:fontRef>
+            </p:style>
+            <p:txBody>
+              <a:bodyPr lIns="0" rIns="0" rtlCol="0" anchor="ctr"/>
+              <a:lstStyle/>
+              <a:p>
+                <a:pPr algn="ctr"/>
+                <a:r>
+                  <a:rPr lang="en-US" sz="700" i="1" dirty="0">
+                    <a:solidFill>
+                      <a:schemeClr val="tx1"/>
+                    </a:solidFill>
+                    <a:latin typeface="Arial" panose="020B0604020202020204" pitchFamily="34" charset="0"/>
+                    <a:cs typeface="Arial" panose="020B0604020202020204" pitchFamily="34" charset="0"/>
+                  </a:rPr>
+                  <a:t>before sunrise</a:t>
+                </a:r>
+              </a:p>
+              <a:p>
+                <a:pPr algn="ctr"/>
+                <a:r>
+                  <a:rPr lang="en-US" sz="700" i="1" dirty="0">
+                    <a:solidFill>
+                      <a:schemeClr val="tx1"/>
+                    </a:solidFill>
+                    <a:latin typeface="Arial" panose="020B0604020202020204" pitchFamily="34" charset="0"/>
+                    <a:cs typeface="Arial" panose="020B0604020202020204" pitchFamily="34" charset="0"/>
+                  </a:rPr>
+                  <a:t>after sunset</a:t>
+                </a:r>
+              </a:p>
+            </p:txBody>
+          </p:sp>
+          <p:sp>
+            <p:nvSpPr>
+              <p:cNvPr id="47" name="Rectangle 46">
+                <a:extLst>
+                  <a:ext uri="{FF2B5EF4-FFF2-40B4-BE49-F238E27FC236}">
+                    <a16:creationId xmlns:a16="http://schemas.microsoft.com/office/drawing/2014/main" id="{D81BE729-2E96-4F35-CBBD-D0C7BB1509C1}"/>
+                  </a:ext>
+                </a:extLst>
+              </p:cNvPr>
+              <p:cNvSpPr/>
+              <p:nvPr/>
+            </p:nvSpPr>
+            <p:spPr>
+              <a:xfrm>
+                <a:off x="3237358" y="2026746"/>
+                <a:ext cx="693432" cy="278282"/>
+              </a:xfrm>
+              <a:prstGeom prst="rect">
+                <a:avLst/>
+              </a:prstGeom>
+              <a:solidFill>
+                <a:schemeClr val="bg1"/>
+              </a:solidFill>
+              <a:ln>
+                <a:noFill/>
+              </a:ln>
+            </p:spPr>
+            <p:style>
+              <a:lnRef idx="2">
+                <a:schemeClr val="accent1">
+                  <a:shade val="15000"/>
+                </a:schemeClr>
+              </a:lnRef>
+              <a:fillRef idx="1">
+                <a:schemeClr val="accent1"/>
+              </a:fillRef>
+              <a:effectRef idx="0">
+                <a:schemeClr val="accent1"/>
+              </a:effectRef>
+              <a:fontRef idx="minor">
+                <a:schemeClr val="lt1"/>
+              </a:fontRef>
+            </p:style>
+            <p:txBody>
+              <a:bodyPr lIns="0" rIns="0" rtlCol="0" anchor="ctr"/>
+              <a:lstStyle/>
+              <a:p>
+                <a:pPr algn="ctr"/>
+                <a:r>
+                  <a:rPr lang="en-US" sz="700" i="1" dirty="0">
+                    <a:solidFill>
+                      <a:schemeClr val="tx1"/>
+                    </a:solidFill>
+                    <a:latin typeface="Arial" panose="020B0604020202020204" pitchFamily="34" charset="0"/>
+                    <a:cs typeface="Arial" panose="020B0604020202020204" pitchFamily="34" charset="0"/>
+                  </a:rPr>
+                  <a:t>after sunrise</a:t>
+                </a:r>
+              </a:p>
+              <a:p>
+                <a:pPr algn="ctr"/>
+                <a:r>
+                  <a:rPr lang="en-US" sz="700" i="1" dirty="0">
+                    <a:solidFill>
+                      <a:schemeClr val="tx1"/>
+                    </a:solidFill>
+                    <a:latin typeface="Arial" panose="020B0604020202020204" pitchFamily="34" charset="0"/>
+                    <a:cs typeface="Arial" panose="020B0604020202020204" pitchFamily="34" charset="0"/>
+                  </a:rPr>
+                  <a:t>before sunset</a:t>
+                </a:r>
+              </a:p>
+            </p:txBody>
+          </p:sp>
+          <p:cxnSp>
+            <p:nvCxnSpPr>
+              <p:cNvPr id="48" name="Straight Connector 47">
+                <a:extLst>
+                  <a:ext uri="{FF2B5EF4-FFF2-40B4-BE49-F238E27FC236}">
+                    <a16:creationId xmlns:a16="http://schemas.microsoft.com/office/drawing/2014/main" id="{9E0B1541-F6FC-9E2F-F004-665DDAB4DE40}"/>
+                  </a:ext>
+                </a:extLst>
+              </p:cNvPr>
+              <p:cNvCxnSpPr>
+                <a:cxnSpLocks/>
+              </p:cNvCxnSpPr>
+              <p:nvPr/>
+            </p:nvCxnSpPr>
+            <p:spPr>
+              <a:xfrm>
+                <a:off x="3258494" y="823225"/>
+                <a:ext cx="8429" cy="1453857"/>
+              </a:xfrm>
+              <a:prstGeom prst="line">
+                <a:avLst/>
+              </a:prstGeom>
+              <a:ln w="6350">
+                <a:solidFill>
+                  <a:schemeClr val="tx1"/>
+                </a:solidFill>
+              </a:ln>
+            </p:spPr>
+            <p:style>
+              <a:lnRef idx="2">
+                <a:schemeClr val="accent1"/>
+              </a:lnRef>
+              <a:fillRef idx="0">
+                <a:schemeClr val="accent1"/>
+              </a:fillRef>
+              <a:effectRef idx="1">
+                <a:schemeClr val="accent1"/>
+              </a:effectRef>
+              <a:fontRef idx="minor">
+                <a:schemeClr val="tx1"/>
+              </a:fontRef>
+            </p:style>
+          </p:cxnSp>
+        </p:grpSp>
         <p:pic>
           <p:nvPicPr>
-            <p:cNvPr id="38" name="Picture 37" descr="A close up of a bird&#10;&#10;Description automatically generated">
+            <p:cNvPr id="6" name="Picture 5" descr="A graph of a graph showing different colors&#10;&#10;AI-generated content may be incorrect.">
               <a:extLst>
                 <a:ext uri="{FF2B5EF4-FFF2-40B4-BE49-F238E27FC236}">
-                  <a16:creationId xmlns:a16="http://schemas.microsoft.com/office/drawing/2014/main" id="{87EBA3DF-FF8E-5AAC-DBB1-E166D7CDA0AC}"/>
+                  <a16:creationId xmlns:a16="http://schemas.microsoft.com/office/drawing/2014/main" id="{40F7CF75-53C1-CEF1-A20C-1B1C0BE89344}"/>
                 </a:ext>
               </a:extLst>
             </p:cNvPr>
@@ -3439,7 +3839,7 @@
             <p:nvPr/>
           </p:nvPicPr>
           <p:blipFill>
-            <a:blip r:embed="rId4">
+            <a:blip r:embed="rId3">
               <a:extLst>
                 <a:ext uri="{28A0092B-C50C-407E-A947-70E740481C1C}">
                   <a14:useLocalDpi xmlns:a14="http://schemas.microsoft.com/office/drawing/2010/main" val="0"/>
@@ -3452,221 +3852,20 @@
           </p:blipFill>
           <p:spPr>
             <a:xfrm>
-              <a:off x="1591235" y="251621"/>
-              <a:ext cx="365760" cy="365760"/>
+              <a:off x="0" y="0"/>
+              <a:ext cx="2254577" cy="6583363"/>
             </a:xfrm>
             <a:prstGeom prst="rect">
               <a:avLst/>
             </a:prstGeom>
           </p:spPr>
         </p:pic>
-        <p:pic>
-          <p:nvPicPr>
-            <p:cNvPr id="39" name="Picture 38" descr="A black bird with yellow beak&#10;&#10;Description automatically generated">
+        <p:sp>
+          <p:nvSpPr>
+            <p:cNvPr id="7" name="Rectangle 6">
               <a:extLst>
                 <a:ext uri="{FF2B5EF4-FFF2-40B4-BE49-F238E27FC236}">
-                  <a16:creationId xmlns:a16="http://schemas.microsoft.com/office/drawing/2014/main" id="{51ED987C-0937-D95D-F8E1-2A4F8EF9F3D7}"/>
-                </a:ext>
-              </a:extLst>
-            </p:cNvPr>
-            <p:cNvPicPr>
-              <a:picLocks noChangeAspect="1"/>
-            </p:cNvPicPr>
-            <p:nvPr/>
-          </p:nvPicPr>
-          <p:blipFill>
-            <a:blip r:embed="rId5">
-              <a:extLst>
-                <a:ext uri="{28A0092B-C50C-407E-A947-70E740481C1C}">
-                  <a14:useLocalDpi xmlns:a14="http://schemas.microsoft.com/office/drawing/2010/main" val="0"/>
-                </a:ext>
-              </a:extLst>
-            </a:blip>
-            <a:stretch>
-              <a:fillRect/>
-            </a:stretch>
-          </p:blipFill>
-          <p:spPr>
-            <a:xfrm>
-              <a:off x="2894048" y="449083"/>
-              <a:ext cx="365760" cy="365760"/>
-            </a:xfrm>
-            <a:prstGeom prst="rect">
-              <a:avLst/>
-            </a:prstGeom>
-          </p:spPr>
-        </p:pic>
-        <p:pic>
-          <p:nvPicPr>
-            <p:cNvPr id="40" name="Picture 39" descr="A black and white bird with yellow circle&#10;&#10;Description automatically generated">
-              <a:extLst>
-                <a:ext uri="{FF2B5EF4-FFF2-40B4-BE49-F238E27FC236}">
-                  <a16:creationId xmlns:a16="http://schemas.microsoft.com/office/drawing/2014/main" id="{16FF750D-4091-51D2-6013-A6DDC5CB6B71}"/>
-                </a:ext>
-              </a:extLst>
-            </p:cNvPr>
-            <p:cNvPicPr>
-              <a:picLocks noChangeAspect="1"/>
-            </p:cNvPicPr>
-            <p:nvPr/>
-          </p:nvPicPr>
-          <p:blipFill>
-            <a:blip r:embed="rId6">
-              <a:extLst>
-                <a:ext uri="{28A0092B-C50C-407E-A947-70E740481C1C}">
-                  <a14:useLocalDpi xmlns:a14="http://schemas.microsoft.com/office/drawing/2010/main" val="0"/>
-                </a:ext>
-              </a:extLst>
-            </a:blip>
-            <a:stretch>
-              <a:fillRect/>
-            </a:stretch>
-          </p:blipFill>
-          <p:spPr>
-            <a:xfrm>
-              <a:off x="3574159" y="1498062"/>
-              <a:ext cx="365760" cy="365760"/>
-            </a:xfrm>
-            <a:prstGeom prst="rect">
-              <a:avLst/>
-            </a:prstGeom>
-          </p:spPr>
-        </p:pic>
-        <p:pic>
-          <p:nvPicPr>
-            <p:cNvPr id="41" name="Picture 40" descr="A close up of a bird&#10;&#10;Description automatically generated">
-              <a:extLst>
-                <a:ext uri="{FF2B5EF4-FFF2-40B4-BE49-F238E27FC236}">
-                  <a16:creationId xmlns:a16="http://schemas.microsoft.com/office/drawing/2014/main" id="{6F5AFEBD-68A4-D22A-9A1F-56DCDA88B0B2}"/>
-                </a:ext>
-              </a:extLst>
-            </p:cNvPr>
-            <p:cNvPicPr>
-              <a:picLocks noChangeAspect="1"/>
-            </p:cNvPicPr>
-            <p:nvPr/>
-          </p:nvPicPr>
-          <p:blipFill>
-            <a:blip r:embed="rId4">
-              <a:extLst>
-                <a:ext uri="{28A0092B-C50C-407E-A947-70E740481C1C}">
-                  <a14:useLocalDpi xmlns:a14="http://schemas.microsoft.com/office/drawing/2010/main" val="0"/>
-                </a:ext>
-              </a:extLst>
-            </a:blip>
-            <a:stretch>
-              <a:fillRect/>
-            </a:stretch>
-          </p:blipFill>
-          <p:spPr>
-            <a:xfrm>
-              <a:off x="1591235" y="1656198"/>
-              <a:ext cx="365760" cy="365760"/>
-            </a:xfrm>
-            <a:prstGeom prst="rect">
-              <a:avLst/>
-            </a:prstGeom>
-          </p:spPr>
-        </p:pic>
-        <p:pic>
-          <p:nvPicPr>
-            <p:cNvPr id="42" name="Picture 41" descr="A black bird with yellow beak&#10;&#10;Description automatically generated">
-              <a:extLst>
-                <a:ext uri="{FF2B5EF4-FFF2-40B4-BE49-F238E27FC236}">
-                  <a16:creationId xmlns:a16="http://schemas.microsoft.com/office/drawing/2014/main" id="{362DF697-E4BF-B744-F31F-3E1FE661F785}"/>
-                </a:ext>
-              </a:extLst>
-            </p:cNvPr>
-            <p:cNvPicPr>
-              <a:picLocks noChangeAspect="1"/>
-            </p:cNvPicPr>
-            <p:nvPr/>
-          </p:nvPicPr>
-          <p:blipFill>
-            <a:blip r:embed="rId5">
-              <a:extLst>
-                <a:ext uri="{28A0092B-C50C-407E-A947-70E740481C1C}">
-                  <a14:useLocalDpi xmlns:a14="http://schemas.microsoft.com/office/drawing/2010/main" val="0"/>
-                </a:ext>
-              </a:extLst>
-            </a:blip>
-            <a:stretch>
-              <a:fillRect/>
-            </a:stretch>
-          </p:blipFill>
-          <p:spPr>
-            <a:xfrm>
-              <a:off x="2894048" y="1809046"/>
-              <a:ext cx="365760" cy="365760"/>
-            </a:xfrm>
-            <a:prstGeom prst="rect">
-              <a:avLst/>
-            </a:prstGeom>
-          </p:spPr>
-        </p:pic>
-        <p:pic>
-          <p:nvPicPr>
-            <p:cNvPr id="43" name="Picture 42" descr="A black and white bird with yellow circle&#10;&#10;Description automatically generated">
-              <a:extLst>
-                <a:ext uri="{FF2B5EF4-FFF2-40B4-BE49-F238E27FC236}">
-                  <a16:creationId xmlns:a16="http://schemas.microsoft.com/office/drawing/2014/main" id="{DEF1755A-474F-B06D-264A-B8A9348E1DF7}"/>
-                </a:ext>
-              </a:extLst>
-            </p:cNvPr>
-            <p:cNvPicPr>
-              <a:picLocks noChangeAspect="1"/>
-            </p:cNvPicPr>
-            <p:nvPr/>
-          </p:nvPicPr>
-          <p:blipFill>
-            <a:blip r:embed="rId6">
-              <a:extLst>
-                <a:ext uri="{28A0092B-C50C-407E-A947-70E740481C1C}">
-                  <a14:useLocalDpi xmlns:a14="http://schemas.microsoft.com/office/drawing/2010/main" val="0"/>
-                </a:ext>
-              </a:extLst>
-            </a:blip>
-            <a:stretch>
-              <a:fillRect/>
-            </a:stretch>
-          </p:blipFill>
-          <p:spPr>
-            <a:xfrm>
-              <a:off x="3566160" y="2899054"/>
-              <a:ext cx="365760" cy="365760"/>
-            </a:xfrm>
-            <a:prstGeom prst="rect">
-              <a:avLst/>
-            </a:prstGeom>
-          </p:spPr>
-        </p:pic>
-      </p:grpSp>
-      <p:grpSp>
-        <p:nvGrpSpPr>
-          <p:cNvPr id="13" name="Group 12">
-            <a:extLst>
-              <a:ext uri="{FF2B5EF4-FFF2-40B4-BE49-F238E27FC236}">
-                <a16:creationId xmlns:a16="http://schemas.microsoft.com/office/drawing/2014/main" id="{BE2FEA2B-B9F6-2AF9-FC66-3B3ECF67B85F}"/>
-              </a:ext>
-            </a:extLst>
-          </p:cNvPr>
-          <p:cNvGrpSpPr/>
-          <p:nvPr/>
-        </p:nvGrpSpPr>
-        <p:grpSpPr>
-          <a:xfrm>
-            <a:off x="2294404" y="3212421"/>
-            <a:ext cx="906518" cy="182880"/>
-            <a:chOff x="2299170" y="3291840"/>
-            <a:chExt cx="906518" cy="182880"/>
-          </a:xfrm>
-        </p:grpSpPr>
-        <p:sp>
-          <p:nvSpPr>
-            <p:cNvPr id="3" name="Rectangle 2">
-              <a:extLst>
-                <a:ext uri="{FF2B5EF4-FFF2-40B4-BE49-F238E27FC236}">
-                  <a16:creationId xmlns:a16="http://schemas.microsoft.com/office/drawing/2014/main" id="{AAA16069-2F61-B03F-36D0-0E1EAD4144B9}"/>
+                  <a16:creationId xmlns:a16="http://schemas.microsoft.com/office/drawing/2014/main" id="{D6DF4F0B-F741-1649-C8E7-FFF95FD20C61}"/>
                 </a:ext>
               </a:extLst>
             </p:cNvPr>
@@ -3675,8 +3874,132 @@
           </p:nvSpPr>
           <p:spPr>
             <a:xfrm>
-              <a:off x="2852094" y="3291840"/>
-              <a:ext cx="353594" cy="182880"/>
+              <a:off x="0" y="54864"/>
+              <a:ext cx="455804" cy="216838"/>
+            </a:xfrm>
+            <a:prstGeom prst="rect">
+              <a:avLst/>
+            </a:prstGeom>
+            <a:solidFill>
+              <a:schemeClr val="bg1"/>
+            </a:solidFill>
+            <a:ln>
+              <a:noFill/>
+            </a:ln>
+          </p:spPr>
+          <p:style>
+            <a:lnRef idx="2">
+              <a:schemeClr val="accent1">
+                <a:shade val="15000"/>
+              </a:schemeClr>
+            </a:lnRef>
+            <a:fillRef idx="1">
+              <a:schemeClr val="accent1"/>
+            </a:fillRef>
+            <a:effectRef idx="0">
+              <a:schemeClr val="accent1"/>
+            </a:effectRef>
+            <a:fontRef idx="minor">
+              <a:schemeClr val="lt1"/>
+            </a:fontRef>
+          </p:style>
+          <p:txBody>
+            <a:bodyPr rtlCol="0" anchor="ctr"/>
+            <a:lstStyle/>
+            <a:p>
+              <a:pPr algn="ctr"/>
+              <a:r>
+                <a:rPr lang="en-US" sz="1000" b="1" dirty="0">
+                  <a:solidFill>
+                    <a:schemeClr val="tx1"/>
+                  </a:solidFill>
+                  <a:latin typeface="Arial" panose="020B0604020202020204" pitchFamily="34" charset="0"/>
+                  <a:cs typeface="Arial" panose="020B0604020202020204" pitchFamily="34" charset="0"/>
+                </a:rPr>
+                <a:t>(A)</a:t>
+              </a:r>
+            </a:p>
+          </p:txBody>
+        </p:sp>
+        <p:sp>
+          <p:nvSpPr>
+            <p:cNvPr id="8" name="Rectangle 7">
+              <a:extLst>
+                <a:ext uri="{FF2B5EF4-FFF2-40B4-BE49-F238E27FC236}">
+                  <a16:creationId xmlns:a16="http://schemas.microsoft.com/office/drawing/2014/main" id="{10EAACAD-8445-A207-ECD5-4056168560AF}"/>
+                </a:ext>
+              </a:extLst>
+            </p:cNvPr>
+            <p:cNvSpPr/>
+            <p:nvPr/>
+          </p:nvSpPr>
+          <p:spPr>
+            <a:xfrm>
+              <a:off x="367411" y="6198907"/>
+              <a:ext cx="777755" cy="27432"/>
+            </a:xfrm>
+            <a:prstGeom prst="rect">
+              <a:avLst/>
+            </a:prstGeom>
+            <a:gradFill>
+              <a:gsLst>
+                <a:gs pos="0">
+                  <a:srgbClr val="24213D"/>
+                </a:gs>
+                <a:gs pos="100000">
+                  <a:srgbClr val="F2DEBB"/>
+                </a:gs>
+              </a:gsLst>
+              <a:lin ang="0" scaled="1"/>
+            </a:gradFill>
+            <a:ln w="0">
+              <a:solidFill>
+                <a:schemeClr val="tx1"/>
+              </a:solidFill>
+              <a:prstDash val="dash"/>
+            </a:ln>
+          </p:spPr>
+          <p:style>
+            <a:lnRef idx="2">
+              <a:schemeClr val="accent1">
+                <a:shade val="15000"/>
+              </a:schemeClr>
+            </a:lnRef>
+            <a:fillRef idx="1">
+              <a:schemeClr val="accent1"/>
+            </a:fillRef>
+            <a:effectRef idx="0">
+              <a:schemeClr val="accent1"/>
+            </a:effectRef>
+            <a:fontRef idx="minor">
+              <a:schemeClr val="lt1"/>
+            </a:fontRef>
+          </p:style>
+          <p:txBody>
+            <a:bodyPr rtlCol="0" anchor="ctr"/>
+            <a:lstStyle/>
+            <a:p>
+              <a:pPr algn="ctr"/>
+              <a:endParaRPr lang="en-US"/>
+            </a:p>
+          </p:txBody>
+        </p:sp>
+        <p:sp>
+          <p:nvSpPr>
+            <p:cNvPr id="9" name="Rectangle 8">
+              <a:extLst>
+                <a:ext uri="{FF2B5EF4-FFF2-40B4-BE49-F238E27FC236}">
+                  <a16:creationId xmlns:a16="http://schemas.microsoft.com/office/drawing/2014/main" id="{FEEBF815-8B19-C321-3966-45413DC1B863}"/>
+                </a:ext>
+              </a:extLst>
+            </p:cNvPr>
+            <p:cNvSpPr/>
+            <p:nvPr/>
+          </p:nvSpPr>
+          <p:spPr>
+            <a:xfrm>
+              <a:off x="455804" y="1016937"/>
+              <a:ext cx="654711" cy="278282"/>
             </a:xfrm>
             <a:prstGeom prst="rect">
               <a:avLst/>
@@ -3708,114 +4031,24 @@
             <a:p>
               <a:pPr algn="ctr"/>
               <a:r>
-                <a:rPr lang="en-US" sz="800" i="1" dirty="0">
+                <a:rPr lang="en-US" sz="700" i="1" dirty="0">
                   <a:solidFill>
-                    <a:schemeClr val="tx1"/>
+                    <a:srgbClr val="466C4B"/>
                   </a:solidFill>
                   <a:latin typeface="Arial" panose="020B0604020202020204" pitchFamily="34" charset="0"/>
                   <a:cs typeface="Arial" panose="020B0604020202020204" pitchFamily="34" charset="0"/>
                 </a:rPr>
-                <a:t>delay</a:t>
+                <a:t>cavity</a:t>
               </a:r>
             </a:p>
           </p:txBody>
         </p:sp>
-        <p:cxnSp>
-          <p:nvCxnSpPr>
-            <p:cNvPr id="5" name="Straight Connector 4">
+        <p:sp>
+          <p:nvSpPr>
+            <p:cNvPr id="10" name="Rectangle 9">
               <a:extLst>
                 <a:ext uri="{FF2B5EF4-FFF2-40B4-BE49-F238E27FC236}">
-                  <a16:creationId xmlns:a16="http://schemas.microsoft.com/office/drawing/2014/main" id="{FE870867-0638-D790-B95C-4E55730DC1C6}"/>
-                </a:ext>
-              </a:extLst>
-            </p:cNvPr>
-            <p:cNvCxnSpPr>
-              <a:cxnSpLocks/>
-            </p:cNvCxnSpPr>
-            <p:nvPr/>
-          </p:nvCxnSpPr>
-          <p:spPr>
-            <a:xfrm>
-              <a:off x="2852094" y="3340889"/>
-              <a:ext cx="0" cy="130969"/>
-            </a:xfrm>
-            <a:prstGeom prst="line">
-              <a:avLst/>
-            </a:prstGeom>
-            <a:ln w="6350">
-              <a:solidFill>
-                <a:schemeClr val="tx1"/>
-              </a:solidFill>
-            </a:ln>
-          </p:spPr>
-          <p:style>
-            <a:lnRef idx="2">
-              <a:schemeClr val="accent1"/>
-            </a:lnRef>
-            <a:fillRef idx="0">
-              <a:schemeClr val="accent1"/>
-            </a:fillRef>
-            <a:effectRef idx="1">
-              <a:schemeClr val="accent1"/>
-            </a:effectRef>
-            <a:fontRef idx="minor">
-              <a:schemeClr val="tx1"/>
-            </a:fontRef>
-          </p:style>
-        </p:cxnSp>
-        <p:cxnSp>
-          <p:nvCxnSpPr>
-            <p:cNvPr id="7" name="Straight Connector 6">
-              <a:extLst>
-                <a:ext uri="{FF2B5EF4-FFF2-40B4-BE49-F238E27FC236}">
-                  <a16:creationId xmlns:a16="http://schemas.microsoft.com/office/drawing/2014/main" id="{2970EB5C-D6BC-6116-67B7-1FD6E6368C40}"/>
-                </a:ext>
-              </a:extLst>
-            </p:cNvPr>
-            <p:cNvCxnSpPr>
-              <a:cxnSpLocks/>
-            </p:cNvCxnSpPr>
-            <p:nvPr/>
-          </p:nvCxnSpPr>
-          <p:spPr>
-            <a:xfrm flipH="1">
-              <a:off x="2931200" y="3473126"/>
-              <a:ext cx="274488" cy="0"/>
-            </a:xfrm>
-            <a:prstGeom prst="line">
-              <a:avLst/>
-            </a:prstGeom>
-            <a:ln w="6350">
-              <a:solidFill>
-                <a:schemeClr val="bg1">
-                  <a:lumMod val="65000"/>
-                </a:schemeClr>
-              </a:solidFill>
-              <a:headEnd type="triangle" w="sm" len="sm"/>
-              <a:tailEnd type="none"/>
-            </a:ln>
-          </p:spPr>
-          <p:style>
-            <a:lnRef idx="2">
-              <a:schemeClr val="accent1"/>
-            </a:lnRef>
-            <a:fillRef idx="0">
-              <a:schemeClr val="accent1"/>
-            </a:fillRef>
-            <a:effectRef idx="1">
-              <a:schemeClr val="accent1"/>
-            </a:effectRef>
-            <a:fontRef idx="minor">
-              <a:schemeClr val="tx1"/>
-            </a:fontRef>
-          </p:style>
-        </p:cxnSp>
-        <p:sp>
-          <p:nvSpPr>
-            <p:cNvPr id="9" name="Rectangle 8">
-              <a:extLst>
-                <a:ext uri="{FF2B5EF4-FFF2-40B4-BE49-F238E27FC236}">
-                  <a16:creationId xmlns:a16="http://schemas.microsoft.com/office/drawing/2014/main" id="{639B4EDD-BD19-DB73-15C1-C51318E99990}"/>
+                  <a16:creationId xmlns:a16="http://schemas.microsoft.com/office/drawing/2014/main" id="{790757F3-27AF-B9C7-47B5-FC86DBAC98D3}"/>
                 </a:ext>
               </a:extLst>
             </p:cNvPr>
@@ -3824,8 +4057,8 @@
           </p:nvSpPr>
           <p:spPr>
             <a:xfrm>
-              <a:off x="2318222" y="3291840"/>
-              <a:ext cx="533872" cy="182880"/>
+              <a:off x="322156" y="1271414"/>
+              <a:ext cx="654711" cy="278282"/>
             </a:xfrm>
             <a:prstGeom prst="rect">
               <a:avLst/>
@@ -3857,195 +4090,1620 @@
             <a:p>
               <a:pPr algn="ctr"/>
               <a:r>
-                <a:rPr lang="en-US" sz="800" i="1" dirty="0">
+                <a:rPr lang="en-US" sz="700" i="1" dirty="0">
                   <a:solidFill>
-                    <a:schemeClr val="tx1"/>
+                    <a:srgbClr val="90719F"/>
                   </a:solidFill>
                   <a:latin typeface="Arial" panose="020B0604020202020204" pitchFamily="34" charset="0"/>
                   <a:cs typeface="Arial" panose="020B0604020202020204" pitchFamily="34" charset="0"/>
                 </a:rPr>
-                <a:t>advance</a:t>
+                <a:t>open</a:t>
               </a:r>
-              <a:endParaRPr lang="en-US" sz="850" i="1" dirty="0">
-                <a:solidFill>
-                  <a:schemeClr val="tx1"/>
-                </a:solidFill>
-                <a:latin typeface="Arial" panose="020B0604020202020204" pitchFamily="34" charset="0"/>
-                <a:cs typeface="Arial" panose="020B0604020202020204" pitchFamily="34" charset="0"/>
-              </a:endParaRPr>
             </a:p>
           </p:txBody>
         </p:sp>
-        <p:cxnSp>
-          <p:nvCxnSpPr>
-            <p:cNvPr id="10" name="Straight Connector 9">
+        <p:sp>
+          <p:nvSpPr>
+            <p:cNvPr id="11" name="Rectangle 10">
               <a:extLst>
                 <a:ext uri="{FF2B5EF4-FFF2-40B4-BE49-F238E27FC236}">
-                  <a16:creationId xmlns:a16="http://schemas.microsoft.com/office/drawing/2014/main" id="{F91C67C8-9674-0551-1511-03CFC21B3B1B}"/>
+                  <a16:creationId xmlns:a16="http://schemas.microsoft.com/office/drawing/2014/main" id="{3E8B7BBF-32AF-AA53-D614-0B3BF5C30C67}"/>
                 </a:ext>
               </a:extLst>
             </p:cNvPr>
-            <p:cNvCxnSpPr>
-              <a:cxnSpLocks/>
-            </p:cNvCxnSpPr>
+            <p:cNvSpPr/>
             <p:nvPr/>
-          </p:nvCxnSpPr>
+          </p:nvSpPr>
           <p:spPr>
             <a:xfrm>
-              <a:off x="2299170" y="3473126"/>
-              <a:ext cx="502920" cy="0"/>
+              <a:off x="1404132" y="1777864"/>
+              <a:ext cx="654711" cy="278282"/>
             </a:xfrm>
-            <a:prstGeom prst="line">
+            <a:prstGeom prst="rect">
               <a:avLst/>
             </a:prstGeom>
-            <a:ln w="6350">
-              <a:solidFill>
-                <a:schemeClr val="bg1">
-                  <a:lumMod val="65000"/>
-                </a:schemeClr>
-              </a:solidFill>
-              <a:headEnd type="triangle" w="sm" len="sm"/>
-              <a:tailEnd type="none"/>
+            <a:noFill/>
+            <a:ln>
+              <a:noFill/>
             </a:ln>
           </p:spPr>
           <p:style>
             <a:lnRef idx="2">
-              <a:schemeClr val="accent1"/>
+              <a:schemeClr val="accent1">
+                <a:shade val="15000"/>
+              </a:schemeClr>
             </a:lnRef>
-            <a:fillRef idx="0">
+            <a:fillRef idx="1">
               <a:schemeClr val="accent1"/>
             </a:fillRef>
-            <a:effectRef idx="1">
+            <a:effectRef idx="0">
               <a:schemeClr val="accent1"/>
             </a:effectRef>
             <a:fontRef idx="minor">
-              <a:schemeClr val="tx1"/>
+              <a:schemeClr val="lt1"/>
             </a:fontRef>
           </p:style>
-        </p:cxnSp>
+          <p:txBody>
+            <a:bodyPr lIns="0" rIns="0" rtlCol="0" anchor="ctr"/>
+            <a:lstStyle/>
+            <a:p>
+              <a:pPr algn="ctr"/>
+              <a:r>
+                <a:rPr lang="en-US" sz="700" i="1" dirty="0">
+                  <a:solidFill>
+                    <a:srgbClr val="466C4B"/>
+                  </a:solidFill>
+                  <a:latin typeface="Arial" panose="020B0604020202020204" pitchFamily="34" charset="0"/>
+                  <a:cs typeface="Arial" panose="020B0604020202020204" pitchFamily="34" charset="0"/>
+                </a:rPr>
+                <a:t>cavity</a:t>
+              </a:r>
+            </a:p>
+          </p:txBody>
+        </p:sp>
+        <p:sp>
+          <p:nvSpPr>
+            <p:cNvPr id="12" name="Rectangle 11">
+              <a:extLst>
+                <a:ext uri="{FF2B5EF4-FFF2-40B4-BE49-F238E27FC236}">
+                  <a16:creationId xmlns:a16="http://schemas.microsoft.com/office/drawing/2014/main" id="{DCE1E40D-7AD5-DFD8-14B5-3C617A374A01}"/>
+                </a:ext>
+              </a:extLst>
+            </p:cNvPr>
+            <p:cNvSpPr/>
+            <p:nvPr/>
+          </p:nvSpPr>
+          <p:spPr>
+            <a:xfrm>
+              <a:off x="1193424" y="1447536"/>
+              <a:ext cx="654711" cy="278282"/>
+            </a:xfrm>
+            <a:prstGeom prst="rect">
+              <a:avLst/>
+            </a:prstGeom>
+            <a:noFill/>
+            <a:ln>
+              <a:noFill/>
+            </a:ln>
+          </p:spPr>
+          <p:style>
+            <a:lnRef idx="2">
+              <a:schemeClr val="accent1">
+                <a:shade val="15000"/>
+              </a:schemeClr>
+            </a:lnRef>
+            <a:fillRef idx="1">
+              <a:schemeClr val="accent1"/>
+            </a:fillRef>
+            <a:effectRef idx="0">
+              <a:schemeClr val="accent1"/>
+            </a:effectRef>
+            <a:fontRef idx="minor">
+              <a:schemeClr val="lt1"/>
+            </a:fontRef>
+          </p:style>
+          <p:txBody>
+            <a:bodyPr lIns="0" rIns="0" rtlCol="0" anchor="ctr"/>
+            <a:lstStyle/>
+            <a:p>
+              <a:pPr algn="ctr"/>
+              <a:r>
+                <a:rPr lang="en-US" sz="700" i="1" dirty="0">
+                  <a:solidFill>
+                    <a:srgbClr val="90719F"/>
+                  </a:solidFill>
+                  <a:latin typeface="Arial" panose="020B0604020202020204" pitchFamily="34" charset="0"/>
+                  <a:cs typeface="Arial" panose="020B0604020202020204" pitchFamily="34" charset="0"/>
+                </a:rPr>
+                <a:t>open</a:t>
+              </a:r>
+            </a:p>
+          </p:txBody>
+        </p:sp>
+        <p:sp>
+          <p:nvSpPr>
+            <p:cNvPr id="13" name="Rectangle 12">
+              <a:extLst>
+                <a:ext uri="{FF2B5EF4-FFF2-40B4-BE49-F238E27FC236}">
+                  <a16:creationId xmlns:a16="http://schemas.microsoft.com/office/drawing/2014/main" id="{AEF99595-4C64-A4A7-4F53-86B1B6F98E07}"/>
+                </a:ext>
+              </a:extLst>
+            </p:cNvPr>
+            <p:cNvSpPr/>
+            <p:nvPr/>
+          </p:nvSpPr>
+          <p:spPr>
+            <a:xfrm>
+              <a:off x="496806" y="345686"/>
+              <a:ext cx="654711" cy="278282"/>
+            </a:xfrm>
+            <a:prstGeom prst="rect">
+              <a:avLst/>
+            </a:prstGeom>
+            <a:noFill/>
+            <a:ln>
+              <a:noFill/>
+            </a:ln>
+          </p:spPr>
+          <p:style>
+            <a:lnRef idx="2">
+              <a:schemeClr val="accent1">
+                <a:shade val="15000"/>
+              </a:schemeClr>
+            </a:lnRef>
+            <a:fillRef idx="1">
+              <a:schemeClr val="accent1"/>
+            </a:fillRef>
+            <a:effectRef idx="0">
+              <a:schemeClr val="accent1"/>
+            </a:effectRef>
+            <a:fontRef idx="minor">
+              <a:schemeClr val="lt1"/>
+            </a:fontRef>
+          </p:style>
+          <p:txBody>
+            <a:bodyPr lIns="0" rIns="0" rtlCol="0" anchor="ctr"/>
+            <a:lstStyle/>
+            <a:p>
+              <a:pPr algn="ctr"/>
+              <a:r>
+                <a:rPr lang="en-US" sz="700" i="1" dirty="0">
+                  <a:solidFill>
+                    <a:srgbClr val="90719F"/>
+                  </a:solidFill>
+                  <a:latin typeface="Arial" panose="020B0604020202020204" pitchFamily="34" charset="0"/>
+                  <a:cs typeface="Arial" panose="020B0604020202020204" pitchFamily="34" charset="0"/>
+                </a:rPr>
+                <a:t>small</a:t>
+              </a:r>
+            </a:p>
+          </p:txBody>
+        </p:sp>
+        <p:sp>
+          <p:nvSpPr>
+            <p:cNvPr id="14" name="Rectangle 13">
+              <a:extLst>
+                <a:ext uri="{FF2B5EF4-FFF2-40B4-BE49-F238E27FC236}">
+                  <a16:creationId xmlns:a16="http://schemas.microsoft.com/office/drawing/2014/main" id="{6961BE4F-1DA3-CFCB-08CA-BB63383BC454}"/>
+                </a:ext>
+              </a:extLst>
+            </p:cNvPr>
+            <p:cNvSpPr/>
+            <p:nvPr/>
+          </p:nvSpPr>
+          <p:spPr>
+            <a:xfrm>
+              <a:off x="490455" y="522856"/>
+              <a:ext cx="654711" cy="278282"/>
+            </a:xfrm>
+            <a:prstGeom prst="rect">
+              <a:avLst/>
+            </a:prstGeom>
+            <a:noFill/>
+            <a:ln>
+              <a:noFill/>
+            </a:ln>
+          </p:spPr>
+          <p:style>
+            <a:lnRef idx="2">
+              <a:schemeClr val="accent1">
+                <a:shade val="15000"/>
+              </a:schemeClr>
+            </a:lnRef>
+            <a:fillRef idx="1">
+              <a:schemeClr val="accent1"/>
+            </a:fillRef>
+            <a:effectRef idx="0">
+              <a:schemeClr val="accent1"/>
+            </a:effectRef>
+            <a:fontRef idx="minor">
+              <a:schemeClr val="lt1"/>
+            </a:fontRef>
+          </p:style>
+          <p:txBody>
+            <a:bodyPr lIns="0" rIns="0" rtlCol="0" anchor="ctr"/>
+            <a:lstStyle/>
+            <a:p>
+              <a:pPr algn="ctr"/>
+              <a:r>
+                <a:rPr lang="en-US" sz="700" i="1" dirty="0">
+                  <a:solidFill>
+                    <a:srgbClr val="466C4B"/>
+                  </a:solidFill>
+                  <a:latin typeface="Arial" panose="020B0604020202020204" pitchFamily="34" charset="0"/>
+                  <a:cs typeface="Arial" panose="020B0604020202020204" pitchFamily="34" charset="0"/>
+                </a:rPr>
+                <a:t>large</a:t>
+              </a:r>
+            </a:p>
+          </p:txBody>
+        </p:sp>
+        <p:sp>
+          <p:nvSpPr>
+            <p:cNvPr id="15" name="Rectangle 14">
+              <a:extLst>
+                <a:ext uri="{FF2B5EF4-FFF2-40B4-BE49-F238E27FC236}">
+                  <a16:creationId xmlns:a16="http://schemas.microsoft.com/office/drawing/2014/main" id="{EA4CEA71-2326-85AF-5D3C-6CBF4CDD7D8B}"/>
+                </a:ext>
+              </a:extLst>
+            </p:cNvPr>
+            <p:cNvSpPr/>
+            <p:nvPr/>
+          </p:nvSpPr>
+          <p:spPr>
+            <a:xfrm>
+              <a:off x="1371129" y="520501"/>
+              <a:ext cx="274320" cy="278282"/>
+            </a:xfrm>
+            <a:prstGeom prst="rect">
+              <a:avLst/>
+            </a:prstGeom>
+            <a:noFill/>
+            <a:ln>
+              <a:noFill/>
+            </a:ln>
+          </p:spPr>
+          <p:style>
+            <a:lnRef idx="2">
+              <a:schemeClr val="accent1">
+                <a:shade val="15000"/>
+              </a:schemeClr>
+            </a:lnRef>
+            <a:fillRef idx="1">
+              <a:schemeClr val="accent1"/>
+            </a:fillRef>
+            <a:effectRef idx="0">
+              <a:schemeClr val="accent1"/>
+            </a:effectRef>
+            <a:fontRef idx="minor">
+              <a:schemeClr val="lt1"/>
+            </a:fontRef>
+          </p:style>
+          <p:txBody>
+            <a:bodyPr lIns="0" rIns="0" rtlCol="0" anchor="ctr"/>
+            <a:lstStyle/>
+            <a:p>
+              <a:pPr algn="ctr"/>
+              <a:r>
+                <a:rPr lang="en-US" sz="700" i="1" dirty="0">
+                  <a:solidFill>
+                    <a:srgbClr val="466C4B"/>
+                  </a:solidFill>
+                  <a:latin typeface="Arial" panose="020B0604020202020204" pitchFamily="34" charset="0"/>
+                  <a:cs typeface="Arial" panose="020B0604020202020204" pitchFamily="34" charset="0"/>
+                </a:rPr>
+                <a:t>large</a:t>
+              </a:r>
+            </a:p>
+          </p:txBody>
+        </p:sp>
+        <p:sp>
+          <p:nvSpPr>
+            <p:cNvPr id="16" name="Rectangle 15">
+              <a:extLst>
+                <a:ext uri="{FF2B5EF4-FFF2-40B4-BE49-F238E27FC236}">
+                  <a16:creationId xmlns:a16="http://schemas.microsoft.com/office/drawing/2014/main" id="{5BED8B75-3FD9-48D9-1722-DBFC2D3A9FCB}"/>
+                </a:ext>
+              </a:extLst>
+            </p:cNvPr>
+            <p:cNvSpPr/>
+            <p:nvPr/>
+          </p:nvSpPr>
+          <p:spPr>
+            <a:xfrm>
+              <a:off x="1526887" y="708222"/>
+              <a:ext cx="274320" cy="278282"/>
+            </a:xfrm>
+            <a:prstGeom prst="rect">
+              <a:avLst/>
+            </a:prstGeom>
+            <a:noFill/>
+            <a:ln>
+              <a:noFill/>
+            </a:ln>
+          </p:spPr>
+          <p:style>
+            <a:lnRef idx="2">
+              <a:schemeClr val="accent1">
+                <a:shade val="15000"/>
+              </a:schemeClr>
+            </a:lnRef>
+            <a:fillRef idx="1">
+              <a:schemeClr val="accent1"/>
+            </a:fillRef>
+            <a:effectRef idx="0">
+              <a:schemeClr val="accent1"/>
+            </a:effectRef>
+            <a:fontRef idx="minor">
+              <a:schemeClr val="lt1"/>
+            </a:fontRef>
+          </p:style>
+          <p:txBody>
+            <a:bodyPr lIns="0" rIns="0" rtlCol="0" anchor="ctr"/>
+            <a:lstStyle/>
+            <a:p>
+              <a:pPr algn="ctr"/>
+              <a:r>
+                <a:rPr lang="en-US" sz="700" i="1" dirty="0">
+                  <a:solidFill>
+                    <a:srgbClr val="90719F"/>
+                  </a:solidFill>
+                  <a:latin typeface="Arial" panose="020B0604020202020204" pitchFamily="34" charset="0"/>
+                  <a:cs typeface="Arial" panose="020B0604020202020204" pitchFamily="34" charset="0"/>
+                </a:rPr>
+                <a:t>small</a:t>
+              </a:r>
+            </a:p>
+          </p:txBody>
+        </p:sp>
+        <p:sp>
+          <p:nvSpPr>
+            <p:cNvPr id="17" name="Rectangle 16">
+              <a:extLst>
+                <a:ext uri="{FF2B5EF4-FFF2-40B4-BE49-F238E27FC236}">
+                  <a16:creationId xmlns:a16="http://schemas.microsoft.com/office/drawing/2014/main" id="{EB3DF738-6F3B-6E1B-48F2-9F0CC5737196}"/>
+                </a:ext>
+              </a:extLst>
+            </p:cNvPr>
+            <p:cNvSpPr/>
+            <p:nvPr/>
+          </p:nvSpPr>
+          <p:spPr>
+            <a:xfrm>
+              <a:off x="503286" y="2811588"/>
+              <a:ext cx="654711" cy="278282"/>
+            </a:xfrm>
+            <a:prstGeom prst="rect">
+              <a:avLst/>
+            </a:prstGeom>
+            <a:noFill/>
+            <a:ln>
+              <a:noFill/>
+            </a:ln>
+          </p:spPr>
+          <p:style>
+            <a:lnRef idx="2">
+              <a:schemeClr val="accent1">
+                <a:shade val="15000"/>
+              </a:schemeClr>
+            </a:lnRef>
+            <a:fillRef idx="1">
+              <a:schemeClr val="accent1"/>
+            </a:fillRef>
+            <a:effectRef idx="0">
+              <a:schemeClr val="accent1"/>
+            </a:effectRef>
+            <a:fontRef idx="minor">
+              <a:schemeClr val="lt1"/>
+            </a:fontRef>
+          </p:style>
+          <p:txBody>
+            <a:bodyPr lIns="0" rIns="0" rtlCol="0" anchor="ctr"/>
+            <a:lstStyle/>
+            <a:p>
+              <a:pPr algn="ctr"/>
+              <a:r>
+                <a:rPr lang="en-US" sz="700" i="1" dirty="0">
+                  <a:solidFill>
+                    <a:srgbClr val="90719F"/>
+                  </a:solidFill>
+                  <a:latin typeface="Arial" panose="020B0604020202020204" pitchFamily="34" charset="0"/>
+                  <a:cs typeface="Arial" panose="020B0604020202020204" pitchFamily="34" charset="0"/>
+                </a:rPr>
+                <a:t>small</a:t>
+              </a:r>
+            </a:p>
+          </p:txBody>
+        </p:sp>
+        <p:sp>
+          <p:nvSpPr>
+            <p:cNvPr id="18" name="Rectangle 17">
+              <a:extLst>
+                <a:ext uri="{FF2B5EF4-FFF2-40B4-BE49-F238E27FC236}">
+                  <a16:creationId xmlns:a16="http://schemas.microsoft.com/office/drawing/2014/main" id="{7F18962D-8D9A-F826-5B37-5C1453CC2388}"/>
+                </a:ext>
+              </a:extLst>
+            </p:cNvPr>
+            <p:cNvSpPr/>
+            <p:nvPr/>
+          </p:nvSpPr>
+          <p:spPr>
+            <a:xfrm>
+              <a:off x="264326" y="2974298"/>
+              <a:ext cx="654711" cy="278282"/>
+            </a:xfrm>
+            <a:prstGeom prst="rect">
+              <a:avLst/>
+            </a:prstGeom>
+            <a:noFill/>
+            <a:ln>
+              <a:noFill/>
+            </a:ln>
+          </p:spPr>
+          <p:style>
+            <a:lnRef idx="2">
+              <a:schemeClr val="accent1">
+                <a:shade val="15000"/>
+              </a:schemeClr>
+            </a:lnRef>
+            <a:fillRef idx="1">
+              <a:schemeClr val="accent1"/>
+            </a:fillRef>
+            <a:effectRef idx="0">
+              <a:schemeClr val="accent1"/>
+            </a:effectRef>
+            <a:fontRef idx="minor">
+              <a:schemeClr val="lt1"/>
+            </a:fontRef>
+          </p:style>
+          <p:txBody>
+            <a:bodyPr lIns="0" rIns="0" rtlCol="0" anchor="ctr"/>
+            <a:lstStyle/>
+            <a:p>
+              <a:pPr algn="ctr"/>
+              <a:r>
+                <a:rPr lang="en-US" sz="700" i="1" dirty="0">
+                  <a:solidFill>
+                    <a:srgbClr val="466C4B"/>
+                  </a:solidFill>
+                  <a:latin typeface="Arial" panose="020B0604020202020204" pitchFamily="34" charset="0"/>
+                  <a:cs typeface="Arial" panose="020B0604020202020204" pitchFamily="34" charset="0"/>
+                </a:rPr>
+                <a:t>large</a:t>
+              </a:r>
+            </a:p>
+          </p:txBody>
+        </p:sp>
+        <p:sp>
+          <p:nvSpPr>
+            <p:cNvPr id="19" name="Rectangle 18">
+              <a:extLst>
+                <a:ext uri="{FF2B5EF4-FFF2-40B4-BE49-F238E27FC236}">
+                  <a16:creationId xmlns:a16="http://schemas.microsoft.com/office/drawing/2014/main" id="{CD867754-E49A-9740-B7BC-0F98B1F469CA}"/>
+                </a:ext>
+              </a:extLst>
+            </p:cNvPr>
+            <p:cNvSpPr/>
+            <p:nvPr/>
+          </p:nvSpPr>
+          <p:spPr>
+            <a:xfrm>
+              <a:off x="1404132" y="3121540"/>
+              <a:ext cx="274320" cy="278282"/>
+            </a:xfrm>
+            <a:prstGeom prst="rect">
+              <a:avLst/>
+            </a:prstGeom>
+            <a:noFill/>
+            <a:ln>
+              <a:noFill/>
+            </a:ln>
+          </p:spPr>
+          <p:style>
+            <a:lnRef idx="2">
+              <a:schemeClr val="accent1">
+                <a:shade val="15000"/>
+              </a:schemeClr>
+            </a:lnRef>
+            <a:fillRef idx="1">
+              <a:schemeClr val="accent1"/>
+            </a:fillRef>
+            <a:effectRef idx="0">
+              <a:schemeClr val="accent1"/>
+            </a:effectRef>
+            <a:fontRef idx="minor">
+              <a:schemeClr val="lt1"/>
+            </a:fontRef>
+          </p:style>
+          <p:txBody>
+            <a:bodyPr lIns="0" rIns="0" rtlCol="0" anchor="ctr"/>
+            <a:lstStyle/>
+            <a:p>
+              <a:pPr algn="ctr"/>
+              <a:r>
+                <a:rPr lang="en-US" sz="700" i="1" dirty="0">
+                  <a:solidFill>
+                    <a:srgbClr val="466C4B"/>
+                  </a:solidFill>
+                  <a:latin typeface="Arial" panose="020B0604020202020204" pitchFamily="34" charset="0"/>
+                  <a:cs typeface="Arial" panose="020B0604020202020204" pitchFamily="34" charset="0"/>
+                </a:rPr>
+                <a:t>large</a:t>
+              </a:r>
+            </a:p>
+          </p:txBody>
+        </p:sp>
+        <p:sp>
+          <p:nvSpPr>
+            <p:cNvPr id="20" name="Rectangle 19">
+              <a:extLst>
+                <a:ext uri="{FF2B5EF4-FFF2-40B4-BE49-F238E27FC236}">
+                  <a16:creationId xmlns:a16="http://schemas.microsoft.com/office/drawing/2014/main" id="{6FFD334E-BB50-B7AD-A909-405ACB25FA7E}"/>
+                </a:ext>
+              </a:extLst>
+            </p:cNvPr>
+            <p:cNvSpPr/>
+            <p:nvPr/>
+          </p:nvSpPr>
+          <p:spPr>
+            <a:xfrm>
+              <a:off x="1371087" y="3495583"/>
+              <a:ext cx="274320" cy="278282"/>
+            </a:xfrm>
+            <a:prstGeom prst="rect">
+              <a:avLst/>
+            </a:prstGeom>
+            <a:noFill/>
+            <a:ln>
+              <a:noFill/>
+            </a:ln>
+          </p:spPr>
+          <p:style>
+            <a:lnRef idx="2">
+              <a:schemeClr val="accent1">
+                <a:shade val="15000"/>
+              </a:schemeClr>
+            </a:lnRef>
+            <a:fillRef idx="1">
+              <a:schemeClr val="accent1"/>
+            </a:fillRef>
+            <a:effectRef idx="0">
+              <a:schemeClr val="accent1"/>
+            </a:effectRef>
+            <a:fontRef idx="minor">
+              <a:schemeClr val="lt1"/>
+            </a:fontRef>
+          </p:style>
+          <p:txBody>
+            <a:bodyPr lIns="0" rIns="0" rtlCol="0" anchor="ctr"/>
+            <a:lstStyle/>
+            <a:p>
+              <a:pPr algn="ctr"/>
+              <a:r>
+                <a:rPr lang="en-US" sz="700" i="1" dirty="0">
+                  <a:solidFill>
+                    <a:srgbClr val="90719F"/>
+                  </a:solidFill>
+                  <a:latin typeface="Arial" panose="020B0604020202020204" pitchFamily="34" charset="0"/>
+                  <a:cs typeface="Arial" panose="020B0604020202020204" pitchFamily="34" charset="0"/>
+                </a:rPr>
+                <a:t>small</a:t>
+              </a:r>
+            </a:p>
+          </p:txBody>
+        </p:sp>
+        <p:sp>
+          <p:nvSpPr>
+            <p:cNvPr id="21" name="Rectangle 20">
+              <a:extLst>
+                <a:ext uri="{FF2B5EF4-FFF2-40B4-BE49-F238E27FC236}">
+                  <a16:creationId xmlns:a16="http://schemas.microsoft.com/office/drawing/2014/main" id="{9B4C3943-4DE7-B549-9449-35A5614AB915}"/>
+                </a:ext>
+              </a:extLst>
+            </p:cNvPr>
+            <p:cNvSpPr/>
+            <p:nvPr/>
+          </p:nvSpPr>
+          <p:spPr>
+            <a:xfrm>
+              <a:off x="271659" y="3832301"/>
+              <a:ext cx="654711" cy="278282"/>
+            </a:xfrm>
+            <a:prstGeom prst="rect">
+              <a:avLst/>
+            </a:prstGeom>
+            <a:noFill/>
+            <a:ln>
+              <a:noFill/>
+            </a:ln>
+          </p:spPr>
+          <p:style>
+            <a:lnRef idx="2">
+              <a:schemeClr val="accent1">
+                <a:shade val="15000"/>
+              </a:schemeClr>
+            </a:lnRef>
+            <a:fillRef idx="1">
+              <a:schemeClr val="accent1"/>
+            </a:fillRef>
+            <a:effectRef idx="0">
+              <a:schemeClr val="accent1"/>
+            </a:effectRef>
+            <a:fontRef idx="minor">
+              <a:schemeClr val="lt1"/>
+            </a:fontRef>
+          </p:style>
+          <p:txBody>
+            <a:bodyPr lIns="0" rIns="0" rtlCol="0" anchor="ctr"/>
+            <a:lstStyle/>
+            <a:p>
+              <a:pPr algn="ctr"/>
+              <a:r>
+                <a:rPr lang="en-US" sz="700" i="1" dirty="0">
+                  <a:solidFill>
+                    <a:srgbClr val="466C4B"/>
+                  </a:solidFill>
+                  <a:latin typeface="Arial" panose="020B0604020202020204" pitchFamily="34" charset="0"/>
+                  <a:cs typeface="Arial" panose="020B0604020202020204" pitchFamily="34" charset="0"/>
+                </a:rPr>
+                <a:t>open</a:t>
+              </a:r>
+            </a:p>
+          </p:txBody>
+        </p:sp>
+        <p:sp>
+          <p:nvSpPr>
+            <p:cNvPr id="22" name="Rectangle 21">
+              <a:extLst>
+                <a:ext uri="{FF2B5EF4-FFF2-40B4-BE49-F238E27FC236}">
+                  <a16:creationId xmlns:a16="http://schemas.microsoft.com/office/drawing/2014/main" id="{CA3FF400-64A3-CDDD-A40A-E1F9472F63B2}"/>
+                </a:ext>
+              </a:extLst>
+            </p:cNvPr>
+            <p:cNvSpPr/>
+            <p:nvPr/>
+          </p:nvSpPr>
+          <p:spPr>
+            <a:xfrm>
+              <a:off x="442805" y="4437762"/>
+              <a:ext cx="274320" cy="278282"/>
+            </a:xfrm>
+            <a:prstGeom prst="rect">
+              <a:avLst/>
+            </a:prstGeom>
+            <a:noFill/>
+            <a:ln>
+              <a:noFill/>
+            </a:ln>
+          </p:spPr>
+          <p:style>
+            <a:lnRef idx="2">
+              <a:schemeClr val="accent1">
+                <a:shade val="15000"/>
+              </a:schemeClr>
+            </a:lnRef>
+            <a:fillRef idx="1">
+              <a:schemeClr val="accent1"/>
+            </a:fillRef>
+            <a:effectRef idx="0">
+              <a:schemeClr val="accent1"/>
+            </a:effectRef>
+            <a:fontRef idx="minor">
+              <a:schemeClr val="lt1"/>
+            </a:fontRef>
+          </p:style>
+          <p:txBody>
+            <a:bodyPr lIns="0" rIns="0" rtlCol="0" anchor="ctr"/>
+            <a:lstStyle/>
+            <a:p>
+              <a:pPr algn="ctr"/>
+              <a:r>
+                <a:rPr lang="en-US" sz="700" i="1" dirty="0">
+                  <a:solidFill>
+                    <a:srgbClr val="466C4B"/>
+                  </a:solidFill>
+                  <a:latin typeface="Arial" panose="020B0604020202020204" pitchFamily="34" charset="0"/>
+                  <a:cs typeface="Arial" panose="020B0604020202020204" pitchFamily="34" charset="0"/>
+                </a:rPr>
+                <a:t>60°</a:t>
+              </a:r>
+            </a:p>
+          </p:txBody>
+        </p:sp>
+        <p:sp>
+          <p:nvSpPr>
+            <p:cNvPr id="23" name="Rectangle 22">
+              <a:extLst>
+                <a:ext uri="{FF2B5EF4-FFF2-40B4-BE49-F238E27FC236}">
+                  <a16:creationId xmlns:a16="http://schemas.microsoft.com/office/drawing/2014/main" id="{679C0314-8580-62FC-BE49-53CC7B781198}"/>
+                </a:ext>
+              </a:extLst>
+            </p:cNvPr>
+            <p:cNvSpPr/>
+            <p:nvPr/>
+          </p:nvSpPr>
+          <p:spPr>
+            <a:xfrm>
+              <a:off x="461854" y="4713873"/>
+              <a:ext cx="274320" cy="278282"/>
+            </a:xfrm>
+            <a:prstGeom prst="rect">
+              <a:avLst/>
+            </a:prstGeom>
+            <a:noFill/>
+            <a:ln>
+              <a:noFill/>
+            </a:ln>
+          </p:spPr>
+          <p:style>
+            <a:lnRef idx="2">
+              <a:schemeClr val="accent1">
+                <a:shade val="15000"/>
+              </a:schemeClr>
+            </a:lnRef>
+            <a:fillRef idx="1">
+              <a:schemeClr val="accent1"/>
+            </a:fillRef>
+            <a:effectRef idx="0">
+              <a:schemeClr val="accent1"/>
+            </a:effectRef>
+            <a:fontRef idx="minor">
+              <a:schemeClr val="lt1"/>
+            </a:fontRef>
+          </p:style>
+          <p:txBody>
+            <a:bodyPr lIns="0" rIns="0" rtlCol="0" anchor="ctr"/>
+            <a:lstStyle/>
+            <a:p>
+              <a:pPr algn="ctr"/>
+              <a:r>
+                <a:rPr lang="en-US" sz="700" i="1" dirty="0">
+                  <a:solidFill>
+                    <a:srgbClr val="90719F"/>
+                  </a:solidFill>
+                  <a:latin typeface="Arial" panose="020B0604020202020204" pitchFamily="34" charset="0"/>
+                  <a:cs typeface="Arial" panose="020B0604020202020204" pitchFamily="34" charset="0"/>
+                </a:rPr>
+                <a:t>20°</a:t>
+              </a:r>
+            </a:p>
+          </p:txBody>
+        </p:sp>
+        <p:sp>
+          <p:nvSpPr>
+            <p:cNvPr id="24" name="Rectangle 23">
+              <a:extLst>
+                <a:ext uri="{FF2B5EF4-FFF2-40B4-BE49-F238E27FC236}">
+                  <a16:creationId xmlns:a16="http://schemas.microsoft.com/office/drawing/2014/main" id="{00997A98-4F03-CB1D-245B-26A736E82F65}"/>
+                </a:ext>
+              </a:extLst>
+            </p:cNvPr>
+            <p:cNvSpPr/>
+            <p:nvPr/>
+          </p:nvSpPr>
+          <p:spPr>
+            <a:xfrm>
+              <a:off x="1262716" y="4904246"/>
+              <a:ext cx="274320" cy="278282"/>
+            </a:xfrm>
+            <a:prstGeom prst="rect">
+              <a:avLst/>
+            </a:prstGeom>
+            <a:noFill/>
+            <a:ln>
+              <a:noFill/>
+            </a:ln>
+          </p:spPr>
+          <p:style>
+            <a:lnRef idx="2">
+              <a:schemeClr val="accent1">
+                <a:shade val="15000"/>
+              </a:schemeClr>
+            </a:lnRef>
+            <a:fillRef idx="1">
+              <a:schemeClr val="accent1"/>
+            </a:fillRef>
+            <a:effectRef idx="0">
+              <a:schemeClr val="accent1"/>
+            </a:effectRef>
+            <a:fontRef idx="minor">
+              <a:schemeClr val="lt1"/>
+            </a:fontRef>
+          </p:style>
+          <p:txBody>
+            <a:bodyPr lIns="0" rIns="0" rtlCol="0" anchor="ctr"/>
+            <a:lstStyle/>
+            <a:p>
+              <a:pPr algn="ctr"/>
+              <a:r>
+                <a:rPr lang="en-US" sz="700" i="1" dirty="0">
+                  <a:solidFill>
+                    <a:srgbClr val="90719F"/>
+                  </a:solidFill>
+                  <a:latin typeface="Arial" panose="020B0604020202020204" pitchFamily="34" charset="0"/>
+                  <a:cs typeface="Arial" panose="020B0604020202020204" pitchFamily="34" charset="0"/>
+                </a:rPr>
+                <a:t>20°</a:t>
+              </a:r>
+            </a:p>
+          </p:txBody>
+        </p:sp>
+        <p:sp>
+          <p:nvSpPr>
+            <p:cNvPr id="25" name="Rectangle 24">
+              <a:extLst>
+                <a:ext uri="{FF2B5EF4-FFF2-40B4-BE49-F238E27FC236}">
+                  <a16:creationId xmlns:a16="http://schemas.microsoft.com/office/drawing/2014/main" id="{E28F6693-C8A6-61BE-EEF0-E2D69C3917C5}"/>
+                </a:ext>
+              </a:extLst>
+            </p:cNvPr>
+            <p:cNvSpPr/>
+            <p:nvPr/>
+          </p:nvSpPr>
+          <p:spPr>
+            <a:xfrm>
+              <a:off x="1224183" y="5168654"/>
+              <a:ext cx="274320" cy="278282"/>
+            </a:xfrm>
+            <a:prstGeom prst="rect">
+              <a:avLst/>
+            </a:prstGeom>
+            <a:noFill/>
+            <a:ln>
+              <a:noFill/>
+            </a:ln>
+          </p:spPr>
+          <p:style>
+            <a:lnRef idx="2">
+              <a:schemeClr val="accent1">
+                <a:shade val="15000"/>
+              </a:schemeClr>
+            </a:lnRef>
+            <a:fillRef idx="1">
+              <a:schemeClr val="accent1"/>
+            </a:fillRef>
+            <a:effectRef idx="0">
+              <a:schemeClr val="accent1"/>
+            </a:effectRef>
+            <a:fontRef idx="minor">
+              <a:schemeClr val="lt1"/>
+            </a:fontRef>
+          </p:style>
+          <p:txBody>
+            <a:bodyPr lIns="0" rIns="0" rtlCol="0" anchor="ctr"/>
+            <a:lstStyle/>
+            <a:p>
+              <a:pPr algn="ctr"/>
+              <a:r>
+                <a:rPr lang="en-US" sz="700" i="1" dirty="0">
+                  <a:solidFill>
+                    <a:srgbClr val="466C4B"/>
+                  </a:solidFill>
+                  <a:latin typeface="Arial" panose="020B0604020202020204" pitchFamily="34" charset="0"/>
+                  <a:cs typeface="Arial" panose="020B0604020202020204" pitchFamily="34" charset="0"/>
+                </a:rPr>
+                <a:t>60°</a:t>
+              </a:r>
+            </a:p>
+          </p:txBody>
+        </p:sp>
+        <p:sp>
+          <p:nvSpPr>
+            <p:cNvPr id="26" name="Rectangle 25">
+              <a:extLst>
+                <a:ext uri="{FF2B5EF4-FFF2-40B4-BE49-F238E27FC236}">
+                  <a16:creationId xmlns:a16="http://schemas.microsoft.com/office/drawing/2014/main" id="{416592E7-37C5-84CB-6586-2E17B837674A}"/>
+                </a:ext>
+              </a:extLst>
+            </p:cNvPr>
+            <p:cNvSpPr/>
+            <p:nvPr/>
+          </p:nvSpPr>
+          <p:spPr>
+            <a:xfrm>
+              <a:off x="545297" y="5496144"/>
+              <a:ext cx="274320" cy="278282"/>
+            </a:xfrm>
+            <a:prstGeom prst="rect">
+              <a:avLst/>
+            </a:prstGeom>
+            <a:noFill/>
+            <a:ln>
+              <a:noFill/>
+            </a:ln>
+          </p:spPr>
+          <p:style>
+            <a:lnRef idx="2">
+              <a:schemeClr val="accent1">
+                <a:shade val="15000"/>
+              </a:schemeClr>
+            </a:lnRef>
+            <a:fillRef idx="1">
+              <a:schemeClr val="accent1"/>
+            </a:fillRef>
+            <a:effectRef idx="0">
+              <a:schemeClr val="accent1"/>
+            </a:effectRef>
+            <a:fontRef idx="minor">
+              <a:schemeClr val="lt1"/>
+            </a:fontRef>
+          </p:style>
+          <p:txBody>
+            <a:bodyPr lIns="0" rIns="0" rtlCol="0" anchor="ctr"/>
+            <a:lstStyle/>
+            <a:p>
+              <a:pPr algn="ctr"/>
+              <a:r>
+                <a:rPr lang="en-US" sz="700" i="1" dirty="0">
+                  <a:solidFill>
+                    <a:srgbClr val="90719F"/>
+                  </a:solidFill>
+                  <a:latin typeface="Arial" panose="020B0604020202020204" pitchFamily="34" charset="0"/>
+                  <a:cs typeface="Arial" panose="020B0604020202020204" pitchFamily="34" charset="0"/>
+                </a:rPr>
+                <a:t>low</a:t>
+              </a:r>
+            </a:p>
+          </p:txBody>
+        </p:sp>
+        <p:sp>
+          <p:nvSpPr>
+            <p:cNvPr id="27" name="Rectangle 26">
+              <a:extLst>
+                <a:ext uri="{FF2B5EF4-FFF2-40B4-BE49-F238E27FC236}">
+                  <a16:creationId xmlns:a16="http://schemas.microsoft.com/office/drawing/2014/main" id="{8CA0D983-2EC9-6F97-975C-D2B282BF25AE}"/>
+                </a:ext>
+              </a:extLst>
+            </p:cNvPr>
+            <p:cNvSpPr/>
+            <p:nvPr/>
+          </p:nvSpPr>
+          <p:spPr>
+            <a:xfrm>
+              <a:off x="612064" y="5702744"/>
+              <a:ext cx="274320" cy="278282"/>
+            </a:xfrm>
+            <a:prstGeom prst="rect">
+              <a:avLst/>
+            </a:prstGeom>
+            <a:noFill/>
+            <a:ln>
+              <a:noFill/>
+            </a:ln>
+          </p:spPr>
+          <p:style>
+            <a:lnRef idx="2">
+              <a:schemeClr val="accent1">
+                <a:shade val="15000"/>
+              </a:schemeClr>
+            </a:lnRef>
+            <a:fillRef idx="1">
+              <a:schemeClr val="accent1"/>
+            </a:fillRef>
+            <a:effectRef idx="0">
+              <a:schemeClr val="accent1"/>
+            </a:effectRef>
+            <a:fontRef idx="minor">
+              <a:schemeClr val="lt1"/>
+            </a:fontRef>
+          </p:style>
+          <p:txBody>
+            <a:bodyPr lIns="0" rIns="0" rtlCol="0" anchor="ctr"/>
+            <a:lstStyle/>
+            <a:p>
+              <a:pPr algn="ctr"/>
+              <a:r>
+                <a:rPr lang="en-US" sz="700" i="1" dirty="0">
+                  <a:solidFill>
+                    <a:srgbClr val="466C4B"/>
+                  </a:solidFill>
+                  <a:latin typeface="Arial" panose="020B0604020202020204" pitchFamily="34" charset="0"/>
+                  <a:cs typeface="Arial" panose="020B0604020202020204" pitchFamily="34" charset="0"/>
+                </a:rPr>
+                <a:t>high</a:t>
+              </a:r>
+            </a:p>
+          </p:txBody>
+        </p:sp>
+        <p:sp>
+          <p:nvSpPr>
+            <p:cNvPr id="28" name="Rectangle 27">
+              <a:extLst>
+                <a:ext uri="{FF2B5EF4-FFF2-40B4-BE49-F238E27FC236}">
+                  <a16:creationId xmlns:a16="http://schemas.microsoft.com/office/drawing/2014/main" id="{CE15995B-2AF3-EC5C-FD94-AF4C9457FC1D}"/>
+                </a:ext>
+              </a:extLst>
+            </p:cNvPr>
+            <p:cNvSpPr/>
+            <p:nvPr/>
+          </p:nvSpPr>
+          <p:spPr>
+            <a:xfrm>
+              <a:off x="1386236" y="5981026"/>
+              <a:ext cx="274320" cy="278282"/>
+            </a:xfrm>
+            <a:prstGeom prst="rect">
+              <a:avLst/>
+            </a:prstGeom>
+            <a:noFill/>
+            <a:ln>
+              <a:noFill/>
+            </a:ln>
+          </p:spPr>
+          <p:style>
+            <a:lnRef idx="2">
+              <a:schemeClr val="accent1">
+                <a:shade val="15000"/>
+              </a:schemeClr>
+            </a:lnRef>
+            <a:fillRef idx="1">
+              <a:schemeClr val="accent1"/>
+            </a:fillRef>
+            <a:effectRef idx="0">
+              <a:schemeClr val="accent1"/>
+            </a:effectRef>
+            <a:fontRef idx="minor">
+              <a:schemeClr val="lt1"/>
+            </a:fontRef>
+          </p:style>
+          <p:txBody>
+            <a:bodyPr lIns="0" rIns="0" rtlCol="0" anchor="ctr"/>
+            <a:lstStyle/>
+            <a:p>
+              <a:pPr algn="ctr"/>
+              <a:r>
+                <a:rPr lang="en-US" sz="700" i="1" dirty="0">
+                  <a:solidFill>
+                    <a:srgbClr val="90719F"/>
+                  </a:solidFill>
+                  <a:latin typeface="Arial" panose="020B0604020202020204" pitchFamily="34" charset="0"/>
+                  <a:cs typeface="Arial" panose="020B0604020202020204" pitchFamily="34" charset="0"/>
+                </a:rPr>
+                <a:t>low</a:t>
+              </a:r>
+            </a:p>
+          </p:txBody>
+        </p:sp>
+        <p:sp>
+          <p:nvSpPr>
+            <p:cNvPr id="29" name="Rectangle 28">
+              <a:extLst>
+                <a:ext uri="{FF2B5EF4-FFF2-40B4-BE49-F238E27FC236}">
+                  <a16:creationId xmlns:a16="http://schemas.microsoft.com/office/drawing/2014/main" id="{38D92A6B-2E08-0E8F-D566-FAD15B7E8667}"/>
+                </a:ext>
+              </a:extLst>
+            </p:cNvPr>
+            <p:cNvSpPr/>
+            <p:nvPr/>
+          </p:nvSpPr>
+          <p:spPr>
+            <a:xfrm>
+              <a:off x="1253508" y="5646692"/>
+              <a:ext cx="274320" cy="278282"/>
+            </a:xfrm>
+            <a:prstGeom prst="rect">
+              <a:avLst/>
+            </a:prstGeom>
+            <a:noFill/>
+            <a:ln>
+              <a:noFill/>
+            </a:ln>
+          </p:spPr>
+          <p:style>
+            <a:lnRef idx="2">
+              <a:schemeClr val="accent1">
+                <a:shade val="15000"/>
+              </a:schemeClr>
+            </a:lnRef>
+            <a:fillRef idx="1">
+              <a:schemeClr val="accent1"/>
+            </a:fillRef>
+            <a:effectRef idx="0">
+              <a:schemeClr val="accent1"/>
+            </a:effectRef>
+            <a:fontRef idx="minor">
+              <a:schemeClr val="lt1"/>
+            </a:fontRef>
+          </p:style>
+          <p:txBody>
+            <a:bodyPr lIns="0" rIns="0" rtlCol="0" anchor="ctr"/>
+            <a:lstStyle/>
+            <a:p>
+              <a:pPr algn="ctr"/>
+              <a:r>
+                <a:rPr lang="en-US" sz="700" i="1" dirty="0">
+                  <a:solidFill>
+                    <a:srgbClr val="466C4B"/>
+                  </a:solidFill>
+                  <a:latin typeface="Arial" panose="020B0604020202020204" pitchFamily="34" charset="0"/>
+                  <a:cs typeface="Arial" panose="020B0604020202020204" pitchFamily="34" charset="0"/>
+                </a:rPr>
+                <a:t>high</a:t>
+              </a:r>
+            </a:p>
+          </p:txBody>
+        </p:sp>
+        <p:sp>
+          <p:nvSpPr>
+            <p:cNvPr id="30" name="Rectangle 29">
+              <a:extLst>
+                <a:ext uri="{FF2B5EF4-FFF2-40B4-BE49-F238E27FC236}">
+                  <a16:creationId xmlns:a16="http://schemas.microsoft.com/office/drawing/2014/main" id="{2658A9E1-2979-6BE7-D274-BE1F2CF503C4}"/>
+                </a:ext>
+              </a:extLst>
+            </p:cNvPr>
+            <p:cNvSpPr/>
+            <p:nvPr/>
+          </p:nvSpPr>
+          <p:spPr>
+            <a:xfrm>
+              <a:off x="287153" y="2141911"/>
+              <a:ext cx="654711" cy="278282"/>
+            </a:xfrm>
+            <a:prstGeom prst="rect">
+              <a:avLst/>
+            </a:prstGeom>
+            <a:noFill/>
+            <a:ln>
+              <a:noFill/>
+            </a:ln>
+          </p:spPr>
+          <p:style>
+            <a:lnRef idx="2">
+              <a:schemeClr val="accent1">
+                <a:shade val="15000"/>
+              </a:schemeClr>
+            </a:lnRef>
+            <a:fillRef idx="1">
+              <a:schemeClr val="accent1"/>
+            </a:fillRef>
+            <a:effectRef idx="0">
+              <a:schemeClr val="accent1"/>
+            </a:effectRef>
+            <a:fontRef idx="minor">
+              <a:schemeClr val="lt1"/>
+            </a:fontRef>
+          </p:style>
+          <p:txBody>
+            <a:bodyPr lIns="0" rIns="0" rtlCol="0" anchor="ctr"/>
+            <a:lstStyle/>
+            <a:p>
+              <a:pPr algn="ctr"/>
+              <a:r>
+                <a:rPr lang="en-US" sz="700" i="1" dirty="0">
+                  <a:solidFill>
+                    <a:srgbClr val="90719F"/>
+                  </a:solidFill>
+                  <a:latin typeface="Arial" panose="020B0604020202020204" pitchFamily="34" charset="0"/>
+                  <a:cs typeface="Arial" panose="020B0604020202020204" pitchFamily="34" charset="0"/>
+                </a:rPr>
+                <a:t>sedentary</a:t>
+              </a:r>
+            </a:p>
+          </p:txBody>
+        </p:sp>
+        <p:sp>
+          <p:nvSpPr>
+            <p:cNvPr id="31" name="Rectangle 30">
+              <a:extLst>
+                <a:ext uri="{FF2B5EF4-FFF2-40B4-BE49-F238E27FC236}">
+                  <a16:creationId xmlns:a16="http://schemas.microsoft.com/office/drawing/2014/main" id="{08F508E1-D55D-1BAD-EE07-416721C4FD69}"/>
+                </a:ext>
+              </a:extLst>
+            </p:cNvPr>
+            <p:cNvSpPr/>
+            <p:nvPr/>
+          </p:nvSpPr>
+          <p:spPr>
+            <a:xfrm>
+              <a:off x="537184" y="1956966"/>
+              <a:ext cx="654711" cy="278282"/>
+            </a:xfrm>
+            <a:prstGeom prst="rect">
+              <a:avLst/>
+            </a:prstGeom>
+            <a:noFill/>
+            <a:ln>
+              <a:noFill/>
+            </a:ln>
+          </p:spPr>
+          <p:style>
+            <a:lnRef idx="2">
+              <a:schemeClr val="accent1">
+                <a:shade val="15000"/>
+              </a:schemeClr>
+            </a:lnRef>
+            <a:fillRef idx="1">
+              <a:schemeClr val="accent1"/>
+            </a:fillRef>
+            <a:effectRef idx="0">
+              <a:schemeClr val="accent1"/>
+            </a:effectRef>
+            <a:fontRef idx="minor">
+              <a:schemeClr val="lt1"/>
+            </a:fontRef>
+          </p:style>
+          <p:txBody>
+            <a:bodyPr lIns="0" rIns="0" rtlCol="0" anchor="ctr"/>
+            <a:lstStyle/>
+            <a:p>
+              <a:pPr algn="ctr"/>
+              <a:r>
+                <a:rPr lang="en-US" sz="700" i="1" dirty="0">
+                  <a:solidFill>
+                    <a:srgbClr val="466C4B"/>
+                  </a:solidFill>
+                  <a:latin typeface="Arial" panose="020B0604020202020204" pitchFamily="34" charset="0"/>
+                  <a:cs typeface="Arial" panose="020B0604020202020204" pitchFamily="34" charset="0"/>
+                </a:rPr>
+                <a:t>migrant</a:t>
+              </a:r>
+            </a:p>
+          </p:txBody>
+        </p:sp>
+        <p:sp>
+          <p:nvSpPr>
+            <p:cNvPr id="32" name="Rectangle 31">
+              <a:extLst>
+                <a:ext uri="{FF2B5EF4-FFF2-40B4-BE49-F238E27FC236}">
+                  <a16:creationId xmlns:a16="http://schemas.microsoft.com/office/drawing/2014/main" id="{4C6069F3-D522-45EB-52DF-0949AEC8255F}"/>
+                </a:ext>
+              </a:extLst>
+            </p:cNvPr>
+            <p:cNvSpPr/>
+            <p:nvPr/>
+          </p:nvSpPr>
+          <p:spPr>
+            <a:xfrm>
+              <a:off x="1236870" y="2539421"/>
+              <a:ext cx="654711" cy="278282"/>
+            </a:xfrm>
+            <a:prstGeom prst="rect">
+              <a:avLst/>
+            </a:prstGeom>
+            <a:noFill/>
+            <a:ln>
+              <a:noFill/>
+            </a:ln>
+          </p:spPr>
+          <p:style>
+            <a:lnRef idx="2">
+              <a:schemeClr val="accent1">
+                <a:shade val="15000"/>
+              </a:schemeClr>
+            </a:lnRef>
+            <a:fillRef idx="1">
+              <a:schemeClr val="accent1"/>
+            </a:fillRef>
+            <a:effectRef idx="0">
+              <a:schemeClr val="accent1"/>
+            </a:effectRef>
+            <a:fontRef idx="minor">
+              <a:schemeClr val="lt1"/>
+            </a:fontRef>
+          </p:style>
+          <p:txBody>
+            <a:bodyPr lIns="0" rIns="0" rtlCol="0" anchor="ctr"/>
+            <a:lstStyle/>
+            <a:p>
+              <a:pPr algn="ctr"/>
+              <a:r>
+                <a:rPr lang="en-US" sz="700" i="1" dirty="0">
+                  <a:solidFill>
+                    <a:srgbClr val="90719F"/>
+                  </a:solidFill>
+                  <a:latin typeface="Arial" panose="020B0604020202020204" pitchFamily="34" charset="0"/>
+                  <a:cs typeface="Arial" panose="020B0604020202020204" pitchFamily="34" charset="0"/>
+                </a:rPr>
+                <a:t>sedentary</a:t>
+              </a:r>
+            </a:p>
+          </p:txBody>
+        </p:sp>
+        <p:sp>
+          <p:nvSpPr>
+            <p:cNvPr id="33" name="Rectangle 32">
+              <a:extLst>
+                <a:ext uri="{FF2B5EF4-FFF2-40B4-BE49-F238E27FC236}">
+                  <a16:creationId xmlns:a16="http://schemas.microsoft.com/office/drawing/2014/main" id="{FBB99BD6-4962-146C-906B-04CF564C0E59}"/>
+                </a:ext>
+              </a:extLst>
+            </p:cNvPr>
+            <p:cNvSpPr/>
+            <p:nvPr/>
+          </p:nvSpPr>
+          <p:spPr>
+            <a:xfrm>
+              <a:off x="1371087" y="2264903"/>
+              <a:ext cx="654711" cy="278282"/>
+            </a:xfrm>
+            <a:prstGeom prst="rect">
+              <a:avLst/>
+            </a:prstGeom>
+            <a:noFill/>
+            <a:ln>
+              <a:noFill/>
+            </a:ln>
+          </p:spPr>
+          <p:style>
+            <a:lnRef idx="2">
+              <a:schemeClr val="accent1">
+                <a:shade val="15000"/>
+              </a:schemeClr>
+            </a:lnRef>
+            <a:fillRef idx="1">
+              <a:schemeClr val="accent1"/>
+            </a:fillRef>
+            <a:effectRef idx="0">
+              <a:schemeClr val="accent1"/>
+            </a:effectRef>
+            <a:fontRef idx="minor">
+              <a:schemeClr val="lt1"/>
+            </a:fontRef>
+          </p:style>
+          <p:txBody>
+            <a:bodyPr lIns="0" rIns="0" rtlCol="0" anchor="ctr"/>
+            <a:lstStyle/>
+            <a:p>
+              <a:pPr algn="ctr"/>
+              <a:r>
+                <a:rPr lang="en-US" sz="700" i="1" dirty="0">
+                  <a:solidFill>
+                    <a:srgbClr val="466C4B"/>
+                  </a:solidFill>
+                  <a:latin typeface="Arial" panose="020B0604020202020204" pitchFamily="34" charset="0"/>
+                  <a:cs typeface="Arial" panose="020B0604020202020204" pitchFamily="34" charset="0"/>
+                </a:rPr>
+                <a:t>migrant</a:t>
+              </a:r>
+            </a:p>
+          </p:txBody>
+        </p:sp>
+        <p:sp>
+          <p:nvSpPr>
+            <p:cNvPr id="34" name="Rectangle 33">
+              <a:extLst>
+                <a:ext uri="{FF2B5EF4-FFF2-40B4-BE49-F238E27FC236}">
+                  <a16:creationId xmlns:a16="http://schemas.microsoft.com/office/drawing/2014/main" id="{137FBA8C-44D5-922F-0D9F-1323AB3AE805}"/>
+                </a:ext>
+              </a:extLst>
+            </p:cNvPr>
+            <p:cNvSpPr/>
+            <p:nvPr/>
+          </p:nvSpPr>
+          <p:spPr>
+            <a:xfrm>
+              <a:off x="571346" y="3675002"/>
+              <a:ext cx="654711" cy="278282"/>
+            </a:xfrm>
+            <a:prstGeom prst="rect">
+              <a:avLst/>
+            </a:prstGeom>
+            <a:noFill/>
+            <a:ln>
+              <a:noFill/>
+            </a:ln>
+          </p:spPr>
+          <p:style>
+            <a:lnRef idx="2">
+              <a:schemeClr val="accent1">
+                <a:shade val="15000"/>
+              </a:schemeClr>
+            </a:lnRef>
+            <a:fillRef idx="1">
+              <a:schemeClr val="accent1"/>
+            </a:fillRef>
+            <a:effectRef idx="0">
+              <a:schemeClr val="accent1"/>
+            </a:effectRef>
+            <a:fontRef idx="minor">
+              <a:schemeClr val="lt1"/>
+            </a:fontRef>
+          </p:style>
+          <p:txBody>
+            <a:bodyPr lIns="0" rIns="0" rtlCol="0" anchor="ctr"/>
+            <a:lstStyle/>
+            <a:p>
+              <a:pPr algn="ctr"/>
+              <a:r>
+                <a:rPr lang="en-US" sz="700" i="1" dirty="0">
+                  <a:solidFill>
+                    <a:srgbClr val="90719F"/>
+                  </a:solidFill>
+                  <a:latin typeface="Arial" panose="020B0604020202020204" pitchFamily="34" charset="0"/>
+                  <a:cs typeface="Arial" panose="020B0604020202020204" pitchFamily="34" charset="0"/>
+                </a:rPr>
+                <a:t>dense</a:t>
+              </a:r>
+            </a:p>
+          </p:txBody>
+        </p:sp>
+        <p:sp>
+          <p:nvSpPr>
+            <p:cNvPr id="35" name="Rectangle 34">
+              <a:extLst>
+                <a:ext uri="{FF2B5EF4-FFF2-40B4-BE49-F238E27FC236}">
+                  <a16:creationId xmlns:a16="http://schemas.microsoft.com/office/drawing/2014/main" id="{C81FC0A0-8EE5-6699-8297-F3FE79356148}"/>
+                </a:ext>
+              </a:extLst>
+            </p:cNvPr>
+            <p:cNvSpPr/>
+            <p:nvPr/>
+          </p:nvSpPr>
+          <p:spPr>
+            <a:xfrm>
+              <a:off x="1368602" y="3988117"/>
+              <a:ext cx="654711" cy="278282"/>
+            </a:xfrm>
+            <a:prstGeom prst="rect">
+              <a:avLst/>
+            </a:prstGeom>
+            <a:noFill/>
+            <a:ln>
+              <a:noFill/>
+            </a:ln>
+          </p:spPr>
+          <p:style>
+            <a:lnRef idx="2">
+              <a:schemeClr val="accent1">
+                <a:shade val="15000"/>
+              </a:schemeClr>
+            </a:lnRef>
+            <a:fillRef idx="1">
+              <a:schemeClr val="accent1"/>
+            </a:fillRef>
+            <a:effectRef idx="0">
+              <a:schemeClr val="accent1"/>
+            </a:effectRef>
+            <a:fontRef idx="minor">
+              <a:schemeClr val="lt1"/>
+            </a:fontRef>
+          </p:style>
+          <p:txBody>
+            <a:bodyPr lIns="0" rIns="0" rtlCol="0" anchor="ctr"/>
+            <a:lstStyle/>
+            <a:p>
+              <a:pPr algn="ctr"/>
+              <a:r>
+                <a:rPr lang="en-US" sz="700" i="1" dirty="0">
+                  <a:solidFill>
+                    <a:srgbClr val="90719F"/>
+                  </a:solidFill>
+                  <a:latin typeface="Arial" panose="020B0604020202020204" pitchFamily="34" charset="0"/>
+                  <a:cs typeface="Arial" panose="020B0604020202020204" pitchFamily="34" charset="0"/>
+                </a:rPr>
+                <a:t>dense</a:t>
+              </a:r>
+            </a:p>
+          </p:txBody>
+        </p:sp>
+        <p:sp>
+          <p:nvSpPr>
+            <p:cNvPr id="36" name="Rectangle 35">
+              <a:extLst>
+                <a:ext uri="{FF2B5EF4-FFF2-40B4-BE49-F238E27FC236}">
+                  <a16:creationId xmlns:a16="http://schemas.microsoft.com/office/drawing/2014/main" id="{C04F89F7-3787-9A63-5670-DFCEFBF7997A}"/>
+                </a:ext>
+              </a:extLst>
+            </p:cNvPr>
+            <p:cNvSpPr/>
+            <p:nvPr/>
+          </p:nvSpPr>
+          <p:spPr>
+            <a:xfrm>
+              <a:off x="1145166" y="4243780"/>
+              <a:ext cx="654711" cy="278282"/>
+            </a:xfrm>
+            <a:prstGeom prst="rect">
+              <a:avLst/>
+            </a:prstGeom>
+            <a:noFill/>
+            <a:ln>
+              <a:noFill/>
+            </a:ln>
+          </p:spPr>
+          <p:style>
+            <a:lnRef idx="2">
+              <a:schemeClr val="accent1">
+                <a:shade val="15000"/>
+              </a:schemeClr>
+            </a:lnRef>
+            <a:fillRef idx="1">
+              <a:schemeClr val="accent1"/>
+            </a:fillRef>
+            <a:effectRef idx="0">
+              <a:schemeClr val="accent1"/>
+            </a:effectRef>
+            <a:fontRef idx="minor">
+              <a:schemeClr val="lt1"/>
+            </a:fontRef>
+          </p:style>
+          <p:txBody>
+            <a:bodyPr lIns="0" rIns="0" rtlCol="0" anchor="ctr"/>
+            <a:lstStyle/>
+            <a:p>
+              <a:pPr algn="ctr"/>
+              <a:r>
+                <a:rPr lang="en-US" sz="700" i="1" dirty="0">
+                  <a:solidFill>
+                    <a:srgbClr val="466C4B"/>
+                  </a:solidFill>
+                  <a:latin typeface="Arial" panose="020B0604020202020204" pitchFamily="34" charset="0"/>
+                  <a:cs typeface="Arial" panose="020B0604020202020204" pitchFamily="34" charset="0"/>
+                </a:rPr>
+                <a:t>open</a:t>
+              </a:r>
+            </a:p>
+          </p:txBody>
+        </p:sp>
+        <p:sp>
+          <p:nvSpPr>
+            <p:cNvPr id="37" name="Rectangle 36">
+              <a:extLst>
+                <a:ext uri="{FF2B5EF4-FFF2-40B4-BE49-F238E27FC236}">
+                  <a16:creationId xmlns:a16="http://schemas.microsoft.com/office/drawing/2014/main" id="{ED4B80E6-1C8E-CB8C-3A10-7481467FC7BF}"/>
+                </a:ext>
+              </a:extLst>
+            </p:cNvPr>
+            <p:cNvSpPr/>
+            <p:nvPr/>
+          </p:nvSpPr>
+          <p:spPr>
+            <a:xfrm>
+              <a:off x="1191895" y="6198907"/>
+              <a:ext cx="777755" cy="27432"/>
+            </a:xfrm>
+            <a:prstGeom prst="rect">
+              <a:avLst/>
+            </a:prstGeom>
+            <a:gradFill>
+              <a:gsLst>
+                <a:gs pos="0">
+                  <a:srgbClr val="24213D"/>
+                </a:gs>
+                <a:gs pos="100000">
+                  <a:srgbClr val="F2DEBB"/>
+                </a:gs>
+              </a:gsLst>
+              <a:lin ang="0" scaled="1"/>
+            </a:gradFill>
+            <a:ln w="0">
+              <a:solidFill>
+                <a:schemeClr val="tx1"/>
+              </a:solidFill>
+              <a:prstDash val="dash"/>
+            </a:ln>
+          </p:spPr>
+          <p:style>
+            <a:lnRef idx="2">
+              <a:schemeClr val="accent1">
+                <a:shade val="15000"/>
+              </a:schemeClr>
+            </a:lnRef>
+            <a:fillRef idx="1">
+              <a:schemeClr val="accent1"/>
+            </a:fillRef>
+            <a:effectRef idx="0">
+              <a:schemeClr val="accent1"/>
+            </a:effectRef>
+            <a:fontRef idx="minor">
+              <a:schemeClr val="lt1"/>
+            </a:fontRef>
+          </p:style>
+          <p:txBody>
+            <a:bodyPr rtlCol="0" anchor="ctr"/>
+            <a:lstStyle/>
+            <a:p>
+              <a:pPr algn="ctr"/>
+              <a:endParaRPr lang="en-US"/>
+            </a:p>
+          </p:txBody>
+        </p:sp>
       </p:grpSp>
-      <p:sp>
-        <p:nvSpPr>
-          <p:cNvPr id="18" name="Rectangle 17">
-            <a:extLst>
-              <a:ext uri="{FF2B5EF4-FFF2-40B4-BE49-F238E27FC236}">
-                <a16:creationId xmlns:a16="http://schemas.microsoft.com/office/drawing/2014/main" id="{1A30C909-7538-5A95-5442-35E8E6A23015}"/>
-              </a:ext>
-            </a:extLst>
-          </p:cNvPr>
-          <p:cNvSpPr/>
-          <p:nvPr/>
-        </p:nvSpPr>
-        <p:spPr>
-          <a:xfrm>
-            <a:off x="1337222" y="73152"/>
-            <a:ext cx="182877" cy="126076"/>
-          </a:xfrm>
-          <a:prstGeom prst="rect">
-            <a:avLst/>
-          </a:prstGeom>
-          <a:noFill/>
-          <a:ln>
-            <a:noFill/>
-          </a:ln>
-        </p:spPr>
-        <p:style>
-          <a:lnRef idx="2">
-            <a:schemeClr val="accent1">
-              <a:shade val="15000"/>
-            </a:schemeClr>
-          </a:lnRef>
-          <a:fillRef idx="1">
-            <a:schemeClr val="accent1"/>
-          </a:fillRef>
-          <a:effectRef idx="0">
-            <a:schemeClr val="accent1"/>
-          </a:effectRef>
-          <a:fontRef idx="minor">
-            <a:schemeClr val="lt1"/>
-          </a:fontRef>
-        </p:style>
-        <p:txBody>
-          <a:bodyPr lIns="0" rIns="0" rtlCol="0" anchor="ctr"/>
-          <a:lstStyle/>
-          <a:p>
-            <a:pPr algn="ctr"/>
-            <a:r>
-              <a:rPr lang="en-US" sz="1000" b="1" dirty="0">
-                <a:solidFill>
-                  <a:schemeClr val="tx1"/>
-                </a:solidFill>
-                <a:latin typeface="Arial" panose="020B0604020202020204" pitchFamily="34" charset="0"/>
-                <a:cs typeface="Arial" panose="020B0604020202020204" pitchFamily="34" charset="0"/>
-              </a:rPr>
-              <a:t>(B)</a:t>
-            </a:r>
-          </a:p>
-        </p:txBody>
-      </p:sp>
-      <p:sp>
-        <p:nvSpPr>
-          <p:cNvPr id="19" name="Rectangle 18">
-            <a:extLst>
-              <a:ext uri="{FF2B5EF4-FFF2-40B4-BE49-F238E27FC236}">
-                <a16:creationId xmlns:a16="http://schemas.microsoft.com/office/drawing/2014/main" id="{1A19C248-609D-90C9-3C35-C389250510B4}"/>
-              </a:ext>
-            </a:extLst>
-          </p:cNvPr>
-          <p:cNvSpPr/>
-          <p:nvPr/>
-        </p:nvSpPr>
-        <p:spPr>
-          <a:xfrm>
-            <a:off x="194026" y="73152"/>
-            <a:ext cx="182877" cy="126076"/>
-          </a:xfrm>
-          <a:prstGeom prst="rect">
-            <a:avLst/>
-          </a:prstGeom>
-          <a:noFill/>
-          <a:ln>
-            <a:noFill/>
-          </a:ln>
-        </p:spPr>
-        <p:style>
-          <a:lnRef idx="2">
-            <a:schemeClr val="accent1">
-              <a:shade val="15000"/>
-            </a:schemeClr>
-          </a:lnRef>
-          <a:fillRef idx="1">
-            <a:schemeClr val="accent1"/>
-          </a:fillRef>
-          <a:effectRef idx="0">
-            <a:schemeClr val="accent1"/>
-          </a:effectRef>
-          <a:fontRef idx="minor">
-            <a:schemeClr val="lt1"/>
-          </a:fontRef>
-        </p:style>
-        <p:txBody>
-          <a:bodyPr lIns="0" rIns="0" rtlCol="0" anchor="ctr"/>
-          <a:lstStyle/>
-          <a:p>
-            <a:pPr algn="ctr"/>
-            <a:r>
-              <a:rPr lang="en-US" sz="1000" b="1" dirty="0">
-                <a:solidFill>
-                  <a:schemeClr val="tx1"/>
-                </a:solidFill>
-                <a:latin typeface="Arial" panose="020B0604020202020204" pitchFamily="34" charset="0"/>
-                <a:cs typeface="Arial" panose="020B0604020202020204" pitchFamily="34" charset="0"/>
-              </a:rPr>
-              <a:t>(A)</a:t>
-            </a:r>
-          </a:p>
-        </p:txBody>
-      </p:sp>
     </p:spTree>
     <p:extLst>
       <p:ext uri="{BB962C8B-B14F-4D97-AF65-F5344CB8AC3E}">
-        <p14:creationId xmlns:p14="http://schemas.microsoft.com/office/powerpoint/2010/main" val="268507922"/>
+        <p14:creationId xmlns:p14="http://schemas.microsoft.com/office/powerpoint/2010/main" val="1898159085"/>
       </p:ext>
     </p:extLst>
   </p:cSld>

--- a/Results/Figures/figure_03.pptx
+++ b/Results/Figures/figure_03.pptx
@@ -7,7 +7,7 @@
   <p:sldIdLst>
     <p:sldId id="256" r:id="rId2"/>
   </p:sldIdLst>
-  <p:sldSz cx="5807075" cy="6629400"/>
+  <p:sldSz cx="5413375" cy="6629400"/>
   <p:notesSz cx="6858000" cy="9144000"/>
   <p:defaultTextStyle>
     <a:defPPr>
@@ -136,15 +136,15 @@
         </p:nvSpPr>
         <p:spPr>
           <a:xfrm>
-            <a:off x="435531" y="1084951"/>
-            <a:ext cx="4936014" cy="2308013"/>
+            <a:off x="406003" y="1084951"/>
+            <a:ext cx="4601369" cy="2308013"/>
           </a:xfrm>
         </p:spPr>
         <p:txBody>
           <a:bodyPr anchor="b"/>
           <a:lstStyle>
             <a:lvl1pPr algn="ctr">
-              <a:defRPr sz="3811"/>
+              <a:defRPr sz="3552"/>
             </a:lvl1pPr>
           </a:lstStyle>
           <a:p>
@@ -168,8 +168,8 @@
         </p:nvSpPr>
         <p:spPr>
           <a:xfrm>
-            <a:off x="725885" y="3481970"/>
-            <a:ext cx="4355306" cy="1600570"/>
+            <a:off x="676672" y="3481970"/>
+            <a:ext cx="4060031" cy="1600570"/>
           </a:xfrm>
         </p:spPr>
         <p:txBody>
@@ -177,39 +177,39 @@
           <a:lstStyle>
             <a:lvl1pPr marL="0" indent="0" algn="ctr">
               <a:buNone/>
-              <a:defRPr sz="1524"/>
+              <a:defRPr sz="1421"/>
             </a:lvl1pPr>
-            <a:lvl2pPr marL="290368" indent="0" algn="ctr">
-              <a:buNone/>
-              <a:defRPr sz="1270"/>
+            <a:lvl2pPr marL="270662" indent="0" algn="ctr">
+              <a:buNone/>
+              <a:defRPr sz="1184"/>
             </a:lvl2pPr>
-            <a:lvl3pPr marL="580735" indent="0" algn="ctr">
-              <a:buNone/>
-              <a:defRPr sz="1143"/>
+            <a:lvl3pPr marL="541325" indent="0" algn="ctr">
+              <a:buNone/>
+              <a:defRPr sz="1066"/>
             </a:lvl3pPr>
-            <a:lvl4pPr marL="871103" indent="0" algn="ctr">
-              <a:buNone/>
-              <a:defRPr sz="1016"/>
+            <a:lvl4pPr marL="811987" indent="0" algn="ctr">
+              <a:buNone/>
+              <a:defRPr sz="947"/>
             </a:lvl4pPr>
-            <a:lvl5pPr marL="1161471" indent="0" algn="ctr">
-              <a:buNone/>
-              <a:defRPr sz="1016"/>
+            <a:lvl5pPr marL="1082650" indent="0" algn="ctr">
+              <a:buNone/>
+              <a:defRPr sz="947"/>
             </a:lvl5pPr>
-            <a:lvl6pPr marL="1451839" indent="0" algn="ctr">
-              <a:buNone/>
-              <a:defRPr sz="1016"/>
+            <a:lvl6pPr marL="1353312" indent="0" algn="ctr">
+              <a:buNone/>
+              <a:defRPr sz="947"/>
             </a:lvl6pPr>
-            <a:lvl7pPr marL="1742206" indent="0" algn="ctr">
-              <a:buNone/>
-              <a:defRPr sz="1016"/>
+            <a:lvl7pPr marL="1623974" indent="0" algn="ctr">
+              <a:buNone/>
+              <a:defRPr sz="947"/>
             </a:lvl7pPr>
-            <a:lvl8pPr marL="2032574" indent="0" algn="ctr">
-              <a:buNone/>
-              <a:defRPr sz="1016"/>
+            <a:lvl8pPr marL="1894637" indent="0" algn="ctr">
+              <a:buNone/>
+              <a:defRPr sz="947"/>
             </a:lvl8pPr>
-            <a:lvl9pPr marL="2322942" indent="0" algn="ctr">
-              <a:buNone/>
-              <a:defRPr sz="1016"/>
+            <a:lvl9pPr marL="2165299" indent="0" algn="ctr">
+              <a:buNone/>
+              <a:defRPr sz="947"/>
             </a:lvl9pPr>
           </a:lstStyle>
           <a:p>
@@ -236,9 +236,9 @@
           <a:bodyPr/>
           <a:lstStyle/>
           <a:p>
-            <a:fld id="{78A29697-F165-478E-A0C1-5FA4ECF85D1F}" type="datetimeFigureOut">
+            <a:fld id="{203FD768-F2AB-40DE-BB72-491B0A6C1715}" type="datetimeFigureOut">
               <a:rPr lang="en-US" smtClean="0"/>
-              <a:t>3/25/2025</a:t>
+              <a:t>4/4/2025</a:t>
             </a:fld>
             <a:endParaRPr lang="en-US"/>
           </a:p>
@@ -278,7 +278,7 @@
           <a:bodyPr/>
           <a:lstStyle/>
           <a:p>
-            <a:fld id="{96F11812-3046-4B5D-8BE9-10793532E127}" type="slidenum">
+            <a:fld id="{15C3981E-201C-482F-9E07-A72C7B9894DE}" type="slidenum">
               <a:rPr lang="en-US" smtClean="0"/>
               <a:t>‹#›</a:t>
             </a:fld>
@@ -289,7 +289,7 @@
     </p:spTree>
     <p:extLst>
       <p:ext uri="{BB962C8B-B14F-4D97-AF65-F5344CB8AC3E}">
-        <p14:creationId xmlns:p14="http://schemas.microsoft.com/office/powerpoint/2010/main" val="1083105408"/>
+        <p14:creationId xmlns:p14="http://schemas.microsoft.com/office/powerpoint/2010/main" val="706527398"/>
       </p:ext>
     </p:extLst>
   </p:cSld>
@@ -406,9 +406,9 @@
           <a:bodyPr/>
           <a:lstStyle/>
           <a:p>
-            <a:fld id="{78A29697-F165-478E-A0C1-5FA4ECF85D1F}" type="datetimeFigureOut">
+            <a:fld id="{203FD768-F2AB-40DE-BB72-491B0A6C1715}" type="datetimeFigureOut">
               <a:rPr lang="en-US" smtClean="0"/>
-              <a:t>3/25/2025</a:t>
+              <a:t>4/4/2025</a:t>
             </a:fld>
             <a:endParaRPr lang="en-US"/>
           </a:p>
@@ -448,7 +448,7 @@
           <a:bodyPr/>
           <a:lstStyle/>
           <a:p>
-            <a:fld id="{96F11812-3046-4B5D-8BE9-10793532E127}" type="slidenum">
+            <a:fld id="{15C3981E-201C-482F-9E07-A72C7B9894DE}" type="slidenum">
               <a:rPr lang="en-US" smtClean="0"/>
               <a:t>‹#›</a:t>
             </a:fld>
@@ -459,7 +459,7 @@
     </p:spTree>
     <p:extLst>
       <p:ext uri="{BB962C8B-B14F-4D97-AF65-F5344CB8AC3E}">
-        <p14:creationId xmlns:p14="http://schemas.microsoft.com/office/powerpoint/2010/main" val="3291490212"/>
+        <p14:creationId xmlns:p14="http://schemas.microsoft.com/office/powerpoint/2010/main" val="2599134571"/>
       </p:ext>
     </p:extLst>
   </p:cSld>
@@ -498,8 +498,8 @@
         </p:nvSpPr>
         <p:spPr>
           <a:xfrm>
-            <a:off x="4155688" y="352954"/>
-            <a:ext cx="1252151" cy="5618110"/>
+            <a:off x="3873947" y="352954"/>
+            <a:ext cx="1167259" cy="5618110"/>
           </a:xfrm>
         </p:spPr>
         <p:txBody>
@@ -526,8 +526,8 @@
         </p:nvSpPr>
         <p:spPr>
           <a:xfrm>
-            <a:off x="399237" y="352954"/>
-            <a:ext cx="3683863" cy="5618110"/>
+            <a:off x="372170" y="352954"/>
+            <a:ext cx="3434110" cy="5618110"/>
           </a:xfrm>
         </p:spPr>
         <p:txBody>
@@ -586,9 +586,9 @@
           <a:bodyPr/>
           <a:lstStyle/>
           <a:p>
-            <a:fld id="{78A29697-F165-478E-A0C1-5FA4ECF85D1F}" type="datetimeFigureOut">
+            <a:fld id="{203FD768-F2AB-40DE-BB72-491B0A6C1715}" type="datetimeFigureOut">
               <a:rPr lang="en-US" smtClean="0"/>
-              <a:t>3/25/2025</a:t>
+              <a:t>4/4/2025</a:t>
             </a:fld>
             <a:endParaRPr lang="en-US"/>
           </a:p>
@@ -628,7 +628,7 @@
           <a:bodyPr/>
           <a:lstStyle/>
           <a:p>
-            <a:fld id="{96F11812-3046-4B5D-8BE9-10793532E127}" type="slidenum">
+            <a:fld id="{15C3981E-201C-482F-9E07-A72C7B9894DE}" type="slidenum">
               <a:rPr lang="en-US" smtClean="0"/>
               <a:t>‹#›</a:t>
             </a:fld>
@@ -639,7 +639,7 @@
     </p:spTree>
     <p:extLst>
       <p:ext uri="{BB962C8B-B14F-4D97-AF65-F5344CB8AC3E}">
-        <p14:creationId xmlns:p14="http://schemas.microsoft.com/office/powerpoint/2010/main" val="1771679800"/>
+        <p14:creationId xmlns:p14="http://schemas.microsoft.com/office/powerpoint/2010/main" val="1354185871"/>
       </p:ext>
     </p:extLst>
   </p:cSld>
@@ -756,9 +756,9 @@
           <a:bodyPr/>
           <a:lstStyle/>
           <a:p>
-            <a:fld id="{78A29697-F165-478E-A0C1-5FA4ECF85D1F}" type="datetimeFigureOut">
+            <a:fld id="{203FD768-F2AB-40DE-BB72-491B0A6C1715}" type="datetimeFigureOut">
               <a:rPr lang="en-US" smtClean="0"/>
-              <a:t>3/25/2025</a:t>
+              <a:t>4/4/2025</a:t>
             </a:fld>
             <a:endParaRPr lang="en-US"/>
           </a:p>
@@ -798,7 +798,7 @@
           <a:bodyPr/>
           <a:lstStyle/>
           <a:p>
-            <a:fld id="{96F11812-3046-4B5D-8BE9-10793532E127}" type="slidenum">
+            <a:fld id="{15C3981E-201C-482F-9E07-A72C7B9894DE}" type="slidenum">
               <a:rPr lang="en-US" smtClean="0"/>
               <a:t>‹#›</a:t>
             </a:fld>
@@ -809,7 +809,7 @@
     </p:spTree>
     <p:extLst>
       <p:ext uri="{BB962C8B-B14F-4D97-AF65-F5344CB8AC3E}">
-        <p14:creationId xmlns:p14="http://schemas.microsoft.com/office/powerpoint/2010/main" val="1084291472"/>
+        <p14:creationId xmlns:p14="http://schemas.microsoft.com/office/powerpoint/2010/main" val="3912658216"/>
       </p:ext>
     </p:extLst>
   </p:cSld>
@@ -848,15 +848,15 @@
         </p:nvSpPr>
         <p:spPr>
           <a:xfrm>
-            <a:off x="396212" y="1652748"/>
-            <a:ext cx="5008602" cy="2757646"/>
+            <a:off x="369350" y="1652748"/>
+            <a:ext cx="4669036" cy="2757646"/>
           </a:xfrm>
         </p:spPr>
         <p:txBody>
           <a:bodyPr anchor="b"/>
           <a:lstStyle>
             <a:lvl1pPr>
-              <a:defRPr sz="3811"/>
+              <a:defRPr sz="3552"/>
             </a:lvl1pPr>
           </a:lstStyle>
           <a:p>
@@ -880,8 +880,8 @@
         </p:nvSpPr>
         <p:spPr>
           <a:xfrm>
-            <a:off x="396212" y="4436482"/>
-            <a:ext cx="5008602" cy="1450181"/>
+            <a:off x="369350" y="4436482"/>
+            <a:ext cx="4669036" cy="1450181"/>
           </a:xfrm>
         </p:spPr>
         <p:txBody>
@@ -889,7 +889,7 @@
           <a:lstStyle>
             <a:lvl1pPr marL="0" indent="0">
               <a:buNone/>
-              <a:defRPr sz="1524">
+              <a:defRPr sz="1421">
                 <a:solidFill>
                   <a:schemeClr val="tx1">
                     <a:tint val="82000"/>
@@ -897,9 +897,9 @@
                 </a:solidFill>
               </a:defRPr>
             </a:lvl1pPr>
-            <a:lvl2pPr marL="290368" indent="0">
-              <a:buNone/>
-              <a:defRPr sz="1270">
+            <a:lvl2pPr marL="270662" indent="0">
+              <a:buNone/>
+              <a:defRPr sz="1184">
                 <a:solidFill>
                   <a:schemeClr val="tx1">
                     <a:tint val="82000"/>
@@ -907,9 +907,9 @@
                 </a:solidFill>
               </a:defRPr>
             </a:lvl2pPr>
-            <a:lvl3pPr marL="580735" indent="0">
-              <a:buNone/>
-              <a:defRPr sz="1143">
+            <a:lvl3pPr marL="541325" indent="0">
+              <a:buNone/>
+              <a:defRPr sz="1066">
                 <a:solidFill>
                   <a:schemeClr val="tx1">
                     <a:tint val="82000"/>
@@ -917,9 +917,9 @@
                 </a:solidFill>
               </a:defRPr>
             </a:lvl3pPr>
-            <a:lvl4pPr marL="871103" indent="0">
-              <a:buNone/>
-              <a:defRPr sz="1016">
+            <a:lvl4pPr marL="811987" indent="0">
+              <a:buNone/>
+              <a:defRPr sz="947">
                 <a:solidFill>
                   <a:schemeClr val="tx1">
                     <a:tint val="82000"/>
@@ -927,9 +927,9 @@
                 </a:solidFill>
               </a:defRPr>
             </a:lvl4pPr>
-            <a:lvl5pPr marL="1161471" indent="0">
-              <a:buNone/>
-              <a:defRPr sz="1016">
+            <a:lvl5pPr marL="1082650" indent="0">
+              <a:buNone/>
+              <a:defRPr sz="947">
                 <a:solidFill>
                   <a:schemeClr val="tx1">
                     <a:tint val="82000"/>
@@ -937,9 +937,9 @@
                 </a:solidFill>
               </a:defRPr>
             </a:lvl5pPr>
-            <a:lvl6pPr marL="1451839" indent="0">
-              <a:buNone/>
-              <a:defRPr sz="1016">
+            <a:lvl6pPr marL="1353312" indent="0">
+              <a:buNone/>
+              <a:defRPr sz="947">
                 <a:solidFill>
                   <a:schemeClr val="tx1">
                     <a:tint val="82000"/>
@@ -947,9 +947,9 @@
                 </a:solidFill>
               </a:defRPr>
             </a:lvl6pPr>
-            <a:lvl7pPr marL="1742206" indent="0">
-              <a:buNone/>
-              <a:defRPr sz="1016">
+            <a:lvl7pPr marL="1623974" indent="0">
+              <a:buNone/>
+              <a:defRPr sz="947">
                 <a:solidFill>
                   <a:schemeClr val="tx1">
                     <a:tint val="82000"/>
@@ -957,9 +957,9 @@
                 </a:solidFill>
               </a:defRPr>
             </a:lvl7pPr>
-            <a:lvl8pPr marL="2032574" indent="0">
-              <a:buNone/>
-              <a:defRPr sz="1016">
+            <a:lvl8pPr marL="1894637" indent="0">
+              <a:buNone/>
+              <a:defRPr sz="947">
                 <a:solidFill>
                   <a:schemeClr val="tx1">
                     <a:tint val="82000"/>
@@ -967,9 +967,9 @@
                 </a:solidFill>
               </a:defRPr>
             </a:lvl8pPr>
-            <a:lvl9pPr marL="2322942" indent="0">
-              <a:buNone/>
-              <a:defRPr sz="1016">
+            <a:lvl9pPr marL="2165299" indent="0">
+              <a:buNone/>
+              <a:defRPr sz="947">
                 <a:solidFill>
                   <a:schemeClr val="tx1">
                     <a:tint val="82000"/>
@@ -1002,9 +1002,9 @@
           <a:bodyPr/>
           <a:lstStyle/>
           <a:p>
-            <a:fld id="{78A29697-F165-478E-A0C1-5FA4ECF85D1F}" type="datetimeFigureOut">
+            <a:fld id="{203FD768-F2AB-40DE-BB72-491B0A6C1715}" type="datetimeFigureOut">
               <a:rPr lang="en-US" smtClean="0"/>
-              <a:t>3/25/2025</a:t>
+              <a:t>4/4/2025</a:t>
             </a:fld>
             <a:endParaRPr lang="en-US"/>
           </a:p>
@@ -1044,7 +1044,7 @@
           <a:bodyPr/>
           <a:lstStyle/>
           <a:p>
-            <a:fld id="{96F11812-3046-4B5D-8BE9-10793532E127}" type="slidenum">
+            <a:fld id="{15C3981E-201C-482F-9E07-A72C7B9894DE}" type="slidenum">
               <a:rPr lang="en-US" smtClean="0"/>
               <a:t>‹#›</a:t>
             </a:fld>
@@ -1055,7 +1055,7 @@
     </p:spTree>
     <p:extLst>
       <p:ext uri="{BB962C8B-B14F-4D97-AF65-F5344CB8AC3E}">
-        <p14:creationId xmlns:p14="http://schemas.microsoft.com/office/powerpoint/2010/main" val="1984333142"/>
+        <p14:creationId xmlns:p14="http://schemas.microsoft.com/office/powerpoint/2010/main" val="1811070173"/>
       </p:ext>
     </p:extLst>
   </p:cSld>
@@ -1117,8 +1117,8 @@
         </p:nvSpPr>
         <p:spPr>
           <a:xfrm>
-            <a:off x="399236" y="1764771"/>
-            <a:ext cx="2468007" cy="4206293"/>
+            <a:off x="372170" y="1764771"/>
+            <a:ext cx="2300684" cy="4206293"/>
           </a:xfrm>
         </p:spPr>
         <p:txBody>
@@ -1174,8 +1174,8 @@
         </p:nvSpPr>
         <p:spPr>
           <a:xfrm>
-            <a:off x="2939832" y="1764771"/>
-            <a:ext cx="2468007" cy="4206293"/>
+            <a:off x="2740521" y="1764771"/>
+            <a:ext cx="2300684" cy="4206293"/>
           </a:xfrm>
         </p:spPr>
         <p:txBody>
@@ -1234,9 +1234,9 @@
           <a:bodyPr/>
           <a:lstStyle/>
           <a:p>
-            <a:fld id="{78A29697-F165-478E-A0C1-5FA4ECF85D1F}" type="datetimeFigureOut">
+            <a:fld id="{203FD768-F2AB-40DE-BB72-491B0A6C1715}" type="datetimeFigureOut">
               <a:rPr lang="en-US" smtClean="0"/>
-              <a:t>3/25/2025</a:t>
+              <a:t>4/4/2025</a:t>
             </a:fld>
             <a:endParaRPr lang="en-US"/>
           </a:p>
@@ -1276,7 +1276,7 @@
           <a:bodyPr/>
           <a:lstStyle/>
           <a:p>
-            <a:fld id="{96F11812-3046-4B5D-8BE9-10793532E127}" type="slidenum">
+            <a:fld id="{15C3981E-201C-482F-9E07-A72C7B9894DE}" type="slidenum">
               <a:rPr lang="en-US" smtClean="0"/>
               <a:t>‹#›</a:t>
             </a:fld>
@@ -1287,7 +1287,7 @@
     </p:spTree>
     <p:extLst>
       <p:ext uri="{BB962C8B-B14F-4D97-AF65-F5344CB8AC3E}">
-        <p14:creationId xmlns:p14="http://schemas.microsoft.com/office/powerpoint/2010/main" val="2031719249"/>
+        <p14:creationId xmlns:p14="http://schemas.microsoft.com/office/powerpoint/2010/main" val="3998807704"/>
       </p:ext>
     </p:extLst>
   </p:cSld>
@@ -1326,8 +1326,8 @@
         </p:nvSpPr>
         <p:spPr>
           <a:xfrm>
-            <a:off x="399993" y="352955"/>
-            <a:ext cx="5008602" cy="1281378"/>
+            <a:off x="372875" y="352955"/>
+            <a:ext cx="4669036" cy="1281378"/>
           </a:xfrm>
         </p:spPr>
         <p:txBody>
@@ -1354,8 +1354,8 @@
         </p:nvSpPr>
         <p:spPr>
           <a:xfrm>
-            <a:off x="399993" y="1625124"/>
-            <a:ext cx="2456665" cy="796448"/>
+            <a:off x="372875" y="1625124"/>
+            <a:ext cx="2290111" cy="796448"/>
           </a:xfrm>
         </p:spPr>
         <p:txBody>
@@ -1363,39 +1363,39 @@
           <a:lstStyle>
             <a:lvl1pPr marL="0" indent="0">
               <a:buNone/>
-              <a:defRPr sz="1524" b="1"/>
+              <a:defRPr sz="1421" b="1"/>
             </a:lvl1pPr>
-            <a:lvl2pPr marL="290368" indent="0">
-              <a:buNone/>
-              <a:defRPr sz="1270" b="1"/>
+            <a:lvl2pPr marL="270662" indent="0">
+              <a:buNone/>
+              <a:defRPr sz="1184" b="1"/>
             </a:lvl2pPr>
-            <a:lvl3pPr marL="580735" indent="0">
-              <a:buNone/>
-              <a:defRPr sz="1143" b="1"/>
+            <a:lvl3pPr marL="541325" indent="0">
+              <a:buNone/>
+              <a:defRPr sz="1066" b="1"/>
             </a:lvl3pPr>
-            <a:lvl4pPr marL="871103" indent="0">
-              <a:buNone/>
-              <a:defRPr sz="1016" b="1"/>
+            <a:lvl4pPr marL="811987" indent="0">
+              <a:buNone/>
+              <a:defRPr sz="947" b="1"/>
             </a:lvl4pPr>
-            <a:lvl5pPr marL="1161471" indent="0">
-              <a:buNone/>
-              <a:defRPr sz="1016" b="1"/>
+            <a:lvl5pPr marL="1082650" indent="0">
+              <a:buNone/>
+              <a:defRPr sz="947" b="1"/>
             </a:lvl5pPr>
-            <a:lvl6pPr marL="1451839" indent="0">
-              <a:buNone/>
-              <a:defRPr sz="1016" b="1"/>
+            <a:lvl6pPr marL="1353312" indent="0">
+              <a:buNone/>
+              <a:defRPr sz="947" b="1"/>
             </a:lvl6pPr>
-            <a:lvl7pPr marL="1742206" indent="0">
-              <a:buNone/>
-              <a:defRPr sz="1016" b="1"/>
+            <a:lvl7pPr marL="1623974" indent="0">
+              <a:buNone/>
+              <a:defRPr sz="947" b="1"/>
             </a:lvl7pPr>
-            <a:lvl8pPr marL="2032574" indent="0">
-              <a:buNone/>
-              <a:defRPr sz="1016" b="1"/>
+            <a:lvl8pPr marL="1894637" indent="0">
+              <a:buNone/>
+              <a:defRPr sz="947" b="1"/>
             </a:lvl8pPr>
-            <a:lvl9pPr marL="2322942" indent="0">
-              <a:buNone/>
-              <a:defRPr sz="1016" b="1"/>
+            <a:lvl9pPr marL="2165299" indent="0">
+              <a:buNone/>
+              <a:defRPr sz="947" b="1"/>
             </a:lvl9pPr>
           </a:lstStyle>
           <a:p>
@@ -1419,8 +1419,8 @@
         </p:nvSpPr>
         <p:spPr>
           <a:xfrm>
-            <a:off x="399993" y="2421573"/>
-            <a:ext cx="2456665" cy="3561768"/>
+            <a:off x="372875" y="2421573"/>
+            <a:ext cx="2290111" cy="3561768"/>
           </a:xfrm>
         </p:spPr>
         <p:txBody>
@@ -1476,8 +1476,8 @@
         </p:nvSpPr>
         <p:spPr>
           <a:xfrm>
-            <a:off x="2939832" y="1625124"/>
-            <a:ext cx="2468763" cy="796448"/>
+            <a:off x="2740522" y="1625124"/>
+            <a:ext cx="2301389" cy="796448"/>
           </a:xfrm>
         </p:spPr>
         <p:txBody>
@@ -1485,39 +1485,39 @@
           <a:lstStyle>
             <a:lvl1pPr marL="0" indent="0">
               <a:buNone/>
-              <a:defRPr sz="1524" b="1"/>
+              <a:defRPr sz="1421" b="1"/>
             </a:lvl1pPr>
-            <a:lvl2pPr marL="290368" indent="0">
-              <a:buNone/>
-              <a:defRPr sz="1270" b="1"/>
+            <a:lvl2pPr marL="270662" indent="0">
+              <a:buNone/>
+              <a:defRPr sz="1184" b="1"/>
             </a:lvl2pPr>
-            <a:lvl3pPr marL="580735" indent="0">
-              <a:buNone/>
-              <a:defRPr sz="1143" b="1"/>
+            <a:lvl3pPr marL="541325" indent="0">
+              <a:buNone/>
+              <a:defRPr sz="1066" b="1"/>
             </a:lvl3pPr>
-            <a:lvl4pPr marL="871103" indent="0">
-              <a:buNone/>
-              <a:defRPr sz="1016" b="1"/>
+            <a:lvl4pPr marL="811987" indent="0">
+              <a:buNone/>
+              <a:defRPr sz="947" b="1"/>
             </a:lvl4pPr>
-            <a:lvl5pPr marL="1161471" indent="0">
-              <a:buNone/>
-              <a:defRPr sz="1016" b="1"/>
+            <a:lvl5pPr marL="1082650" indent="0">
+              <a:buNone/>
+              <a:defRPr sz="947" b="1"/>
             </a:lvl5pPr>
-            <a:lvl6pPr marL="1451839" indent="0">
-              <a:buNone/>
-              <a:defRPr sz="1016" b="1"/>
+            <a:lvl6pPr marL="1353312" indent="0">
+              <a:buNone/>
+              <a:defRPr sz="947" b="1"/>
             </a:lvl6pPr>
-            <a:lvl7pPr marL="1742206" indent="0">
-              <a:buNone/>
-              <a:defRPr sz="1016" b="1"/>
+            <a:lvl7pPr marL="1623974" indent="0">
+              <a:buNone/>
+              <a:defRPr sz="947" b="1"/>
             </a:lvl7pPr>
-            <a:lvl8pPr marL="2032574" indent="0">
-              <a:buNone/>
-              <a:defRPr sz="1016" b="1"/>
+            <a:lvl8pPr marL="1894637" indent="0">
+              <a:buNone/>
+              <a:defRPr sz="947" b="1"/>
             </a:lvl8pPr>
-            <a:lvl9pPr marL="2322942" indent="0">
-              <a:buNone/>
-              <a:defRPr sz="1016" b="1"/>
+            <a:lvl9pPr marL="2165299" indent="0">
+              <a:buNone/>
+              <a:defRPr sz="947" b="1"/>
             </a:lvl9pPr>
           </a:lstStyle>
           <a:p>
@@ -1541,8 +1541,8 @@
         </p:nvSpPr>
         <p:spPr>
           <a:xfrm>
-            <a:off x="2939832" y="2421573"/>
-            <a:ext cx="2468763" cy="3561768"/>
+            <a:off x="2740522" y="2421573"/>
+            <a:ext cx="2301389" cy="3561768"/>
           </a:xfrm>
         </p:spPr>
         <p:txBody>
@@ -1601,9 +1601,9 @@
           <a:bodyPr/>
           <a:lstStyle/>
           <a:p>
-            <a:fld id="{78A29697-F165-478E-A0C1-5FA4ECF85D1F}" type="datetimeFigureOut">
+            <a:fld id="{203FD768-F2AB-40DE-BB72-491B0A6C1715}" type="datetimeFigureOut">
               <a:rPr lang="en-US" smtClean="0"/>
-              <a:t>3/25/2025</a:t>
+              <a:t>4/4/2025</a:t>
             </a:fld>
             <a:endParaRPr lang="en-US"/>
           </a:p>
@@ -1643,7 +1643,7 @@
           <a:bodyPr/>
           <a:lstStyle/>
           <a:p>
-            <a:fld id="{96F11812-3046-4B5D-8BE9-10793532E127}" type="slidenum">
+            <a:fld id="{15C3981E-201C-482F-9E07-A72C7B9894DE}" type="slidenum">
               <a:rPr lang="en-US" smtClean="0"/>
               <a:t>‹#›</a:t>
             </a:fld>
@@ -1654,7 +1654,7 @@
     </p:spTree>
     <p:extLst>
       <p:ext uri="{BB962C8B-B14F-4D97-AF65-F5344CB8AC3E}">
-        <p14:creationId xmlns:p14="http://schemas.microsoft.com/office/powerpoint/2010/main" val="1981964932"/>
+        <p14:creationId xmlns:p14="http://schemas.microsoft.com/office/powerpoint/2010/main" val="3898725126"/>
       </p:ext>
     </p:extLst>
   </p:cSld>
@@ -1719,9 +1719,9 @@
           <a:bodyPr/>
           <a:lstStyle/>
           <a:p>
-            <a:fld id="{78A29697-F165-478E-A0C1-5FA4ECF85D1F}" type="datetimeFigureOut">
+            <a:fld id="{203FD768-F2AB-40DE-BB72-491B0A6C1715}" type="datetimeFigureOut">
               <a:rPr lang="en-US" smtClean="0"/>
-              <a:t>3/25/2025</a:t>
+              <a:t>4/4/2025</a:t>
             </a:fld>
             <a:endParaRPr lang="en-US"/>
           </a:p>
@@ -1761,7 +1761,7 @@
           <a:bodyPr/>
           <a:lstStyle/>
           <a:p>
-            <a:fld id="{96F11812-3046-4B5D-8BE9-10793532E127}" type="slidenum">
+            <a:fld id="{15C3981E-201C-482F-9E07-A72C7B9894DE}" type="slidenum">
               <a:rPr lang="en-US" smtClean="0"/>
               <a:t>‹#›</a:t>
             </a:fld>
@@ -1772,7 +1772,7 @@
     </p:spTree>
     <p:extLst>
       <p:ext uri="{BB962C8B-B14F-4D97-AF65-F5344CB8AC3E}">
-        <p14:creationId xmlns:p14="http://schemas.microsoft.com/office/powerpoint/2010/main" val="1069001591"/>
+        <p14:creationId xmlns:p14="http://schemas.microsoft.com/office/powerpoint/2010/main" val="207126060"/>
       </p:ext>
     </p:extLst>
   </p:cSld>
@@ -1814,9 +1814,9 @@
           <a:bodyPr/>
           <a:lstStyle/>
           <a:p>
-            <a:fld id="{78A29697-F165-478E-A0C1-5FA4ECF85D1F}" type="datetimeFigureOut">
+            <a:fld id="{203FD768-F2AB-40DE-BB72-491B0A6C1715}" type="datetimeFigureOut">
               <a:rPr lang="en-US" smtClean="0"/>
-              <a:t>3/25/2025</a:t>
+              <a:t>4/4/2025</a:t>
             </a:fld>
             <a:endParaRPr lang="en-US"/>
           </a:p>
@@ -1856,7 +1856,7 @@
           <a:bodyPr/>
           <a:lstStyle/>
           <a:p>
-            <a:fld id="{96F11812-3046-4B5D-8BE9-10793532E127}" type="slidenum">
+            <a:fld id="{15C3981E-201C-482F-9E07-A72C7B9894DE}" type="slidenum">
               <a:rPr lang="en-US" smtClean="0"/>
               <a:t>‹#›</a:t>
             </a:fld>
@@ -1867,7 +1867,7 @@
     </p:spTree>
     <p:extLst>
       <p:ext uri="{BB962C8B-B14F-4D97-AF65-F5344CB8AC3E}">
-        <p14:creationId xmlns:p14="http://schemas.microsoft.com/office/powerpoint/2010/main" val="1978280465"/>
+        <p14:creationId xmlns:p14="http://schemas.microsoft.com/office/powerpoint/2010/main" val="2226787336"/>
       </p:ext>
     </p:extLst>
   </p:cSld>
@@ -1906,15 +1906,15 @@
         </p:nvSpPr>
         <p:spPr>
           <a:xfrm>
-            <a:off x="399993" y="441960"/>
-            <a:ext cx="1872933" cy="1546860"/>
+            <a:off x="372875" y="441960"/>
+            <a:ext cx="1745954" cy="1546860"/>
           </a:xfrm>
         </p:spPr>
         <p:txBody>
           <a:bodyPr anchor="b"/>
           <a:lstStyle>
             <a:lvl1pPr>
-              <a:defRPr sz="2032"/>
+              <a:defRPr sz="1894"/>
             </a:lvl1pPr>
           </a:lstStyle>
           <a:p>
@@ -1938,39 +1938,39 @@
         </p:nvSpPr>
         <p:spPr>
           <a:xfrm>
-            <a:off x="2468763" y="954512"/>
-            <a:ext cx="2939832" cy="4711171"/>
+            <a:off x="2301390" y="954512"/>
+            <a:ext cx="2740521" cy="4711171"/>
           </a:xfrm>
         </p:spPr>
         <p:txBody>
           <a:bodyPr/>
           <a:lstStyle>
             <a:lvl1pPr>
-              <a:defRPr sz="2032"/>
+              <a:defRPr sz="1894"/>
             </a:lvl1pPr>
             <a:lvl2pPr>
-              <a:defRPr sz="1778"/>
+              <a:defRPr sz="1658"/>
             </a:lvl2pPr>
             <a:lvl3pPr>
-              <a:defRPr sz="1524"/>
+              <a:defRPr sz="1421"/>
             </a:lvl3pPr>
             <a:lvl4pPr>
-              <a:defRPr sz="1270"/>
+              <a:defRPr sz="1184"/>
             </a:lvl4pPr>
             <a:lvl5pPr>
-              <a:defRPr sz="1270"/>
+              <a:defRPr sz="1184"/>
             </a:lvl5pPr>
             <a:lvl6pPr>
-              <a:defRPr sz="1270"/>
+              <a:defRPr sz="1184"/>
             </a:lvl6pPr>
             <a:lvl7pPr>
-              <a:defRPr sz="1270"/>
+              <a:defRPr sz="1184"/>
             </a:lvl7pPr>
             <a:lvl8pPr>
-              <a:defRPr sz="1270"/>
+              <a:defRPr sz="1184"/>
             </a:lvl8pPr>
             <a:lvl9pPr>
-              <a:defRPr sz="1270"/>
+              <a:defRPr sz="1184"/>
             </a:lvl9pPr>
           </a:lstStyle>
           <a:p>
@@ -2023,8 +2023,8 @@
         </p:nvSpPr>
         <p:spPr>
           <a:xfrm>
-            <a:off x="399993" y="1988820"/>
-            <a:ext cx="1872933" cy="3684535"/>
+            <a:off x="372875" y="1988820"/>
+            <a:ext cx="1745954" cy="3684535"/>
           </a:xfrm>
         </p:spPr>
         <p:txBody>
@@ -2032,39 +2032,39 @@
           <a:lstStyle>
             <a:lvl1pPr marL="0" indent="0">
               <a:buNone/>
-              <a:defRPr sz="1016"/>
+              <a:defRPr sz="947"/>
             </a:lvl1pPr>
-            <a:lvl2pPr marL="290368" indent="0">
-              <a:buNone/>
-              <a:defRPr sz="889"/>
+            <a:lvl2pPr marL="270662" indent="0">
+              <a:buNone/>
+              <a:defRPr sz="829"/>
             </a:lvl2pPr>
-            <a:lvl3pPr marL="580735" indent="0">
-              <a:buNone/>
-              <a:defRPr sz="762"/>
+            <a:lvl3pPr marL="541325" indent="0">
+              <a:buNone/>
+              <a:defRPr sz="710"/>
             </a:lvl3pPr>
-            <a:lvl4pPr marL="871103" indent="0">
-              <a:buNone/>
-              <a:defRPr sz="635"/>
+            <a:lvl4pPr marL="811987" indent="0">
+              <a:buNone/>
+              <a:defRPr sz="592"/>
             </a:lvl4pPr>
-            <a:lvl5pPr marL="1161471" indent="0">
-              <a:buNone/>
-              <a:defRPr sz="635"/>
+            <a:lvl5pPr marL="1082650" indent="0">
+              <a:buNone/>
+              <a:defRPr sz="592"/>
             </a:lvl5pPr>
-            <a:lvl6pPr marL="1451839" indent="0">
-              <a:buNone/>
-              <a:defRPr sz="635"/>
+            <a:lvl6pPr marL="1353312" indent="0">
+              <a:buNone/>
+              <a:defRPr sz="592"/>
             </a:lvl6pPr>
-            <a:lvl7pPr marL="1742206" indent="0">
-              <a:buNone/>
-              <a:defRPr sz="635"/>
+            <a:lvl7pPr marL="1623974" indent="0">
+              <a:buNone/>
+              <a:defRPr sz="592"/>
             </a:lvl7pPr>
-            <a:lvl8pPr marL="2032574" indent="0">
-              <a:buNone/>
-              <a:defRPr sz="635"/>
+            <a:lvl8pPr marL="1894637" indent="0">
+              <a:buNone/>
+              <a:defRPr sz="592"/>
             </a:lvl8pPr>
-            <a:lvl9pPr marL="2322942" indent="0">
-              <a:buNone/>
-              <a:defRPr sz="635"/>
+            <a:lvl9pPr marL="2165299" indent="0">
+              <a:buNone/>
+              <a:defRPr sz="592"/>
             </a:lvl9pPr>
           </a:lstStyle>
           <a:p>
@@ -2091,9 +2091,9 @@
           <a:bodyPr/>
           <a:lstStyle/>
           <a:p>
-            <a:fld id="{78A29697-F165-478E-A0C1-5FA4ECF85D1F}" type="datetimeFigureOut">
+            <a:fld id="{203FD768-F2AB-40DE-BB72-491B0A6C1715}" type="datetimeFigureOut">
               <a:rPr lang="en-US" smtClean="0"/>
-              <a:t>3/25/2025</a:t>
+              <a:t>4/4/2025</a:t>
             </a:fld>
             <a:endParaRPr lang="en-US"/>
           </a:p>
@@ -2133,7 +2133,7 @@
           <a:bodyPr/>
           <a:lstStyle/>
           <a:p>
-            <a:fld id="{96F11812-3046-4B5D-8BE9-10793532E127}" type="slidenum">
+            <a:fld id="{15C3981E-201C-482F-9E07-A72C7B9894DE}" type="slidenum">
               <a:rPr lang="en-US" smtClean="0"/>
               <a:t>‹#›</a:t>
             </a:fld>
@@ -2144,7 +2144,7 @@
     </p:spTree>
     <p:extLst>
       <p:ext uri="{BB962C8B-B14F-4D97-AF65-F5344CB8AC3E}">
-        <p14:creationId xmlns:p14="http://schemas.microsoft.com/office/powerpoint/2010/main" val="2263092064"/>
+        <p14:creationId xmlns:p14="http://schemas.microsoft.com/office/powerpoint/2010/main" val="775338638"/>
       </p:ext>
     </p:extLst>
   </p:cSld>
@@ -2183,15 +2183,15 @@
         </p:nvSpPr>
         <p:spPr>
           <a:xfrm>
-            <a:off x="399993" y="441960"/>
-            <a:ext cx="1872933" cy="1546860"/>
+            <a:off x="372875" y="441960"/>
+            <a:ext cx="1745954" cy="1546860"/>
           </a:xfrm>
         </p:spPr>
         <p:txBody>
           <a:bodyPr anchor="b"/>
           <a:lstStyle>
             <a:lvl1pPr>
-              <a:defRPr sz="2032"/>
+              <a:defRPr sz="1894"/>
             </a:lvl1pPr>
           </a:lstStyle>
           <a:p>
@@ -2215,8 +2215,8 @@
         </p:nvSpPr>
         <p:spPr>
           <a:xfrm>
-            <a:off x="2468763" y="954512"/>
-            <a:ext cx="2939832" cy="4711171"/>
+            <a:off x="2301390" y="954512"/>
+            <a:ext cx="2740521" cy="4711171"/>
           </a:xfrm>
         </p:spPr>
         <p:txBody>
@@ -2224,39 +2224,39 @@
           <a:lstStyle>
             <a:lvl1pPr marL="0" indent="0">
               <a:buNone/>
-              <a:defRPr sz="2032"/>
+              <a:defRPr sz="1894"/>
             </a:lvl1pPr>
-            <a:lvl2pPr marL="290368" indent="0">
-              <a:buNone/>
-              <a:defRPr sz="1778"/>
+            <a:lvl2pPr marL="270662" indent="0">
+              <a:buNone/>
+              <a:defRPr sz="1658"/>
             </a:lvl2pPr>
-            <a:lvl3pPr marL="580735" indent="0">
-              <a:buNone/>
-              <a:defRPr sz="1524"/>
+            <a:lvl3pPr marL="541325" indent="0">
+              <a:buNone/>
+              <a:defRPr sz="1421"/>
             </a:lvl3pPr>
-            <a:lvl4pPr marL="871103" indent="0">
-              <a:buNone/>
-              <a:defRPr sz="1270"/>
+            <a:lvl4pPr marL="811987" indent="0">
+              <a:buNone/>
+              <a:defRPr sz="1184"/>
             </a:lvl4pPr>
-            <a:lvl5pPr marL="1161471" indent="0">
-              <a:buNone/>
-              <a:defRPr sz="1270"/>
+            <a:lvl5pPr marL="1082650" indent="0">
+              <a:buNone/>
+              <a:defRPr sz="1184"/>
             </a:lvl5pPr>
-            <a:lvl6pPr marL="1451839" indent="0">
-              <a:buNone/>
-              <a:defRPr sz="1270"/>
+            <a:lvl6pPr marL="1353312" indent="0">
+              <a:buNone/>
+              <a:defRPr sz="1184"/>
             </a:lvl6pPr>
-            <a:lvl7pPr marL="1742206" indent="0">
-              <a:buNone/>
-              <a:defRPr sz="1270"/>
+            <a:lvl7pPr marL="1623974" indent="0">
+              <a:buNone/>
+              <a:defRPr sz="1184"/>
             </a:lvl7pPr>
-            <a:lvl8pPr marL="2032574" indent="0">
-              <a:buNone/>
-              <a:defRPr sz="1270"/>
+            <a:lvl8pPr marL="1894637" indent="0">
+              <a:buNone/>
+              <a:defRPr sz="1184"/>
             </a:lvl8pPr>
-            <a:lvl9pPr marL="2322942" indent="0">
-              <a:buNone/>
-              <a:defRPr sz="1270"/>
+            <a:lvl9pPr marL="2165299" indent="0">
+              <a:buNone/>
+              <a:defRPr sz="1184"/>
             </a:lvl9pPr>
           </a:lstStyle>
           <a:p>
@@ -2280,8 +2280,8 @@
         </p:nvSpPr>
         <p:spPr>
           <a:xfrm>
-            <a:off x="399993" y="1988820"/>
-            <a:ext cx="1872933" cy="3684535"/>
+            <a:off x="372875" y="1988820"/>
+            <a:ext cx="1745954" cy="3684535"/>
           </a:xfrm>
         </p:spPr>
         <p:txBody>
@@ -2289,39 +2289,39 @@
           <a:lstStyle>
             <a:lvl1pPr marL="0" indent="0">
               <a:buNone/>
-              <a:defRPr sz="1016"/>
+              <a:defRPr sz="947"/>
             </a:lvl1pPr>
-            <a:lvl2pPr marL="290368" indent="0">
-              <a:buNone/>
-              <a:defRPr sz="889"/>
+            <a:lvl2pPr marL="270662" indent="0">
+              <a:buNone/>
+              <a:defRPr sz="829"/>
             </a:lvl2pPr>
-            <a:lvl3pPr marL="580735" indent="0">
-              <a:buNone/>
-              <a:defRPr sz="762"/>
+            <a:lvl3pPr marL="541325" indent="0">
+              <a:buNone/>
+              <a:defRPr sz="710"/>
             </a:lvl3pPr>
-            <a:lvl4pPr marL="871103" indent="0">
-              <a:buNone/>
-              <a:defRPr sz="635"/>
+            <a:lvl4pPr marL="811987" indent="0">
+              <a:buNone/>
+              <a:defRPr sz="592"/>
             </a:lvl4pPr>
-            <a:lvl5pPr marL="1161471" indent="0">
-              <a:buNone/>
-              <a:defRPr sz="635"/>
+            <a:lvl5pPr marL="1082650" indent="0">
+              <a:buNone/>
+              <a:defRPr sz="592"/>
             </a:lvl5pPr>
-            <a:lvl6pPr marL="1451839" indent="0">
-              <a:buNone/>
-              <a:defRPr sz="635"/>
+            <a:lvl6pPr marL="1353312" indent="0">
+              <a:buNone/>
+              <a:defRPr sz="592"/>
             </a:lvl6pPr>
-            <a:lvl7pPr marL="1742206" indent="0">
-              <a:buNone/>
-              <a:defRPr sz="635"/>
+            <a:lvl7pPr marL="1623974" indent="0">
+              <a:buNone/>
+              <a:defRPr sz="592"/>
             </a:lvl7pPr>
-            <a:lvl8pPr marL="2032574" indent="0">
-              <a:buNone/>
-              <a:defRPr sz="635"/>
+            <a:lvl8pPr marL="1894637" indent="0">
+              <a:buNone/>
+              <a:defRPr sz="592"/>
             </a:lvl8pPr>
-            <a:lvl9pPr marL="2322942" indent="0">
-              <a:buNone/>
-              <a:defRPr sz="635"/>
+            <a:lvl9pPr marL="2165299" indent="0">
+              <a:buNone/>
+              <a:defRPr sz="592"/>
             </a:lvl9pPr>
           </a:lstStyle>
           <a:p>
@@ -2348,9 +2348,9 @@
           <a:bodyPr/>
           <a:lstStyle/>
           <a:p>
-            <a:fld id="{78A29697-F165-478E-A0C1-5FA4ECF85D1F}" type="datetimeFigureOut">
+            <a:fld id="{203FD768-F2AB-40DE-BB72-491B0A6C1715}" type="datetimeFigureOut">
               <a:rPr lang="en-US" smtClean="0"/>
-              <a:t>3/25/2025</a:t>
+              <a:t>4/4/2025</a:t>
             </a:fld>
             <a:endParaRPr lang="en-US"/>
           </a:p>
@@ -2390,7 +2390,7 @@
           <a:bodyPr/>
           <a:lstStyle/>
           <a:p>
-            <a:fld id="{96F11812-3046-4B5D-8BE9-10793532E127}" type="slidenum">
+            <a:fld id="{15C3981E-201C-482F-9E07-A72C7B9894DE}" type="slidenum">
               <a:rPr lang="en-US" smtClean="0"/>
               <a:t>‹#›</a:t>
             </a:fld>
@@ -2401,7 +2401,7 @@
     </p:spTree>
     <p:extLst>
       <p:ext uri="{BB962C8B-B14F-4D97-AF65-F5344CB8AC3E}">
-        <p14:creationId xmlns:p14="http://schemas.microsoft.com/office/powerpoint/2010/main" val="702667075"/>
+        <p14:creationId xmlns:p14="http://schemas.microsoft.com/office/powerpoint/2010/main" val="2298402445"/>
       </p:ext>
     </p:extLst>
   </p:cSld>
@@ -2445,8 +2445,8 @@
         </p:nvSpPr>
         <p:spPr>
           <a:xfrm>
-            <a:off x="399237" y="352955"/>
-            <a:ext cx="5008602" cy="1281378"/>
+            <a:off x="372170" y="352955"/>
+            <a:ext cx="4669036" cy="1281378"/>
           </a:xfrm>
           <a:prstGeom prst="rect">
             <a:avLst/>
@@ -2478,8 +2478,8 @@
         </p:nvSpPr>
         <p:spPr>
           <a:xfrm>
-            <a:off x="399237" y="1764771"/>
-            <a:ext cx="5008602" cy="4206293"/>
+            <a:off x="372170" y="1764771"/>
+            <a:ext cx="4669036" cy="4206293"/>
           </a:xfrm>
           <a:prstGeom prst="rect">
             <a:avLst/>
@@ -2540,8 +2540,8 @@
         </p:nvSpPr>
         <p:spPr>
           <a:xfrm>
-            <a:off x="399236" y="6144473"/>
-            <a:ext cx="1306592" cy="352954"/>
+            <a:off x="372170" y="6144473"/>
+            <a:ext cx="1218009" cy="352954"/>
           </a:xfrm>
           <a:prstGeom prst="rect">
             <a:avLst/>
@@ -2551,7 +2551,7 @@
           <a:bodyPr vert="horz" lIns="91440" tIns="45720" rIns="91440" bIns="45720" rtlCol="0" anchor="ctr"/>
           <a:lstStyle>
             <a:lvl1pPr algn="l">
-              <a:defRPr sz="762">
+              <a:defRPr sz="710">
                 <a:solidFill>
                   <a:schemeClr val="tx1">
                     <a:tint val="82000"/>
@@ -2561,9 +2561,9 @@
             </a:lvl1pPr>
           </a:lstStyle>
           <a:p>
-            <a:fld id="{78A29697-F165-478E-A0C1-5FA4ECF85D1F}" type="datetimeFigureOut">
+            <a:fld id="{203FD768-F2AB-40DE-BB72-491B0A6C1715}" type="datetimeFigureOut">
               <a:rPr lang="en-US" smtClean="0"/>
-              <a:t>3/25/2025</a:t>
+              <a:t>4/4/2025</a:t>
             </a:fld>
             <a:endParaRPr lang="en-US"/>
           </a:p>
@@ -2581,8 +2581,8 @@
         </p:nvSpPr>
         <p:spPr>
           <a:xfrm>
-            <a:off x="1923594" y="6144473"/>
-            <a:ext cx="1959888" cy="352954"/>
+            <a:off x="1793181" y="6144473"/>
+            <a:ext cx="1827014" cy="352954"/>
           </a:xfrm>
           <a:prstGeom prst="rect">
             <a:avLst/>
@@ -2592,7 +2592,7 @@
           <a:bodyPr vert="horz" lIns="91440" tIns="45720" rIns="91440" bIns="45720" rtlCol="0" anchor="ctr"/>
           <a:lstStyle>
             <a:lvl1pPr algn="ctr">
-              <a:defRPr sz="762">
+              <a:defRPr sz="710">
                 <a:solidFill>
                   <a:schemeClr val="tx1">
                     <a:tint val="82000"/>
@@ -2618,8 +2618,8 @@
         </p:nvSpPr>
         <p:spPr>
           <a:xfrm>
-            <a:off x="4101247" y="6144473"/>
-            <a:ext cx="1306592" cy="352954"/>
+            <a:off x="3823196" y="6144473"/>
+            <a:ext cx="1218009" cy="352954"/>
           </a:xfrm>
           <a:prstGeom prst="rect">
             <a:avLst/>
@@ -2629,7 +2629,7 @@
           <a:bodyPr vert="horz" lIns="91440" tIns="45720" rIns="91440" bIns="45720" rtlCol="0" anchor="ctr"/>
           <a:lstStyle>
             <a:lvl1pPr algn="r">
-              <a:defRPr sz="762">
+              <a:defRPr sz="710">
                 <a:solidFill>
                   <a:schemeClr val="tx1">
                     <a:tint val="82000"/>
@@ -2639,7 +2639,7 @@
             </a:lvl1pPr>
           </a:lstStyle>
           <a:p>
-            <a:fld id="{96F11812-3046-4B5D-8BE9-10793532E127}" type="slidenum">
+            <a:fld id="{15C3981E-201C-482F-9E07-A72C7B9894DE}" type="slidenum">
               <a:rPr lang="en-US" smtClean="0"/>
               <a:t>‹#›</a:t>
             </a:fld>
@@ -2650,7 +2650,7 @@
     </p:spTree>
     <p:extLst>
       <p:ext uri="{BB962C8B-B14F-4D97-AF65-F5344CB8AC3E}">
-        <p14:creationId xmlns:p14="http://schemas.microsoft.com/office/powerpoint/2010/main" val="3056023435"/>
+        <p14:creationId xmlns:p14="http://schemas.microsoft.com/office/powerpoint/2010/main" val="235286272"/>
       </p:ext>
     </p:extLst>
   </p:cSld>
@@ -2670,7 +2670,7 @@
   </p:sldLayoutIdLst>
   <p:txStyles>
     <p:titleStyle>
-      <a:lvl1pPr algn="l" defTabSz="580735" rtl="0" eaLnBrk="1" latinLnBrk="0" hangingPunct="1">
+      <a:lvl1pPr algn="l" defTabSz="541325" rtl="0" eaLnBrk="1" latinLnBrk="0" hangingPunct="1">
         <a:lnSpc>
           <a:spcPct val="90000"/>
         </a:lnSpc>
@@ -2678,7 +2678,7 @@
           <a:spcPct val="0"/>
         </a:spcBef>
         <a:buNone/>
-        <a:defRPr sz="2794" kern="1200">
+        <a:defRPr sz="2605" kern="1200">
           <a:solidFill>
             <a:schemeClr val="tx1"/>
           </a:solidFill>
@@ -2689,16 +2689,16 @@
       </a:lvl1pPr>
     </p:titleStyle>
     <p:bodyStyle>
-      <a:lvl1pPr marL="145184" indent="-145184" algn="l" defTabSz="580735" rtl="0" eaLnBrk="1" latinLnBrk="0" hangingPunct="1">
+      <a:lvl1pPr marL="135331" indent="-135331" algn="l" defTabSz="541325" rtl="0" eaLnBrk="1" latinLnBrk="0" hangingPunct="1">
         <a:lnSpc>
           <a:spcPct val="90000"/>
         </a:lnSpc>
         <a:spcBef>
-          <a:spcPts val="635"/>
+          <a:spcPts val="592"/>
         </a:spcBef>
         <a:buFont typeface="Arial" panose="020B0604020202020204" pitchFamily="34" charset="0"/>
         <a:buChar char="•"/>
-        <a:defRPr sz="1778" kern="1200">
+        <a:defRPr sz="1658" kern="1200">
           <a:solidFill>
             <a:schemeClr val="tx1"/>
           </a:solidFill>
@@ -2707,16 +2707,16 @@
           <a:cs typeface="+mn-cs"/>
         </a:defRPr>
       </a:lvl1pPr>
-      <a:lvl2pPr marL="435552" indent="-145184" algn="l" defTabSz="580735" rtl="0" eaLnBrk="1" latinLnBrk="0" hangingPunct="1">
+      <a:lvl2pPr marL="405994" indent="-135331" algn="l" defTabSz="541325" rtl="0" eaLnBrk="1" latinLnBrk="0" hangingPunct="1">
         <a:lnSpc>
           <a:spcPct val="90000"/>
         </a:lnSpc>
         <a:spcBef>
-          <a:spcPts val="318"/>
+          <a:spcPts val="296"/>
         </a:spcBef>
         <a:buFont typeface="Arial" panose="020B0604020202020204" pitchFamily="34" charset="0"/>
         <a:buChar char="•"/>
-        <a:defRPr sz="1524" kern="1200">
+        <a:defRPr sz="1421" kern="1200">
           <a:solidFill>
             <a:schemeClr val="tx1"/>
           </a:solidFill>
@@ -2725,16 +2725,16 @@
           <a:cs typeface="+mn-cs"/>
         </a:defRPr>
       </a:lvl2pPr>
-      <a:lvl3pPr marL="725919" indent="-145184" algn="l" defTabSz="580735" rtl="0" eaLnBrk="1" latinLnBrk="0" hangingPunct="1">
+      <a:lvl3pPr marL="676656" indent="-135331" algn="l" defTabSz="541325" rtl="0" eaLnBrk="1" latinLnBrk="0" hangingPunct="1">
         <a:lnSpc>
           <a:spcPct val="90000"/>
         </a:lnSpc>
         <a:spcBef>
-          <a:spcPts val="318"/>
+          <a:spcPts val="296"/>
         </a:spcBef>
         <a:buFont typeface="Arial" panose="020B0604020202020204" pitchFamily="34" charset="0"/>
         <a:buChar char="•"/>
-        <a:defRPr sz="1270" kern="1200">
+        <a:defRPr sz="1184" kern="1200">
           <a:solidFill>
             <a:schemeClr val="tx1"/>
           </a:solidFill>
@@ -2743,16 +2743,16 @@
           <a:cs typeface="+mn-cs"/>
         </a:defRPr>
       </a:lvl3pPr>
-      <a:lvl4pPr marL="1016287" indent="-145184" algn="l" defTabSz="580735" rtl="0" eaLnBrk="1" latinLnBrk="0" hangingPunct="1">
+      <a:lvl4pPr marL="947318" indent="-135331" algn="l" defTabSz="541325" rtl="0" eaLnBrk="1" latinLnBrk="0" hangingPunct="1">
         <a:lnSpc>
           <a:spcPct val="90000"/>
         </a:lnSpc>
         <a:spcBef>
-          <a:spcPts val="318"/>
+          <a:spcPts val="296"/>
         </a:spcBef>
         <a:buFont typeface="Arial" panose="020B0604020202020204" pitchFamily="34" charset="0"/>
         <a:buChar char="•"/>
-        <a:defRPr sz="1143" kern="1200">
+        <a:defRPr sz="1066" kern="1200">
           <a:solidFill>
             <a:schemeClr val="tx1"/>
           </a:solidFill>
@@ -2761,16 +2761,16 @@
           <a:cs typeface="+mn-cs"/>
         </a:defRPr>
       </a:lvl4pPr>
-      <a:lvl5pPr marL="1306655" indent="-145184" algn="l" defTabSz="580735" rtl="0" eaLnBrk="1" latinLnBrk="0" hangingPunct="1">
+      <a:lvl5pPr marL="1217981" indent="-135331" algn="l" defTabSz="541325" rtl="0" eaLnBrk="1" latinLnBrk="0" hangingPunct="1">
         <a:lnSpc>
           <a:spcPct val="90000"/>
         </a:lnSpc>
         <a:spcBef>
-          <a:spcPts val="318"/>
+          <a:spcPts val="296"/>
         </a:spcBef>
         <a:buFont typeface="Arial" panose="020B0604020202020204" pitchFamily="34" charset="0"/>
         <a:buChar char="•"/>
-        <a:defRPr sz="1143" kern="1200">
+        <a:defRPr sz="1066" kern="1200">
           <a:solidFill>
             <a:schemeClr val="tx1"/>
           </a:solidFill>
@@ -2779,16 +2779,16 @@
           <a:cs typeface="+mn-cs"/>
         </a:defRPr>
       </a:lvl5pPr>
-      <a:lvl6pPr marL="1597022" indent="-145184" algn="l" defTabSz="580735" rtl="0" eaLnBrk="1" latinLnBrk="0" hangingPunct="1">
+      <a:lvl6pPr marL="1488643" indent="-135331" algn="l" defTabSz="541325" rtl="0" eaLnBrk="1" latinLnBrk="0" hangingPunct="1">
         <a:lnSpc>
           <a:spcPct val="90000"/>
         </a:lnSpc>
         <a:spcBef>
-          <a:spcPts val="318"/>
+          <a:spcPts val="296"/>
         </a:spcBef>
         <a:buFont typeface="Arial" panose="020B0604020202020204" pitchFamily="34" charset="0"/>
         <a:buChar char="•"/>
-        <a:defRPr sz="1143" kern="1200">
+        <a:defRPr sz="1066" kern="1200">
           <a:solidFill>
             <a:schemeClr val="tx1"/>
           </a:solidFill>
@@ -2797,16 +2797,16 @@
           <a:cs typeface="+mn-cs"/>
         </a:defRPr>
       </a:lvl6pPr>
-      <a:lvl7pPr marL="1887390" indent="-145184" algn="l" defTabSz="580735" rtl="0" eaLnBrk="1" latinLnBrk="0" hangingPunct="1">
+      <a:lvl7pPr marL="1759306" indent="-135331" algn="l" defTabSz="541325" rtl="0" eaLnBrk="1" latinLnBrk="0" hangingPunct="1">
         <a:lnSpc>
           <a:spcPct val="90000"/>
         </a:lnSpc>
         <a:spcBef>
-          <a:spcPts val="318"/>
+          <a:spcPts val="296"/>
         </a:spcBef>
         <a:buFont typeface="Arial" panose="020B0604020202020204" pitchFamily="34" charset="0"/>
         <a:buChar char="•"/>
-        <a:defRPr sz="1143" kern="1200">
+        <a:defRPr sz="1066" kern="1200">
           <a:solidFill>
             <a:schemeClr val="tx1"/>
           </a:solidFill>
@@ -2815,16 +2815,16 @@
           <a:cs typeface="+mn-cs"/>
         </a:defRPr>
       </a:lvl7pPr>
-      <a:lvl8pPr marL="2177758" indent="-145184" algn="l" defTabSz="580735" rtl="0" eaLnBrk="1" latinLnBrk="0" hangingPunct="1">
+      <a:lvl8pPr marL="2029968" indent="-135331" algn="l" defTabSz="541325" rtl="0" eaLnBrk="1" latinLnBrk="0" hangingPunct="1">
         <a:lnSpc>
           <a:spcPct val="90000"/>
         </a:lnSpc>
         <a:spcBef>
-          <a:spcPts val="318"/>
+          <a:spcPts val="296"/>
         </a:spcBef>
         <a:buFont typeface="Arial" panose="020B0604020202020204" pitchFamily="34" charset="0"/>
         <a:buChar char="•"/>
-        <a:defRPr sz="1143" kern="1200">
+        <a:defRPr sz="1066" kern="1200">
           <a:solidFill>
             <a:schemeClr val="tx1"/>
           </a:solidFill>
@@ -2833,16 +2833,16 @@
           <a:cs typeface="+mn-cs"/>
         </a:defRPr>
       </a:lvl8pPr>
-      <a:lvl9pPr marL="2468126" indent="-145184" algn="l" defTabSz="580735" rtl="0" eaLnBrk="1" latinLnBrk="0" hangingPunct="1">
+      <a:lvl9pPr marL="2300630" indent="-135331" algn="l" defTabSz="541325" rtl="0" eaLnBrk="1" latinLnBrk="0" hangingPunct="1">
         <a:lnSpc>
           <a:spcPct val="90000"/>
         </a:lnSpc>
         <a:spcBef>
-          <a:spcPts val="318"/>
+          <a:spcPts val="296"/>
         </a:spcBef>
         <a:buFont typeface="Arial" panose="020B0604020202020204" pitchFamily="34" charset="0"/>
         <a:buChar char="•"/>
-        <a:defRPr sz="1143" kern="1200">
+        <a:defRPr sz="1066" kern="1200">
           <a:solidFill>
             <a:schemeClr val="tx1"/>
           </a:solidFill>
@@ -2856,8 +2856,8 @@
       <a:defPPr>
         <a:defRPr lang="en-US"/>
       </a:defPPr>
-      <a:lvl1pPr marL="0" algn="l" defTabSz="580735" rtl="0" eaLnBrk="1" latinLnBrk="0" hangingPunct="1">
-        <a:defRPr sz="1143" kern="1200">
+      <a:lvl1pPr marL="0" algn="l" defTabSz="541325" rtl="0" eaLnBrk="1" latinLnBrk="0" hangingPunct="1">
+        <a:defRPr sz="1066" kern="1200">
           <a:solidFill>
             <a:schemeClr val="tx1"/>
           </a:solidFill>
@@ -2866,8 +2866,8 @@
           <a:cs typeface="+mn-cs"/>
         </a:defRPr>
       </a:lvl1pPr>
-      <a:lvl2pPr marL="290368" algn="l" defTabSz="580735" rtl="0" eaLnBrk="1" latinLnBrk="0" hangingPunct="1">
-        <a:defRPr sz="1143" kern="1200">
+      <a:lvl2pPr marL="270662" algn="l" defTabSz="541325" rtl="0" eaLnBrk="1" latinLnBrk="0" hangingPunct="1">
+        <a:defRPr sz="1066" kern="1200">
           <a:solidFill>
             <a:schemeClr val="tx1"/>
           </a:solidFill>
@@ -2876,8 +2876,8 @@
           <a:cs typeface="+mn-cs"/>
         </a:defRPr>
       </a:lvl2pPr>
-      <a:lvl3pPr marL="580735" algn="l" defTabSz="580735" rtl="0" eaLnBrk="1" latinLnBrk="0" hangingPunct="1">
-        <a:defRPr sz="1143" kern="1200">
+      <a:lvl3pPr marL="541325" algn="l" defTabSz="541325" rtl="0" eaLnBrk="1" latinLnBrk="0" hangingPunct="1">
+        <a:defRPr sz="1066" kern="1200">
           <a:solidFill>
             <a:schemeClr val="tx1"/>
           </a:solidFill>
@@ -2886,8 +2886,8 @@
           <a:cs typeface="+mn-cs"/>
         </a:defRPr>
       </a:lvl3pPr>
-      <a:lvl4pPr marL="871103" algn="l" defTabSz="580735" rtl="0" eaLnBrk="1" latinLnBrk="0" hangingPunct="1">
-        <a:defRPr sz="1143" kern="1200">
+      <a:lvl4pPr marL="811987" algn="l" defTabSz="541325" rtl="0" eaLnBrk="1" latinLnBrk="0" hangingPunct="1">
+        <a:defRPr sz="1066" kern="1200">
           <a:solidFill>
             <a:schemeClr val="tx1"/>
           </a:solidFill>
@@ -2896,8 +2896,8 @@
           <a:cs typeface="+mn-cs"/>
         </a:defRPr>
       </a:lvl4pPr>
-      <a:lvl5pPr marL="1161471" algn="l" defTabSz="580735" rtl="0" eaLnBrk="1" latinLnBrk="0" hangingPunct="1">
-        <a:defRPr sz="1143" kern="1200">
+      <a:lvl5pPr marL="1082650" algn="l" defTabSz="541325" rtl="0" eaLnBrk="1" latinLnBrk="0" hangingPunct="1">
+        <a:defRPr sz="1066" kern="1200">
           <a:solidFill>
             <a:schemeClr val="tx1"/>
           </a:solidFill>
@@ -2906,8 +2906,8 @@
           <a:cs typeface="+mn-cs"/>
         </a:defRPr>
       </a:lvl5pPr>
-      <a:lvl6pPr marL="1451839" algn="l" defTabSz="580735" rtl="0" eaLnBrk="1" latinLnBrk="0" hangingPunct="1">
-        <a:defRPr sz="1143" kern="1200">
+      <a:lvl6pPr marL="1353312" algn="l" defTabSz="541325" rtl="0" eaLnBrk="1" latinLnBrk="0" hangingPunct="1">
+        <a:defRPr sz="1066" kern="1200">
           <a:solidFill>
             <a:schemeClr val="tx1"/>
           </a:solidFill>
@@ -2916,8 +2916,8 @@
           <a:cs typeface="+mn-cs"/>
         </a:defRPr>
       </a:lvl6pPr>
-      <a:lvl7pPr marL="1742206" algn="l" defTabSz="580735" rtl="0" eaLnBrk="1" latinLnBrk="0" hangingPunct="1">
-        <a:defRPr sz="1143" kern="1200">
+      <a:lvl7pPr marL="1623974" algn="l" defTabSz="541325" rtl="0" eaLnBrk="1" latinLnBrk="0" hangingPunct="1">
+        <a:defRPr sz="1066" kern="1200">
           <a:solidFill>
             <a:schemeClr val="tx1"/>
           </a:solidFill>
@@ -2926,8 +2926,8 @@
           <a:cs typeface="+mn-cs"/>
         </a:defRPr>
       </a:lvl7pPr>
-      <a:lvl8pPr marL="2032574" algn="l" defTabSz="580735" rtl="0" eaLnBrk="1" latinLnBrk="0" hangingPunct="1">
-        <a:defRPr sz="1143" kern="1200">
+      <a:lvl8pPr marL="1894637" algn="l" defTabSz="541325" rtl="0" eaLnBrk="1" latinLnBrk="0" hangingPunct="1">
+        <a:defRPr sz="1066" kern="1200">
           <a:solidFill>
             <a:schemeClr val="tx1"/>
           </a:solidFill>
@@ -2936,8 +2936,8 @@
           <a:cs typeface="+mn-cs"/>
         </a:defRPr>
       </a:lvl8pPr>
-      <a:lvl9pPr marL="2322942" algn="l" defTabSz="580735" rtl="0" eaLnBrk="1" latinLnBrk="0" hangingPunct="1">
-        <a:defRPr sz="1143" kern="1200">
+      <a:lvl9pPr marL="2165299" algn="l" defTabSz="541325" rtl="0" eaLnBrk="1" latinLnBrk="0" hangingPunct="1">
+        <a:defRPr sz="1066" kern="1200">
           <a:solidFill>
             <a:schemeClr val="tx1"/>
           </a:solidFill>
@@ -2970,10 +2970,10 @@
       </p:grpSpPr>
       <p:grpSp>
         <p:nvGrpSpPr>
-          <p:cNvPr id="4" name="Group 3">
+          <p:cNvPr id="5" name="Group 4">
             <a:extLst>
               <a:ext uri="{FF2B5EF4-FFF2-40B4-BE49-F238E27FC236}">
-                <a16:creationId xmlns:a16="http://schemas.microsoft.com/office/drawing/2014/main" id="{B5CA1810-0B3C-DBA4-917A-4FFFE33BB852}"/>
+                <a16:creationId xmlns:a16="http://schemas.microsoft.com/office/drawing/2014/main" id="{974A58F0-D9D2-266B-8949-C156C5F01D3A}"/>
               </a:ext>
             </a:extLst>
           </p:cNvPr>
@@ -2982,854 +2982,18 @@
         </p:nvGrpSpPr>
         <p:grpSpPr>
           <a:xfrm>
-            <a:off x="0" y="-68058"/>
-            <a:ext cx="5804235" cy="6651421"/>
-            <a:chOff x="0" y="-68058"/>
-            <a:chExt cx="5804235" cy="6651421"/>
+            <a:off x="0" y="0"/>
+            <a:ext cx="5413220" cy="6629400"/>
+            <a:chOff x="0" y="0"/>
+            <a:chExt cx="5413220" cy="6629400"/>
           </a:xfrm>
         </p:grpSpPr>
-        <p:grpSp>
-          <p:nvGrpSpPr>
-            <p:cNvPr id="5" name="Group 4">
+        <p:pic>
+          <p:nvPicPr>
+            <p:cNvPr id="6" name="Picture 5" descr="A screenshot of a graph&#10;&#10;AI-generated content may be incorrect.">
               <a:extLst>
                 <a:ext uri="{FF2B5EF4-FFF2-40B4-BE49-F238E27FC236}">
-                  <a16:creationId xmlns:a16="http://schemas.microsoft.com/office/drawing/2014/main" id="{FF80ADB5-75ED-2AED-2767-AD598DDB7C52}"/>
-                </a:ext>
-              </a:extLst>
-            </p:cNvPr>
-            <p:cNvGrpSpPr/>
-            <p:nvPr/>
-          </p:nvGrpSpPr>
-          <p:grpSpPr>
-            <a:xfrm>
-              <a:off x="2092472" y="-68058"/>
-              <a:ext cx="3711763" cy="6651421"/>
-              <a:chOff x="2153436" y="-68058"/>
-              <a:chExt cx="3711763" cy="6651421"/>
-            </a:xfrm>
-          </p:grpSpPr>
-          <p:pic>
-            <p:nvPicPr>
-              <p:cNvPr id="38" name="Picture 37" descr="A diagram of a tree&#10;&#10;AI-generated content may be incorrect.">
-                <a:extLst>
-                  <a:ext uri="{FF2B5EF4-FFF2-40B4-BE49-F238E27FC236}">
-                    <a16:creationId xmlns:a16="http://schemas.microsoft.com/office/drawing/2014/main" id="{1EB3E57D-ACA9-E038-3A2F-26FD15C3F48B}"/>
-                  </a:ext>
-                </a:extLst>
-              </p:cNvPr>
-              <p:cNvPicPr>
-                <a:picLocks noChangeAspect="1"/>
-              </p:cNvPicPr>
-              <p:nvPr/>
-            </p:nvPicPr>
-            <p:blipFill>
-              <a:blip r:embed="rId2">
-                <a:extLst>
-                  <a:ext uri="{28A0092B-C50C-407E-A947-70E740481C1C}">
-                    <a14:useLocalDpi xmlns:a14="http://schemas.microsoft.com/office/drawing/2010/main" val="0"/>
-                  </a:ext>
-                </a:extLst>
-              </a:blip>
-              <a:srcRect r="3157"/>
-              <a:stretch/>
-            </p:blipFill>
-            <p:spPr>
-              <a:xfrm>
-                <a:off x="2153436" y="0"/>
-                <a:ext cx="3711763" cy="6583363"/>
-              </a:xfrm>
-              <a:prstGeom prst="rect">
-                <a:avLst/>
-              </a:prstGeom>
-            </p:spPr>
-          </p:pic>
-          <p:sp>
-            <p:nvSpPr>
-              <p:cNvPr id="39" name="Rectangle 38">
-                <a:extLst>
-                  <a:ext uri="{FF2B5EF4-FFF2-40B4-BE49-F238E27FC236}">
-                    <a16:creationId xmlns:a16="http://schemas.microsoft.com/office/drawing/2014/main" id="{9C794AD9-C890-D91D-2BB3-AD1983AD50A9}"/>
-                  </a:ext>
-                </a:extLst>
-              </p:cNvPr>
-              <p:cNvSpPr/>
-              <p:nvPr/>
-            </p:nvSpPr>
-            <p:spPr>
-              <a:xfrm>
-                <a:off x="2192422" y="56598"/>
-                <a:ext cx="455804" cy="216838"/>
-              </a:xfrm>
-              <a:prstGeom prst="rect">
-                <a:avLst/>
-              </a:prstGeom>
-              <a:solidFill>
-                <a:schemeClr val="bg1"/>
-              </a:solidFill>
-              <a:ln>
-                <a:noFill/>
-              </a:ln>
-            </p:spPr>
-            <p:style>
-              <a:lnRef idx="2">
-                <a:schemeClr val="accent1">
-                  <a:shade val="15000"/>
-                </a:schemeClr>
-              </a:lnRef>
-              <a:fillRef idx="1">
-                <a:schemeClr val="accent1"/>
-              </a:fillRef>
-              <a:effectRef idx="0">
-                <a:schemeClr val="accent1"/>
-              </a:effectRef>
-              <a:fontRef idx="minor">
-                <a:schemeClr val="lt1"/>
-              </a:fontRef>
-            </p:style>
-            <p:txBody>
-              <a:bodyPr rtlCol="0" anchor="ctr"/>
-              <a:lstStyle/>
-              <a:p>
-                <a:pPr algn="ctr"/>
-                <a:r>
-                  <a:rPr lang="en-US" sz="1000" b="1" dirty="0">
-                    <a:solidFill>
-                      <a:schemeClr val="tx1"/>
-                    </a:solidFill>
-                    <a:latin typeface="Arial" panose="020B0604020202020204" pitchFamily="34" charset="0"/>
-                    <a:cs typeface="Arial" panose="020B0604020202020204" pitchFamily="34" charset="0"/>
-                  </a:rPr>
-                  <a:t>(B)</a:t>
-                </a:r>
-              </a:p>
-            </p:txBody>
-          </p:sp>
-          <p:sp>
-            <p:nvSpPr>
-              <p:cNvPr id="40" name="Rectangle 39">
-                <a:extLst>
-                  <a:ext uri="{FF2B5EF4-FFF2-40B4-BE49-F238E27FC236}">
-                    <a16:creationId xmlns:a16="http://schemas.microsoft.com/office/drawing/2014/main" id="{E707A12E-5634-23A1-8DCB-F335F38D1841}"/>
-                  </a:ext>
-                </a:extLst>
-              </p:cNvPr>
-              <p:cNvSpPr/>
-              <p:nvPr/>
-            </p:nvSpPr>
-            <p:spPr>
-              <a:xfrm>
-                <a:off x="2618076" y="2277082"/>
-                <a:ext cx="1187807" cy="449604"/>
-              </a:xfrm>
-              <a:prstGeom prst="rect">
-                <a:avLst/>
-              </a:prstGeom>
-              <a:solidFill>
-                <a:schemeClr val="bg1"/>
-              </a:solidFill>
-              <a:ln>
-                <a:noFill/>
-              </a:ln>
-            </p:spPr>
-            <p:style>
-              <a:lnRef idx="2">
-                <a:schemeClr val="accent1">
-                  <a:shade val="15000"/>
-                </a:schemeClr>
-              </a:lnRef>
-              <a:fillRef idx="1">
-                <a:schemeClr val="accent1"/>
-              </a:fillRef>
-              <a:effectRef idx="0">
-                <a:schemeClr val="accent1"/>
-              </a:effectRef>
-              <a:fontRef idx="minor">
-                <a:schemeClr val="lt1"/>
-              </a:fontRef>
-            </p:style>
-            <p:txBody>
-              <a:bodyPr rtlCol="0" anchor="ctr"/>
-              <a:lstStyle/>
-              <a:p>
-                <a:pPr algn="ctr"/>
-                <a:r>
-                  <a:rPr lang="en-US" sz="900" b="1" i="1" dirty="0">
-                    <a:solidFill>
-                      <a:schemeClr val="tx1"/>
-                    </a:solidFill>
-                    <a:latin typeface="Arial" panose="020B0604020202020204" pitchFamily="34" charset="0"/>
-                    <a:cs typeface="Arial" panose="020B0604020202020204" pitchFamily="34" charset="0"/>
-                  </a:rPr>
-                  <a:t>Baseline vocalization time</a:t>
-                </a:r>
-              </a:p>
-            </p:txBody>
-          </p:sp>
-          <p:cxnSp>
-            <p:nvCxnSpPr>
-              <p:cNvPr id="41" name="Straight Connector 40">
-                <a:extLst>
-                  <a:ext uri="{FF2B5EF4-FFF2-40B4-BE49-F238E27FC236}">
-                    <a16:creationId xmlns:a16="http://schemas.microsoft.com/office/drawing/2014/main" id="{D0D8C748-2512-C864-2DE4-98F3861DC344}"/>
-                  </a:ext>
-                </a:extLst>
-              </p:cNvPr>
-              <p:cNvCxnSpPr>
-                <a:cxnSpLocks/>
-              </p:cNvCxnSpPr>
-              <p:nvPr/>
-            </p:nvCxnSpPr>
-            <p:spPr>
-              <a:xfrm flipH="1">
-                <a:off x="2636035" y="1391193"/>
-                <a:ext cx="1196974" cy="0"/>
-              </a:xfrm>
-              <a:prstGeom prst="line">
-                <a:avLst/>
-              </a:prstGeom>
-              <a:ln w="6350">
-                <a:solidFill>
-                  <a:schemeClr val="tx1"/>
-                </a:solidFill>
-              </a:ln>
-            </p:spPr>
-            <p:style>
-              <a:lnRef idx="2">
-                <a:schemeClr val="accent1"/>
-              </a:lnRef>
-              <a:fillRef idx="0">
-                <a:schemeClr val="accent1"/>
-              </a:fillRef>
-              <a:effectRef idx="1">
-                <a:schemeClr val="accent1"/>
-              </a:effectRef>
-              <a:fontRef idx="minor">
-                <a:schemeClr val="tx1"/>
-              </a:fontRef>
-            </p:style>
-          </p:cxnSp>
-          <p:sp>
-            <p:nvSpPr>
-              <p:cNvPr id="42" name="Rectangle 41">
-                <a:extLst>
-                  <a:ext uri="{FF2B5EF4-FFF2-40B4-BE49-F238E27FC236}">
-                    <a16:creationId xmlns:a16="http://schemas.microsoft.com/office/drawing/2014/main" id="{02F4A9C0-EA17-2DB0-7DF9-171C11062FD2}"/>
-                  </a:ext>
-                </a:extLst>
-              </p:cNvPr>
-              <p:cNvSpPr/>
-              <p:nvPr/>
-            </p:nvSpPr>
-            <p:spPr>
-              <a:xfrm rot="16200000">
-                <a:off x="2217444" y="982603"/>
-                <a:ext cx="654711" cy="278282"/>
-              </a:xfrm>
-              <a:prstGeom prst="rect">
-                <a:avLst/>
-              </a:prstGeom>
-              <a:solidFill>
-                <a:schemeClr val="bg1"/>
-              </a:solidFill>
-              <a:ln>
-                <a:noFill/>
-              </a:ln>
-            </p:spPr>
-            <p:style>
-              <a:lnRef idx="2">
-                <a:schemeClr val="accent1">
-                  <a:shade val="15000"/>
-                </a:schemeClr>
-              </a:lnRef>
-              <a:fillRef idx="1">
-                <a:schemeClr val="accent1"/>
-              </a:fillRef>
-              <a:effectRef idx="0">
-                <a:schemeClr val="accent1"/>
-              </a:effectRef>
-              <a:fontRef idx="minor">
-                <a:schemeClr val="lt1"/>
-              </a:fontRef>
-            </p:style>
-            <p:txBody>
-              <a:bodyPr lIns="0" rIns="0" rtlCol="0" anchor="ctr"/>
-              <a:lstStyle/>
-              <a:p>
-                <a:pPr algn="ctr"/>
-                <a:r>
-                  <a:rPr lang="en-US" sz="700" i="1" dirty="0">
-                    <a:solidFill>
-                      <a:schemeClr val="tx1"/>
-                    </a:solidFill>
-                    <a:latin typeface="Arial" panose="020B0604020202020204" pitchFamily="34" charset="0"/>
-                    <a:cs typeface="Arial" panose="020B0604020202020204" pitchFamily="34" charset="0"/>
-                  </a:rPr>
-                  <a:t>shorten</a:t>
-                </a:r>
-              </a:p>
-            </p:txBody>
-          </p:sp>
-          <p:grpSp>
-            <p:nvGrpSpPr>
-              <p:cNvPr id="43" name="Group 42">
-                <a:extLst>
-                  <a:ext uri="{FF2B5EF4-FFF2-40B4-BE49-F238E27FC236}">
-                    <a16:creationId xmlns:a16="http://schemas.microsoft.com/office/drawing/2014/main" id="{26E28507-AC52-B0D0-B954-A605105D47DC}"/>
-                  </a:ext>
-                </a:extLst>
-              </p:cNvPr>
-              <p:cNvGrpSpPr/>
-              <p:nvPr/>
-            </p:nvGrpSpPr>
-            <p:grpSpPr>
-              <a:xfrm>
-                <a:off x="3157784" y="-68058"/>
-                <a:ext cx="428065" cy="756200"/>
-                <a:chOff x="674747" y="-116120"/>
-                <a:chExt cx="428065" cy="756200"/>
-              </a:xfrm>
-            </p:grpSpPr>
-            <p:sp>
-              <p:nvSpPr>
-                <p:cNvPr id="49" name="Oval 48">
-                  <a:extLst>
-                    <a:ext uri="{FF2B5EF4-FFF2-40B4-BE49-F238E27FC236}">
-                      <a16:creationId xmlns:a16="http://schemas.microsoft.com/office/drawing/2014/main" id="{ED1B9792-0AD2-498A-6B01-05FD6E078C35}"/>
-                    </a:ext>
-                  </a:extLst>
-                </p:cNvPr>
-                <p:cNvSpPr/>
-                <p:nvPr/>
-              </p:nvSpPr>
-              <p:spPr>
-                <a:xfrm>
-                  <a:off x="694368" y="548640"/>
-                  <a:ext cx="91440" cy="91440"/>
-                </a:xfrm>
-                <a:prstGeom prst="ellipse">
-                  <a:avLst/>
-                </a:prstGeom>
-                <a:solidFill>
-                  <a:schemeClr val="tx1"/>
-                </a:solidFill>
-                <a:ln>
-                  <a:noFill/>
-                </a:ln>
-              </p:spPr>
-              <p:style>
-                <a:lnRef idx="2">
-                  <a:schemeClr val="accent1">
-                    <a:shade val="15000"/>
-                  </a:schemeClr>
-                </a:lnRef>
-                <a:fillRef idx="1">
-                  <a:schemeClr val="accent1"/>
-                </a:fillRef>
-                <a:effectRef idx="0">
-                  <a:schemeClr val="accent1"/>
-                </a:effectRef>
-                <a:fontRef idx="minor">
-                  <a:schemeClr val="lt1"/>
-                </a:fontRef>
-              </p:style>
-              <p:txBody>
-                <a:bodyPr rtlCol="0" anchor="ctr"/>
-                <a:lstStyle/>
-                <a:p>
-                  <a:pPr algn="ctr"/>
-                  <a:endParaRPr lang="en-US"/>
-                </a:p>
-              </p:txBody>
-            </p:sp>
-            <p:sp>
-              <p:nvSpPr>
-                <p:cNvPr id="50" name="Oval 49">
-                  <a:extLst>
-                    <a:ext uri="{FF2B5EF4-FFF2-40B4-BE49-F238E27FC236}">
-                      <a16:creationId xmlns:a16="http://schemas.microsoft.com/office/drawing/2014/main" id="{FBC4CF2F-64CB-EB2F-1D1D-CE15D5F44CE3}"/>
-                    </a:ext>
-                  </a:extLst>
-                </p:cNvPr>
-                <p:cNvSpPr/>
-                <p:nvPr/>
-              </p:nvSpPr>
-              <p:spPr>
-                <a:xfrm>
-                  <a:off x="850039" y="548640"/>
-                  <a:ext cx="91440" cy="91440"/>
-                </a:xfrm>
-                <a:prstGeom prst="ellipse">
-                  <a:avLst/>
-                </a:prstGeom>
-                <a:solidFill>
-                  <a:schemeClr val="tx1"/>
-                </a:solidFill>
-                <a:ln>
-                  <a:noFill/>
-                </a:ln>
-              </p:spPr>
-              <p:style>
-                <a:lnRef idx="2">
-                  <a:schemeClr val="accent1">
-                    <a:shade val="15000"/>
-                  </a:schemeClr>
-                </a:lnRef>
-                <a:fillRef idx="1">
-                  <a:schemeClr val="accent1"/>
-                </a:fillRef>
-                <a:effectRef idx="0">
-                  <a:schemeClr val="accent1"/>
-                </a:effectRef>
-                <a:fontRef idx="minor">
-                  <a:schemeClr val="lt1"/>
-                </a:fontRef>
-              </p:style>
-              <p:txBody>
-                <a:bodyPr rtlCol="0" anchor="ctr"/>
-                <a:lstStyle/>
-                <a:p>
-                  <a:pPr algn="ctr"/>
-                  <a:endParaRPr lang="en-US"/>
-                </a:p>
-              </p:txBody>
-            </p:sp>
-            <p:sp>
-              <p:nvSpPr>
-                <p:cNvPr id="51" name="Rectangle 50">
-                  <a:extLst>
-                    <a:ext uri="{FF2B5EF4-FFF2-40B4-BE49-F238E27FC236}">
-                      <a16:creationId xmlns:a16="http://schemas.microsoft.com/office/drawing/2014/main" id="{FFD56065-72FD-0159-E4EF-C5FAC4C6E784}"/>
-                    </a:ext>
-                  </a:extLst>
-                </p:cNvPr>
-                <p:cNvSpPr/>
-                <p:nvPr/>
-              </p:nvSpPr>
-              <p:spPr>
-                <a:xfrm rot="17334247">
-                  <a:off x="537730" y="245710"/>
-                  <a:ext cx="508984" cy="234949"/>
-                </a:xfrm>
-                <a:prstGeom prst="rect">
-                  <a:avLst/>
-                </a:prstGeom>
-                <a:noFill/>
-                <a:ln>
-                  <a:noFill/>
-                </a:ln>
-              </p:spPr>
-              <p:style>
-                <a:lnRef idx="2">
-                  <a:schemeClr val="accent1">
-                    <a:shade val="15000"/>
-                  </a:schemeClr>
-                </a:lnRef>
-                <a:fillRef idx="1">
-                  <a:schemeClr val="accent1"/>
-                </a:fillRef>
-                <a:effectRef idx="0">
-                  <a:schemeClr val="accent1"/>
-                </a:effectRef>
-                <a:fontRef idx="minor">
-                  <a:schemeClr val="lt1"/>
-                </a:fontRef>
-              </p:style>
-              <p:txBody>
-                <a:bodyPr rtlCol="0" anchor="ctr"/>
-                <a:lstStyle/>
-                <a:p>
-                  <a:r>
-                    <a:rPr lang="en-US" sz="900" i="1" dirty="0">
-                      <a:solidFill>
-                        <a:schemeClr val="tx1"/>
-                      </a:solidFill>
-                      <a:latin typeface="Arial" panose="020B0604020202020204" pitchFamily="34" charset="0"/>
-                      <a:cs typeface="Arial" panose="020B0604020202020204" pitchFamily="34" charset="0"/>
-                    </a:rPr>
-                    <a:t>Onset</a:t>
-                  </a:r>
-                </a:p>
-              </p:txBody>
-            </p:sp>
-            <p:sp>
-              <p:nvSpPr>
-                <p:cNvPr id="52" name="Rectangle 51">
-                  <a:extLst>
-                    <a:ext uri="{FF2B5EF4-FFF2-40B4-BE49-F238E27FC236}">
-                      <a16:creationId xmlns:a16="http://schemas.microsoft.com/office/drawing/2014/main" id="{2C94DEA9-41C4-DA2E-AE29-AA53D786E569}"/>
-                    </a:ext>
-                  </a:extLst>
-                </p:cNvPr>
-                <p:cNvSpPr/>
-                <p:nvPr/>
-              </p:nvSpPr>
-              <p:spPr>
-                <a:xfrm rot="17334247">
-                  <a:off x="615324" y="136419"/>
-                  <a:ext cx="740027" cy="234949"/>
-                </a:xfrm>
-                <a:prstGeom prst="rect">
-                  <a:avLst/>
-                </a:prstGeom>
-                <a:noFill/>
-                <a:ln>
-                  <a:noFill/>
-                </a:ln>
-              </p:spPr>
-              <p:style>
-                <a:lnRef idx="2">
-                  <a:schemeClr val="accent1">
-                    <a:shade val="15000"/>
-                  </a:schemeClr>
-                </a:lnRef>
-                <a:fillRef idx="1">
-                  <a:schemeClr val="accent1"/>
-                </a:fillRef>
-                <a:effectRef idx="0">
-                  <a:schemeClr val="accent1"/>
-                </a:effectRef>
-                <a:fontRef idx="minor">
-                  <a:schemeClr val="lt1"/>
-                </a:fontRef>
-              </p:style>
-              <p:txBody>
-                <a:bodyPr rtlCol="0" anchor="ctr"/>
-                <a:lstStyle/>
-                <a:p>
-                  <a:r>
-                    <a:rPr lang="en-US" sz="900" i="1" dirty="0">
-                      <a:solidFill>
-                        <a:schemeClr val="tx1"/>
-                      </a:solidFill>
-                      <a:latin typeface="Arial" panose="020B0604020202020204" pitchFamily="34" charset="0"/>
-                      <a:cs typeface="Arial" panose="020B0604020202020204" pitchFamily="34" charset="0"/>
-                    </a:rPr>
-                    <a:t>Cessation</a:t>
-                  </a:r>
-                </a:p>
-              </p:txBody>
-            </p:sp>
-          </p:grpSp>
-          <p:sp>
-            <p:nvSpPr>
-              <p:cNvPr id="44" name="Rectangle 43">
-                <a:extLst>
-                  <a:ext uri="{FF2B5EF4-FFF2-40B4-BE49-F238E27FC236}">
-                    <a16:creationId xmlns:a16="http://schemas.microsoft.com/office/drawing/2014/main" id="{55A0E196-CDD0-BA09-8036-812DF77A0C88}"/>
-                  </a:ext>
-                </a:extLst>
-              </p:cNvPr>
-              <p:cNvSpPr/>
-              <p:nvPr/>
-            </p:nvSpPr>
-            <p:spPr>
-              <a:xfrm rot="16200000">
-                <a:off x="2215984" y="1552902"/>
-                <a:ext cx="654711" cy="278282"/>
-              </a:xfrm>
-              <a:prstGeom prst="rect">
-                <a:avLst/>
-              </a:prstGeom>
-              <a:solidFill>
-                <a:schemeClr val="bg1"/>
-              </a:solidFill>
-              <a:ln>
-                <a:noFill/>
-              </a:ln>
-            </p:spPr>
-            <p:style>
-              <a:lnRef idx="2">
-                <a:schemeClr val="accent1">
-                  <a:shade val="15000"/>
-                </a:schemeClr>
-              </a:lnRef>
-              <a:fillRef idx="1">
-                <a:schemeClr val="accent1"/>
-              </a:fillRef>
-              <a:effectRef idx="0">
-                <a:schemeClr val="accent1"/>
-              </a:effectRef>
-              <a:fontRef idx="minor">
-                <a:schemeClr val="lt1"/>
-              </a:fontRef>
-            </p:style>
-            <p:txBody>
-              <a:bodyPr lIns="0" rIns="0" rtlCol="0" anchor="ctr"/>
-              <a:lstStyle/>
-              <a:p>
-                <a:pPr algn="ctr"/>
-                <a:r>
-                  <a:rPr lang="en-US" sz="700" i="1" dirty="0">
-                    <a:solidFill>
-                      <a:schemeClr val="tx1"/>
-                    </a:solidFill>
-                    <a:latin typeface="Arial" panose="020B0604020202020204" pitchFamily="34" charset="0"/>
-                    <a:cs typeface="Arial" panose="020B0604020202020204" pitchFamily="34" charset="0"/>
-                  </a:rPr>
-                  <a:t>prolong</a:t>
-                </a:r>
-              </a:p>
-            </p:txBody>
-          </p:sp>
-          <p:sp>
-            <p:nvSpPr>
-              <p:cNvPr id="45" name="Rectangle 44">
-                <a:extLst>
-                  <a:ext uri="{FF2B5EF4-FFF2-40B4-BE49-F238E27FC236}">
-                    <a16:creationId xmlns:a16="http://schemas.microsoft.com/office/drawing/2014/main" id="{1CB01B5E-2052-50D1-D594-392D751E4CB0}"/>
-                  </a:ext>
-                </a:extLst>
-              </p:cNvPr>
-              <p:cNvSpPr/>
-              <p:nvPr/>
-            </p:nvSpPr>
-            <p:spPr>
-              <a:xfrm rot="16200000">
-                <a:off x="1677762" y="1258402"/>
-                <a:ext cx="1370967" cy="278282"/>
-              </a:xfrm>
-              <a:prstGeom prst="rect">
-                <a:avLst/>
-              </a:prstGeom>
-              <a:solidFill>
-                <a:schemeClr val="bg1"/>
-              </a:solidFill>
-              <a:ln>
-                <a:noFill/>
-              </a:ln>
-            </p:spPr>
-            <p:style>
-              <a:lnRef idx="2">
-                <a:schemeClr val="accent1">
-                  <a:shade val="15000"/>
-                </a:schemeClr>
-              </a:lnRef>
-              <a:fillRef idx="1">
-                <a:schemeClr val="accent1"/>
-              </a:fillRef>
-              <a:effectRef idx="0">
-                <a:schemeClr val="accent1"/>
-              </a:effectRef>
-              <a:fontRef idx="minor">
-                <a:schemeClr val="lt1"/>
-              </a:fontRef>
-            </p:style>
-            <p:txBody>
-              <a:bodyPr rtlCol="0" anchor="ctr"/>
-              <a:lstStyle/>
-              <a:p>
-                <a:pPr algn="ctr"/>
-                <a:r>
-                  <a:rPr lang="en-US" sz="900" b="1" i="1" dirty="0">
-                    <a:solidFill>
-                      <a:schemeClr val="tx1"/>
-                    </a:solidFill>
-                    <a:latin typeface="Arial" panose="020B0604020202020204" pitchFamily="34" charset="0"/>
-                    <a:cs typeface="Arial" panose="020B0604020202020204" pitchFamily="34" charset="0"/>
-                  </a:rPr>
-                  <a:t>Light pollution effect</a:t>
-                </a:r>
-              </a:p>
-            </p:txBody>
-          </p:sp>
-          <p:sp>
-            <p:nvSpPr>
-              <p:cNvPr id="46" name="Rectangle 45">
-                <a:extLst>
-                  <a:ext uri="{FF2B5EF4-FFF2-40B4-BE49-F238E27FC236}">
-                    <a16:creationId xmlns:a16="http://schemas.microsoft.com/office/drawing/2014/main" id="{0B00ECF3-E24B-1467-FAB0-E4938865A9F6}"/>
-                  </a:ext>
-                </a:extLst>
-              </p:cNvPr>
-              <p:cNvSpPr/>
-              <p:nvPr/>
-            </p:nvSpPr>
-            <p:spPr>
-              <a:xfrm>
-                <a:off x="2583629" y="2026746"/>
-                <a:ext cx="712021" cy="278282"/>
-              </a:xfrm>
-              <a:prstGeom prst="rect">
-                <a:avLst/>
-              </a:prstGeom>
-              <a:solidFill>
-                <a:schemeClr val="bg1"/>
-              </a:solidFill>
-              <a:ln>
-                <a:noFill/>
-              </a:ln>
-            </p:spPr>
-            <p:style>
-              <a:lnRef idx="2">
-                <a:schemeClr val="accent1">
-                  <a:shade val="15000"/>
-                </a:schemeClr>
-              </a:lnRef>
-              <a:fillRef idx="1">
-                <a:schemeClr val="accent1"/>
-              </a:fillRef>
-              <a:effectRef idx="0">
-                <a:schemeClr val="accent1"/>
-              </a:effectRef>
-              <a:fontRef idx="minor">
-                <a:schemeClr val="lt1"/>
-              </a:fontRef>
-            </p:style>
-            <p:txBody>
-              <a:bodyPr lIns="0" rIns="0" rtlCol="0" anchor="ctr"/>
-              <a:lstStyle/>
-              <a:p>
-                <a:pPr algn="ctr"/>
-                <a:r>
-                  <a:rPr lang="en-US" sz="700" i="1" dirty="0">
-                    <a:solidFill>
-                      <a:schemeClr val="tx1"/>
-                    </a:solidFill>
-                    <a:latin typeface="Arial" panose="020B0604020202020204" pitchFamily="34" charset="0"/>
-                    <a:cs typeface="Arial" panose="020B0604020202020204" pitchFamily="34" charset="0"/>
-                  </a:rPr>
-                  <a:t>before sunrise</a:t>
-                </a:r>
-              </a:p>
-              <a:p>
-                <a:pPr algn="ctr"/>
-                <a:r>
-                  <a:rPr lang="en-US" sz="700" i="1" dirty="0">
-                    <a:solidFill>
-                      <a:schemeClr val="tx1"/>
-                    </a:solidFill>
-                    <a:latin typeface="Arial" panose="020B0604020202020204" pitchFamily="34" charset="0"/>
-                    <a:cs typeface="Arial" panose="020B0604020202020204" pitchFamily="34" charset="0"/>
-                  </a:rPr>
-                  <a:t>after sunset</a:t>
-                </a:r>
-              </a:p>
-            </p:txBody>
-          </p:sp>
-          <p:sp>
-            <p:nvSpPr>
-              <p:cNvPr id="47" name="Rectangle 46">
-                <a:extLst>
-                  <a:ext uri="{FF2B5EF4-FFF2-40B4-BE49-F238E27FC236}">
-                    <a16:creationId xmlns:a16="http://schemas.microsoft.com/office/drawing/2014/main" id="{D81BE729-2E96-4F35-CBBD-D0C7BB1509C1}"/>
-                  </a:ext>
-                </a:extLst>
-              </p:cNvPr>
-              <p:cNvSpPr/>
-              <p:nvPr/>
-            </p:nvSpPr>
-            <p:spPr>
-              <a:xfrm>
-                <a:off x="3237358" y="2026746"/>
-                <a:ext cx="693432" cy="278282"/>
-              </a:xfrm>
-              <a:prstGeom prst="rect">
-                <a:avLst/>
-              </a:prstGeom>
-              <a:solidFill>
-                <a:schemeClr val="bg1"/>
-              </a:solidFill>
-              <a:ln>
-                <a:noFill/>
-              </a:ln>
-            </p:spPr>
-            <p:style>
-              <a:lnRef idx="2">
-                <a:schemeClr val="accent1">
-                  <a:shade val="15000"/>
-                </a:schemeClr>
-              </a:lnRef>
-              <a:fillRef idx="1">
-                <a:schemeClr val="accent1"/>
-              </a:fillRef>
-              <a:effectRef idx="0">
-                <a:schemeClr val="accent1"/>
-              </a:effectRef>
-              <a:fontRef idx="minor">
-                <a:schemeClr val="lt1"/>
-              </a:fontRef>
-            </p:style>
-            <p:txBody>
-              <a:bodyPr lIns="0" rIns="0" rtlCol="0" anchor="ctr"/>
-              <a:lstStyle/>
-              <a:p>
-                <a:pPr algn="ctr"/>
-                <a:r>
-                  <a:rPr lang="en-US" sz="700" i="1" dirty="0">
-                    <a:solidFill>
-                      <a:schemeClr val="tx1"/>
-                    </a:solidFill>
-                    <a:latin typeface="Arial" panose="020B0604020202020204" pitchFamily="34" charset="0"/>
-                    <a:cs typeface="Arial" panose="020B0604020202020204" pitchFamily="34" charset="0"/>
-                  </a:rPr>
-                  <a:t>after sunrise</a:t>
-                </a:r>
-              </a:p>
-              <a:p>
-                <a:pPr algn="ctr"/>
-                <a:r>
-                  <a:rPr lang="en-US" sz="700" i="1" dirty="0">
-                    <a:solidFill>
-                      <a:schemeClr val="tx1"/>
-                    </a:solidFill>
-                    <a:latin typeface="Arial" panose="020B0604020202020204" pitchFamily="34" charset="0"/>
-                    <a:cs typeface="Arial" panose="020B0604020202020204" pitchFamily="34" charset="0"/>
-                  </a:rPr>
-                  <a:t>before sunset</a:t>
-                </a:r>
-              </a:p>
-            </p:txBody>
-          </p:sp>
-          <p:cxnSp>
-            <p:nvCxnSpPr>
-              <p:cNvPr id="48" name="Straight Connector 47">
-                <a:extLst>
-                  <a:ext uri="{FF2B5EF4-FFF2-40B4-BE49-F238E27FC236}">
-                    <a16:creationId xmlns:a16="http://schemas.microsoft.com/office/drawing/2014/main" id="{9E0B1541-F6FC-9E2F-F004-665DDAB4DE40}"/>
-                  </a:ext>
-                </a:extLst>
-              </p:cNvPr>
-              <p:cNvCxnSpPr>
-                <a:cxnSpLocks/>
-              </p:cNvCxnSpPr>
-              <p:nvPr/>
-            </p:nvCxnSpPr>
-            <p:spPr>
-              <a:xfrm>
-                <a:off x="3258494" y="823225"/>
-                <a:ext cx="8429" cy="1453857"/>
-              </a:xfrm>
-              <a:prstGeom prst="line">
-                <a:avLst/>
-              </a:prstGeom>
-              <a:ln w="6350">
-                <a:solidFill>
-                  <a:schemeClr val="tx1"/>
-                </a:solidFill>
-              </a:ln>
-            </p:spPr>
-            <p:style>
-              <a:lnRef idx="2">
-                <a:schemeClr val="accent1"/>
-              </a:lnRef>
-              <a:fillRef idx="0">
-                <a:schemeClr val="accent1"/>
-              </a:fillRef>
-              <a:effectRef idx="1">
-                <a:schemeClr val="accent1"/>
-              </a:effectRef>
-              <a:fontRef idx="minor">
-                <a:schemeClr val="tx1"/>
-              </a:fontRef>
-            </p:style>
-          </p:cxnSp>
-        </p:grpSp>
-        <p:pic>
-          <p:nvPicPr>
-            <p:cNvPr id="6" name="Picture 5" descr="A graph of a graph showing different colors&#10;&#10;AI-generated content may be incorrect.">
-              <a:extLst>
-                <a:ext uri="{FF2B5EF4-FFF2-40B4-BE49-F238E27FC236}">
-                  <a16:creationId xmlns:a16="http://schemas.microsoft.com/office/drawing/2014/main" id="{40F7CF75-53C1-CEF1-A20C-1B1C0BE89344}"/>
+                  <a16:creationId xmlns:a16="http://schemas.microsoft.com/office/drawing/2014/main" id="{9911F05B-6C9F-54D5-5B11-A075DB288353}"/>
                 </a:ext>
               </a:extLst>
             </p:cNvPr>
@@ -3839,7 +3003,7 @@
             <p:nvPr/>
           </p:nvPicPr>
           <p:blipFill>
-            <a:blip r:embed="rId3">
+            <a:blip r:embed="rId2">
               <a:extLst>
                 <a:ext uri="{28A0092B-C50C-407E-A947-70E740481C1C}">
                   <a14:useLocalDpi xmlns:a14="http://schemas.microsoft.com/office/drawing/2010/main" val="0"/>
@@ -3853,7 +3017,7 @@
           <p:spPr>
             <a:xfrm>
               <a:off x="0" y="0"/>
-              <a:ext cx="2254577" cy="6583363"/>
+              <a:ext cx="2270343" cy="6629400"/>
             </a:xfrm>
             <a:prstGeom prst="rect">
               <a:avLst/>
@@ -3865,7 +3029,7 @@
             <p:cNvPr id="7" name="Rectangle 6">
               <a:extLst>
                 <a:ext uri="{FF2B5EF4-FFF2-40B4-BE49-F238E27FC236}">
-                  <a16:creationId xmlns:a16="http://schemas.microsoft.com/office/drawing/2014/main" id="{D6DF4F0B-F741-1649-C8E7-FFF95FD20C61}"/>
+                  <a16:creationId xmlns:a16="http://schemas.microsoft.com/office/drawing/2014/main" id="{30C6974D-829A-2179-ACC6-51BB4564C8D2}"/>
                 </a:ext>
               </a:extLst>
             </p:cNvPr>
@@ -3926,7 +3090,7 @@
             <p:cNvPr id="8" name="Rectangle 7">
               <a:extLst>
                 <a:ext uri="{FF2B5EF4-FFF2-40B4-BE49-F238E27FC236}">
-                  <a16:creationId xmlns:a16="http://schemas.microsoft.com/office/drawing/2014/main" id="{10EAACAD-8445-A207-ECD5-4056168560AF}"/>
+                  <a16:creationId xmlns:a16="http://schemas.microsoft.com/office/drawing/2014/main" id="{9AFDFB4A-B05D-6FE8-EDB4-6831136A5ED7}"/>
                 </a:ext>
               </a:extLst>
             </p:cNvPr>
@@ -3935,7 +3099,7 @@
           </p:nvSpPr>
           <p:spPr>
             <a:xfrm>
-              <a:off x="367411" y="6198907"/>
+              <a:off x="367411" y="6237007"/>
               <a:ext cx="777755" cy="27432"/>
             </a:xfrm>
             <a:prstGeom prst="rect">
@@ -3989,7 +3153,7 @@
             <p:cNvPr id="9" name="Rectangle 8">
               <a:extLst>
                 <a:ext uri="{FF2B5EF4-FFF2-40B4-BE49-F238E27FC236}">
-                  <a16:creationId xmlns:a16="http://schemas.microsoft.com/office/drawing/2014/main" id="{FEEBF815-8B19-C321-3966-45413DC1B863}"/>
+                  <a16:creationId xmlns:a16="http://schemas.microsoft.com/office/drawing/2014/main" id="{718D74A5-B9D4-E582-D31C-6B808A430230}"/>
                 </a:ext>
               </a:extLst>
             </p:cNvPr>
@@ -3998,7 +3162,7 @@
           </p:nvSpPr>
           <p:spPr>
             <a:xfrm>
-              <a:off x="455804" y="1016937"/>
+              <a:off x="455804" y="1059800"/>
               <a:ext cx="654711" cy="278282"/>
             </a:xfrm>
             <a:prstGeom prst="rect">
@@ -4048,7 +3212,7 @@
             <p:cNvPr id="10" name="Rectangle 9">
               <a:extLst>
                 <a:ext uri="{FF2B5EF4-FFF2-40B4-BE49-F238E27FC236}">
-                  <a16:creationId xmlns:a16="http://schemas.microsoft.com/office/drawing/2014/main" id="{790757F3-27AF-B9C7-47B5-FC86DBAC98D3}"/>
+                  <a16:creationId xmlns:a16="http://schemas.microsoft.com/office/drawing/2014/main" id="{70F1EB33-1B98-33CA-D66C-F3BE23DE9F6A}"/>
                 </a:ext>
               </a:extLst>
             </p:cNvPr>
@@ -4057,7 +3221,7 @@
           </p:nvSpPr>
           <p:spPr>
             <a:xfrm>
-              <a:off x="322156" y="1271414"/>
+              <a:off x="322156" y="1292843"/>
               <a:ext cx="654711" cy="278282"/>
             </a:xfrm>
             <a:prstGeom prst="rect">
@@ -4107,7 +3271,7 @@
             <p:cNvPr id="11" name="Rectangle 10">
               <a:extLst>
                 <a:ext uri="{FF2B5EF4-FFF2-40B4-BE49-F238E27FC236}">
-                  <a16:creationId xmlns:a16="http://schemas.microsoft.com/office/drawing/2014/main" id="{3E8B7BBF-32AF-AA53-D614-0B3BF5C30C67}"/>
+                  <a16:creationId xmlns:a16="http://schemas.microsoft.com/office/drawing/2014/main" id="{28CCBF09-8413-875F-99B2-ABC14EA56D05}"/>
                 </a:ext>
               </a:extLst>
             </p:cNvPr>
@@ -4116,7 +3280,7 @@
           </p:nvSpPr>
           <p:spPr>
             <a:xfrm>
-              <a:off x="1404132" y="1777864"/>
+              <a:off x="1404132" y="1787389"/>
               <a:ext cx="654711" cy="278282"/>
             </a:xfrm>
             <a:prstGeom prst="rect">
@@ -4166,7 +3330,7 @@
             <p:cNvPr id="12" name="Rectangle 11">
               <a:extLst>
                 <a:ext uri="{FF2B5EF4-FFF2-40B4-BE49-F238E27FC236}">
-                  <a16:creationId xmlns:a16="http://schemas.microsoft.com/office/drawing/2014/main" id="{DCE1E40D-7AD5-DFD8-14B5-3C617A374A01}"/>
+                  <a16:creationId xmlns:a16="http://schemas.microsoft.com/office/drawing/2014/main" id="{9D2B95E3-33A8-BC3A-8305-AD6E32826F02}"/>
                 </a:ext>
               </a:extLst>
             </p:cNvPr>
@@ -4225,7 +3389,7 @@
             <p:cNvPr id="13" name="Rectangle 12">
               <a:extLst>
                 <a:ext uri="{FF2B5EF4-FFF2-40B4-BE49-F238E27FC236}">
-                  <a16:creationId xmlns:a16="http://schemas.microsoft.com/office/drawing/2014/main" id="{AEF99595-4C64-A4A7-4F53-86B1B6F98E07}"/>
+                  <a16:creationId xmlns:a16="http://schemas.microsoft.com/office/drawing/2014/main" id="{B1F1474A-B482-8297-A384-D66FB9AF5FA5}"/>
                 </a:ext>
               </a:extLst>
             </p:cNvPr>
@@ -4234,7 +3398,7 @@
           </p:nvSpPr>
           <p:spPr>
             <a:xfrm>
-              <a:off x="496806" y="345686"/>
+              <a:off x="499187" y="369496"/>
               <a:ext cx="654711" cy="278282"/>
             </a:xfrm>
             <a:prstGeom prst="rect">
@@ -4284,7 +3448,7 @@
             <p:cNvPr id="14" name="Rectangle 13">
               <a:extLst>
                 <a:ext uri="{FF2B5EF4-FFF2-40B4-BE49-F238E27FC236}">
-                  <a16:creationId xmlns:a16="http://schemas.microsoft.com/office/drawing/2014/main" id="{6961BE4F-1DA3-CFCB-08CA-BB63383BC454}"/>
+                  <a16:creationId xmlns:a16="http://schemas.microsoft.com/office/drawing/2014/main" id="{342D94C6-F13E-5A9B-93A4-903A8771727A}"/>
                 </a:ext>
               </a:extLst>
             </p:cNvPr>
@@ -4293,7 +3457,7 @@
           </p:nvSpPr>
           <p:spPr>
             <a:xfrm>
-              <a:off x="490455" y="522856"/>
+              <a:off x="480931" y="527618"/>
               <a:ext cx="654711" cy="278282"/>
             </a:xfrm>
             <a:prstGeom prst="rect">
@@ -4343,7 +3507,7 @@
             <p:cNvPr id="15" name="Rectangle 14">
               <a:extLst>
                 <a:ext uri="{FF2B5EF4-FFF2-40B4-BE49-F238E27FC236}">
-                  <a16:creationId xmlns:a16="http://schemas.microsoft.com/office/drawing/2014/main" id="{EA4CEA71-2326-85AF-5D3C-6CBF4CDD7D8B}"/>
+                  <a16:creationId xmlns:a16="http://schemas.microsoft.com/office/drawing/2014/main" id="{24AE852B-774D-8753-3E00-C9D1A80068FF}"/>
                 </a:ext>
               </a:extLst>
             </p:cNvPr>
@@ -4402,7 +3566,7 @@
             <p:cNvPr id="16" name="Rectangle 15">
               <a:extLst>
                 <a:ext uri="{FF2B5EF4-FFF2-40B4-BE49-F238E27FC236}">
-                  <a16:creationId xmlns:a16="http://schemas.microsoft.com/office/drawing/2014/main" id="{5BED8B75-3FD9-48D9-1722-DBFC2D3A9FCB}"/>
+                  <a16:creationId xmlns:a16="http://schemas.microsoft.com/office/drawing/2014/main" id="{3771E605-048E-DD68-9C85-320BDE929F9C}"/>
                 </a:ext>
               </a:extLst>
             </p:cNvPr>
@@ -4411,7 +3575,7 @@
           </p:nvSpPr>
           <p:spPr>
             <a:xfrm>
-              <a:off x="1526887" y="708222"/>
+              <a:off x="1526887" y="715365"/>
               <a:ext cx="274320" cy="278282"/>
             </a:xfrm>
             <a:prstGeom prst="rect">
@@ -4461,7 +3625,7 @@
             <p:cNvPr id="17" name="Rectangle 16">
               <a:extLst>
                 <a:ext uri="{FF2B5EF4-FFF2-40B4-BE49-F238E27FC236}">
-                  <a16:creationId xmlns:a16="http://schemas.microsoft.com/office/drawing/2014/main" id="{EB3DF738-6F3B-6E1B-48F2-9F0CC5737196}"/>
+                  <a16:creationId xmlns:a16="http://schemas.microsoft.com/office/drawing/2014/main" id="{441D435E-A58A-5023-1850-7EDB37241F14}"/>
                 </a:ext>
               </a:extLst>
             </p:cNvPr>
@@ -4470,7 +3634,7 @@
           </p:nvSpPr>
           <p:spPr>
             <a:xfrm>
-              <a:off x="503286" y="2811588"/>
+              <a:off x="503286" y="2844922"/>
               <a:ext cx="654711" cy="278282"/>
             </a:xfrm>
             <a:prstGeom prst="rect">
@@ -4520,7 +3684,7 @@
             <p:cNvPr id="18" name="Rectangle 17">
               <a:extLst>
                 <a:ext uri="{FF2B5EF4-FFF2-40B4-BE49-F238E27FC236}">
-                  <a16:creationId xmlns:a16="http://schemas.microsoft.com/office/drawing/2014/main" id="{7F18962D-8D9A-F826-5B37-5C1453CC2388}"/>
+                  <a16:creationId xmlns:a16="http://schemas.microsoft.com/office/drawing/2014/main" id="{CB288260-097C-7583-5271-49D2674938F0}"/>
                 </a:ext>
               </a:extLst>
             </p:cNvPr>
@@ -4529,7 +3693,7 @@
           </p:nvSpPr>
           <p:spPr>
             <a:xfrm>
-              <a:off x="264326" y="2974298"/>
+              <a:off x="264326" y="3015573"/>
               <a:ext cx="654711" cy="278282"/>
             </a:xfrm>
             <a:prstGeom prst="rect">
@@ -4579,7 +3743,7 @@
             <p:cNvPr id="19" name="Rectangle 18">
               <a:extLst>
                 <a:ext uri="{FF2B5EF4-FFF2-40B4-BE49-F238E27FC236}">
-                  <a16:creationId xmlns:a16="http://schemas.microsoft.com/office/drawing/2014/main" id="{CD867754-E49A-9740-B7BC-0F98B1F469CA}"/>
+                  <a16:creationId xmlns:a16="http://schemas.microsoft.com/office/drawing/2014/main" id="{09CD65C7-8130-B702-A63F-FCFD19464F47}"/>
                 </a:ext>
               </a:extLst>
             </p:cNvPr>
@@ -4588,7 +3752,7 @@
           </p:nvSpPr>
           <p:spPr>
             <a:xfrm>
-              <a:off x="1404132" y="3121540"/>
+              <a:off x="1404132" y="3165990"/>
               <a:ext cx="274320" cy="278282"/>
             </a:xfrm>
             <a:prstGeom prst="rect">
@@ -4638,7 +3802,7 @@
             <p:cNvPr id="20" name="Rectangle 19">
               <a:extLst>
                 <a:ext uri="{FF2B5EF4-FFF2-40B4-BE49-F238E27FC236}">
-                  <a16:creationId xmlns:a16="http://schemas.microsoft.com/office/drawing/2014/main" id="{6FFD334E-BB50-B7AD-A909-405ACB25FA7E}"/>
+                  <a16:creationId xmlns:a16="http://schemas.microsoft.com/office/drawing/2014/main" id="{BAA3C473-1722-5A9D-4ED8-38B1C78E5583}"/>
                 </a:ext>
               </a:extLst>
             </p:cNvPr>
@@ -4647,7 +3811,7 @@
           </p:nvSpPr>
           <p:spPr>
             <a:xfrm>
-              <a:off x="1371087" y="3495583"/>
+              <a:off x="1371087" y="3511458"/>
               <a:ext cx="274320" cy="278282"/>
             </a:xfrm>
             <a:prstGeom prst="rect">
@@ -4697,7 +3861,7 @@
             <p:cNvPr id="21" name="Rectangle 20">
               <a:extLst>
                 <a:ext uri="{FF2B5EF4-FFF2-40B4-BE49-F238E27FC236}">
-                  <a16:creationId xmlns:a16="http://schemas.microsoft.com/office/drawing/2014/main" id="{9B4C3943-4DE7-B549-9449-35A5614AB915}"/>
+                  <a16:creationId xmlns:a16="http://schemas.microsoft.com/office/drawing/2014/main" id="{D74B4E12-BBD9-4050-EE36-8027E53E6947}"/>
                 </a:ext>
               </a:extLst>
             </p:cNvPr>
@@ -4706,7 +3870,7 @@
           </p:nvSpPr>
           <p:spPr>
             <a:xfrm>
-              <a:off x="271659" y="3832301"/>
+              <a:off x="271659" y="3876751"/>
               <a:ext cx="654711" cy="278282"/>
             </a:xfrm>
             <a:prstGeom prst="rect">
@@ -4756,7 +3920,7 @@
             <p:cNvPr id="22" name="Rectangle 21">
               <a:extLst>
                 <a:ext uri="{FF2B5EF4-FFF2-40B4-BE49-F238E27FC236}">
-                  <a16:creationId xmlns:a16="http://schemas.microsoft.com/office/drawing/2014/main" id="{CA3FF400-64A3-CDDD-A40A-E1F9472F63B2}"/>
+                  <a16:creationId xmlns:a16="http://schemas.microsoft.com/office/drawing/2014/main" id="{5611C727-E369-D541-C7DA-E883BF6579F9}"/>
                 </a:ext>
               </a:extLst>
             </p:cNvPr>
@@ -4765,7 +3929,7 @@
           </p:nvSpPr>
           <p:spPr>
             <a:xfrm>
-              <a:off x="442805" y="4437762"/>
+              <a:off x="528530" y="4517137"/>
               <a:ext cx="274320" cy="278282"/>
             </a:xfrm>
             <a:prstGeom prst="rect">
@@ -4815,7 +3979,7 @@
             <p:cNvPr id="23" name="Rectangle 22">
               <a:extLst>
                 <a:ext uri="{FF2B5EF4-FFF2-40B4-BE49-F238E27FC236}">
-                  <a16:creationId xmlns:a16="http://schemas.microsoft.com/office/drawing/2014/main" id="{679C0314-8580-62FC-BE49-53CC7B781198}"/>
+                  <a16:creationId xmlns:a16="http://schemas.microsoft.com/office/drawing/2014/main" id="{44E0F058-0EB3-75BF-C376-EC21E9A3AF86}"/>
                 </a:ext>
               </a:extLst>
             </p:cNvPr>
@@ -4824,7 +3988,7 @@
           </p:nvSpPr>
           <p:spPr>
             <a:xfrm>
-              <a:off x="461854" y="4713873"/>
+              <a:off x="465029" y="4775468"/>
               <a:ext cx="274320" cy="278282"/>
             </a:xfrm>
             <a:prstGeom prst="rect">
@@ -4874,7 +4038,7 @@
             <p:cNvPr id="24" name="Rectangle 23">
               <a:extLst>
                 <a:ext uri="{FF2B5EF4-FFF2-40B4-BE49-F238E27FC236}">
-                  <a16:creationId xmlns:a16="http://schemas.microsoft.com/office/drawing/2014/main" id="{00997A98-4F03-CB1D-245B-26A736E82F65}"/>
+                  <a16:creationId xmlns:a16="http://schemas.microsoft.com/office/drawing/2014/main" id="{E3BC066E-4941-77E4-F160-6ACADFF5A8B3}"/>
                 </a:ext>
               </a:extLst>
             </p:cNvPr>
@@ -4883,7 +4047,7 @@
           </p:nvSpPr>
           <p:spPr>
             <a:xfrm>
-              <a:off x="1262716" y="4904246"/>
+              <a:off x="1262716" y="4964571"/>
               <a:ext cx="274320" cy="278282"/>
             </a:xfrm>
             <a:prstGeom prst="rect">
@@ -4933,7 +4097,7 @@
             <p:cNvPr id="25" name="Rectangle 24">
               <a:extLst>
                 <a:ext uri="{FF2B5EF4-FFF2-40B4-BE49-F238E27FC236}">
-                  <a16:creationId xmlns:a16="http://schemas.microsoft.com/office/drawing/2014/main" id="{E28F6693-C8A6-61BE-EEF0-E2D69C3917C5}"/>
+                  <a16:creationId xmlns:a16="http://schemas.microsoft.com/office/drawing/2014/main" id="{C8A34B3C-3DB5-4E09-02AA-1658908CE6D0}"/>
                 </a:ext>
               </a:extLst>
             </p:cNvPr>
@@ -4942,7 +4106,7 @@
           </p:nvSpPr>
           <p:spPr>
             <a:xfrm>
-              <a:off x="1224183" y="5168654"/>
+              <a:off x="1224183" y="5208343"/>
               <a:ext cx="274320" cy="278282"/>
             </a:xfrm>
             <a:prstGeom prst="rect">
@@ -4992,7 +4156,7 @@
             <p:cNvPr id="26" name="Rectangle 25">
               <a:extLst>
                 <a:ext uri="{FF2B5EF4-FFF2-40B4-BE49-F238E27FC236}">
-                  <a16:creationId xmlns:a16="http://schemas.microsoft.com/office/drawing/2014/main" id="{416592E7-37C5-84CB-6586-2E17B837674A}"/>
+                  <a16:creationId xmlns:a16="http://schemas.microsoft.com/office/drawing/2014/main" id="{77C3770E-D57F-7EC4-6192-CDABABBFC21E}"/>
                 </a:ext>
               </a:extLst>
             </p:cNvPr>
@@ -5001,7 +4165,7 @@
           </p:nvSpPr>
           <p:spPr>
             <a:xfrm>
-              <a:off x="545297" y="5496144"/>
+              <a:off x="636655" y="5345497"/>
               <a:ext cx="274320" cy="278282"/>
             </a:xfrm>
             <a:prstGeom prst="rect">
@@ -5051,7 +4215,7 @@
             <p:cNvPr id="27" name="Rectangle 26">
               <a:extLst>
                 <a:ext uri="{FF2B5EF4-FFF2-40B4-BE49-F238E27FC236}">
-                  <a16:creationId xmlns:a16="http://schemas.microsoft.com/office/drawing/2014/main" id="{8CA0D983-2EC9-6F97-975C-D2B282BF25AE}"/>
+                  <a16:creationId xmlns:a16="http://schemas.microsoft.com/office/drawing/2014/main" id="{9F99207D-E1A7-1B4B-E004-8D0E0215DFB1}"/>
                 </a:ext>
               </a:extLst>
             </p:cNvPr>
@@ -5060,7 +4224,7 @@
           </p:nvSpPr>
           <p:spPr>
             <a:xfrm>
-              <a:off x="612064" y="5702744"/>
+              <a:off x="454521" y="5666303"/>
               <a:ext cx="274320" cy="278282"/>
             </a:xfrm>
             <a:prstGeom prst="rect">
@@ -5110,7 +4274,7 @@
             <p:cNvPr id="28" name="Rectangle 27">
               <a:extLst>
                 <a:ext uri="{FF2B5EF4-FFF2-40B4-BE49-F238E27FC236}">
-                  <a16:creationId xmlns:a16="http://schemas.microsoft.com/office/drawing/2014/main" id="{CE15995B-2AF3-EC5C-FD94-AF4C9457FC1D}"/>
+                  <a16:creationId xmlns:a16="http://schemas.microsoft.com/office/drawing/2014/main" id="{D4873D18-A5EA-F3CE-AE02-762C8C0C4B99}"/>
                 </a:ext>
               </a:extLst>
             </p:cNvPr>
@@ -5119,7 +4283,7 @@
           </p:nvSpPr>
           <p:spPr>
             <a:xfrm>
-              <a:off x="1386236" y="5981026"/>
+              <a:off x="1334566" y="6057201"/>
               <a:ext cx="274320" cy="278282"/>
             </a:xfrm>
             <a:prstGeom prst="rect">
@@ -5152,7 +4316,7 @@
             <a:p>
               <a:pPr algn="ctr"/>
               <a:r>
-                <a:rPr lang="en-US" sz="700" i="1" dirty="0">
+                <a:rPr lang="en-US" sz="600" i="1" dirty="0">
                   <a:solidFill>
                     <a:srgbClr val="90719F"/>
                   </a:solidFill>
@@ -5169,7 +4333,7 @@
             <p:cNvPr id="29" name="Rectangle 28">
               <a:extLst>
                 <a:ext uri="{FF2B5EF4-FFF2-40B4-BE49-F238E27FC236}">
-                  <a16:creationId xmlns:a16="http://schemas.microsoft.com/office/drawing/2014/main" id="{38D92A6B-2E08-0E8F-D566-FAD15B7E8667}"/>
+                  <a16:creationId xmlns:a16="http://schemas.microsoft.com/office/drawing/2014/main" id="{874C82A1-B5FF-5DE5-FB6C-051A008191E3}"/>
                 </a:ext>
               </a:extLst>
             </p:cNvPr>
@@ -5178,7 +4342,7 @@
           </p:nvSpPr>
           <p:spPr>
             <a:xfrm>
-              <a:off x="1253508" y="5646692"/>
+              <a:off x="1258816" y="5756785"/>
               <a:ext cx="274320" cy="278282"/>
             </a:xfrm>
             <a:prstGeom prst="rect">
@@ -5228,7 +4392,7 @@
             <p:cNvPr id="30" name="Rectangle 29">
               <a:extLst>
                 <a:ext uri="{FF2B5EF4-FFF2-40B4-BE49-F238E27FC236}">
-                  <a16:creationId xmlns:a16="http://schemas.microsoft.com/office/drawing/2014/main" id="{2658A9E1-2979-6BE7-D274-BE1F2CF503C4}"/>
+                  <a16:creationId xmlns:a16="http://schemas.microsoft.com/office/drawing/2014/main" id="{1193AF51-7314-14CB-B545-81D73F56154B}"/>
                 </a:ext>
               </a:extLst>
             </p:cNvPr>
@@ -5237,7 +4401,7 @@
           </p:nvSpPr>
           <p:spPr>
             <a:xfrm>
-              <a:off x="287153" y="2141911"/>
+              <a:off x="287153" y="2173661"/>
               <a:ext cx="654711" cy="278282"/>
             </a:xfrm>
             <a:prstGeom prst="rect">
@@ -5287,7 +4451,7 @@
             <p:cNvPr id="31" name="Rectangle 30">
               <a:extLst>
                 <a:ext uri="{FF2B5EF4-FFF2-40B4-BE49-F238E27FC236}">
-                  <a16:creationId xmlns:a16="http://schemas.microsoft.com/office/drawing/2014/main" id="{08F508E1-D55D-1BAD-EE07-416721C4FD69}"/>
+                  <a16:creationId xmlns:a16="http://schemas.microsoft.com/office/drawing/2014/main" id="{404EF151-FD14-C4EC-0DF5-49DB685B5A6E}"/>
                 </a:ext>
               </a:extLst>
             </p:cNvPr>
@@ -5346,7 +4510,7 @@
             <p:cNvPr id="32" name="Rectangle 31">
               <a:extLst>
                 <a:ext uri="{FF2B5EF4-FFF2-40B4-BE49-F238E27FC236}">
-                  <a16:creationId xmlns:a16="http://schemas.microsoft.com/office/drawing/2014/main" id="{4C6069F3-D522-45EB-52DF-0949AEC8255F}"/>
+                  <a16:creationId xmlns:a16="http://schemas.microsoft.com/office/drawing/2014/main" id="{1648A57D-3ADD-183D-5D77-BF7B9270882F}"/>
                 </a:ext>
               </a:extLst>
             </p:cNvPr>
@@ -5355,7 +4519,7 @@
           </p:nvSpPr>
           <p:spPr>
             <a:xfrm>
-              <a:off x="1236870" y="2539421"/>
+              <a:off x="1236870" y="2558471"/>
               <a:ext cx="654711" cy="278282"/>
             </a:xfrm>
             <a:prstGeom prst="rect">
@@ -5405,7 +4569,7 @@
             <p:cNvPr id="33" name="Rectangle 32">
               <a:extLst>
                 <a:ext uri="{FF2B5EF4-FFF2-40B4-BE49-F238E27FC236}">
-                  <a16:creationId xmlns:a16="http://schemas.microsoft.com/office/drawing/2014/main" id="{FBB99BD6-4962-146C-906B-04CF564C0E59}"/>
+                  <a16:creationId xmlns:a16="http://schemas.microsoft.com/office/drawing/2014/main" id="{39A955E1-5E78-17F5-BFFC-8CAE82ED9962}"/>
                 </a:ext>
               </a:extLst>
             </p:cNvPr>
@@ -5414,7 +4578,7 @@
           </p:nvSpPr>
           <p:spPr>
             <a:xfrm>
-              <a:off x="1371087" y="2264903"/>
+              <a:off x="1371087" y="2306178"/>
               <a:ext cx="654711" cy="278282"/>
             </a:xfrm>
             <a:prstGeom prst="rect">
@@ -5464,7 +4628,7 @@
             <p:cNvPr id="34" name="Rectangle 33">
               <a:extLst>
                 <a:ext uri="{FF2B5EF4-FFF2-40B4-BE49-F238E27FC236}">
-                  <a16:creationId xmlns:a16="http://schemas.microsoft.com/office/drawing/2014/main" id="{137FBA8C-44D5-922F-0D9F-1323AB3AE805}"/>
+                  <a16:creationId xmlns:a16="http://schemas.microsoft.com/office/drawing/2014/main" id="{5C3CC700-1A3B-CE27-F6F3-55EB8EA30D00}"/>
                 </a:ext>
               </a:extLst>
             </p:cNvPr>
@@ -5473,7 +4637,7 @@
           </p:nvSpPr>
           <p:spPr>
             <a:xfrm>
-              <a:off x="571346" y="3675002"/>
+              <a:off x="571346" y="3694052"/>
               <a:ext cx="654711" cy="278282"/>
             </a:xfrm>
             <a:prstGeom prst="rect">
@@ -5523,7 +4687,7 @@
             <p:cNvPr id="35" name="Rectangle 34">
               <a:extLst>
                 <a:ext uri="{FF2B5EF4-FFF2-40B4-BE49-F238E27FC236}">
-                  <a16:creationId xmlns:a16="http://schemas.microsoft.com/office/drawing/2014/main" id="{C81FC0A0-8EE5-6699-8297-F3FE79356148}"/>
+                  <a16:creationId xmlns:a16="http://schemas.microsoft.com/office/drawing/2014/main" id="{3ECB5FC7-BE33-DA41-CDE9-C1EA0E47D477}"/>
                 </a:ext>
               </a:extLst>
             </p:cNvPr>
@@ -5532,7 +4696,7 @@
           </p:nvSpPr>
           <p:spPr>
             <a:xfrm>
-              <a:off x="1368602" y="3988117"/>
+              <a:off x="1368602" y="4026217"/>
               <a:ext cx="654711" cy="278282"/>
             </a:xfrm>
             <a:prstGeom prst="rect">
@@ -5582,7 +4746,7 @@
             <p:cNvPr id="36" name="Rectangle 35">
               <a:extLst>
                 <a:ext uri="{FF2B5EF4-FFF2-40B4-BE49-F238E27FC236}">
-                  <a16:creationId xmlns:a16="http://schemas.microsoft.com/office/drawing/2014/main" id="{C04F89F7-3787-9A63-5670-DFCEFBF7997A}"/>
+                  <a16:creationId xmlns:a16="http://schemas.microsoft.com/office/drawing/2014/main" id="{1AB7E4DA-60F6-5EE6-EE49-A0A4DEEEF8B5}"/>
                 </a:ext>
               </a:extLst>
             </p:cNvPr>
@@ -5591,7 +4755,7 @@
           </p:nvSpPr>
           <p:spPr>
             <a:xfrm>
-              <a:off x="1145166" y="4243780"/>
+              <a:off x="1145166" y="4275530"/>
               <a:ext cx="654711" cy="278282"/>
             </a:xfrm>
             <a:prstGeom prst="rect">
@@ -5641,7 +4805,7 @@
             <p:cNvPr id="37" name="Rectangle 36">
               <a:extLst>
                 <a:ext uri="{FF2B5EF4-FFF2-40B4-BE49-F238E27FC236}">
-                  <a16:creationId xmlns:a16="http://schemas.microsoft.com/office/drawing/2014/main" id="{ED4B80E6-1C8E-CB8C-3A10-7481467FC7BF}"/>
+                  <a16:creationId xmlns:a16="http://schemas.microsoft.com/office/drawing/2014/main" id="{B53965FF-08B8-BB25-F379-427815E9B78B}"/>
                 </a:ext>
               </a:extLst>
             </p:cNvPr>
@@ -5650,7 +4814,7 @@
           </p:nvSpPr>
           <p:spPr>
             <a:xfrm>
-              <a:off x="1191895" y="6198907"/>
+              <a:off x="1198245" y="6237007"/>
               <a:ext cx="777755" cy="27432"/>
             </a:xfrm>
             <a:prstGeom prst="rect">
@@ -5699,11 +4863,944 @@
             </a:p>
           </p:txBody>
         </p:sp>
+        <p:grpSp>
+          <p:nvGrpSpPr>
+            <p:cNvPr id="38" name="Group 37">
+              <a:extLst>
+                <a:ext uri="{FF2B5EF4-FFF2-40B4-BE49-F238E27FC236}">
+                  <a16:creationId xmlns:a16="http://schemas.microsoft.com/office/drawing/2014/main" id="{B6AAA8F9-959B-FD68-69E3-3DB43EB21811}"/>
+                </a:ext>
+              </a:extLst>
+            </p:cNvPr>
+            <p:cNvGrpSpPr/>
+            <p:nvPr/>
+          </p:nvGrpSpPr>
+          <p:grpSpPr>
+            <a:xfrm>
+              <a:off x="2366079" y="0"/>
+              <a:ext cx="3047141" cy="6629400"/>
+              <a:chOff x="2744766" y="0"/>
+              <a:chExt cx="3047141" cy="6629400"/>
+            </a:xfrm>
+          </p:grpSpPr>
+          <p:grpSp>
+            <p:nvGrpSpPr>
+              <p:cNvPr id="40" name="Group 39">
+                <a:extLst>
+                  <a:ext uri="{FF2B5EF4-FFF2-40B4-BE49-F238E27FC236}">
+                    <a16:creationId xmlns:a16="http://schemas.microsoft.com/office/drawing/2014/main" id="{36148C26-F36D-FDD3-DDD3-F0C5793C2D77}"/>
+                  </a:ext>
+                </a:extLst>
+              </p:cNvPr>
+              <p:cNvGrpSpPr/>
+              <p:nvPr/>
+            </p:nvGrpSpPr>
+            <p:grpSpPr>
+              <a:xfrm>
+                <a:off x="2773629" y="0"/>
+                <a:ext cx="3018278" cy="6629400"/>
+                <a:chOff x="2773629" y="0"/>
+                <a:chExt cx="3018278" cy="6629400"/>
+              </a:xfrm>
+            </p:grpSpPr>
+            <p:pic>
+              <p:nvPicPr>
+                <p:cNvPr id="56" name="Picture 55" descr="A diagram of a tree&#10;&#10;AI-generated content may be incorrect.">
+                  <a:extLst>
+                    <a:ext uri="{FF2B5EF4-FFF2-40B4-BE49-F238E27FC236}">
+                      <a16:creationId xmlns:a16="http://schemas.microsoft.com/office/drawing/2014/main" id="{653C5322-7B3F-A153-E455-40A863F726F0}"/>
+                    </a:ext>
+                  </a:extLst>
+                </p:cNvPr>
+                <p:cNvPicPr>
+                  <a:picLocks noChangeAspect="1"/>
+                </p:cNvPicPr>
+                <p:nvPr/>
+              </p:nvPicPr>
+              <p:blipFill>
+                <a:blip r:embed="rId3">
+                  <a:extLst>
+                    <a:ext uri="{28A0092B-C50C-407E-A947-70E740481C1C}">
+                      <a14:useLocalDpi xmlns:a14="http://schemas.microsoft.com/office/drawing/2010/main" val="0"/>
+                    </a:ext>
+                  </a:extLst>
+                </a:blip>
+                <a:srcRect l="19095" r="2703"/>
+                <a:stretch/>
+              </p:blipFill>
+              <p:spPr>
+                <a:xfrm>
+                  <a:off x="2773629" y="0"/>
+                  <a:ext cx="3018278" cy="6629400"/>
+                </a:xfrm>
+                <a:prstGeom prst="rect">
+                  <a:avLst/>
+                </a:prstGeom>
+              </p:spPr>
+            </p:pic>
+            <p:cxnSp>
+              <p:nvCxnSpPr>
+                <p:cNvPr id="57" name="Straight Connector 56">
+                  <a:extLst>
+                    <a:ext uri="{FF2B5EF4-FFF2-40B4-BE49-F238E27FC236}">
+                      <a16:creationId xmlns:a16="http://schemas.microsoft.com/office/drawing/2014/main" id="{28E41CF6-FF83-9C1D-3365-1716953267C8}"/>
+                    </a:ext>
+                  </a:extLst>
+                </p:cNvPr>
+                <p:cNvCxnSpPr>
+                  <a:cxnSpLocks/>
+                </p:cNvCxnSpPr>
+                <p:nvPr/>
+              </p:nvCxnSpPr>
+              <p:spPr>
+                <a:xfrm>
+                  <a:off x="2775519" y="5922851"/>
+                  <a:ext cx="0" cy="557784"/>
+                </a:xfrm>
+                <a:prstGeom prst="line">
+                  <a:avLst/>
+                </a:prstGeom>
+                <a:ln w="6350">
+                  <a:solidFill>
+                    <a:srgbClr val="282828"/>
+                  </a:solidFill>
+                </a:ln>
+              </p:spPr>
+              <p:style>
+                <a:lnRef idx="2">
+                  <a:schemeClr val="accent1"/>
+                </a:lnRef>
+                <a:fillRef idx="0">
+                  <a:schemeClr val="accent1"/>
+                </a:fillRef>
+                <a:effectRef idx="1">
+                  <a:schemeClr val="accent1"/>
+                </a:effectRef>
+                <a:fontRef idx="minor">
+                  <a:schemeClr val="tx1"/>
+                </a:fontRef>
+              </p:style>
+            </p:cxnSp>
+          </p:grpSp>
+          <p:grpSp>
+            <p:nvGrpSpPr>
+              <p:cNvPr id="41" name="Group 40">
+                <a:extLst>
+                  <a:ext uri="{FF2B5EF4-FFF2-40B4-BE49-F238E27FC236}">
+                    <a16:creationId xmlns:a16="http://schemas.microsoft.com/office/drawing/2014/main" id="{9A423602-1441-7491-3FA6-9D1746220674}"/>
+                  </a:ext>
+                </a:extLst>
+              </p:cNvPr>
+              <p:cNvGrpSpPr/>
+              <p:nvPr/>
+            </p:nvGrpSpPr>
+            <p:grpSpPr>
+              <a:xfrm>
+                <a:off x="2744766" y="38178"/>
+                <a:ext cx="1065598" cy="2050122"/>
+                <a:chOff x="2577126" y="195343"/>
+                <a:chExt cx="1065598" cy="2050122"/>
+              </a:xfrm>
+            </p:grpSpPr>
+            <p:pic>
+              <p:nvPicPr>
+                <p:cNvPr id="42" name="Picture 41" descr="A square of different colors&#10;&#10;AI-generated content may be incorrect.">
+                  <a:extLst>
+                    <a:ext uri="{FF2B5EF4-FFF2-40B4-BE49-F238E27FC236}">
+                      <a16:creationId xmlns:a16="http://schemas.microsoft.com/office/drawing/2014/main" id="{5890CE20-BF98-A191-74E3-4A2D262A89DB}"/>
+                    </a:ext>
+                  </a:extLst>
+                </p:cNvPr>
+                <p:cNvPicPr>
+                  <a:picLocks noChangeAspect="1"/>
+                </p:cNvPicPr>
+                <p:nvPr/>
+              </p:nvPicPr>
+              <p:blipFill>
+                <a:blip r:embed="rId4">
+                  <a:extLst>
+                    <a:ext uri="{28A0092B-C50C-407E-A947-70E740481C1C}">
+                      <a14:useLocalDpi xmlns:a14="http://schemas.microsoft.com/office/drawing/2010/main" val="0"/>
+                    </a:ext>
+                  </a:extLst>
+                </a:blip>
+                <a:srcRect l="30070" t="20945" r="14916" b="25529"/>
+                <a:stretch/>
+              </p:blipFill>
+              <p:spPr>
+                <a:xfrm>
+                  <a:off x="2888157" y="1018532"/>
+                  <a:ext cx="754567" cy="734159"/>
+                </a:xfrm>
+                <a:prstGeom prst="rect">
+                  <a:avLst/>
+                </a:prstGeom>
+              </p:spPr>
+            </p:pic>
+            <p:sp>
+              <p:nvSpPr>
+                <p:cNvPr id="43" name="Rectangle 42">
+                  <a:extLst>
+                    <a:ext uri="{FF2B5EF4-FFF2-40B4-BE49-F238E27FC236}">
+                      <a16:creationId xmlns:a16="http://schemas.microsoft.com/office/drawing/2014/main" id="{B9F3C763-1BB5-F9E3-16F0-6EFBE3C99A56}"/>
+                    </a:ext>
+                  </a:extLst>
+                </p:cNvPr>
+                <p:cNvSpPr/>
+                <p:nvPr/>
+              </p:nvSpPr>
+              <p:spPr>
+                <a:xfrm>
+                  <a:off x="2867295" y="1890558"/>
+                  <a:ext cx="773051" cy="354907"/>
+                </a:xfrm>
+                <a:prstGeom prst="rect">
+                  <a:avLst/>
+                </a:prstGeom>
+                <a:solidFill>
+                  <a:schemeClr val="bg1"/>
+                </a:solidFill>
+                <a:ln>
+                  <a:noFill/>
+                </a:ln>
+              </p:spPr>
+              <p:style>
+                <a:lnRef idx="2">
+                  <a:schemeClr val="accent1">
+                    <a:shade val="15000"/>
+                  </a:schemeClr>
+                </a:lnRef>
+                <a:fillRef idx="1">
+                  <a:schemeClr val="accent1"/>
+                </a:fillRef>
+                <a:effectRef idx="0">
+                  <a:schemeClr val="accent1"/>
+                </a:effectRef>
+                <a:fontRef idx="minor">
+                  <a:schemeClr val="lt1"/>
+                </a:fontRef>
+              </p:style>
+              <p:txBody>
+                <a:bodyPr rtlCol="0" anchor="ctr"/>
+                <a:lstStyle/>
+                <a:p>
+                  <a:pPr algn="ctr"/>
+                  <a:r>
+                    <a:rPr lang="en-US" sz="800" b="1" dirty="0">
+                      <a:solidFill>
+                        <a:schemeClr val="tx1"/>
+                      </a:solidFill>
+                      <a:latin typeface="Arial" panose="020B0604020202020204" pitchFamily="34" charset="0"/>
+                      <a:cs typeface="Arial" panose="020B0604020202020204" pitchFamily="34" charset="0"/>
+                    </a:rPr>
+                    <a:t>Baseline vocalization time</a:t>
+                  </a:r>
+                </a:p>
+              </p:txBody>
+            </p:sp>
+            <p:cxnSp>
+              <p:nvCxnSpPr>
+                <p:cNvPr id="44" name="Straight Connector 43">
+                  <a:extLst>
+                    <a:ext uri="{FF2B5EF4-FFF2-40B4-BE49-F238E27FC236}">
+                      <a16:creationId xmlns:a16="http://schemas.microsoft.com/office/drawing/2014/main" id="{7E1548AF-2992-8DDF-2C20-EA8C80A1DC6A}"/>
+                    </a:ext>
+                  </a:extLst>
+                </p:cNvPr>
+                <p:cNvCxnSpPr>
+                  <a:cxnSpLocks/>
+                </p:cNvCxnSpPr>
+                <p:nvPr/>
+              </p:nvCxnSpPr>
+              <p:spPr>
+                <a:xfrm flipH="1">
+                  <a:off x="2756603" y="1389472"/>
+                  <a:ext cx="866365" cy="0"/>
+                </a:xfrm>
+                <a:prstGeom prst="line">
+                  <a:avLst/>
+                </a:prstGeom>
+                <a:ln w="6350">
+                  <a:solidFill>
+                    <a:schemeClr val="tx1"/>
+                  </a:solidFill>
+                </a:ln>
+              </p:spPr>
+              <p:style>
+                <a:lnRef idx="2">
+                  <a:schemeClr val="accent1"/>
+                </a:lnRef>
+                <a:fillRef idx="0">
+                  <a:schemeClr val="accent1"/>
+                </a:fillRef>
+                <a:effectRef idx="1">
+                  <a:schemeClr val="accent1"/>
+                </a:effectRef>
+                <a:fontRef idx="minor">
+                  <a:schemeClr val="tx1"/>
+                </a:fontRef>
+              </p:style>
+            </p:cxnSp>
+            <p:grpSp>
+              <p:nvGrpSpPr>
+                <p:cNvPr id="45" name="Group 44">
+                  <a:extLst>
+                    <a:ext uri="{FF2B5EF4-FFF2-40B4-BE49-F238E27FC236}">
+                      <a16:creationId xmlns:a16="http://schemas.microsoft.com/office/drawing/2014/main" id="{A353A8BF-9408-572D-D97A-541442B9B295}"/>
+                    </a:ext>
+                  </a:extLst>
+                </p:cNvPr>
+                <p:cNvGrpSpPr/>
+                <p:nvPr/>
+              </p:nvGrpSpPr>
+              <p:grpSpPr>
+                <a:xfrm>
+                  <a:off x="3129555" y="195343"/>
+                  <a:ext cx="428065" cy="756200"/>
+                  <a:chOff x="655695" y="155352"/>
+                  <a:chExt cx="428065" cy="756200"/>
+                </a:xfrm>
+              </p:grpSpPr>
+              <p:sp>
+                <p:nvSpPr>
+                  <p:cNvPr id="52" name="Oval 51">
+                    <a:extLst>
+                      <a:ext uri="{FF2B5EF4-FFF2-40B4-BE49-F238E27FC236}">
+                        <a16:creationId xmlns:a16="http://schemas.microsoft.com/office/drawing/2014/main" id="{0169E2A8-2334-8325-802E-15E8ABB7C4B0}"/>
+                      </a:ext>
+                    </a:extLst>
+                  </p:cNvPr>
+                  <p:cNvSpPr/>
+                  <p:nvPr/>
+                </p:nvSpPr>
+                <p:spPr>
+                  <a:xfrm>
+                    <a:off x="675316" y="820112"/>
+                    <a:ext cx="91440" cy="91440"/>
+                  </a:xfrm>
+                  <a:prstGeom prst="ellipse">
+                    <a:avLst/>
+                  </a:prstGeom>
+                  <a:solidFill>
+                    <a:schemeClr val="tx1"/>
+                  </a:solidFill>
+                  <a:ln>
+                    <a:noFill/>
+                  </a:ln>
+                </p:spPr>
+                <p:style>
+                  <a:lnRef idx="2">
+                    <a:schemeClr val="accent1">
+                      <a:shade val="15000"/>
+                    </a:schemeClr>
+                  </a:lnRef>
+                  <a:fillRef idx="1">
+                    <a:schemeClr val="accent1"/>
+                  </a:fillRef>
+                  <a:effectRef idx="0">
+                    <a:schemeClr val="accent1"/>
+                  </a:effectRef>
+                  <a:fontRef idx="minor">
+                    <a:schemeClr val="lt1"/>
+                  </a:fontRef>
+                </p:style>
+                <p:txBody>
+                  <a:bodyPr rtlCol="0" anchor="ctr"/>
+                  <a:lstStyle/>
+                  <a:p>
+                    <a:pPr algn="ctr"/>
+                    <a:endParaRPr lang="en-US"/>
+                  </a:p>
+                </p:txBody>
+              </p:sp>
+              <p:sp>
+                <p:nvSpPr>
+                  <p:cNvPr id="53" name="Oval 52">
+                    <a:extLst>
+                      <a:ext uri="{FF2B5EF4-FFF2-40B4-BE49-F238E27FC236}">
+                        <a16:creationId xmlns:a16="http://schemas.microsoft.com/office/drawing/2014/main" id="{19FA37DD-FA05-C33E-F79B-4FDDF80398E3}"/>
+                      </a:ext>
+                    </a:extLst>
+                  </p:cNvPr>
+                  <p:cNvSpPr/>
+                  <p:nvPr/>
+                </p:nvSpPr>
+                <p:spPr>
+                  <a:xfrm>
+                    <a:off x="830987" y="820112"/>
+                    <a:ext cx="91440" cy="91440"/>
+                  </a:xfrm>
+                  <a:prstGeom prst="ellipse">
+                    <a:avLst/>
+                  </a:prstGeom>
+                  <a:solidFill>
+                    <a:schemeClr val="tx1"/>
+                  </a:solidFill>
+                  <a:ln>
+                    <a:noFill/>
+                  </a:ln>
+                </p:spPr>
+                <p:style>
+                  <a:lnRef idx="2">
+                    <a:schemeClr val="accent1">
+                      <a:shade val="15000"/>
+                    </a:schemeClr>
+                  </a:lnRef>
+                  <a:fillRef idx="1">
+                    <a:schemeClr val="accent1"/>
+                  </a:fillRef>
+                  <a:effectRef idx="0">
+                    <a:schemeClr val="accent1"/>
+                  </a:effectRef>
+                  <a:fontRef idx="minor">
+                    <a:schemeClr val="lt1"/>
+                  </a:fontRef>
+                </p:style>
+                <p:txBody>
+                  <a:bodyPr rtlCol="0" anchor="ctr"/>
+                  <a:lstStyle/>
+                  <a:p>
+                    <a:pPr algn="ctr"/>
+                    <a:endParaRPr lang="en-US"/>
+                  </a:p>
+                </p:txBody>
+              </p:sp>
+              <p:sp>
+                <p:nvSpPr>
+                  <p:cNvPr id="54" name="Rectangle 53">
+                    <a:extLst>
+                      <a:ext uri="{FF2B5EF4-FFF2-40B4-BE49-F238E27FC236}">
+                        <a16:creationId xmlns:a16="http://schemas.microsoft.com/office/drawing/2014/main" id="{0E1BB96B-91B0-6C5C-E689-599320720A1B}"/>
+                      </a:ext>
+                    </a:extLst>
+                  </p:cNvPr>
+                  <p:cNvSpPr/>
+                  <p:nvPr/>
+                </p:nvSpPr>
+                <p:spPr>
+                  <a:xfrm rot="17334247">
+                    <a:off x="518678" y="517182"/>
+                    <a:ext cx="508984" cy="234949"/>
+                  </a:xfrm>
+                  <a:prstGeom prst="rect">
+                    <a:avLst/>
+                  </a:prstGeom>
+                  <a:noFill/>
+                  <a:ln>
+                    <a:noFill/>
+                  </a:ln>
+                </p:spPr>
+                <p:style>
+                  <a:lnRef idx="2">
+                    <a:schemeClr val="accent1">
+                      <a:shade val="15000"/>
+                    </a:schemeClr>
+                  </a:lnRef>
+                  <a:fillRef idx="1">
+                    <a:schemeClr val="accent1"/>
+                  </a:fillRef>
+                  <a:effectRef idx="0">
+                    <a:schemeClr val="accent1"/>
+                  </a:effectRef>
+                  <a:fontRef idx="minor">
+                    <a:schemeClr val="lt1"/>
+                  </a:fontRef>
+                </p:style>
+                <p:txBody>
+                  <a:bodyPr rtlCol="0" anchor="ctr"/>
+                  <a:lstStyle/>
+                  <a:p>
+                    <a:r>
+                      <a:rPr lang="en-US" sz="900" dirty="0">
+                        <a:solidFill>
+                          <a:schemeClr val="tx1"/>
+                        </a:solidFill>
+                        <a:latin typeface="Arial" panose="020B0604020202020204" pitchFamily="34" charset="0"/>
+                        <a:cs typeface="Arial" panose="020B0604020202020204" pitchFamily="34" charset="0"/>
+                      </a:rPr>
+                      <a:t>Onset</a:t>
+                    </a:r>
+                  </a:p>
+                </p:txBody>
+              </p:sp>
+              <p:sp>
+                <p:nvSpPr>
+                  <p:cNvPr id="55" name="Rectangle 54">
+                    <a:extLst>
+                      <a:ext uri="{FF2B5EF4-FFF2-40B4-BE49-F238E27FC236}">
+                        <a16:creationId xmlns:a16="http://schemas.microsoft.com/office/drawing/2014/main" id="{4030F60A-BBC5-EB3D-FA6E-D7DF40BE67F7}"/>
+                      </a:ext>
+                    </a:extLst>
+                  </p:cNvPr>
+                  <p:cNvSpPr/>
+                  <p:nvPr/>
+                </p:nvSpPr>
+                <p:spPr>
+                  <a:xfrm rot="17334247">
+                    <a:off x="596272" y="407891"/>
+                    <a:ext cx="740027" cy="234949"/>
+                  </a:xfrm>
+                  <a:prstGeom prst="rect">
+                    <a:avLst/>
+                  </a:prstGeom>
+                  <a:noFill/>
+                  <a:ln>
+                    <a:noFill/>
+                  </a:ln>
+                </p:spPr>
+                <p:style>
+                  <a:lnRef idx="2">
+                    <a:schemeClr val="accent1">
+                      <a:shade val="15000"/>
+                    </a:schemeClr>
+                  </a:lnRef>
+                  <a:fillRef idx="1">
+                    <a:schemeClr val="accent1"/>
+                  </a:fillRef>
+                  <a:effectRef idx="0">
+                    <a:schemeClr val="accent1"/>
+                  </a:effectRef>
+                  <a:fontRef idx="minor">
+                    <a:schemeClr val="lt1"/>
+                  </a:fontRef>
+                </p:style>
+                <p:txBody>
+                  <a:bodyPr rtlCol="0" anchor="ctr"/>
+                  <a:lstStyle/>
+                  <a:p>
+                    <a:r>
+                      <a:rPr lang="en-US" sz="900" dirty="0">
+                        <a:solidFill>
+                          <a:schemeClr val="tx1"/>
+                        </a:solidFill>
+                        <a:latin typeface="Arial" panose="020B0604020202020204" pitchFamily="34" charset="0"/>
+                        <a:cs typeface="Arial" panose="020B0604020202020204" pitchFamily="34" charset="0"/>
+                      </a:rPr>
+                      <a:t>Cessation</a:t>
+                    </a:r>
+                  </a:p>
+                </p:txBody>
+              </p:sp>
+            </p:grpSp>
+            <p:sp>
+              <p:nvSpPr>
+                <p:cNvPr id="46" name="Rectangle 45">
+                  <a:extLst>
+                    <a:ext uri="{FF2B5EF4-FFF2-40B4-BE49-F238E27FC236}">
+                      <a16:creationId xmlns:a16="http://schemas.microsoft.com/office/drawing/2014/main" id="{5CC9DD57-C296-D2EC-0D2B-2B9C9A3C6415}"/>
+                    </a:ext>
+                  </a:extLst>
+                </p:cNvPr>
+                <p:cNvSpPr/>
+                <p:nvPr/>
+              </p:nvSpPr>
+              <p:spPr>
+                <a:xfrm rot="16200000">
+                  <a:off x="2521117" y="1523229"/>
+                  <a:ext cx="539339" cy="157196"/>
+                </a:xfrm>
+                <a:prstGeom prst="rect">
+                  <a:avLst/>
+                </a:prstGeom>
+                <a:noFill/>
+                <a:ln>
+                  <a:noFill/>
+                </a:ln>
+              </p:spPr>
+              <p:style>
+                <a:lnRef idx="2">
+                  <a:schemeClr val="accent1">
+                    <a:shade val="15000"/>
+                  </a:schemeClr>
+                </a:lnRef>
+                <a:fillRef idx="1">
+                  <a:schemeClr val="accent1"/>
+                </a:fillRef>
+                <a:effectRef idx="0">
+                  <a:schemeClr val="accent1"/>
+                </a:effectRef>
+                <a:fontRef idx="minor">
+                  <a:schemeClr val="lt1"/>
+                </a:fontRef>
+              </p:style>
+              <p:txBody>
+                <a:bodyPr lIns="0" rIns="0" rtlCol="0" anchor="ctr"/>
+                <a:lstStyle/>
+                <a:p>
+                  <a:pPr algn="ctr"/>
+                  <a:r>
+                    <a:rPr lang="en-US" sz="800" dirty="0">
+                      <a:solidFill>
+                        <a:schemeClr val="tx1"/>
+                      </a:solidFill>
+                      <a:latin typeface="Arial" panose="020B0604020202020204" pitchFamily="34" charset="0"/>
+                      <a:cs typeface="Arial" panose="020B0604020202020204" pitchFamily="34" charset="0"/>
+                    </a:rPr>
+                    <a:t>prolong</a:t>
+                  </a:r>
+                </a:p>
+              </p:txBody>
+            </p:sp>
+            <p:sp>
+              <p:nvSpPr>
+                <p:cNvPr id="47" name="Rectangle 46">
+                  <a:extLst>
+                    <a:ext uri="{FF2B5EF4-FFF2-40B4-BE49-F238E27FC236}">
+                      <a16:creationId xmlns:a16="http://schemas.microsoft.com/office/drawing/2014/main" id="{8F162317-AB18-E721-0ED8-5C0F7F02EBCD}"/>
+                    </a:ext>
+                  </a:extLst>
+                </p:cNvPr>
+                <p:cNvSpPr/>
+                <p:nvPr/>
+              </p:nvSpPr>
+              <p:spPr>
+                <a:xfrm rot="16200000">
+                  <a:off x="2042006" y="1378451"/>
+                  <a:ext cx="1208479" cy="138239"/>
+                </a:xfrm>
+                <a:prstGeom prst="rect">
+                  <a:avLst/>
+                </a:prstGeom>
+                <a:solidFill>
+                  <a:schemeClr val="bg1"/>
+                </a:solidFill>
+                <a:ln>
+                  <a:noFill/>
+                </a:ln>
+              </p:spPr>
+              <p:style>
+                <a:lnRef idx="2">
+                  <a:schemeClr val="accent1">
+                    <a:shade val="15000"/>
+                  </a:schemeClr>
+                </a:lnRef>
+                <a:fillRef idx="1">
+                  <a:schemeClr val="accent1"/>
+                </a:fillRef>
+                <a:effectRef idx="0">
+                  <a:schemeClr val="accent1"/>
+                </a:effectRef>
+                <a:fontRef idx="minor">
+                  <a:schemeClr val="lt1"/>
+                </a:fontRef>
+              </p:style>
+              <p:txBody>
+                <a:bodyPr rtlCol="0" anchor="ctr"/>
+                <a:lstStyle/>
+                <a:p>
+                  <a:pPr algn="ctr"/>
+                  <a:r>
+                    <a:rPr lang="en-US" sz="800" b="1" dirty="0">
+                      <a:solidFill>
+                        <a:schemeClr val="tx1"/>
+                      </a:solidFill>
+                      <a:latin typeface="Arial" panose="020B0604020202020204" pitchFamily="34" charset="0"/>
+                      <a:cs typeface="Arial" panose="020B0604020202020204" pitchFamily="34" charset="0"/>
+                    </a:rPr>
+                    <a:t>Light pollution effect</a:t>
+                  </a:r>
+                </a:p>
+              </p:txBody>
+            </p:sp>
+            <p:sp>
+              <p:nvSpPr>
+                <p:cNvPr id="48" name="Rectangle 47">
+                  <a:extLst>
+                    <a:ext uri="{FF2B5EF4-FFF2-40B4-BE49-F238E27FC236}">
+                      <a16:creationId xmlns:a16="http://schemas.microsoft.com/office/drawing/2014/main" id="{1D1EA311-A7AF-B8A0-CD35-60123D1FAEEE}"/>
+                    </a:ext>
+                  </a:extLst>
+                </p:cNvPr>
+                <p:cNvSpPr/>
+                <p:nvPr/>
+              </p:nvSpPr>
+              <p:spPr>
+                <a:xfrm>
+                  <a:off x="2895718" y="1752692"/>
+                  <a:ext cx="362028" cy="121786"/>
+                </a:xfrm>
+                <a:prstGeom prst="rect">
+                  <a:avLst/>
+                </a:prstGeom>
+                <a:solidFill>
+                  <a:schemeClr val="bg1"/>
+                </a:solidFill>
+                <a:ln>
+                  <a:noFill/>
+                </a:ln>
+              </p:spPr>
+              <p:style>
+                <a:lnRef idx="2">
+                  <a:schemeClr val="accent1">
+                    <a:shade val="15000"/>
+                  </a:schemeClr>
+                </a:lnRef>
+                <a:fillRef idx="1">
+                  <a:schemeClr val="accent1"/>
+                </a:fillRef>
+                <a:effectRef idx="0">
+                  <a:schemeClr val="accent1"/>
+                </a:effectRef>
+                <a:fontRef idx="minor">
+                  <a:schemeClr val="lt1"/>
+                </a:fontRef>
+              </p:style>
+              <p:txBody>
+                <a:bodyPr lIns="0" rIns="0" rtlCol="0" anchor="ctr"/>
+                <a:lstStyle/>
+                <a:p>
+                  <a:pPr algn="ctr"/>
+                  <a:r>
+                    <a:rPr lang="en-US" sz="800" dirty="0">
+                      <a:solidFill>
+                        <a:schemeClr val="tx1"/>
+                      </a:solidFill>
+                      <a:latin typeface="Arial" panose="020B0604020202020204" pitchFamily="34" charset="0"/>
+                      <a:cs typeface="Arial" panose="020B0604020202020204" pitchFamily="34" charset="0"/>
+                    </a:rPr>
+                    <a:t>night</a:t>
+                  </a:r>
+                </a:p>
+              </p:txBody>
+            </p:sp>
+            <p:cxnSp>
+              <p:nvCxnSpPr>
+                <p:cNvPr id="49" name="Straight Connector 48">
+                  <a:extLst>
+                    <a:ext uri="{FF2B5EF4-FFF2-40B4-BE49-F238E27FC236}">
+                      <a16:creationId xmlns:a16="http://schemas.microsoft.com/office/drawing/2014/main" id="{534A046F-9566-F91E-AD06-061EDAE983B3}"/>
+                    </a:ext>
+                  </a:extLst>
+                </p:cNvPr>
+                <p:cNvCxnSpPr>
+                  <a:cxnSpLocks/>
+                </p:cNvCxnSpPr>
+                <p:nvPr/>
+              </p:nvCxnSpPr>
+              <p:spPr>
+                <a:xfrm>
+                  <a:off x="3257746" y="1019590"/>
+                  <a:ext cx="0" cy="855945"/>
+                </a:xfrm>
+                <a:prstGeom prst="line">
+                  <a:avLst/>
+                </a:prstGeom>
+                <a:ln w="6350">
+                  <a:solidFill>
+                    <a:schemeClr val="tx1"/>
+                  </a:solidFill>
+                </a:ln>
+              </p:spPr>
+              <p:style>
+                <a:lnRef idx="2">
+                  <a:schemeClr val="accent1"/>
+                </a:lnRef>
+                <a:fillRef idx="0">
+                  <a:schemeClr val="accent1"/>
+                </a:fillRef>
+                <a:effectRef idx="1">
+                  <a:schemeClr val="accent1"/>
+                </a:effectRef>
+                <a:fontRef idx="minor">
+                  <a:schemeClr val="tx1"/>
+                </a:fontRef>
+              </p:style>
+            </p:cxnSp>
+            <p:sp>
+              <p:nvSpPr>
+                <p:cNvPr id="50" name="Rectangle 49">
+                  <a:extLst>
+                    <a:ext uri="{FF2B5EF4-FFF2-40B4-BE49-F238E27FC236}">
+                      <a16:creationId xmlns:a16="http://schemas.microsoft.com/office/drawing/2014/main" id="{E7FBAC44-F7F2-DE4A-DEA6-B3336ACED071}"/>
+                    </a:ext>
+                  </a:extLst>
+                </p:cNvPr>
+                <p:cNvSpPr/>
+                <p:nvPr/>
+              </p:nvSpPr>
+              <p:spPr>
+                <a:xfrm rot="16200000">
+                  <a:off x="2466473" y="1108860"/>
+                  <a:ext cx="654711" cy="157195"/>
+                </a:xfrm>
+                <a:prstGeom prst="rect">
+                  <a:avLst/>
+                </a:prstGeom>
+                <a:noFill/>
+                <a:ln>
+                  <a:noFill/>
+                </a:ln>
+              </p:spPr>
+              <p:style>
+                <a:lnRef idx="2">
+                  <a:schemeClr val="accent1">
+                    <a:shade val="15000"/>
+                  </a:schemeClr>
+                </a:lnRef>
+                <a:fillRef idx="1">
+                  <a:schemeClr val="accent1"/>
+                </a:fillRef>
+                <a:effectRef idx="0">
+                  <a:schemeClr val="accent1"/>
+                </a:effectRef>
+                <a:fontRef idx="minor">
+                  <a:schemeClr val="lt1"/>
+                </a:fontRef>
+              </p:style>
+              <p:txBody>
+                <a:bodyPr lIns="0" rIns="0" rtlCol="0" anchor="ctr"/>
+                <a:lstStyle/>
+                <a:p>
+                  <a:pPr algn="ctr"/>
+                  <a:r>
+                    <a:rPr lang="en-US" sz="800" dirty="0">
+                      <a:solidFill>
+                        <a:schemeClr val="tx1"/>
+                      </a:solidFill>
+                      <a:latin typeface="Arial" panose="020B0604020202020204" pitchFamily="34" charset="0"/>
+                      <a:cs typeface="Arial" panose="020B0604020202020204" pitchFamily="34" charset="0"/>
+                    </a:rPr>
+                    <a:t>shorten</a:t>
+                  </a:r>
+                  <a:endParaRPr lang="en-US" sz="700" dirty="0">
+                    <a:solidFill>
+                      <a:schemeClr val="tx1"/>
+                    </a:solidFill>
+                    <a:latin typeface="Arial" panose="020B0604020202020204" pitchFamily="34" charset="0"/>
+                    <a:cs typeface="Arial" panose="020B0604020202020204" pitchFamily="34" charset="0"/>
+                  </a:endParaRPr>
+                </a:p>
+              </p:txBody>
+            </p:sp>
+            <p:sp>
+              <p:nvSpPr>
+                <p:cNvPr id="51" name="Rectangle 50">
+                  <a:extLst>
+                    <a:ext uri="{FF2B5EF4-FFF2-40B4-BE49-F238E27FC236}">
+                      <a16:creationId xmlns:a16="http://schemas.microsoft.com/office/drawing/2014/main" id="{0373DE0A-C149-DF26-853B-4077E06D435A}"/>
+                    </a:ext>
+                  </a:extLst>
+                </p:cNvPr>
+                <p:cNvSpPr/>
+                <p:nvPr/>
+              </p:nvSpPr>
+              <p:spPr>
+                <a:xfrm>
+                  <a:off x="3266617" y="1752692"/>
+                  <a:ext cx="362028" cy="121786"/>
+                </a:xfrm>
+                <a:prstGeom prst="rect">
+                  <a:avLst/>
+                </a:prstGeom>
+                <a:solidFill>
+                  <a:schemeClr val="bg1"/>
+                </a:solidFill>
+                <a:ln>
+                  <a:noFill/>
+                </a:ln>
+              </p:spPr>
+              <p:style>
+                <a:lnRef idx="2">
+                  <a:schemeClr val="accent1">
+                    <a:shade val="15000"/>
+                  </a:schemeClr>
+                </a:lnRef>
+                <a:fillRef idx="1">
+                  <a:schemeClr val="accent1"/>
+                </a:fillRef>
+                <a:effectRef idx="0">
+                  <a:schemeClr val="accent1"/>
+                </a:effectRef>
+                <a:fontRef idx="minor">
+                  <a:schemeClr val="lt1"/>
+                </a:fontRef>
+              </p:style>
+              <p:txBody>
+                <a:bodyPr lIns="0" rIns="0" rtlCol="0" anchor="ctr"/>
+                <a:lstStyle/>
+                <a:p>
+                  <a:pPr algn="ctr"/>
+                  <a:r>
+                    <a:rPr lang="en-US" sz="800" dirty="0">
+                      <a:solidFill>
+                        <a:schemeClr val="tx1"/>
+                      </a:solidFill>
+                      <a:latin typeface="Arial" panose="020B0604020202020204" pitchFamily="34" charset="0"/>
+                      <a:cs typeface="Arial" panose="020B0604020202020204" pitchFamily="34" charset="0"/>
+                    </a:rPr>
+                    <a:t>day</a:t>
+                  </a:r>
+                </a:p>
+              </p:txBody>
+            </p:sp>
+          </p:grpSp>
+        </p:grpSp>
+        <p:sp>
+          <p:nvSpPr>
+            <p:cNvPr id="39" name="Rectangle 38">
+              <a:extLst>
+                <a:ext uri="{FF2B5EF4-FFF2-40B4-BE49-F238E27FC236}">
+                  <a16:creationId xmlns:a16="http://schemas.microsoft.com/office/drawing/2014/main" id="{EF3B538D-CD68-5102-13CA-43570AFD5B93}"/>
+                </a:ext>
+              </a:extLst>
+            </p:cNvPr>
+            <p:cNvSpPr/>
+            <p:nvPr/>
+          </p:nvSpPr>
+          <p:spPr>
+            <a:xfrm>
+              <a:off x="2183245" y="54864"/>
+              <a:ext cx="455804" cy="216838"/>
+            </a:xfrm>
+            <a:prstGeom prst="rect">
+              <a:avLst/>
+            </a:prstGeom>
+            <a:solidFill>
+              <a:schemeClr val="bg1"/>
+            </a:solidFill>
+            <a:ln>
+              <a:noFill/>
+            </a:ln>
+          </p:spPr>
+          <p:style>
+            <a:lnRef idx="2">
+              <a:schemeClr val="accent1">
+                <a:shade val="15000"/>
+              </a:schemeClr>
+            </a:lnRef>
+            <a:fillRef idx="1">
+              <a:schemeClr val="accent1"/>
+            </a:fillRef>
+            <a:effectRef idx="0">
+              <a:schemeClr val="accent1"/>
+            </a:effectRef>
+            <a:fontRef idx="minor">
+              <a:schemeClr val="lt1"/>
+            </a:fontRef>
+          </p:style>
+          <p:txBody>
+            <a:bodyPr rtlCol="0" anchor="ctr"/>
+            <a:lstStyle/>
+            <a:p>
+              <a:pPr algn="ctr"/>
+              <a:r>
+                <a:rPr lang="en-US" sz="1000" b="1" dirty="0">
+                  <a:solidFill>
+                    <a:schemeClr val="tx1"/>
+                  </a:solidFill>
+                  <a:latin typeface="Arial" panose="020B0604020202020204" pitchFamily="34" charset="0"/>
+                  <a:cs typeface="Arial" panose="020B0604020202020204" pitchFamily="34" charset="0"/>
+                </a:rPr>
+                <a:t>(B)</a:t>
+              </a:r>
+            </a:p>
+          </p:txBody>
+        </p:sp>
       </p:grpSp>
     </p:spTree>
     <p:extLst>
       <p:ext uri="{BB962C8B-B14F-4D97-AF65-F5344CB8AC3E}">
-        <p14:creationId xmlns:p14="http://schemas.microsoft.com/office/powerpoint/2010/main" val="1898159085"/>
+        <p14:creationId xmlns:p14="http://schemas.microsoft.com/office/powerpoint/2010/main" val="1110920151"/>
       </p:ext>
     </p:extLst>
   </p:cSld>
